--- a/docs/Project Design/Wesbite Design/Group Project - html design.pptx
+++ b/docs/Project Design/Wesbite Design/Group Project - html design.pptx
@@ -5,15 +5,16 @@
     <p:sldMasterId id="2147483648" r:id="rId1"/>
   </p:sldMasterIdLst>
   <p:notesMasterIdLst>
-    <p:notesMasterId r:id="rId8"/>
+    <p:notesMasterId r:id="rId9"/>
   </p:notesMasterIdLst>
   <p:sldIdLst>
     <p:sldId id="256" r:id="rId2"/>
-    <p:sldId id="257" r:id="rId3"/>
-    <p:sldId id="258" r:id="rId4"/>
-    <p:sldId id="260" r:id="rId5"/>
-    <p:sldId id="259" r:id="rId6"/>
-    <p:sldId id="261" r:id="rId7"/>
+    <p:sldId id="262" r:id="rId3"/>
+    <p:sldId id="257" r:id="rId4"/>
+    <p:sldId id="258" r:id="rId5"/>
+    <p:sldId id="260" r:id="rId6"/>
+    <p:sldId id="259" r:id="rId7"/>
+    <p:sldId id="261" r:id="rId8"/>
   </p:sldIdLst>
   <p:sldSz cx="12192000" cy="6858000"/>
   <p:notesSz cx="6858000" cy="9144000"/>
@@ -202,7 +203,7 @@
           <a:p>
             <a:fld id="{FEC7EA7C-FC10-4FAC-96D9-E8F45F75C4FA}" type="datetimeFigureOut">
               <a:rPr lang="en-GB" smtClean="0"/>
-              <a:t>23/10/2015</a:t>
+              <a:t>27/10/2015</a:t>
             </a:fld>
             <a:endParaRPr lang="en-GB"/>
           </a:p>
@@ -535,7 +536,7 @@
           <a:p>
             <a:fld id="{FBE4A5B1-9317-4F48-8B9C-BC7943CF143A}" type="slidenum">
               <a:rPr lang="en-GB" smtClean="0"/>
-              <a:t>4</a:t>
+              <a:t>5</a:t>
             </a:fld>
             <a:endParaRPr lang="en-GB"/>
           </a:p>
@@ -685,7 +686,7 @@
           <a:p>
             <a:fld id="{F226D04C-4516-47C8-8519-9D4F6A1A9545}" type="datetimeFigureOut">
               <a:rPr lang="en-GB" smtClean="0"/>
-              <a:t>23/10/2015</a:t>
+              <a:t>27/10/2015</a:t>
             </a:fld>
             <a:endParaRPr lang="en-GB"/>
           </a:p>
@@ -855,7 +856,7 @@
           <a:p>
             <a:fld id="{F226D04C-4516-47C8-8519-9D4F6A1A9545}" type="datetimeFigureOut">
               <a:rPr lang="en-GB" smtClean="0"/>
-              <a:t>23/10/2015</a:t>
+              <a:t>27/10/2015</a:t>
             </a:fld>
             <a:endParaRPr lang="en-GB"/>
           </a:p>
@@ -1035,7 +1036,7 @@
           <a:p>
             <a:fld id="{F226D04C-4516-47C8-8519-9D4F6A1A9545}" type="datetimeFigureOut">
               <a:rPr lang="en-GB" smtClean="0"/>
-              <a:t>23/10/2015</a:t>
+              <a:t>27/10/2015</a:t>
             </a:fld>
             <a:endParaRPr lang="en-GB"/>
           </a:p>
@@ -1205,7 +1206,7 @@
           <a:p>
             <a:fld id="{F226D04C-4516-47C8-8519-9D4F6A1A9545}" type="datetimeFigureOut">
               <a:rPr lang="en-GB" smtClean="0"/>
-              <a:t>23/10/2015</a:t>
+              <a:t>27/10/2015</a:t>
             </a:fld>
             <a:endParaRPr lang="en-GB"/>
           </a:p>
@@ -1451,7 +1452,7 @@
           <a:p>
             <a:fld id="{F226D04C-4516-47C8-8519-9D4F6A1A9545}" type="datetimeFigureOut">
               <a:rPr lang="en-GB" smtClean="0"/>
-              <a:t>23/10/2015</a:t>
+              <a:t>27/10/2015</a:t>
             </a:fld>
             <a:endParaRPr lang="en-GB"/>
           </a:p>
@@ -1683,7 +1684,7 @@
           <a:p>
             <a:fld id="{F226D04C-4516-47C8-8519-9D4F6A1A9545}" type="datetimeFigureOut">
               <a:rPr lang="en-GB" smtClean="0"/>
-              <a:t>23/10/2015</a:t>
+              <a:t>27/10/2015</a:t>
             </a:fld>
             <a:endParaRPr lang="en-GB"/>
           </a:p>
@@ -2050,7 +2051,7 @@
           <a:p>
             <a:fld id="{F226D04C-4516-47C8-8519-9D4F6A1A9545}" type="datetimeFigureOut">
               <a:rPr lang="en-GB" smtClean="0"/>
-              <a:t>23/10/2015</a:t>
+              <a:t>27/10/2015</a:t>
             </a:fld>
             <a:endParaRPr lang="en-GB"/>
           </a:p>
@@ -2168,7 +2169,7 @@
           <a:p>
             <a:fld id="{F226D04C-4516-47C8-8519-9D4F6A1A9545}" type="datetimeFigureOut">
               <a:rPr lang="en-GB" smtClean="0"/>
-              <a:t>23/10/2015</a:t>
+              <a:t>27/10/2015</a:t>
             </a:fld>
             <a:endParaRPr lang="en-GB"/>
           </a:p>
@@ -2263,7 +2264,7 @@
           <a:p>
             <a:fld id="{F226D04C-4516-47C8-8519-9D4F6A1A9545}" type="datetimeFigureOut">
               <a:rPr lang="en-GB" smtClean="0"/>
-              <a:t>23/10/2015</a:t>
+              <a:t>27/10/2015</a:t>
             </a:fld>
             <a:endParaRPr lang="en-GB"/>
           </a:p>
@@ -2540,7 +2541,7 @@
           <a:p>
             <a:fld id="{F226D04C-4516-47C8-8519-9D4F6A1A9545}" type="datetimeFigureOut">
               <a:rPr lang="en-GB" smtClean="0"/>
-              <a:t>23/10/2015</a:t>
+              <a:t>27/10/2015</a:t>
             </a:fld>
             <a:endParaRPr lang="en-GB"/>
           </a:p>
@@ -2793,7 +2794,7 @@
           <a:p>
             <a:fld id="{F226D04C-4516-47C8-8519-9D4F6A1A9545}" type="datetimeFigureOut">
               <a:rPr lang="en-GB" smtClean="0"/>
-              <a:t>23/10/2015</a:t>
+              <a:t>27/10/2015</a:t>
             </a:fld>
             <a:endParaRPr lang="en-GB"/>
           </a:p>
@@ -3006,7 +3007,7 @@
           <a:p>
             <a:fld id="{F226D04C-4516-47C8-8519-9D4F6A1A9545}" type="datetimeFigureOut">
               <a:rPr lang="en-GB" smtClean="0"/>
-              <a:t>23/10/2015</a:t>
+              <a:t>27/10/2015</a:t>
             </a:fld>
             <a:endParaRPr lang="en-GB"/>
           </a:p>
@@ -4392,823 +4393,149 @@
         </p:nvSpPr>
         <p:spPr>
           <a:xfrm>
-            <a:off x="3086100" y="933450"/>
-            <a:ext cx="6610350" cy="4476750"/>
-          </a:xfrm>
-          <a:prstGeom prst="rect">
-            <a:avLst/>
-          </a:prstGeom>
-          <a:solidFill>
-            <a:schemeClr val="bg1"/>
-          </a:solidFill>
-          <a:ln>
-            <a:solidFill>
-              <a:schemeClr val="tx1"/>
-            </a:solidFill>
-          </a:ln>
+            <a:off x="1678547" y="670843"/>
+            <a:ext cx="8834907" cy="5589431"/>
+          </a:xfrm>
+          <a:prstGeom prst="rect">
+            <a:avLst/>
+          </a:prstGeom>
         </p:spPr>
         <p:style>
           <a:lnRef idx="2">
-            <a:schemeClr val="accent1">
-              <a:shade val="50000"/>
-            </a:schemeClr>
+            <a:schemeClr val="dk1"/>
           </a:lnRef>
           <a:fillRef idx="1">
-            <a:schemeClr val="accent1"/>
+            <a:schemeClr val="lt1"/>
           </a:fillRef>
           <a:effectRef idx="0">
-            <a:schemeClr val="accent1"/>
+            <a:schemeClr val="dk1"/>
           </a:effectRef>
           <a:fontRef idx="minor">
-            <a:schemeClr val="lt1"/>
+            <a:schemeClr val="dk1"/>
           </a:fontRef>
         </p:style>
         <p:txBody>
-          <a:bodyPr rtlCol="0" anchor="ctr"/>
-          <a:lstStyle/>
+          <a:bodyPr rot="0" spcFirstLastPara="0" vert="horz" wrap="square" lIns="91440" tIns="45720" rIns="91440" bIns="45720" numCol="1" spcCol="0" rtlCol="0" fromWordArt="0" anchor="ctr" anchorCtr="0" forceAA="0" compatLnSpc="1">
+            <a:prstTxWarp prst="textNoShape">
+              <a:avLst/>
+            </a:prstTxWarp>
+            <a:noAutofit/>
+          </a:bodyPr>
+          <a:lstStyle>
+            <a:defPPr>
+              <a:defRPr lang="en-US"/>
+            </a:defPPr>
+            <a:lvl1pPr marL="0" algn="l" defTabSz="914400" rtl="0" eaLnBrk="1" latinLnBrk="0" hangingPunct="1">
+              <a:defRPr sz="1800" kern="1200">
+                <a:solidFill>
+                  <a:schemeClr val="dk1"/>
+                </a:solidFill>
+                <a:latin typeface="+mn-lt"/>
+                <a:ea typeface="+mn-ea"/>
+                <a:cs typeface="+mn-cs"/>
+              </a:defRPr>
+            </a:lvl1pPr>
+            <a:lvl2pPr marL="457200" algn="l" defTabSz="914400" rtl="0" eaLnBrk="1" latinLnBrk="0" hangingPunct="1">
+              <a:defRPr sz="1800" kern="1200">
+                <a:solidFill>
+                  <a:schemeClr val="dk1"/>
+                </a:solidFill>
+                <a:latin typeface="+mn-lt"/>
+                <a:ea typeface="+mn-ea"/>
+                <a:cs typeface="+mn-cs"/>
+              </a:defRPr>
+            </a:lvl2pPr>
+            <a:lvl3pPr marL="914400" algn="l" defTabSz="914400" rtl="0" eaLnBrk="1" latinLnBrk="0" hangingPunct="1">
+              <a:defRPr sz="1800" kern="1200">
+                <a:solidFill>
+                  <a:schemeClr val="dk1"/>
+                </a:solidFill>
+                <a:latin typeface="+mn-lt"/>
+                <a:ea typeface="+mn-ea"/>
+                <a:cs typeface="+mn-cs"/>
+              </a:defRPr>
+            </a:lvl3pPr>
+            <a:lvl4pPr marL="1371600" algn="l" defTabSz="914400" rtl="0" eaLnBrk="1" latinLnBrk="0" hangingPunct="1">
+              <a:defRPr sz="1800" kern="1200">
+                <a:solidFill>
+                  <a:schemeClr val="dk1"/>
+                </a:solidFill>
+                <a:latin typeface="+mn-lt"/>
+                <a:ea typeface="+mn-ea"/>
+                <a:cs typeface="+mn-cs"/>
+              </a:defRPr>
+            </a:lvl4pPr>
+            <a:lvl5pPr marL="1828800" algn="l" defTabSz="914400" rtl="0" eaLnBrk="1" latinLnBrk="0" hangingPunct="1">
+              <a:defRPr sz="1800" kern="1200">
+                <a:solidFill>
+                  <a:schemeClr val="dk1"/>
+                </a:solidFill>
+                <a:latin typeface="+mn-lt"/>
+                <a:ea typeface="+mn-ea"/>
+                <a:cs typeface="+mn-cs"/>
+              </a:defRPr>
+            </a:lvl5pPr>
+            <a:lvl6pPr marL="2286000" algn="l" defTabSz="914400" rtl="0" eaLnBrk="1" latinLnBrk="0" hangingPunct="1">
+              <a:defRPr sz="1800" kern="1200">
+                <a:solidFill>
+                  <a:schemeClr val="dk1"/>
+                </a:solidFill>
+                <a:latin typeface="+mn-lt"/>
+                <a:ea typeface="+mn-ea"/>
+                <a:cs typeface="+mn-cs"/>
+              </a:defRPr>
+            </a:lvl6pPr>
+            <a:lvl7pPr marL="2743200" algn="l" defTabSz="914400" rtl="0" eaLnBrk="1" latinLnBrk="0" hangingPunct="1">
+              <a:defRPr sz="1800" kern="1200">
+                <a:solidFill>
+                  <a:schemeClr val="dk1"/>
+                </a:solidFill>
+                <a:latin typeface="+mn-lt"/>
+                <a:ea typeface="+mn-ea"/>
+                <a:cs typeface="+mn-cs"/>
+              </a:defRPr>
+            </a:lvl7pPr>
+            <a:lvl8pPr marL="3200400" algn="l" defTabSz="914400" rtl="0" eaLnBrk="1" latinLnBrk="0" hangingPunct="1">
+              <a:defRPr sz="1800" kern="1200">
+                <a:solidFill>
+                  <a:schemeClr val="dk1"/>
+                </a:solidFill>
+                <a:latin typeface="+mn-lt"/>
+                <a:ea typeface="+mn-ea"/>
+                <a:cs typeface="+mn-cs"/>
+              </a:defRPr>
+            </a:lvl8pPr>
+            <a:lvl9pPr marL="3657600" algn="l" defTabSz="914400" rtl="0" eaLnBrk="1" latinLnBrk="0" hangingPunct="1">
+              <a:defRPr sz="1800" kern="1200">
+                <a:solidFill>
+                  <a:schemeClr val="dk1"/>
+                </a:solidFill>
+                <a:latin typeface="+mn-lt"/>
+                <a:ea typeface="+mn-ea"/>
+                <a:cs typeface="+mn-cs"/>
+              </a:defRPr>
+            </a:lvl9pPr>
+          </a:lstStyle>
           <a:p>
             <a:pPr algn="ctr"/>
-            <a:endParaRPr lang="en-GB" dirty="0"/>
-          </a:p>
-        </p:txBody>
-      </p:sp>
-      <p:sp>
-        <p:nvSpPr>
-          <p:cNvPr id="5" name="Rectangle 4"/>
-          <p:cNvSpPr/>
-          <p:nvPr/>
-        </p:nvSpPr>
-        <p:spPr>
-          <a:xfrm>
-            <a:off x="4210050" y="1257300"/>
-            <a:ext cx="4572000" cy="609600"/>
-          </a:xfrm>
-          <a:prstGeom prst="rect">
-            <a:avLst/>
-          </a:prstGeom>
-          <a:solidFill>
-            <a:schemeClr val="bg1"/>
-          </a:solidFill>
-          <a:ln>
-            <a:solidFill>
-              <a:schemeClr val="tx1"/>
-            </a:solidFill>
-          </a:ln>
-        </p:spPr>
-        <p:style>
-          <a:lnRef idx="2">
-            <a:schemeClr val="accent1">
-              <a:shade val="50000"/>
-            </a:schemeClr>
-          </a:lnRef>
-          <a:fillRef idx="1">
-            <a:schemeClr val="accent1"/>
-          </a:fillRef>
-          <a:effectRef idx="0">
-            <a:schemeClr val="accent1"/>
-          </a:effectRef>
-          <a:fontRef idx="minor">
-            <a:schemeClr val="lt1"/>
-          </a:fontRef>
-        </p:style>
-        <p:txBody>
-          <a:bodyPr rtlCol="0" anchor="ctr"/>
-          <a:lstStyle/>
-          <a:p>
-            <a:pPr algn="ctr"/>
-            <a:r>
-              <a:rPr lang="en-GB" dirty="0" smtClean="0">
-                <a:solidFill>
-                  <a:schemeClr val="tx1"/>
-                </a:solidFill>
-              </a:rPr>
-              <a:t>Username &amp; ID</a:t>
-            </a:r>
-            <a:endParaRPr lang="en-GB" dirty="0">
-              <a:solidFill>
-                <a:schemeClr val="tx1"/>
-              </a:solidFill>
-            </a:endParaRPr>
-          </a:p>
-        </p:txBody>
-      </p:sp>
-      <p:sp>
-        <p:nvSpPr>
-          <p:cNvPr id="6" name="Rectangle 5"/>
-          <p:cNvSpPr/>
-          <p:nvPr/>
-        </p:nvSpPr>
-        <p:spPr>
-          <a:xfrm>
-            <a:off x="3467100" y="2419350"/>
-            <a:ext cx="742950" cy="381000"/>
-          </a:xfrm>
-          <a:prstGeom prst="rect">
-            <a:avLst/>
-          </a:prstGeom>
-          <a:solidFill>
-            <a:schemeClr val="bg1"/>
-          </a:solidFill>
-          <a:ln>
-            <a:solidFill>
-              <a:schemeClr val="tx1"/>
-            </a:solidFill>
-          </a:ln>
-        </p:spPr>
-        <p:style>
-          <a:lnRef idx="2">
-            <a:schemeClr val="accent1">
-              <a:shade val="50000"/>
-            </a:schemeClr>
-          </a:lnRef>
-          <a:fillRef idx="1">
-            <a:schemeClr val="accent1"/>
-          </a:fillRef>
-          <a:effectRef idx="0">
-            <a:schemeClr val="accent1"/>
-          </a:effectRef>
-          <a:fontRef idx="minor">
-            <a:schemeClr val="lt1"/>
-          </a:fontRef>
-        </p:style>
-        <p:txBody>
-          <a:bodyPr rtlCol="0" anchor="ctr"/>
-          <a:lstStyle/>
-          <a:p>
-            <a:pPr algn="ctr"/>
-            <a:r>
-              <a:rPr lang="en-GB" dirty="0" smtClean="0">
-                <a:ln>
-                  <a:solidFill>
-                    <a:sysClr val="windowText" lastClr="000000"/>
-                  </a:solidFill>
-                </a:ln>
-                <a:solidFill>
-                  <a:schemeClr val="tx1"/>
-                </a:solidFill>
-              </a:rPr>
-              <a:t>Title</a:t>
-            </a:r>
-            <a:endParaRPr lang="en-GB" dirty="0">
-              <a:ln>
-                <a:solidFill>
-                  <a:sysClr val="windowText" lastClr="000000"/>
-                </a:solidFill>
-              </a:ln>
-              <a:solidFill>
-                <a:schemeClr val="tx1"/>
-              </a:solidFill>
-            </a:endParaRPr>
-          </a:p>
-        </p:txBody>
-      </p:sp>
-      <p:sp>
-        <p:nvSpPr>
-          <p:cNvPr id="7" name="Rectangle 6"/>
-          <p:cNvSpPr/>
-          <p:nvPr/>
-        </p:nvSpPr>
-        <p:spPr>
-          <a:xfrm>
-            <a:off x="4819650" y="2419350"/>
-            <a:ext cx="1409700" cy="381000"/>
-          </a:xfrm>
-          <a:prstGeom prst="rect">
-            <a:avLst/>
-          </a:prstGeom>
-          <a:solidFill>
-            <a:schemeClr val="bg1"/>
-          </a:solidFill>
-          <a:ln>
-            <a:solidFill>
-              <a:schemeClr val="tx1"/>
-            </a:solidFill>
-          </a:ln>
-        </p:spPr>
-        <p:style>
-          <a:lnRef idx="2">
-            <a:schemeClr val="accent1">
-              <a:shade val="50000"/>
-            </a:schemeClr>
-          </a:lnRef>
-          <a:fillRef idx="1">
-            <a:schemeClr val="accent1"/>
-          </a:fillRef>
-          <a:effectRef idx="0">
-            <a:schemeClr val="accent1"/>
-          </a:effectRef>
-          <a:fontRef idx="minor">
-            <a:schemeClr val="lt1"/>
-          </a:fontRef>
-        </p:style>
-        <p:txBody>
-          <a:bodyPr rtlCol="0" anchor="ctr"/>
-          <a:lstStyle/>
-          <a:p>
-            <a:pPr algn="ctr"/>
-            <a:r>
-              <a:rPr lang="en-GB" dirty="0" smtClean="0">
-                <a:ln>
-                  <a:solidFill>
-                    <a:sysClr val="windowText" lastClr="000000"/>
-                  </a:solidFill>
-                </a:ln>
-                <a:solidFill>
-                  <a:schemeClr val="tx1"/>
-                </a:solidFill>
-              </a:rPr>
-              <a:t>First Name</a:t>
-            </a:r>
-            <a:endParaRPr lang="en-GB" dirty="0">
-              <a:ln>
-                <a:solidFill>
-                  <a:sysClr val="windowText" lastClr="000000"/>
-                </a:solidFill>
-              </a:ln>
-              <a:solidFill>
-                <a:schemeClr val="tx1"/>
-              </a:solidFill>
-            </a:endParaRPr>
-          </a:p>
-        </p:txBody>
-      </p:sp>
-      <p:sp>
-        <p:nvSpPr>
-          <p:cNvPr id="8" name="Rectangle 7"/>
-          <p:cNvSpPr/>
-          <p:nvPr/>
-        </p:nvSpPr>
-        <p:spPr>
-          <a:xfrm>
-            <a:off x="6838950" y="2419350"/>
-            <a:ext cx="1409700" cy="361950"/>
-          </a:xfrm>
-          <a:prstGeom prst="rect">
-            <a:avLst/>
-          </a:prstGeom>
-          <a:solidFill>
-            <a:schemeClr val="bg1"/>
-          </a:solidFill>
-          <a:ln>
-            <a:solidFill>
-              <a:schemeClr val="tx1"/>
-            </a:solidFill>
-          </a:ln>
-        </p:spPr>
-        <p:style>
-          <a:lnRef idx="2">
-            <a:schemeClr val="accent1">
-              <a:shade val="50000"/>
-            </a:schemeClr>
-          </a:lnRef>
-          <a:fillRef idx="1">
-            <a:schemeClr val="accent1"/>
-          </a:fillRef>
-          <a:effectRef idx="0">
-            <a:schemeClr val="accent1"/>
-          </a:effectRef>
-          <a:fontRef idx="minor">
-            <a:schemeClr val="lt1"/>
-          </a:fontRef>
-        </p:style>
-        <p:txBody>
-          <a:bodyPr rtlCol="0" anchor="ctr"/>
-          <a:lstStyle/>
-          <a:p>
-            <a:pPr algn="ctr"/>
-            <a:r>
-              <a:rPr lang="en-GB" dirty="0" smtClean="0">
-                <a:ln>
-                  <a:solidFill>
-                    <a:sysClr val="windowText" lastClr="000000"/>
-                  </a:solidFill>
-                </a:ln>
-                <a:solidFill>
-                  <a:schemeClr val="tx1"/>
-                </a:solidFill>
-              </a:rPr>
-              <a:t>Surname </a:t>
-            </a:r>
-            <a:endParaRPr lang="en-GB" dirty="0">
-              <a:ln>
-                <a:solidFill>
-                  <a:sysClr val="windowText" lastClr="000000"/>
-                </a:solidFill>
-              </a:ln>
-              <a:solidFill>
-                <a:schemeClr val="tx1"/>
-              </a:solidFill>
-            </a:endParaRPr>
-          </a:p>
-        </p:txBody>
-      </p:sp>
-      <p:sp>
-        <p:nvSpPr>
-          <p:cNvPr id="9" name="Rectangle 8"/>
-          <p:cNvSpPr/>
-          <p:nvPr/>
-        </p:nvSpPr>
-        <p:spPr>
-          <a:xfrm>
-            <a:off x="3467100" y="3314699"/>
-            <a:ext cx="742950" cy="381000"/>
-          </a:xfrm>
-          <a:prstGeom prst="rect">
-            <a:avLst/>
-          </a:prstGeom>
-          <a:solidFill>
-            <a:schemeClr val="bg1"/>
-          </a:solidFill>
-          <a:ln>
-            <a:solidFill>
-              <a:schemeClr val="tx1"/>
-            </a:solidFill>
-          </a:ln>
-        </p:spPr>
-        <p:style>
-          <a:lnRef idx="2">
-            <a:schemeClr val="accent1">
-              <a:shade val="50000"/>
-            </a:schemeClr>
-          </a:lnRef>
-          <a:fillRef idx="1">
-            <a:schemeClr val="accent1"/>
-          </a:fillRef>
-          <a:effectRef idx="0">
-            <a:schemeClr val="accent1"/>
-          </a:effectRef>
-          <a:fontRef idx="minor">
-            <a:schemeClr val="lt1"/>
-          </a:fontRef>
-        </p:style>
-        <p:txBody>
-          <a:bodyPr rtlCol="0" anchor="ctr"/>
-          <a:lstStyle/>
-          <a:p>
-            <a:pPr algn="ctr"/>
-            <a:r>
-              <a:rPr lang="en-GB" dirty="0" smtClean="0">
-                <a:ln>
-                  <a:solidFill>
-                    <a:sysClr val="windowText" lastClr="000000"/>
-                  </a:solidFill>
-                </a:ln>
-                <a:solidFill>
-                  <a:schemeClr val="tx1"/>
-                </a:solidFill>
-              </a:rPr>
-              <a:t>D.O.B</a:t>
-            </a:r>
-            <a:endParaRPr lang="en-GB" dirty="0">
-              <a:ln>
-                <a:solidFill>
-                  <a:sysClr val="windowText" lastClr="000000"/>
-                </a:solidFill>
-              </a:ln>
-              <a:solidFill>
-                <a:schemeClr val="tx1"/>
-              </a:solidFill>
-            </a:endParaRPr>
-          </a:p>
-        </p:txBody>
-      </p:sp>
-      <p:sp>
-        <p:nvSpPr>
-          <p:cNvPr id="10" name="Rectangle 9"/>
-          <p:cNvSpPr/>
-          <p:nvPr/>
-        </p:nvSpPr>
-        <p:spPr>
-          <a:xfrm>
-            <a:off x="4591050" y="3290887"/>
-            <a:ext cx="1933575" cy="390525"/>
-          </a:xfrm>
-          <a:prstGeom prst="rect">
-            <a:avLst/>
-          </a:prstGeom>
-          <a:solidFill>
-            <a:schemeClr val="bg1"/>
-          </a:solidFill>
-          <a:ln>
-            <a:solidFill>
-              <a:schemeClr val="tx1"/>
-            </a:solidFill>
-          </a:ln>
-        </p:spPr>
-        <p:style>
-          <a:lnRef idx="2">
-            <a:schemeClr val="accent1">
-              <a:shade val="50000"/>
-            </a:schemeClr>
-          </a:lnRef>
-          <a:fillRef idx="1">
-            <a:schemeClr val="accent1"/>
-          </a:fillRef>
-          <a:effectRef idx="0">
-            <a:schemeClr val="accent1"/>
-          </a:effectRef>
-          <a:fontRef idx="minor">
-            <a:schemeClr val="lt1"/>
-          </a:fontRef>
-        </p:style>
-        <p:txBody>
-          <a:bodyPr rtlCol="0" anchor="ctr"/>
-          <a:lstStyle/>
-          <a:p>
-            <a:pPr algn="ctr"/>
-            <a:r>
-              <a:rPr lang="en-GB" dirty="0" smtClean="0">
-                <a:ln>
-                  <a:solidFill>
-                    <a:sysClr val="windowText" lastClr="000000"/>
-                  </a:solidFill>
-                </a:ln>
-                <a:solidFill>
-                  <a:schemeClr val="tx1"/>
-                </a:solidFill>
-              </a:rPr>
-              <a:t>Address Line 1</a:t>
-            </a:r>
-            <a:endParaRPr lang="en-GB" dirty="0">
-              <a:ln>
-                <a:solidFill>
-                  <a:sysClr val="windowText" lastClr="000000"/>
-                </a:solidFill>
-              </a:ln>
-              <a:solidFill>
-                <a:schemeClr val="tx1"/>
-              </a:solidFill>
-            </a:endParaRPr>
-          </a:p>
-        </p:txBody>
-      </p:sp>
-      <p:sp>
-        <p:nvSpPr>
-          <p:cNvPr id="11" name="Rectangle 10"/>
-          <p:cNvSpPr/>
-          <p:nvPr/>
-        </p:nvSpPr>
-        <p:spPr>
-          <a:xfrm>
-            <a:off x="6738937" y="3290887"/>
-            <a:ext cx="1304926" cy="361950"/>
-          </a:xfrm>
-          <a:prstGeom prst="rect">
-            <a:avLst/>
-          </a:prstGeom>
-          <a:solidFill>
-            <a:schemeClr val="bg1"/>
-          </a:solidFill>
-          <a:ln>
-            <a:solidFill>
-              <a:schemeClr val="tx1"/>
-            </a:solidFill>
-          </a:ln>
-        </p:spPr>
-        <p:style>
-          <a:lnRef idx="2">
-            <a:schemeClr val="accent1">
-              <a:shade val="50000"/>
-            </a:schemeClr>
-          </a:lnRef>
-          <a:fillRef idx="1">
-            <a:schemeClr val="accent1"/>
-          </a:fillRef>
-          <a:effectRef idx="0">
-            <a:schemeClr val="accent1"/>
-          </a:effectRef>
-          <a:fontRef idx="minor">
-            <a:schemeClr val="lt1"/>
-          </a:fontRef>
-        </p:style>
-        <p:txBody>
-          <a:bodyPr rtlCol="0" anchor="ctr"/>
-          <a:lstStyle/>
-          <a:p>
-            <a:pPr algn="ctr"/>
-            <a:r>
-              <a:rPr lang="en-GB" dirty="0" smtClean="0">
-                <a:ln>
-                  <a:solidFill>
-                    <a:sysClr val="windowText" lastClr="000000"/>
-                  </a:solidFill>
-                </a:ln>
-                <a:solidFill>
-                  <a:schemeClr val="tx1"/>
-                </a:solidFill>
-              </a:rPr>
-              <a:t>Postcode </a:t>
-            </a:r>
-            <a:endParaRPr lang="en-GB" dirty="0">
-              <a:ln>
-                <a:solidFill>
-                  <a:sysClr val="windowText" lastClr="000000"/>
-                </a:solidFill>
-              </a:ln>
-              <a:solidFill>
-                <a:schemeClr val="tx1"/>
-              </a:solidFill>
-            </a:endParaRPr>
-          </a:p>
-        </p:txBody>
-      </p:sp>
-      <p:sp>
-        <p:nvSpPr>
-          <p:cNvPr id="12" name="Rectangle 11"/>
-          <p:cNvSpPr/>
-          <p:nvPr/>
-        </p:nvSpPr>
-        <p:spPr>
-          <a:xfrm>
-            <a:off x="8334375" y="3240880"/>
-            <a:ext cx="1071562" cy="490537"/>
-          </a:xfrm>
-          <a:prstGeom prst="rect">
-            <a:avLst/>
-          </a:prstGeom>
-          <a:solidFill>
-            <a:schemeClr val="bg1"/>
-          </a:solidFill>
-          <a:ln>
-            <a:solidFill>
-              <a:schemeClr val="tx1"/>
-            </a:solidFill>
-          </a:ln>
-        </p:spPr>
-        <p:style>
-          <a:lnRef idx="2">
-            <a:schemeClr val="accent1">
-              <a:shade val="50000"/>
-            </a:schemeClr>
-          </a:lnRef>
-          <a:fillRef idx="1">
-            <a:schemeClr val="accent1"/>
-          </a:fillRef>
-          <a:effectRef idx="0">
-            <a:schemeClr val="accent1"/>
-          </a:effectRef>
-          <a:fontRef idx="minor">
-            <a:schemeClr val="lt1"/>
-          </a:fontRef>
-        </p:style>
-        <p:txBody>
-          <a:bodyPr rtlCol="0" anchor="ctr"/>
-          <a:lstStyle/>
-          <a:p>
-            <a:pPr algn="ctr"/>
-            <a:r>
-              <a:rPr lang="en-GB" sz="1200" dirty="0" smtClean="0">
-                <a:ln>
-                  <a:solidFill>
-                    <a:sysClr val="windowText" lastClr="000000"/>
-                  </a:solidFill>
-                </a:ln>
-                <a:solidFill>
-                  <a:schemeClr val="tx1"/>
-                </a:solidFill>
-              </a:rPr>
-              <a:t>County &amp; Country</a:t>
-            </a:r>
-            <a:endParaRPr lang="en-GB" sz="1200" dirty="0">
-              <a:ln>
-                <a:solidFill>
-                  <a:sysClr val="windowText" lastClr="000000"/>
-                </a:solidFill>
-              </a:ln>
-              <a:solidFill>
-                <a:schemeClr val="tx1"/>
-              </a:solidFill>
-            </a:endParaRPr>
-          </a:p>
-        </p:txBody>
-      </p:sp>
-      <p:sp>
-        <p:nvSpPr>
-          <p:cNvPr id="13" name="Rectangle 12"/>
-          <p:cNvSpPr/>
-          <p:nvPr/>
-        </p:nvSpPr>
-        <p:spPr>
-          <a:xfrm>
-            <a:off x="4210051" y="3945059"/>
-            <a:ext cx="2019300" cy="381000"/>
-          </a:xfrm>
-          <a:prstGeom prst="rect">
-            <a:avLst/>
-          </a:prstGeom>
-          <a:solidFill>
-            <a:schemeClr val="bg1"/>
-          </a:solidFill>
-          <a:ln>
-            <a:solidFill>
-              <a:schemeClr val="tx1"/>
-            </a:solidFill>
-          </a:ln>
-        </p:spPr>
-        <p:style>
-          <a:lnRef idx="2">
-            <a:schemeClr val="accent1">
-              <a:shade val="50000"/>
-            </a:schemeClr>
-          </a:lnRef>
-          <a:fillRef idx="1">
-            <a:schemeClr val="accent1"/>
-          </a:fillRef>
-          <a:effectRef idx="0">
-            <a:schemeClr val="accent1"/>
-          </a:effectRef>
-          <a:fontRef idx="minor">
-            <a:schemeClr val="lt1"/>
-          </a:fontRef>
-        </p:style>
-        <p:txBody>
-          <a:bodyPr rtlCol="0" anchor="ctr"/>
-          <a:lstStyle/>
-          <a:p>
-            <a:pPr algn="ctr"/>
-            <a:r>
-              <a:rPr lang="en-GB" dirty="0" smtClean="0">
-                <a:ln>
-                  <a:solidFill>
-                    <a:sysClr val="windowText" lastClr="000000"/>
-                  </a:solidFill>
-                </a:ln>
-                <a:solidFill>
-                  <a:schemeClr val="tx1"/>
-                </a:solidFill>
-              </a:rPr>
-              <a:t>Company start date </a:t>
-            </a:r>
-            <a:endParaRPr lang="en-GB" dirty="0">
-              <a:ln>
-                <a:solidFill>
-                  <a:sysClr val="windowText" lastClr="000000"/>
-                </a:solidFill>
-              </a:ln>
-              <a:solidFill>
-                <a:schemeClr val="tx1"/>
-              </a:solidFill>
-            </a:endParaRPr>
-          </a:p>
-        </p:txBody>
-      </p:sp>
-      <p:sp>
-        <p:nvSpPr>
-          <p:cNvPr id="14" name="Rectangle 13"/>
-          <p:cNvSpPr/>
-          <p:nvPr/>
-        </p:nvSpPr>
-        <p:spPr>
-          <a:xfrm>
-            <a:off x="6738937" y="3905250"/>
-            <a:ext cx="1737977" cy="381000"/>
-          </a:xfrm>
-          <a:prstGeom prst="rect">
-            <a:avLst/>
-          </a:prstGeom>
-          <a:solidFill>
-            <a:schemeClr val="bg1"/>
-          </a:solidFill>
-          <a:ln>
-            <a:solidFill>
-              <a:schemeClr val="tx1"/>
-            </a:solidFill>
-          </a:ln>
-        </p:spPr>
-        <p:style>
-          <a:lnRef idx="2">
-            <a:schemeClr val="accent1">
-              <a:shade val="50000"/>
-            </a:schemeClr>
-          </a:lnRef>
-          <a:fillRef idx="1">
-            <a:schemeClr val="accent1"/>
-          </a:fillRef>
-          <a:effectRef idx="0">
-            <a:schemeClr val="accent1"/>
-          </a:effectRef>
-          <a:fontRef idx="minor">
-            <a:schemeClr val="lt1"/>
-          </a:fontRef>
-        </p:style>
-        <p:txBody>
-          <a:bodyPr rtlCol="0" anchor="ctr"/>
-          <a:lstStyle/>
-          <a:p>
-            <a:pPr algn="ctr"/>
-            <a:r>
-              <a:rPr lang="en-GB" dirty="0" smtClean="0">
-                <a:ln>
-                  <a:solidFill>
-                    <a:sysClr val="windowText" lastClr="000000"/>
-                  </a:solidFill>
-                </a:ln>
-                <a:solidFill>
-                  <a:schemeClr val="tx1"/>
-                </a:solidFill>
-              </a:rPr>
-              <a:t>Company role </a:t>
-            </a:r>
-            <a:endParaRPr lang="en-GB" dirty="0">
-              <a:ln>
-                <a:solidFill>
-                  <a:sysClr val="windowText" lastClr="000000"/>
-                </a:solidFill>
-              </a:ln>
-              <a:solidFill>
-                <a:schemeClr val="tx1"/>
-              </a:solidFill>
-            </a:endParaRPr>
-          </a:p>
-        </p:txBody>
-      </p:sp>
-      <p:sp>
-        <p:nvSpPr>
-          <p:cNvPr id="15" name="Rectangle 14"/>
-          <p:cNvSpPr/>
-          <p:nvPr/>
-        </p:nvSpPr>
-        <p:spPr>
-          <a:xfrm>
-            <a:off x="5486400" y="4607045"/>
-            <a:ext cx="2019300" cy="498353"/>
-          </a:xfrm>
-          <a:prstGeom prst="rect">
-            <a:avLst/>
-          </a:prstGeom>
-          <a:solidFill>
-            <a:schemeClr val="bg1"/>
-          </a:solidFill>
-          <a:ln>
-            <a:solidFill>
-              <a:schemeClr val="tx1"/>
-            </a:solidFill>
-          </a:ln>
-        </p:spPr>
-        <p:style>
-          <a:lnRef idx="2">
-            <a:schemeClr val="accent1">
-              <a:shade val="50000"/>
-            </a:schemeClr>
-          </a:lnRef>
-          <a:fillRef idx="1">
-            <a:schemeClr val="accent1"/>
-          </a:fillRef>
-          <a:effectRef idx="0">
-            <a:schemeClr val="accent1"/>
-          </a:effectRef>
-          <a:fontRef idx="minor">
-            <a:schemeClr val="lt1"/>
-          </a:fontRef>
-        </p:style>
-        <p:txBody>
-          <a:bodyPr rtlCol="0" anchor="ctr"/>
-          <a:lstStyle/>
-          <a:p>
-            <a:pPr algn="ctr"/>
-            <a:r>
-              <a:rPr lang="en-GB" dirty="0" smtClean="0">
-                <a:ln>
-                  <a:solidFill>
-                    <a:sysClr val="windowText" lastClr="000000"/>
-                  </a:solidFill>
-                </a:ln>
-                <a:solidFill>
-                  <a:schemeClr val="tx1"/>
-                </a:solidFill>
-              </a:rPr>
-              <a:t>Change Information </a:t>
-            </a:r>
-            <a:endParaRPr lang="en-GB" dirty="0">
-              <a:ln>
-                <a:solidFill>
-                  <a:sysClr val="windowText" lastClr="000000"/>
-                </a:solidFill>
-              </a:ln>
-              <a:solidFill>
-                <a:schemeClr val="tx1"/>
-              </a:solidFill>
-            </a:endParaRPr>
+            <a:endParaRPr lang="pl-PL"/>
           </a:p>
         </p:txBody>
       </p:sp>
       <p:cxnSp>
         <p:nvCxnSpPr>
-          <p:cNvPr id="3" name="Straight Arrow Connector 2"/>
+          <p:cNvPr id="5" name="Straight Connector 4"/>
           <p:cNvCxnSpPr/>
           <p:nvPr/>
         </p:nvCxnSpPr>
         <p:spPr>
           <a:xfrm>
-            <a:off x="2730321" y="844170"/>
-            <a:ext cx="1479729" cy="649779"/>
-          </a:xfrm>
-          <a:prstGeom prst="straightConnector1">
-            <a:avLst/>
-          </a:prstGeom>
-          <a:ln>
-            <a:tailEnd type="triangle"/>
-          </a:ln>
+            <a:off x="1665668" y="902663"/>
+            <a:ext cx="8847786" cy="0"/>
+          </a:xfrm>
+          <a:prstGeom prst="line">
+            <a:avLst/>
+          </a:prstGeom>
         </p:spPr>
         <p:style>
           <a:lnRef idx="1">
@@ -5227,14 +4554,151 @@
       </p:cxnSp>
       <p:sp>
         <p:nvSpPr>
-          <p:cNvPr id="16" name="TextBox 15"/>
+          <p:cNvPr id="6" name="Rectangle 5"/>
+          <p:cNvSpPr/>
+          <p:nvPr/>
+        </p:nvSpPr>
+        <p:spPr>
+          <a:xfrm flipV="1">
+            <a:off x="10075573" y="715920"/>
+            <a:ext cx="115910" cy="141666"/>
+          </a:xfrm>
+          <a:prstGeom prst="rect">
+            <a:avLst/>
+          </a:prstGeom>
+        </p:spPr>
+        <p:style>
+          <a:lnRef idx="2">
+            <a:schemeClr val="dk1"/>
+          </a:lnRef>
+          <a:fillRef idx="1">
+            <a:schemeClr val="lt1"/>
+          </a:fillRef>
+          <a:effectRef idx="0">
+            <a:schemeClr val="dk1"/>
+          </a:effectRef>
+          <a:fontRef idx="minor">
+            <a:schemeClr val="dk1"/>
+          </a:fontRef>
+        </p:style>
+        <p:txBody>
+          <a:bodyPr rot="0" spcFirstLastPara="0" vert="horz" wrap="square" lIns="91440" tIns="45720" rIns="91440" bIns="45720" numCol="1" spcCol="0" rtlCol="0" fromWordArt="0" anchor="ctr" anchorCtr="0" forceAA="0" compatLnSpc="1">
+            <a:prstTxWarp prst="textNoShape">
+              <a:avLst/>
+            </a:prstTxWarp>
+            <a:noAutofit/>
+          </a:bodyPr>
+          <a:lstStyle>
+            <a:defPPr>
+              <a:defRPr lang="en-US"/>
+            </a:defPPr>
+            <a:lvl1pPr marL="0" algn="l" defTabSz="914400" rtl="0" eaLnBrk="1" latinLnBrk="0" hangingPunct="1">
+              <a:defRPr sz="1800" kern="1200">
+                <a:solidFill>
+                  <a:schemeClr val="dk1"/>
+                </a:solidFill>
+                <a:latin typeface="+mn-lt"/>
+                <a:ea typeface="+mn-ea"/>
+                <a:cs typeface="+mn-cs"/>
+              </a:defRPr>
+            </a:lvl1pPr>
+            <a:lvl2pPr marL="457200" algn="l" defTabSz="914400" rtl="0" eaLnBrk="1" latinLnBrk="0" hangingPunct="1">
+              <a:defRPr sz="1800" kern="1200">
+                <a:solidFill>
+                  <a:schemeClr val="dk1"/>
+                </a:solidFill>
+                <a:latin typeface="+mn-lt"/>
+                <a:ea typeface="+mn-ea"/>
+                <a:cs typeface="+mn-cs"/>
+              </a:defRPr>
+            </a:lvl2pPr>
+            <a:lvl3pPr marL="914400" algn="l" defTabSz="914400" rtl="0" eaLnBrk="1" latinLnBrk="0" hangingPunct="1">
+              <a:defRPr sz="1800" kern="1200">
+                <a:solidFill>
+                  <a:schemeClr val="dk1"/>
+                </a:solidFill>
+                <a:latin typeface="+mn-lt"/>
+                <a:ea typeface="+mn-ea"/>
+                <a:cs typeface="+mn-cs"/>
+              </a:defRPr>
+            </a:lvl3pPr>
+            <a:lvl4pPr marL="1371600" algn="l" defTabSz="914400" rtl="0" eaLnBrk="1" latinLnBrk="0" hangingPunct="1">
+              <a:defRPr sz="1800" kern="1200">
+                <a:solidFill>
+                  <a:schemeClr val="dk1"/>
+                </a:solidFill>
+                <a:latin typeface="+mn-lt"/>
+                <a:ea typeface="+mn-ea"/>
+                <a:cs typeface="+mn-cs"/>
+              </a:defRPr>
+            </a:lvl4pPr>
+            <a:lvl5pPr marL="1828800" algn="l" defTabSz="914400" rtl="0" eaLnBrk="1" latinLnBrk="0" hangingPunct="1">
+              <a:defRPr sz="1800" kern="1200">
+                <a:solidFill>
+                  <a:schemeClr val="dk1"/>
+                </a:solidFill>
+                <a:latin typeface="+mn-lt"/>
+                <a:ea typeface="+mn-ea"/>
+                <a:cs typeface="+mn-cs"/>
+              </a:defRPr>
+            </a:lvl5pPr>
+            <a:lvl6pPr marL="2286000" algn="l" defTabSz="914400" rtl="0" eaLnBrk="1" latinLnBrk="0" hangingPunct="1">
+              <a:defRPr sz="1800" kern="1200">
+                <a:solidFill>
+                  <a:schemeClr val="dk1"/>
+                </a:solidFill>
+                <a:latin typeface="+mn-lt"/>
+                <a:ea typeface="+mn-ea"/>
+                <a:cs typeface="+mn-cs"/>
+              </a:defRPr>
+            </a:lvl6pPr>
+            <a:lvl7pPr marL="2743200" algn="l" defTabSz="914400" rtl="0" eaLnBrk="1" latinLnBrk="0" hangingPunct="1">
+              <a:defRPr sz="1800" kern="1200">
+                <a:solidFill>
+                  <a:schemeClr val="dk1"/>
+                </a:solidFill>
+                <a:latin typeface="+mn-lt"/>
+                <a:ea typeface="+mn-ea"/>
+                <a:cs typeface="+mn-cs"/>
+              </a:defRPr>
+            </a:lvl7pPr>
+            <a:lvl8pPr marL="3200400" algn="l" defTabSz="914400" rtl="0" eaLnBrk="1" latinLnBrk="0" hangingPunct="1">
+              <a:defRPr sz="1800" kern="1200">
+                <a:solidFill>
+                  <a:schemeClr val="dk1"/>
+                </a:solidFill>
+                <a:latin typeface="+mn-lt"/>
+                <a:ea typeface="+mn-ea"/>
+                <a:cs typeface="+mn-cs"/>
+              </a:defRPr>
+            </a:lvl8pPr>
+            <a:lvl9pPr marL="3657600" algn="l" defTabSz="914400" rtl="0" eaLnBrk="1" latinLnBrk="0" hangingPunct="1">
+              <a:defRPr sz="1800" kern="1200">
+                <a:solidFill>
+                  <a:schemeClr val="dk1"/>
+                </a:solidFill>
+                <a:latin typeface="+mn-lt"/>
+                <a:ea typeface="+mn-ea"/>
+                <a:cs typeface="+mn-cs"/>
+              </a:defRPr>
+            </a:lvl9pPr>
+          </a:lstStyle>
+          <a:p>
+            <a:pPr algn="ctr"/>
+            <a:endParaRPr lang="pl-PL"/>
+          </a:p>
+        </p:txBody>
+      </p:sp>
+      <p:sp>
+        <p:nvSpPr>
+          <p:cNvPr id="7" name="TextBox 7"/>
           <p:cNvSpPr txBox="1"/>
           <p:nvPr/>
         </p:nvSpPr>
         <p:spPr>
           <a:xfrm>
-            <a:off x="824247" y="514649"/>
-            <a:ext cx="4959371" cy="369332"/>
+            <a:off x="10204361" y="597725"/>
+            <a:ext cx="309093" cy="369332"/>
           </a:xfrm>
           <a:prstGeom prst="rect">
             <a:avLst/>
@@ -5242,55 +4706,141 @@
           <a:noFill/>
         </p:spPr>
         <p:txBody>
-          <a:bodyPr wrap="none" rtlCol="0">
+          <a:bodyPr wrap="square" rtlCol="0">
             <a:spAutoFit/>
           </a:bodyPr>
-          <a:lstStyle/>
+          <a:lstStyle>
+            <a:defPPr>
+              <a:defRPr lang="en-US"/>
+            </a:defPPr>
+            <a:lvl1pPr marL="0" algn="l" defTabSz="914400" rtl="0" eaLnBrk="1" latinLnBrk="0" hangingPunct="1">
+              <a:defRPr sz="1800" kern="1200">
+                <a:solidFill>
+                  <a:schemeClr val="tx1"/>
+                </a:solidFill>
+                <a:latin typeface="+mn-lt"/>
+                <a:ea typeface="+mn-ea"/>
+                <a:cs typeface="+mn-cs"/>
+              </a:defRPr>
+            </a:lvl1pPr>
+            <a:lvl2pPr marL="457200" algn="l" defTabSz="914400" rtl="0" eaLnBrk="1" latinLnBrk="0" hangingPunct="1">
+              <a:defRPr sz="1800" kern="1200">
+                <a:solidFill>
+                  <a:schemeClr val="tx1"/>
+                </a:solidFill>
+                <a:latin typeface="+mn-lt"/>
+                <a:ea typeface="+mn-ea"/>
+                <a:cs typeface="+mn-cs"/>
+              </a:defRPr>
+            </a:lvl2pPr>
+            <a:lvl3pPr marL="914400" algn="l" defTabSz="914400" rtl="0" eaLnBrk="1" latinLnBrk="0" hangingPunct="1">
+              <a:defRPr sz="1800" kern="1200">
+                <a:solidFill>
+                  <a:schemeClr val="tx1"/>
+                </a:solidFill>
+                <a:latin typeface="+mn-lt"/>
+                <a:ea typeface="+mn-ea"/>
+                <a:cs typeface="+mn-cs"/>
+              </a:defRPr>
+            </a:lvl3pPr>
+            <a:lvl4pPr marL="1371600" algn="l" defTabSz="914400" rtl="0" eaLnBrk="1" latinLnBrk="0" hangingPunct="1">
+              <a:defRPr sz="1800" kern="1200">
+                <a:solidFill>
+                  <a:schemeClr val="tx1"/>
+                </a:solidFill>
+                <a:latin typeface="+mn-lt"/>
+                <a:ea typeface="+mn-ea"/>
+                <a:cs typeface="+mn-cs"/>
+              </a:defRPr>
+            </a:lvl4pPr>
+            <a:lvl5pPr marL="1828800" algn="l" defTabSz="914400" rtl="0" eaLnBrk="1" latinLnBrk="0" hangingPunct="1">
+              <a:defRPr sz="1800" kern="1200">
+                <a:solidFill>
+                  <a:schemeClr val="tx1"/>
+                </a:solidFill>
+                <a:latin typeface="+mn-lt"/>
+                <a:ea typeface="+mn-ea"/>
+                <a:cs typeface="+mn-cs"/>
+              </a:defRPr>
+            </a:lvl5pPr>
+            <a:lvl6pPr marL="2286000" algn="l" defTabSz="914400" rtl="0" eaLnBrk="1" latinLnBrk="0" hangingPunct="1">
+              <a:defRPr sz="1800" kern="1200">
+                <a:solidFill>
+                  <a:schemeClr val="tx1"/>
+                </a:solidFill>
+                <a:latin typeface="+mn-lt"/>
+                <a:ea typeface="+mn-ea"/>
+                <a:cs typeface="+mn-cs"/>
+              </a:defRPr>
+            </a:lvl6pPr>
+            <a:lvl7pPr marL="2743200" algn="l" defTabSz="914400" rtl="0" eaLnBrk="1" latinLnBrk="0" hangingPunct="1">
+              <a:defRPr sz="1800" kern="1200">
+                <a:solidFill>
+                  <a:schemeClr val="tx1"/>
+                </a:solidFill>
+                <a:latin typeface="+mn-lt"/>
+                <a:ea typeface="+mn-ea"/>
+                <a:cs typeface="+mn-cs"/>
+              </a:defRPr>
+            </a:lvl7pPr>
+            <a:lvl8pPr marL="3200400" algn="l" defTabSz="914400" rtl="0" eaLnBrk="1" latinLnBrk="0" hangingPunct="1">
+              <a:defRPr sz="1800" kern="1200">
+                <a:solidFill>
+                  <a:schemeClr val="tx1"/>
+                </a:solidFill>
+                <a:latin typeface="+mn-lt"/>
+                <a:ea typeface="+mn-ea"/>
+                <a:cs typeface="+mn-cs"/>
+              </a:defRPr>
+            </a:lvl8pPr>
+            <a:lvl9pPr marL="3657600" algn="l" defTabSz="914400" rtl="0" eaLnBrk="1" latinLnBrk="0" hangingPunct="1">
+              <a:defRPr sz="1800" kern="1200">
+                <a:solidFill>
+                  <a:schemeClr val="tx1"/>
+                </a:solidFill>
+                <a:latin typeface="+mn-lt"/>
+                <a:ea typeface="+mn-ea"/>
+                <a:cs typeface="+mn-cs"/>
+              </a:defRPr>
+            </a:lvl9pPr>
+          </a:lstStyle>
           <a:p>
             <a:r>
               <a:rPr lang="en-GB" dirty="0" smtClean="0"/>
-              <a:t>The User </a:t>
-            </a:r>
-            <a:r>
-              <a:rPr lang="en-GB" dirty="0"/>
-              <a:t> </a:t>
-            </a:r>
-            <a:r>
-              <a:rPr lang="en-GB" dirty="0" smtClean="0"/>
-              <a:t>ID must be entered for security purposes</a:t>
-            </a:r>
-            <a:endParaRPr lang="en-GB" dirty="0"/>
+              <a:t>x</a:t>
+            </a:r>
+            <a:endParaRPr lang="pl-PL" dirty="0"/>
           </a:p>
         </p:txBody>
       </p:sp>
       <p:cxnSp>
         <p:nvCxnSpPr>
-          <p:cNvPr id="21" name="Straight Arrow Connector 20"/>
-          <p:cNvCxnSpPr>
-            <a:endCxn id="6" idx="1"/>
-          </p:cNvCxnSpPr>
+          <p:cNvPr id="8" name="Straight Connector 7"/>
+          <p:cNvCxnSpPr/>
           <p:nvPr/>
         </p:nvCxnSpPr>
         <p:spPr>
           <a:xfrm>
-            <a:off x="2575775" y="2419350"/>
-            <a:ext cx="891325" cy="190500"/>
-          </a:xfrm>
-          <a:prstGeom prst="straightConnector1">
+            <a:off x="9792236" y="782391"/>
+            <a:ext cx="193184" cy="0"/>
+          </a:xfrm>
+          <a:prstGeom prst="line">
             <a:avLst/>
           </a:prstGeom>
           <a:ln>
-            <a:tailEnd type="triangle"/>
+            <a:solidFill>
+              <a:schemeClr val="tx1"/>
+            </a:solidFill>
           </a:ln>
         </p:spPr>
         <p:style>
-          <a:lnRef idx="1">
+          <a:lnRef idx="3">
             <a:schemeClr val="dk1"/>
           </a:lnRef>
           <a:fillRef idx="0">
             <a:schemeClr val="dk1"/>
           </a:fillRef>
-          <a:effectRef idx="0">
+          <a:effectRef idx="2">
             <a:schemeClr val="dk1"/>
           </a:effectRef>
           <a:fontRef idx="minor">
@@ -5300,652 +4850,80 @@
       </p:cxnSp>
       <p:sp>
         <p:nvSpPr>
-          <p:cNvPr id="22" name="TextBox 21"/>
-          <p:cNvSpPr txBox="1"/>
-          <p:nvPr/>
-        </p:nvSpPr>
-        <p:spPr>
-          <a:xfrm>
-            <a:off x="630920" y="1823470"/>
-            <a:ext cx="2390517" cy="923330"/>
-          </a:xfrm>
-          <a:prstGeom prst="rect">
-            <a:avLst/>
-          </a:prstGeom>
-          <a:noFill/>
-        </p:spPr>
-        <p:txBody>
-          <a:bodyPr wrap="square" rtlCol="0">
-            <a:spAutoFit/>
+          <p:cNvPr id="3" name="Content Placeholder 2"/>
+          <p:cNvSpPr>
+            <a:spLocks noGrp="1"/>
+          </p:cNvSpPr>
+          <p:nvPr>
+            <p:ph idx="1"/>
+          </p:nvPr>
+        </p:nvSpPr>
+        <p:spPr>
+          <a:xfrm>
+            <a:off x="838200" y="1825625"/>
+            <a:ext cx="5704268" cy="4351338"/>
+          </a:xfrm>
+        </p:spPr>
+        <p:txBody>
+          <a:bodyPr>
+            <a:normAutofit lnSpcReduction="10000"/>
           </a:bodyPr>
           <a:lstStyle/>
           <a:p>
             <a:r>
               <a:rPr lang="en-GB" dirty="0" smtClean="0"/>
-              <a:t>Will be a choice from a set list in the form of a drop down box</a:t>
-            </a:r>
-            <a:endParaRPr lang="en-GB" dirty="0"/>
-          </a:p>
-        </p:txBody>
-      </p:sp>
-      <p:cxnSp>
-        <p:nvCxnSpPr>
-          <p:cNvPr id="17" name="Straight Arrow Connector 16"/>
-          <p:cNvCxnSpPr/>
-          <p:nvPr/>
-        </p:nvCxnSpPr>
-        <p:spPr>
-          <a:xfrm flipV="1">
-            <a:off x="2150772" y="3528811"/>
-            <a:ext cx="1316328" cy="25758"/>
-          </a:xfrm>
-          <a:prstGeom prst="straightConnector1">
-            <a:avLst/>
-          </a:prstGeom>
-          <a:ln>
-            <a:tailEnd type="triangle"/>
-          </a:ln>
-        </p:spPr>
-        <p:style>
-          <a:lnRef idx="1">
-            <a:schemeClr val="dk1"/>
-          </a:lnRef>
-          <a:fillRef idx="0">
-            <a:schemeClr val="dk1"/>
-          </a:fillRef>
-          <a:effectRef idx="0">
-            <a:schemeClr val="dk1"/>
-          </a:effectRef>
-          <a:fontRef idx="minor">
-            <a:schemeClr val="tx1"/>
-          </a:fontRef>
-        </p:style>
-      </p:cxnSp>
-      <p:sp>
-        <p:nvSpPr>
-          <p:cNvPr id="18" name="TextBox 17"/>
-          <p:cNvSpPr txBox="1"/>
-          <p:nvPr/>
-        </p:nvSpPr>
-        <p:spPr>
-          <a:xfrm>
-            <a:off x="770586" y="3125730"/>
-            <a:ext cx="1390919" cy="1200329"/>
-          </a:xfrm>
-          <a:prstGeom prst="rect">
-            <a:avLst/>
-          </a:prstGeom>
-          <a:noFill/>
-        </p:spPr>
-        <p:txBody>
-          <a:bodyPr wrap="square" rtlCol="0">
-            <a:spAutoFit/>
-          </a:bodyPr>
-          <a:lstStyle/>
+              <a:t>Priority</a:t>
+            </a:r>
+          </a:p>
           <a:p>
             <a:r>
               <a:rPr lang="en-GB" dirty="0" smtClean="0"/>
-              <a:t>Will be set to the format 00/00/0000</a:t>
-            </a:r>
-            <a:endParaRPr lang="en-GB" dirty="0"/>
-          </a:p>
-        </p:txBody>
-      </p:sp>
-      <p:sp>
-        <p:nvSpPr>
-          <p:cNvPr id="19" name="TextBox 18"/>
-          <p:cNvSpPr txBox="1"/>
-          <p:nvPr/>
-        </p:nvSpPr>
-        <p:spPr>
-          <a:xfrm>
-            <a:off x="10286664" y="2419350"/>
-            <a:ext cx="1613347" cy="3970318"/>
-          </a:xfrm>
-          <a:prstGeom prst="rect">
-            <a:avLst/>
-          </a:prstGeom>
-          <a:noFill/>
-        </p:spPr>
-        <p:txBody>
-          <a:bodyPr wrap="square" rtlCol="0">
-            <a:spAutoFit/>
-          </a:bodyPr>
-          <a:lstStyle/>
+              <a:t>Identification</a:t>
+            </a:r>
+          </a:p>
           <a:p>
             <a:r>
               <a:rPr lang="en-GB" dirty="0" smtClean="0"/>
-              <a:t>Postcode Lookup will include a dropdown of all available addresses in the particular area. Once the user presses the chosen address it will auto fill the rest of the form</a:t>
-            </a:r>
-            <a:endParaRPr lang="en-GB" dirty="0"/>
-          </a:p>
-        </p:txBody>
-      </p:sp>
-      <p:cxnSp>
-        <p:nvCxnSpPr>
-          <p:cNvPr id="23" name="Straight Arrow Connector 22"/>
-          <p:cNvCxnSpPr>
-            <a:stCxn id="19" idx="1"/>
-            <a:endCxn id="11" idx="3"/>
-          </p:cNvCxnSpPr>
-          <p:nvPr/>
-        </p:nvCxnSpPr>
-        <p:spPr>
-          <a:xfrm flipH="1" flipV="1">
-            <a:off x="8043863" y="3471862"/>
-            <a:ext cx="2242801" cy="932647"/>
-          </a:xfrm>
-          <a:prstGeom prst="straightConnector1">
-            <a:avLst/>
-          </a:prstGeom>
-          <a:ln>
-            <a:tailEnd type="triangle"/>
-          </a:ln>
-        </p:spPr>
-        <p:style>
-          <a:lnRef idx="1">
-            <a:schemeClr val="dk1"/>
-          </a:lnRef>
-          <a:fillRef idx="0">
-            <a:schemeClr val="dk1"/>
-          </a:fillRef>
-          <a:effectRef idx="0">
-            <a:schemeClr val="dk1"/>
-          </a:effectRef>
-          <a:fontRef idx="minor">
-            <a:schemeClr val="tx1"/>
-          </a:fontRef>
-        </p:style>
-      </p:cxnSp>
-      <p:cxnSp>
-        <p:nvCxnSpPr>
-          <p:cNvPr id="27" name="Straight Arrow Connector 26"/>
-          <p:cNvCxnSpPr/>
-          <p:nvPr/>
-        </p:nvCxnSpPr>
-        <p:spPr>
-          <a:xfrm flipH="1">
-            <a:off x="5557837" y="699315"/>
-            <a:ext cx="1281113" cy="1720035"/>
-          </a:xfrm>
-          <a:prstGeom prst="straightConnector1">
-            <a:avLst/>
-          </a:prstGeom>
-          <a:ln>
-            <a:tailEnd type="triangle"/>
-          </a:ln>
-        </p:spPr>
-        <p:style>
-          <a:lnRef idx="1">
-            <a:schemeClr val="dk1"/>
-          </a:lnRef>
-          <a:fillRef idx="0">
-            <a:schemeClr val="dk1"/>
-          </a:fillRef>
-          <a:effectRef idx="0">
-            <a:schemeClr val="dk1"/>
-          </a:effectRef>
-          <a:fontRef idx="minor">
-            <a:schemeClr val="tx1"/>
-          </a:fontRef>
-        </p:style>
-      </p:cxnSp>
-      <p:sp>
-        <p:nvSpPr>
-          <p:cNvPr id="28" name="TextBox 27"/>
-          <p:cNvSpPr txBox="1"/>
-          <p:nvPr/>
-        </p:nvSpPr>
-        <p:spPr>
-          <a:xfrm>
-            <a:off x="5875784" y="385408"/>
-            <a:ext cx="3464282" cy="369332"/>
-          </a:xfrm>
-          <a:prstGeom prst="rect">
-            <a:avLst/>
-          </a:prstGeom>
-          <a:noFill/>
-        </p:spPr>
-        <p:txBody>
-          <a:bodyPr wrap="none" rtlCol="0">
-            <a:spAutoFit/>
-          </a:bodyPr>
-          <a:lstStyle/>
+              <a:t>Synchronisation</a:t>
+            </a:r>
+          </a:p>
           <a:p>
             <a:r>
               <a:rPr lang="en-GB" dirty="0" smtClean="0"/>
-              <a:t>Error trapping to only allow letters.</a:t>
-            </a:r>
-            <a:endParaRPr lang="en-GB" dirty="0"/>
-          </a:p>
-        </p:txBody>
-      </p:sp>
-      <p:sp>
-        <p:nvSpPr>
-          <p:cNvPr id="29" name="TextBox 28"/>
-          <p:cNvSpPr txBox="1"/>
-          <p:nvPr/>
-        </p:nvSpPr>
-        <p:spPr>
-          <a:xfrm>
-            <a:off x="9696451" y="876386"/>
-            <a:ext cx="2363028" cy="1200329"/>
-          </a:xfrm>
-          <a:prstGeom prst="rect">
-            <a:avLst/>
-          </a:prstGeom>
-          <a:noFill/>
-        </p:spPr>
-        <p:txBody>
-          <a:bodyPr wrap="square" rtlCol="0">
-            <a:spAutoFit/>
-          </a:bodyPr>
-          <a:lstStyle/>
+              <a:t>List of task</a:t>
+            </a:r>
+          </a:p>
           <a:p>
             <a:r>
               <a:rPr lang="en-GB" dirty="0" smtClean="0"/>
-              <a:t>Error trapping to only allow letters. (and hyphen for some surnames)</a:t>
-            </a:r>
-            <a:endParaRPr lang="en-GB" dirty="0"/>
-          </a:p>
-        </p:txBody>
-      </p:sp>
-      <p:cxnSp>
-        <p:nvCxnSpPr>
-          <p:cNvPr id="32" name="Straight Arrow Connector 31"/>
-          <p:cNvCxnSpPr/>
-          <p:nvPr/>
-        </p:nvCxnSpPr>
-        <p:spPr>
-          <a:xfrm flipH="1">
-            <a:off x="8258175" y="1476550"/>
-            <a:ext cx="1438274" cy="1133300"/>
-          </a:xfrm>
-          <a:prstGeom prst="straightConnector1">
-            <a:avLst/>
-          </a:prstGeom>
-          <a:ln>
-            <a:tailEnd type="triangle"/>
-          </a:ln>
-        </p:spPr>
-        <p:style>
-          <a:lnRef idx="1">
-            <a:schemeClr val="dk1"/>
-          </a:lnRef>
-          <a:fillRef idx="0">
-            <a:schemeClr val="dk1"/>
-          </a:fillRef>
-          <a:effectRef idx="0">
-            <a:schemeClr val="dk1"/>
-          </a:effectRef>
-          <a:fontRef idx="minor">
-            <a:schemeClr val="tx1"/>
-          </a:fontRef>
-        </p:style>
-      </p:cxnSp>
-      <p:cxnSp>
-        <p:nvCxnSpPr>
-          <p:cNvPr id="34" name="Straight Arrow Connector 33"/>
-          <p:cNvCxnSpPr>
-            <a:stCxn id="18" idx="3"/>
-            <a:endCxn id="13" idx="1"/>
-          </p:cNvCxnSpPr>
-          <p:nvPr/>
-        </p:nvCxnSpPr>
-        <p:spPr>
-          <a:xfrm>
-            <a:off x="2161505" y="3725895"/>
-            <a:ext cx="2048546" cy="409664"/>
-          </a:xfrm>
-          <a:prstGeom prst="straightConnector1">
-            <a:avLst/>
-          </a:prstGeom>
-          <a:ln>
-            <a:tailEnd type="triangle"/>
-          </a:ln>
-        </p:spPr>
-        <p:style>
-          <a:lnRef idx="1">
-            <a:schemeClr val="dk1"/>
-          </a:lnRef>
-          <a:fillRef idx="0">
-            <a:schemeClr val="dk1"/>
-          </a:fillRef>
-          <a:effectRef idx="0">
-            <a:schemeClr val="dk1"/>
-          </a:effectRef>
-          <a:fontRef idx="minor">
-            <a:schemeClr val="tx1"/>
-          </a:fontRef>
-        </p:style>
-      </p:cxnSp>
-      <p:sp>
-        <p:nvSpPr>
-          <p:cNvPr id="35" name="TextBox 34"/>
-          <p:cNvSpPr txBox="1"/>
-          <p:nvPr/>
-        </p:nvSpPr>
-        <p:spPr>
-          <a:xfrm>
-            <a:off x="6602234" y="6042994"/>
-            <a:ext cx="3464282" cy="369332"/>
-          </a:xfrm>
-          <a:prstGeom prst="rect">
-            <a:avLst/>
-          </a:prstGeom>
-          <a:noFill/>
-        </p:spPr>
-        <p:txBody>
-          <a:bodyPr wrap="none" rtlCol="0">
-            <a:spAutoFit/>
-          </a:bodyPr>
-          <a:lstStyle/>
+              <a:t>Select task – view details</a:t>
+            </a:r>
+          </a:p>
           <a:p>
             <a:r>
               <a:rPr lang="en-GB" dirty="0" smtClean="0"/>
-              <a:t>Error trapping to only allow letters.</a:t>
-            </a:r>
-            <a:endParaRPr lang="en-GB" dirty="0"/>
-          </a:p>
-        </p:txBody>
-      </p:sp>
-      <p:cxnSp>
-        <p:nvCxnSpPr>
-          <p:cNvPr id="37" name="Straight Arrow Connector 36"/>
-          <p:cNvCxnSpPr>
-            <a:stCxn id="35" idx="0"/>
-          </p:cNvCxnSpPr>
-          <p:nvPr/>
-        </p:nvCxnSpPr>
-        <p:spPr>
-          <a:xfrm flipH="1" flipV="1">
-            <a:off x="7607925" y="4286250"/>
-            <a:ext cx="726450" cy="1756744"/>
-          </a:xfrm>
-          <a:prstGeom prst="straightConnector1">
-            <a:avLst/>
-          </a:prstGeom>
-          <a:ln>
-            <a:tailEnd type="triangle"/>
-          </a:ln>
-        </p:spPr>
-        <p:style>
-          <a:lnRef idx="1">
-            <a:schemeClr val="dk1"/>
-          </a:lnRef>
-          <a:fillRef idx="0">
-            <a:schemeClr val="dk1"/>
-          </a:fillRef>
-          <a:effectRef idx="0">
-            <a:schemeClr val="dk1"/>
-          </a:effectRef>
-          <a:fontRef idx="minor">
-            <a:schemeClr val="tx1"/>
-          </a:fontRef>
-        </p:style>
-      </p:cxnSp>
-      <p:cxnSp>
-        <p:nvCxnSpPr>
-          <p:cNvPr id="39" name="Straight Arrow Connector 38"/>
-          <p:cNvCxnSpPr/>
-          <p:nvPr/>
-        </p:nvCxnSpPr>
-        <p:spPr>
-          <a:xfrm flipV="1">
-            <a:off x="4969565" y="5105398"/>
-            <a:ext cx="1555060" cy="937596"/>
-          </a:xfrm>
-          <a:prstGeom prst="straightConnector1">
-            <a:avLst/>
-          </a:prstGeom>
-          <a:ln>
-            <a:tailEnd type="triangle"/>
-          </a:ln>
-        </p:spPr>
-        <p:style>
-          <a:lnRef idx="1">
-            <a:schemeClr val="dk1"/>
-          </a:lnRef>
-          <a:fillRef idx="0">
-            <a:schemeClr val="dk1"/>
-          </a:fillRef>
-          <a:effectRef idx="0">
-            <a:schemeClr val="dk1"/>
-          </a:effectRef>
-          <a:fontRef idx="minor">
-            <a:schemeClr val="tx1"/>
-          </a:fontRef>
-        </p:style>
-      </p:cxnSp>
-      <p:sp>
-        <p:nvSpPr>
-          <p:cNvPr id="40" name="TextBox 39"/>
-          <p:cNvSpPr txBox="1"/>
-          <p:nvPr/>
-        </p:nvSpPr>
-        <p:spPr>
-          <a:xfrm>
-            <a:off x="2548797" y="5978853"/>
-            <a:ext cx="3982309" cy="369332"/>
-          </a:xfrm>
-          <a:prstGeom prst="rect">
-            <a:avLst/>
-          </a:prstGeom>
-          <a:noFill/>
-        </p:spPr>
-        <p:txBody>
-          <a:bodyPr wrap="none" rtlCol="0">
-            <a:spAutoFit/>
-          </a:bodyPr>
-          <a:lstStyle/>
+              <a:t>Select task – edit task step comments</a:t>
+            </a:r>
+          </a:p>
           <a:p>
             <a:r>
               <a:rPr lang="en-GB" dirty="0" smtClean="0"/>
-              <a:t>Once clicked, it will open a new window</a:t>
-            </a:r>
-            <a:endParaRPr lang="en-GB" dirty="0"/>
-          </a:p>
-        </p:txBody>
-      </p:sp>
-      <p:sp>
-        <p:nvSpPr>
-          <p:cNvPr id="41" name="Rectangle 40"/>
-          <p:cNvSpPr/>
-          <p:nvPr/>
-        </p:nvSpPr>
-        <p:spPr>
-          <a:xfrm>
-            <a:off x="0" y="4643733"/>
-            <a:ext cx="3086099" cy="1015663"/>
-          </a:xfrm>
-          <a:prstGeom prst="rect">
-            <a:avLst/>
-          </a:prstGeom>
-          <a:noFill/>
-        </p:spPr>
-        <p:txBody>
-          <a:bodyPr wrap="square" lIns="91440" tIns="45720" rIns="91440" bIns="45720">
-            <a:spAutoFit/>
-          </a:bodyPr>
-          <a:lstStyle/>
-          <a:p>
-            <a:pPr algn="ctr"/>
-            <a:r>
-              <a:rPr lang="en-US" sz="3000" b="0" cap="none" spc="0" dirty="0" smtClean="0">
-                <a:ln w="0"/>
-                <a:solidFill>
-                  <a:schemeClr val="tx1"/>
-                </a:solidFill>
-                <a:effectLst>
-                  <a:outerShdw blurRad="38100" dist="19050" dir="2700000" algn="tl" rotWithShape="0">
-                    <a:schemeClr val="dk1">
-                      <a:alpha val="40000"/>
-                    </a:schemeClr>
-                  </a:outerShdw>
-                </a:effectLst>
-              </a:rPr>
-              <a:t>View user/change details</a:t>
-            </a:r>
-            <a:endParaRPr lang="en-US" sz="3000" b="0" cap="none" spc="0" dirty="0">
-              <a:ln w="0"/>
-              <a:solidFill>
-                <a:schemeClr val="tx1"/>
-              </a:solidFill>
-              <a:effectLst>
-                <a:outerShdw blurRad="38100" dist="19050" dir="2700000" algn="tl" rotWithShape="0">
-                  <a:schemeClr val="dk1">
-                    <a:alpha val="40000"/>
-                  </a:schemeClr>
-                </a:outerShdw>
-              </a:effectLst>
-            </a:endParaRPr>
-          </a:p>
-        </p:txBody>
-      </p:sp>
-      <p:sp>
-        <p:nvSpPr>
-          <p:cNvPr id="42" name="Rectangle 41"/>
-          <p:cNvSpPr/>
-          <p:nvPr/>
-        </p:nvSpPr>
-        <p:spPr>
-          <a:xfrm>
-            <a:off x="3357026" y="4606957"/>
-            <a:ext cx="2019300" cy="498353"/>
-          </a:xfrm>
-          <a:prstGeom prst="rect">
-            <a:avLst/>
-          </a:prstGeom>
-          <a:solidFill>
-            <a:schemeClr val="bg1"/>
-          </a:solidFill>
-          <a:ln>
-            <a:solidFill>
-              <a:schemeClr val="tx1"/>
-            </a:solidFill>
-          </a:ln>
-        </p:spPr>
-        <p:style>
-          <a:lnRef idx="2">
-            <a:schemeClr val="accent1">
-              <a:shade val="50000"/>
-            </a:schemeClr>
-          </a:lnRef>
-          <a:fillRef idx="1">
-            <a:schemeClr val="accent1"/>
-          </a:fillRef>
-          <a:effectRef idx="0">
-            <a:schemeClr val="accent1"/>
-          </a:effectRef>
-          <a:fontRef idx="minor">
-            <a:schemeClr val="lt1"/>
-          </a:fontRef>
-        </p:style>
-        <p:txBody>
-          <a:bodyPr rtlCol="0" anchor="ctr"/>
-          <a:lstStyle/>
-          <a:p>
-            <a:pPr algn="ctr"/>
-            <a:r>
-              <a:rPr lang="en-GB" dirty="0" smtClean="0">
-                <a:ln>
-                  <a:solidFill>
-                    <a:sysClr val="windowText" lastClr="000000"/>
-                  </a:solidFill>
-                </a:ln>
-                <a:solidFill>
-                  <a:schemeClr val="tx1"/>
-                </a:solidFill>
-              </a:rPr>
-              <a:t>Delete user</a:t>
-            </a:r>
-            <a:endParaRPr lang="en-GB" dirty="0">
-              <a:ln>
-                <a:solidFill>
-                  <a:sysClr val="windowText" lastClr="000000"/>
-                </a:solidFill>
-              </a:ln>
-              <a:solidFill>
-                <a:schemeClr val="tx1"/>
-              </a:solidFill>
-            </a:endParaRPr>
-          </a:p>
-        </p:txBody>
-      </p:sp>
-      <p:sp>
-        <p:nvSpPr>
-          <p:cNvPr id="43" name="Rectangle 42"/>
-          <p:cNvSpPr/>
-          <p:nvPr/>
-        </p:nvSpPr>
-        <p:spPr>
-          <a:xfrm>
-            <a:off x="7570363" y="4602954"/>
-            <a:ext cx="2019300" cy="498353"/>
-          </a:xfrm>
-          <a:prstGeom prst="rect">
-            <a:avLst/>
-          </a:prstGeom>
-          <a:solidFill>
-            <a:schemeClr val="bg1"/>
-          </a:solidFill>
-          <a:ln>
-            <a:solidFill>
-              <a:schemeClr val="tx1"/>
-            </a:solidFill>
-          </a:ln>
-        </p:spPr>
-        <p:style>
-          <a:lnRef idx="2">
-            <a:schemeClr val="accent1">
-              <a:shade val="50000"/>
-            </a:schemeClr>
-          </a:lnRef>
-          <a:fillRef idx="1">
-            <a:schemeClr val="accent1"/>
-          </a:fillRef>
-          <a:effectRef idx="0">
-            <a:schemeClr val="accent1"/>
-          </a:effectRef>
-          <a:fontRef idx="minor">
-            <a:schemeClr val="lt1"/>
-          </a:fontRef>
-        </p:style>
-        <p:txBody>
-          <a:bodyPr rtlCol="0" anchor="ctr"/>
-          <a:lstStyle/>
-          <a:p>
-            <a:pPr algn="ctr"/>
-            <a:r>
-              <a:rPr lang="en-GB" dirty="0" smtClean="0">
-                <a:ln>
-                  <a:solidFill>
-                    <a:sysClr val="windowText" lastClr="000000"/>
-                  </a:solidFill>
-                </a:ln>
-                <a:solidFill>
-                  <a:schemeClr val="tx1"/>
-                </a:solidFill>
-              </a:rPr>
-              <a:t>Add new user</a:t>
-            </a:r>
-            <a:endParaRPr lang="en-GB" dirty="0">
-              <a:ln>
-                <a:solidFill>
-                  <a:sysClr val="windowText" lastClr="000000"/>
-                </a:solidFill>
-              </a:ln>
-              <a:solidFill>
-                <a:schemeClr val="tx1"/>
-              </a:solidFill>
-            </a:endParaRPr>
+              <a:t>Select task – change to completed</a:t>
+            </a:r>
+          </a:p>
+          <a:p>
+            <a:r>
+              <a:rPr lang="en-GB" smtClean="0"/>
+              <a:t>Abandon</a:t>
+            </a:r>
+            <a:endParaRPr lang="en-GB" dirty="0" smtClean="0"/>
           </a:p>
         </p:txBody>
       </p:sp>
     </p:spTree>
     <p:extLst>
       <p:ext uri="{BB962C8B-B14F-4D97-AF65-F5344CB8AC3E}">
-        <p14:creationId xmlns:p14="http://schemas.microsoft.com/office/powerpoint/2010/main" val="4102877442"/>
+        <p14:creationId xmlns:p14="http://schemas.microsoft.com/office/powerpoint/2010/main" val="2886209069"/>
       </p:ext>
     </p:extLst>
   </p:cSld>
@@ -5974,13 +4952,13 @@
       </p:grpSpPr>
       <p:sp>
         <p:nvSpPr>
-          <p:cNvPr id="5" name="Rectangle 4"/>
+          <p:cNvPr id="4" name="Rectangle 3"/>
           <p:cNvSpPr/>
           <p:nvPr/>
         </p:nvSpPr>
         <p:spPr>
           <a:xfrm>
-            <a:off x="2983069" y="907693"/>
+            <a:off x="3086100" y="933450"/>
             <a:ext cx="6610350" cy="4476750"/>
           </a:xfrm>
           <a:prstGeom prst="rect">
@@ -6022,7 +5000,7 @@
       </p:sp>
       <p:sp>
         <p:nvSpPr>
-          <p:cNvPr id="6" name="Rectangle 5"/>
+          <p:cNvPr id="5" name="Rectangle 4"/>
           <p:cNvSpPr/>
           <p:nvPr/>
         </p:nvSpPr>
@@ -6070,7 +5048,7 @@
                   <a:schemeClr val="tx1"/>
                 </a:solidFill>
               </a:rPr>
-              <a:t>User ID </a:t>
+              <a:t>Username &amp; ID</a:t>
             </a:r>
             <a:endParaRPr lang="en-GB" dirty="0">
               <a:solidFill>
@@ -6082,14 +5060,14 @@
       </p:sp>
       <p:sp>
         <p:nvSpPr>
-          <p:cNvPr id="7" name="Rectangle 6"/>
+          <p:cNvPr id="6" name="Rectangle 5"/>
           <p:cNvSpPr/>
           <p:nvPr/>
         </p:nvSpPr>
         <p:spPr>
           <a:xfrm>
-            <a:off x="4210050" y="2216507"/>
-            <a:ext cx="4572000" cy="1830142"/>
+            <a:off x="3467100" y="2419350"/>
+            <a:ext cx="742950" cy="381000"/>
           </a:xfrm>
           <a:prstGeom prst="rect">
             <a:avLst/>
@@ -6126,13 +5104,23 @@
             <a:pPr algn="ctr"/>
             <a:r>
               <a:rPr lang="en-GB" dirty="0" smtClean="0">
+                <a:ln>
+                  <a:solidFill>
+                    <a:sysClr val="windowText" lastClr="000000"/>
+                  </a:solidFill>
+                </a:ln>
                 <a:solidFill>
                   <a:schemeClr val="tx1"/>
                 </a:solidFill>
               </a:rPr>
-              <a:t>Please choose a reason for detail change </a:t>
+              <a:t>Title</a:t>
             </a:r>
             <a:endParaRPr lang="en-GB" dirty="0">
+              <a:ln>
+                <a:solidFill>
+                  <a:sysClr val="windowText" lastClr="000000"/>
+                </a:solidFill>
+              </a:ln>
               <a:solidFill>
                 <a:schemeClr val="tx1"/>
               </a:solidFill>
@@ -6142,14 +5130,14 @@
       </p:sp>
       <p:sp>
         <p:nvSpPr>
-          <p:cNvPr id="8" name="TextBox 7"/>
-          <p:cNvSpPr txBox="1"/>
-          <p:nvPr/>
-        </p:nvSpPr>
-        <p:spPr>
-          <a:xfrm>
-            <a:off x="7894749" y="4185634"/>
-            <a:ext cx="772733" cy="369332"/>
+          <p:cNvPr id="7" name="Rectangle 6"/>
+          <p:cNvSpPr/>
+          <p:nvPr/>
+        </p:nvSpPr>
+        <p:spPr>
+          <a:xfrm>
+            <a:off x="4819650" y="2419350"/>
+            <a:ext cx="1409700" cy="381000"/>
           </a:xfrm>
           <a:prstGeom prst="rect">
             <a:avLst/>
@@ -6163,30 +5151,63 @@
             </a:solidFill>
           </a:ln>
         </p:spPr>
-        <p:txBody>
-          <a:bodyPr wrap="square" rtlCol="0">
-            <a:spAutoFit/>
-          </a:bodyPr>
-          <a:lstStyle/>
-          <a:p>
-            <a:r>
-              <a:rPr lang="en-GB" dirty="0" smtClean="0"/>
-              <a:t>Save</a:t>
-            </a:r>
-            <a:endParaRPr lang="en-GB" dirty="0"/>
-          </a:p>
-        </p:txBody>
-      </p:sp>
-      <p:sp>
-        <p:nvSpPr>
-          <p:cNvPr id="9" name="TextBox 8"/>
-          <p:cNvSpPr txBox="1"/>
-          <p:nvPr/>
-        </p:nvSpPr>
-        <p:spPr>
-          <a:xfrm>
-            <a:off x="6722772" y="4185634"/>
-            <a:ext cx="1018773" cy="369332"/>
+        <p:style>
+          <a:lnRef idx="2">
+            <a:schemeClr val="accent1">
+              <a:shade val="50000"/>
+            </a:schemeClr>
+          </a:lnRef>
+          <a:fillRef idx="1">
+            <a:schemeClr val="accent1"/>
+          </a:fillRef>
+          <a:effectRef idx="0">
+            <a:schemeClr val="accent1"/>
+          </a:effectRef>
+          <a:fontRef idx="minor">
+            <a:schemeClr val="lt1"/>
+          </a:fontRef>
+        </p:style>
+        <p:txBody>
+          <a:bodyPr rtlCol="0" anchor="ctr"/>
+          <a:lstStyle/>
+          <a:p>
+            <a:pPr algn="ctr"/>
+            <a:r>
+              <a:rPr lang="en-GB" dirty="0" smtClean="0">
+                <a:ln>
+                  <a:solidFill>
+                    <a:sysClr val="windowText" lastClr="000000"/>
+                  </a:solidFill>
+                </a:ln>
+                <a:solidFill>
+                  <a:schemeClr val="tx1"/>
+                </a:solidFill>
+              </a:rPr>
+              <a:t>First Name</a:t>
+            </a:r>
+            <a:endParaRPr lang="en-GB" dirty="0">
+              <a:ln>
+                <a:solidFill>
+                  <a:sysClr val="windowText" lastClr="000000"/>
+                </a:solidFill>
+              </a:ln>
+              <a:solidFill>
+                <a:schemeClr val="tx1"/>
+              </a:solidFill>
+            </a:endParaRPr>
+          </a:p>
+        </p:txBody>
+      </p:sp>
+      <p:sp>
+        <p:nvSpPr>
+          <p:cNvPr id="8" name="Rectangle 7"/>
+          <p:cNvSpPr/>
+          <p:nvPr/>
+        </p:nvSpPr>
+        <p:spPr>
+          <a:xfrm>
+            <a:off x="6838950" y="2419350"/>
+            <a:ext cx="1409700" cy="361950"/>
           </a:xfrm>
           <a:prstGeom prst="rect">
             <a:avLst/>
@@ -6200,32 +5221,553 @@
             </a:solidFill>
           </a:ln>
         </p:spPr>
-        <p:txBody>
-          <a:bodyPr wrap="square" rtlCol="0">
-            <a:spAutoFit/>
-          </a:bodyPr>
-          <a:lstStyle/>
-          <a:p>
-            <a:r>
-              <a:rPr lang="en-GB" dirty="0" smtClean="0"/>
-              <a:t>Cancel</a:t>
-            </a:r>
-            <a:endParaRPr lang="en-GB" dirty="0"/>
+        <p:style>
+          <a:lnRef idx="2">
+            <a:schemeClr val="accent1">
+              <a:shade val="50000"/>
+            </a:schemeClr>
+          </a:lnRef>
+          <a:fillRef idx="1">
+            <a:schemeClr val="accent1"/>
+          </a:fillRef>
+          <a:effectRef idx="0">
+            <a:schemeClr val="accent1"/>
+          </a:effectRef>
+          <a:fontRef idx="minor">
+            <a:schemeClr val="lt1"/>
+          </a:fontRef>
+        </p:style>
+        <p:txBody>
+          <a:bodyPr rtlCol="0" anchor="ctr"/>
+          <a:lstStyle/>
+          <a:p>
+            <a:pPr algn="ctr"/>
+            <a:r>
+              <a:rPr lang="en-GB" dirty="0" smtClean="0">
+                <a:ln>
+                  <a:solidFill>
+                    <a:sysClr val="windowText" lastClr="000000"/>
+                  </a:solidFill>
+                </a:ln>
+                <a:solidFill>
+                  <a:schemeClr val="tx1"/>
+                </a:solidFill>
+              </a:rPr>
+              <a:t>Surname </a:t>
+            </a:r>
+            <a:endParaRPr lang="en-GB" dirty="0">
+              <a:ln>
+                <a:solidFill>
+                  <a:sysClr val="windowText" lastClr="000000"/>
+                </a:solidFill>
+              </a:ln>
+              <a:solidFill>
+                <a:schemeClr val="tx1"/>
+              </a:solidFill>
+            </a:endParaRPr>
+          </a:p>
+        </p:txBody>
+      </p:sp>
+      <p:sp>
+        <p:nvSpPr>
+          <p:cNvPr id="9" name="Rectangle 8"/>
+          <p:cNvSpPr/>
+          <p:nvPr/>
+        </p:nvSpPr>
+        <p:spPr>
+          <a:xfrm>
+            <a:off x="3467100" y="3314699"/>
+            <a:ext cx="742950" cy="381000"/>
+          </a:xfrm>
+          <a:prstGeom prst="rect">
+            <a:avLst/>
+          </a:prstGeom>
+          <a:solidFill>
+            <a:schemeClr val="bg1"/>
+          </a:solidFill>
+          <a:ln>
+            <a:solidFill>
+              <a:schemeClr val="tx1"/>
+            </a:solidFill>
+          </a:ln>
+        </p:spPr>
+        <p:style>
+          <a:lnRef idx="2">
+            <a:schemeClr val="accent1">
+              <a:shade val="50000"/>
+            </a:schemeClr>
+          </a:lnRef>
+          <a:fillRef idx="1">
+            <a:schemeClr val="accent1"/>
+          </a:fillRef>
+          <a:effectRef idx="0">
+            <a:schemeClr val="accent1"/>
+          </a:effectRef>
+          <a:fontRef idx="minor">
+            <a:schemeClr val="lt1"/>
+          </a:fontRef>
+        </p:style>
+        <p:txBody>
+          <a:bodyPr rtlCol="0" anchor="ctr"/>
+          <a:lstStyle/>
+          <a:p>
+            <a:pPr algn="ctr"/>
+            <a:r>
+              <a:rPr lang="en-GB" dirty="0" smtClean="0">
+                <a:ln>
+                  <a:solidFill>
+                    <a:sysClr val="windowText" lastClr="000000"/>
+                  </a:solidFill>
+                </a:ln>
+                <a:solidFill>
+                  <a:schemeClr val="tx1"/>
+                </a:solidFill>
+              </a:rPr>
+              <a:t>D.O.B</a:t>
+            </a:r>
+            <a:endParaRPr lang="en-GB" dirty="0">
+              <a:ln>
+                <a:solidFill>
+                  <a:sysClr val="windowText" lastClr="000000"/>
+                </a:solidFill>
+              </a:ln>
+              <a:solidFill>
+                <a:schemeClr val="tx1"/>
+              </a:solidFill>
+            </a:endParaRPr>
+          </a:p>
+        </p:txBody>
+      </p:sp>
+      <p:sp>
+        <p:nvSpPr>
+          <p:cNvPr id="10" name="Rectangle 9"/>
+          <p:cNvSpPr/>
+          <p:nvPr/>
+        </p:nvSpPr>
+        <p:spPr>
+          <a:xfrm>
+            <a:off x="4591050" y="3290887"/>
+            <a:ext cx="1933575" cy="390525"/>
+          </a:xfrm>
+          <a:prstGeom prst="rect">
+            <a:avLst/>
+          </a:prstGeom>
+          <a:solidFill>
+            <a:schemeClr val="bg1"/>
+          </a:solidFill>
+          <a:ln>
+            <a:solidFill>
+              <a:schemeClr val="tx1"/>
+            </a:solidFill>
+          </a:ln>
+        </p:spPr>
+        <p:style>
+          <a:lnRef idx="2">
+            <a:schemeClr val="accent1">
+              <a:shade val="50000"/>
+            </a:schemeClr>
+          </a:lnRef>
+          <a:fillRef idx="1">
+            <a:schemeClr val="accent1"/>
+          </a:fillRef>
+          <a:effectRef idx="0">
+            <a:schemeClr val="accent1"/>
+          </a:effectRef>
+          <a:fontRef idx="minor">
+            <a:schemeClr val="lt1"/>
+          </a:fontRef>
+        </p:style>
+        <p:txBody>
+          <a:bodyPr rtlCol="0" anchor="ctr"/>
+          <a:lstStyle/>
+          <a:p>
+            <a:pPr algn="ctr"/>
+            <a:r>
+              <a:rPr lang="en-GB" dirty="0" smtClean="0">
+                <a:ln>
+                  <a:solidFill>
+                    <a:sysClr val="windowText" lastClr="000000"/>
+                  </a:solidFill>
+                </a:ln>
+                <a:solidFill>
+                  <a:schemeClr val="tx1"/>
+                </a:solidFill>
+              </a:rPr>
+              <a:t>Address Line 1</a:t>
+            </a:r>
+            <a:endParaRPr lang="en-GB" dirty="0">
+              <a:ln>
+                <a:solidFill>
+                  <a:sysClr val="windowText" lastClr="000000"/>
+                </a:solidFill>
+              </a:ln>
+              <a:solidFill>
+                <a:schemeClr val="tx1"/>
+              </a:solidFill>
+            </a:endParaRPr>
+          </a:p>
+        </p:txBody>
+      </p:sp>
+      <p:sp>
+        <p:nvSpPr>
+          <p:cNvPr id="11" name="Rectangle 10"/>
+          <p:cNvSpPr/>
+          <p:nvPr/>
+        </p:nvSpPr>
+        <p:spPr>
+          <a:xfrm>
+            <a:off x="6738937" y="3290887"/>
+            <a:ext cx="1304926" cy="361950"/>
+          </a:xfrm>
+          <a:prstGeom prst="rect">
+            <a:avLst/>
+          </a:prstGeom>
+          <a:solidFill>
+            <a:schemeClr val="bg1"/>
+          </a:solidFill>
+          <a:ln>
+            <a:solidFill>
+              <a:schemeClr val="tx1"/>
+            </a:solidFill>
+          </a:ln>
+        </p:spPr>
+        <p:style>
+          <a:lnRef idx="2">
+            <a:schemeClr val="accent1">
+              <a:shade val="50000"/>
+            </a:schemeClr>
+          </a:lnRef>
+          <a:fillRef idx="1">
+            <a:schemeClr val="accent1"/>
+          </a:fillRef>
+          <a:effectRef idx="0">
+            <a:schemeClr val="accent1"/>
+          </a:effectRef>
+          <a:fontRef idx="minor">
+            <a:schemeClr val="lt1"/>
+          </a:fontRef>
+        </p:style>
+        <p:txBody>
+          <a:bodyPr rtlCol="0" anchor="ctr"/>
+          <a:lstStyle/>
+          <a:p>
+            <a:pPr algn="ctr"/>
+            <a:r>
+              <a:rPr lang="en-GB" dirty="0" smtClean="0">
+                <a:ln>
+                  <a:solidFill>
+                    <a:sysClr val="windowText" lastClr="000000"/>
+                  </a:solidFill>
+                </a:ln>
+                <a:solidFill>
+                  <a:schemeClr val="tx1"/>
+                </a:solidFill>
+              </a:rPr>
+              <a:t>Postcode </a:t>
+            </a:r>
+            <a:endParaRPr lang="en-GB" dirty="0">
+              <a:ln>
+                <a:solidFill>
+                  <a:sysClr val="windowText" lastClr="000000"/>
+                </a:solidFill>
+              </a:ln>
+              <a:solidFill>
+                <a:schemeClr val="tx1"/>
+              </a:solidFill>
+            </a:endParaRPr>
+          </a:p>
+        </p:txBody>
+      </p:sp>
+      <p:sp>
+        <p:nvSpPr>
+          <p:cNvPr id="12" name="Rectangle 11"/>
+          <p:cNvSpPr/>
+          <p:nvPr/>
+        </p:nvSpPr>
+        <p:spPr>
+          <a:xfrm>
+            <a:off x="8334375" y="3240880"/>
+            <a:ext cx="1071562" cy="490537"/>
+          </a:xfrm>
+          <a:prstGeom prst="rect">
+            <a:avLst/>
+          </a:prstGeom>
+          <a:solidFill>
+            <a:schemeClr val="bg1"/>
+          </a:solidFill>
+          <a:ln>
+            <a:solidFill>
+              <a:schemeClr val="tx1"/>
+            </a:solidFill>
+          </a:ln>
+        </p:spPr>
+        <p:style>
+          <a:lnRef idx="2">
+            <a:schemeClr val="accent1">
+              <a:shade val="50000"/>
+            </a:schemeClr>
+          </a:lnRef>
+          <a:fillRef idx="1">
+            <a:schemeClr val="accent1"/>
+          </a:fillRef>
+          <a:effectRef idx="0">
+            <a:schemeClr val="accent1"/>
+          </a:effectRef>
+          <a:fontRef idx="minor">
+            <a:schemeClr val="lt1"/>
+          </a:fontRef>
+        </p:style>
+        <p:txBody>
+          <a:bodyPr rtlCol="0" anchor="ctr"/>
+          <a:lstStyle/>
+          <a:p>
+            <a:pPr algn="ctr"/>
+            <a:r>
+              <a:rPr lang="en-GB" sz="1200" dirty="0" smtClean="0">
+                <a:ln>
+                  <a:solidFill>
+                    <a:sysClr val="windowText" lastClr="000000"/>
+                  </a:solidFill>
+                </a:ln>
+                <a:solidFill>
+                  <a:schemeClr val="tx1"/>
+                </a:solidFill>
+              </a:rPr>
+              <a:t>County &amp; Country</a:t>
+            </a:r>
+            <a:endParaRPr lang="en-GB" sz="1200" dirty="0">
+              <a:ln>
+                <a:solidFill>
+                  <a:sysClr val="windowText" lastClr="000000"/>
+                </a:solidFill>
+              </a:ln>
+              <a:solidFill>
+                <a:schemeClr val="tx1"/>
+              </a:solidFill>
+            </a:endParaRPr>
+          </a:p>
+        </p:txBody>
+      </p:sp>
+      <p:sp>
+        <p:nvSpPr>
+          <p:cNvPr id="13" name="Rectangle 12"/>
+          <p:cNvSpPr/>
+          <p:nvPr/>
+        </p:nvSpPr>
+        <p:spPr>
+          <a:xfrm>
+            <a:off x="4210051" y="3945059"/>
+            <a:ext cx="2019300" cy="381000"/>
+          </a:xfrm>
+          <a:prstGeom prst="rect">
+            <a:avLst/>
+          </a:prstGeom>
+          <a:solidFill>
+            <a:schemeClr val="bg1"/>
+          </a:solidFill>
+          <a:ln>
+            <a:solidFill>
+              <a:schemeClr val="tx1"/>
+            </a:solidFill>
+          </a:ln>
+        </p:spPr>
+        <p:style>
+          <a:lnRef idx="2">
+            <a:schemeClr val="accent1">
+              <a:shade val="50000"/>
+            </a:schemeClr>
+          </a:lnRef>
+          <a:fillRef idx="1">
+            <a:schemeClr val="accent1"/>
+          </a:fillRef>
+          <a:effectRef idx="0">
+            <a:schemeClr val="accent1"/>
+          </a:effectRef>
+          <a:fontRef idx="minor">
+            <a:schemeClr val="lt1"/>
+          </a:fontRef>
+        </p:style>
+        <p:txBody>
+          <a:bodyPr rtlCol="0" anchor="ctr"/>
+          <a:lstStyle/>
+          <a:p>
+            <a:pPr algn="ctr"/>
+            <a:r>
+              <a:rPr lang="en-GB" dirty="0" smtClean="0">
+                <a:ln>
+                  <a:solidFill>
+                    <a:sysClr val="windowText" lastClr="000000"/>
+                  </a:solidFill>
+                </a:ln>
+                <a:solidFill>
+                  <a:schemeClr val="tx1"/>
+                </a:solidFill>
+              </a:rPr>
+              <a:t>Company start date </a:t>
+            </a:r>
+            <a:endParaRPr lang="en-GB" dirty="0">
+              <a:ln>
+                <a:solidFill>
+                  <a:sysClr val="windowText" lastClr="000000"/>
+                </a:solidFill>
+              </a:ln>
+              <a:solidFill>
+                <a:schemeClr val="tx1"/>
+              </a:solidFill>
+            </a:endParaRPr>
+          </a:p>
+        </p:txBody>
+      </p:sp>
+      <p:sp>
+        <p:nvSpPr>
+          <p:cNvPr id="14" name="Rectangle 13"/>
+          <p:cNvSpPr/>
+          <p:nvPr/>
+        </p:nvSpPr>
+        <p:spPr>
+          <a:xfrm>
+            <a:off x="6738937" y="3905250"/>
+            <a:ext cx="1737977" cy="381000"/>
+          </a:xfrm>
+          <a:prstGeom prst="rect">
+            <a:avLst/>
+          </a:prstGeom>
+          <a:solidFill>
+            <a:schemeClr val="bg1"/>
+          </a:solidFill>
+          <a:ln>
+            <a:solidFill>
+              <a:schemeClr val="tx1"/>
+            </a:solidFill>
+          </a:ln>
+        </p:spPr>
+        <p:style>
+          <a:lnRef idx="2">
+            <a:schemeClr val="accent1">
+              <a:shade val="50000"/>
+            </a:schemeClr>
+          </a:lnRef>
+          <a:fillRef idx="1">
+            <a:schemeClr val="accent1"/>
+          </a:fillRef>
+          <a:effectRef idx="0">
+            <a:schemeClr val="accent1"/>
+          </a:effectRef>
+          <a:fontRef idx="minor">
+            <a:schemeClr val="lt1"/>
+          </a:fontRef>
+        </p:style>
+        <p:txBody>
+          <a:bodyPr rtlCol="0" anchor="ctr"/>
+          <a:lstStyle/>
+          <a:p>
+            <a:pPr algn="ctr"/>
+            <a:r>
+              <a:rPr lang="en-GB" dirty="0" smtClean="0">
+                <a:ln>
+                  <a:solidFill>
+                    <a:sysClr val="windowText" lastClr="000000"/>
+                  </a:solidFill>
+                </a:ln>
+                <a:solidFill>
+                  <a:schemeClr val="tx1"/>
+                </a:solidFill>
+              </a:rPr>
+              <a:t>Company role </a:t>
+            </a:r>
+            <a:endParaRPr lang="en-GB" dirty="0">
+              <a:ln>
+                <a:solidFill>
+                  <a:sysClr val="windowText" lastClr="000000"/>
+                </a:solidFill>
+              </a:ln>
+              <a:solidFill>
+                <a:schemeClr val="tx1"/>
+              </a:solidFill>
+            </a:endParaRPr>
+          </a:p>
+        </p:txBody>
+      </p:sp>
+      <p:sp>
+        <p:nvSpPr>
+          <p:cNvPr id="15" name="Rectangle 14"/>
+          <p:cNvSpPr/>
+          <p:nvPr/>
+        </p:nvSpPr>
+        <p:spPr>
+          <a:xfrm>
+            <a:off x="5486400" y="4607045"/>
+            <a:ext cx="2019300" cy="498353"/>
+          </a:xfrm>
+          <a:prstGeom prst="rect">
+            <a:avLst/>
+          </a:prstGeom>
+          <a:solidFill>
+            <a:schemeClr val="bg1"/>
+          </a:solidFill>
+          <a:ln>
+            <a:solidFill>
+              <a:schemeClr val="tx1"/>
+            </a:solidFill>
+          </a:ln>
+        </p:spPr>
+        <p:style>
+          <a:lnRef idx="2">
+            <a:schemeClr val="accent1">
+              <a:shade val="50000"/>
+            </a:schemeClr>
+          </a:lnRef>
+          <a:fillRef idx="1">
+            <a:schemeClr val="accent1"/>
+          </a:fillRef>
+          <a:effectRef idx="0">
+            <a:schemeClr val="accent1"/>
+          </a:effectRef>
+          <a:fontRef idx="minor">
+            <a:schemeClr val="lt1"/>
+          </a:fontRef>
+        </p:style>
+        <p:txBody>
+          <a:bodyPr rtlCol="0" anchor="ctr"/>
+          <a:lstStyle/>
+          <a:p>
+            <a:pPr algn="ctr"/>
+            <a:r>
+              <a:rPr lang="en-GB" dirty="0" smtClean="0">
+                <a:ln>
+                  <a:solidFill>
+                    <a:sysClr val="windowText" lastClr="000000"/>
+                  </a:solidFill>
+                </a:ln>
+                <a:solidFill>
+                  <a:schemeClr val="tx1"/>
+                </a:solidFill>
+              </a:rPr>
+              <a:t>Change Information </a:t>
+            </a:r>
+            <a:endParaRPr lang="en-GB" dirty="0">
+              <a:ln>
+                <a:solidFill>
+                  <a:sysClr val="windowText" lastClr="000000"/>
+                </a:solidFill>
+              </a:ln>
+              <a:solidFill>
+                <a:schemeClr val="tx1"/>
+              </a:solidFill>
+            </a:endParaRPr>
           </a:p>
         </p:txBody>
       </p:sp>
       <p:cxnSp>
         <p:nvCxnSpPr>
           <p:cNvPr id="3" name="Straight Arrow Connector 2"/>
-          <p:cNvCxnSpPr>
-            <a:endCxn id="6" idx="0"/>
-          </p:cNvCxnSpPr>
+          <p:cNvCxnSpPr/>
           <p:nvPr/>
         </p:nvCxnSpPr>
         <p:spPr>
-          <a:xfrm flipH="1">
-            <a:off x="6496050" y="463826"/>
-            <a:ext cx="991428" cy="793474"/>
+          <a:xfrm>
+            <a:off x="2730321" y="844170"/>
+            <a:ext cx="1479729" cy="649779"/>
           </a:xfrm>
           <a:prstGeom prst="straightConnector1">
             <a:avLst/>
@@ -6251,14 +5793,14 @@
       </p:cxnSp>
       <p:sp>
         <p:nvSpPr>
-          <p:cNvPr id="10" name="TextBox 9"/>
+          <p:cNvPr id="16" name="TextBox 15"/>
           <p:cNvSpPr txBox="1"/>
           <p:nvPr/>
         </p:nvSpPr>
         <p:spPr>
           <a:xfrm>
-            <a:off x="6496050" y="104357"/>
-            <a:ext cx="3001463" cy="369332"/>
+            <a:off x="824247" y="514649"/>
+            <a:ext cx="4959371" cy="369332"/>
           </a:xfrm>
           <a:prstGeom prst="rect">
             <a:avLst/>
@@ -6273,7 +5815,15 @@
           <a:p>
             <a:r>
               <a:rPr lang="en-GB" dirty="0" smtClean="0"/>
-              <a:t>Taken from the previous input</a:t>
+              <a:t>The User </a:t>
+            </a:r>
+            <a:r>
+              <a:rPr lang="en-GB" dirty="0"/>
+              <a:t> </a:t>
+            </a:r>
+            <a:r>
+              <a:rPr lang="en-GB" dirty="0" smtClean="0"/>
+              <a:t>ID must be entered for security purposes</a:t>
             </a:r>
             <a:endParaRPr lang="en-GB" dirty="0"/>
           </a:p>
@@ -6281,16 +5831,16 @@
       </p:sp>
       <p:cxnSp>
         <p:nvCxnSpPr>
-          <p:cNvPr id="12" name="Straight Arrow Connector 11"/>
+          <p:cNvPr id="21" name="Straight Arrow Connector 20"/>
           <p:cNvCxnSpPr>
-            <a:endCxn id="7" idx="3"/>
+            <a:endCxn id="6" idx="1"/>
           </p:cNvCxnSpPr>
           <p:nvPr/>
         </p:nvCxnSpPr>
         <p:spPr>
-          <a:xfrm flipH="1">
-            <a:off x="8782050" y="2650435"/>
-            <a:ext cx="1302854" cy="481143"/>
+          <a:xfrm>
+            <a:off x="2575775" y="2419350"/>
+            <a:ext cx="891325" cy="190500"/>
           </a:xfrm>
           <a:prstGeom prst="straightConnector1">
             <a:avLst/>
@@ -6316,14 +5866,14 @@
       </p:cxnSp>
       <p:sp>
         <p:nvSpPr>
-          <p:cNvPr id="13" name="TextBox 12"/>
+          <p:cNvPr id="22" name="TextBox 21"/>
           <p:cNvSpPr txBox="1"/>
           <p:nvPr/>
         </p:nvSpPr>
         <p:spPr>
           <a:xfrm>
-            <a:off x="10009032" y="2140388"/>
-            <a:ext cx="2045594" cy="1754326"/>
+            <a:off x="630920" y="1823470"/>
+            <a:ext cx="2390517" cy="923330"/>
           </a:xfrm>
           <a:prstGeom prst="rect">
             <a:avLst/>
@@ -6338,21 +5888,440 @@
           <a:p>
             <a:r>
               <a:rPr lang="en-GB" dirty="0" smtClean="0"/>
-              <a:t>Will allow ay input, and is just asks for some text to be entered as a reasoning for data change.</a:t>
+              <a:t>Will be a choice from a set list in the form of a drop down box</a:t>
             </a:r>
             <a:endParaRPr lang="en-GB" dirty="0"/>
           </a:p>
         </p:txBody>
       </p:sp>
-      <p:sp>
-        <p:nvSpPr>
-          <p:cNvPr id="14" name="Rectangle 13"/>
+      <p:cxnSp>
+        <p:nvCxnSpPr>
+          <p:cNvPr id="17" name="Straight Arrow Connector 16"/>
+          <p:cNvCxnSpPr/>
+          <p:nvPr/>
+        </p:nvCxnSpPr>
+        <p:spPr>
+          <a:xfrm flipV="1">
+            <a:off x="2150772" y="3528811"/>
+            <a:ext cx="1316328" cy="25758"/>
+          </a:xfrm>
+          <a:prstGeom prst="straightConnector1">
+            <a:avLst/>
+          </a:prstGeom>
+          <a:ln>
+            <a:tailEnd type="triangle"/>
+          </a:ln>
+        </p:spPr>
+        <p:style>
+          <a:lnRef idx="1">
+            <a:schemeClr val="dk1"/>
+          </a:lnRef>
+          <a:fillRef idx="0">
+            <a:schemeClr val="dk1"/>
+          </a:fillRef>
+          <a:effectRef idx="0">
+            <a:schemeClr val="dk1"/>
+          </a:effectRef>
+          <a:fontRef idx="minor">
+            <a:schemeClr val="tx1"/>
+          </a:fontRef>
+        </p:style>
+      </p:cxnSp>
+      <p:sp>
+        <p:nvSpPr>
+          <p:cNvPr id="18" name="TextBox 17"/>
+          <p:cNvSpPr txBox="1"/>
+          <p:nvPr/>
+        </p:nvSpPr>
+        <p:spPr>
+          <a:xfrm>
+            <a:off x="770586" y="3125730"/>
+            <a:ext cx="1390919" cy="1200329"/>
+          </a:xfrm>
+          <a:prstGeom prst="rect">
+            <a:avLst/>
+          </a:prstGeom>
+          <a:noFill/>
+        </p:spPr>
+        <p:txBody>
+          <a:bodyPr wrap="square" rtlCol="0">
+            <a:spAutoFit/>
+          </a:bodyPr>
+          <a:lstStyle/>
+          <a:p>
+            <a:r>
+              <a:rPr lang="en-GB" dirty="0" smtClean="0"/>
+              <a:t>Will be set to the format 00/00/0000</a:t>
+            </a:r>
+            <a:endParaRPr lang="en-GB" dirty="0"/>
+          </a:p>
+        </p:txBody>
+      </p:sp>
+      <p:sp>
+        <p:nvSpPr>
+          <p:cNvPr id="19" name="TextBox 18"/>
+          <p:cNvSpPr txBox="1"/>
+          <p:nvPr/>
+        </p:nvSpPr>
+        <p:spPr>
+          <a:xfrm>
+            <a:off x="10286664" y="2419350"/>
+            <a:ext cx="1613347" cy="3970318"/>
+          </a:xfrm>
+          <a:prstGeom prst="rect">
+            <a:avLst/>
+          </a:prstGeom>
+          <a:noFill/>
+        </p:spPr>
+        <p:txBody>
+          <a:bodyPr wrap="square" rtlCol="0">
+            <a:spAutoFit/>
+          </a:bodyPr>
+          <a:lstStyle/>
+          <a:p>
+            <a:r>
+              <a:rPr lang="en-GB" dirty="0" smtClean="0"/>
+              <a:t>Postcode Lookup will include a dropdown of all available addresses in the particular area. Once the user presses the chosen address it will auto fill the rest of the form</a:t>
+            </a:r>
+            <a:endParaRPr lang="en-GB" dirty="0"/>
+          </a:p>
+        </p:txBody>
+      </p:sp>
+      <p:cxnSp>
+        <p:nvCxnSpPr>
+          <p:cNvPr id="23" name="Straight Arrow Connector 22"/>
+          <p:cNvCxnSpPr>
+            <a:stCxn id="19" idx="1"/>
+            <a:endCxn id="11" idx="3"/>
+          </p:cNvCxnSpPr>
+          <p:nvPr/>
+        </p:nvCxnSpPr>
+        <p:spPr>
+          <a:xfrm flipH="1" flipV="1">
+            <a:off x="8043863" y="3471862"/>
+            <a:ext cx="2242801" cy="932647"/>
+          </a:xfrm>
+          <a:prstGeom prst="straightConnector1">
+            <a:avLst/>
+          </a:prstGeom>
+          <a:ln>
+            <a:tailEnd type="triangle"/>
+          </a:ln>
+        </p:spPr>
+        <p:style>
+          <a:lnRef idx="1">
+            <a:schemeClr val="dk1"/>
+          </a:lnRef>
+          <a:fillRef idx="0">
+            <a:schemeClr val="dk1"/>
+          </a:fillRef>
+          <a:effectRef idx="0">
+            <a:schemeClr val="dk1"/>
+          </a:effectRef>
+          <a:fontRef idx="minor">
+            <a:schemeClr val="tx1"/>
+          </a:fontRef>
+        </p:style>
+      </p:cxnSp>
+      <p:cxnSp>
+        <p:nvCxnSpPr>
+          <p:cNvPr id="27" name="Straight Arrow Connector 26"/>
+          <p:cNvCxnSpPr/>
+          <p:nvPr/>
+        </p:nvCxnSpPr>
+        <p:spPr>
+          <a:xfrm flipH="1">
+            <a:off x="5557837" y="699315"/>
+            <a:ext cx="1281113" cy="1720035"/>
+          </a:xfrm>
+          <a:prstGeom prst="straightConnector1">
+            <a:avLst/>
+          </a:prstGeom>
+          <a:ln>
+            <a:tailEnd type="triangle"/>
+          </a:ln>
+        </p:spPr>
+        <p:style>
+          <a:lnRef idx="1">
+            <a:schemeClr val="dk1"/>
+          </a:lnRef>
+          <a:fillRef idx="0">
+            <a:schemeClr val="dk1"/>
+          </a:fillRef>
+          <a:effectRef idx="0">
+            <a:schemeClr val="dk1"/>
+          </a:effectRef>
+          <a:fontRef idx="minor">
+            <a:schemeClr val="tx1"/>
+          </a:fontRef>
+        </p:style>
+      </p:cxnSp>
+      <p:sp>
+        <p:nvSpPr>
+          <p:cNvPr id="28" name="TextBox 27"/>
+          <p:cNvSpPr txBox="1"/>
+          <p:nvPr/>
+        </p:nvSpPr>
+        <p:spPr>
+          <a:xfrm>
+            <a:off x="5875784" y="385408"/>
+            <a:ext cx="3464282" cy="369332"/>
+          </a:xfrm>
+          <a:prstGeom prst="rect">
+            <a:avLst/>
+          </a:prstGeom>
+          <a:noFill/>
+        </p:spPr>
+        <p:txBody>
+          <a:bodyPr wrap="none" rtlCol="0">
+            <a:spAutoFit/>
+          </a:bodyPr>
+          <a:lstStyle/>
+          <a:p>
+            <a:r>
+              <a:rPr lang="en-GB" dirty="0" smtClean="0"/>
+              <a:t>Error trapping to only allow letters.</a:t>
+            </a:r>
+            <a:endParaRPr lang="en-GB" dirty="0"/>
+          </a:p>
+        </p:txBody>
+      </p:sp>
+      <p:sp>
+        <p:nvSpPr>
+          <p:cNvPr id="29" name="TextBox 28"/>
+          <p:cNvSpPr txBox="1"/>
+          <p:nvPr/>
+        </p:nvSpPr>
+        <p:spPr>
+          <a:xfrm>
+            <a:off x="9696451" y="876386"/>
+            <a:ext cx="2363028" cy="1200329"/>
+          </a:xfrm>
+          <a:prstGeom prst="rect">
+            <a:avLst/>
+          </a:prstGeom>
+          <a:noFill/>
+        </p:spPr>
+        <p:txBody>
+          <a:bodyPr wrap="square" rtlCol="0">
+            <a:spAutoFit/>
+          </a:bodyPr>
+          <a:lstStyle/>
+          <a:p>
+            <a:r>
+              <a:rPr lang="en-GB" dirty="0" smtClean="0"/>
+              <a:t>Error trapping to only allow letters. (and hyphen for some surnames)</a:t>
+            </a:r>
+            <a:endParaRPr lang="en-GB" dirty="0"/>
+          </a:p>
+        </p:txBody>
+      </p:sp>
+      <p:cxnSp>
+        <p:nvCxnSpPr>
+          <p:cNvPr id="32" name="Straight Arrow Connector 31"/>
+          <p:cNvCxnSpPr/>
+          <p:nvPr/>
+        </p:nvCxnSpPr>
+        <p:spPr>
+          <a:xfrm flipH="1">
+            <a:off x="8258175" y="1476550"/>
+            <a:ext cx="1438274" cy="1133300"/>
+          </a:xfrm>
+          <a:prstGeom prst="straightConnector1">
+            <a:avLst/>
+          </a:prstGeom>
+          <a:ln>
+            <a:tailEnd type="triangle"/>
+          </a:ln>
+        </p:spPr>
+        <p:style>
+          <a:lnRef idx="1">
+            <a:schemeClr val="dk1"/>
+          </a:lnRef>
+          <a:fillRef idx="0">
+            <a:schemeClr val="dk1"/>
+          </a:fillRef>
+          <a:effectRef idx="0">
+            <a:schemeClr val="dk1"/>
+          </a:effectRef>
+          <a:fontRef idx="minor">
+            <a:schemeClr val="tx1"/>
+          </a:fontRef>
+        </p:style>
+      </p:cxnSp>
+      <p:cxnSp>
+        <p:nvCxnSpPr>
+          <p:cNvPr id="34" name="Straight Arrow Connector 33"/>
+          <p:cNvCxnSpPr>
+            <a:stCxn id="18" idx="3"/>
+            <a:endCxn id="13" idx="1"/>
+          </p:cNvCxnSpPr>
+          <p:nvPr/>
+        </p:nvCxnSpPr>
+        <p:spPr>
+          <a:xfrm>
+            <a:off x="2161505" y="3725895"/>
+            <a:ext cx="2048546" cy="409664"/>
+          </a:xfrm>
+          <a:prstGeom prst="straightConnector1">
+            <a:avLst/>
+          </a:prstGeom>
+          <a:ln>
+            <a:tailEnd type="triangle"/>
+          </a:ln>
+        </p:spPr>
+        <p:style>
+          <a:lnRef idx="1">
+            <a:schemeClr val="dk1"/>
+          </a:lnRef>
+          <a:fillRef idx="0">
+            <a:schemeClr val="dk1"/>
+          </a:fillRef>
+          <a:effectRef idx="0">
+            <a:schemeClr val="dk1"/>
+          </a:effectRef>
+          <a:fontRef idx="minor">
+            <a:schemeClr val="tx1"/>
+          </a:fontRef>
+        </p:style>
+      </p:cxnSp>
+      <p:sp>
+        <p:nvSpPr>
+          <p:cNvPr id="35" name="TextBox 34"/>
+          <p:cNvSpPr txBox="1"/>
+          <p:nvPr/>
+        </p:nvSpPr>
+        <p:spPr>
+          <a:xfrm>
+            <a:off x="6602234" y="6042994"/>
+            <a:ext cx="3464282" cy="369332"/>
+          </a:xfrm>
+          <a:prstGeom prst="rect">
+            <a:avLst/>
+          </a:prstGeom>
+          <a:noFill/>
+        </p:spPr>
+        <p:txBody>
+          <a:bodyPr wrap="none" rtlCol="0">
+            <a:spAutoFit/>
+          </a:bodyPr>
+          <a:lstStyle/>
+          <a:p>
+            <a:r>
+              <a:rPr lang="en-GB" dirty="0" smtClean="0"/>
+              <a:t>Error trapping to only allow letters.</a:t>
+            </a:r>
+            <a:endParaRPr lang="en-GB" dirty="0"/>
+          </a:p>
+        </p:txBody>
+      </p:sp>
+      <p:cxnSp>
+        <p:nvCxnSpPr>
+          <p:cNvPr id="37" name="Straight Arrow Connector 36"/>
+          <p:cNvCxnSpPr>
+            <a:stCxn id="35" idx="0"/>
+          </p:cNvCxnSpPr>
+          <p:nvPr/>
+        </p:nvCxnSpPr>
+        <p:spPr>
+          <a:xfrm flipH="1" flipV="1">
+            <a:off x="7607925" y="4286250"/>
+            <a:ext cx="726450" cy="1756744"/>
+          </a:xfrm>
+          <a:prstGeom prst="straightConnector1">
+            <a:avLst/>
+          </a:prstGeom>
+          <a:ln>
+            <a:tailEnd type="triangle"/>
+          </a:ln>
+        </p:spPr>
+        <p:style>
+          <a:lnRef idx="1">
+            <a:schemeClr val="dk1"/>
+          </a:lnRef>
+          <a:fillRef idx="0">
+            <a:schemeClr val="dk1"/>
+          </a:fillRef>
+          <a:effectRef idx="0">
+            <a:schemeClr val="dk1"/>
+          </a:effectRef>
+          <a:fontRef idx="minor">
+            <a:schemeClr val="tx1"/>
+          </a:fontRef>
+        </p:style>
+      </p:cxnSp>
+      <p:cxnSp>
+        <p:nvCxnSpPr>
+          <p:cNvPr id="39" name="Straight Arrow Connector 38"/>
+          <p:cNvCxnSpPr/>
+          <p:nvPr/>
+        </p:nvCxnSpPr>
+        <p:spPr>
+          <a:xfrm flipV="1">
+            <a:off x="4969565" y="5105398"/>
+            <a:ext cx="1555060" cy="937596"/>
+          </a:xfrm>
+          <a:prstGeom prst="straightConnector1">
+            <a:avLst/>
+          </a:prstGeom>
+          <a:ln>
+            <a:tailEnd type="triangle"/>
+          </a:ln>
+        </p:spPr>
+        <p:style>
+          <a:lnRef idx="1">
+            <a:schemeClr val="dk1"/>
+          </a:lnRef>
+          <a:fillRef idx="0">
+            <a:schemeClr val="dk1"/>
+          </a:fillRef>
+          <a:effectRef idx="0">
+            <a:schemeClr val="dk1"/>
+          </a:effectRef>
+          <a:fontRef idx="minor">
+            <a:schemeClr val="tx1"/>
+          </a:fontRef>
+        </p:style>
+      </p:cxnSp>
+      <p:sp>
+        <p:nvSpPr>
+          <p:cNvPr id="40" name="TextBox 39"/>
+          <p:cNvSpPr txBox="1"/>
+          <p:nvPr/>
+        </p:nvSpPr>
+        <p:spPr>
+          <a:xfrm>
+            <a:off x="2548797" y="5978853"/>
+            <a:ext cx="3982309" cy="369332"/>
+          </a:xfrm>
+          <a:prstGeom prst="rect">
+            <a:avLst/>
+          </a:prstGeom>
+          <a:noFill/>
+        </p:spPr>
+        <p:txBody>
+          <a:bodyPr wrap="none" rtlCol="0">
+            <a:spAutoFit/>
+          </a:bodyPr>
+          <a:lstStyle/>
+          <a:p>
+            <a:r>
+              <a:rPr lang="en-GB" dirty="0" smtClean="0"/>
+              <a:t>Once clicked, it will open a new window</a:t>
+            </a:r>
+            <a:endParaRPr lang="en-GB" dirty="0"/>
+          </a:p>
+        </p:txBody>
+      </p:sp>
+      <p:sp>
+        <p:nvSpPr>
+          <p:cNvPr id="41" name="Rectangle 40"/>
           <p:cNvSpPr/>
           <p:nvPr/>
         </p:nvSpPr>
         <p:spPr>
           <a:xfrm>
-            <a:off x="0" y="3862468"/>
+            <a:off x="0" y="4643733"/>
             <a:ext cx="3086099" cy="1015663"/>
           </a:xfrm>
           <a:prstGeom prst="rect">
@@ -6381,7 +6350,7 @@
                   </a:outerShdw>
                 </a:effectLst>
               </a:rPr>
-              <a:t>Reason for detail change </a:t>
+              <a:t>View user/change details</a:t>
             </a:r>
             <a:endParaRPr lang="en-US" sz="3000" b="0" cap="none" spc="0" dirty="0">
               <a:ln w="0"/>
@@ -6399,10 +6368,150 @@
           </a:p>
         </p:txBody>
       </p:sp>
+      <p:sp>
+        <p:nvSpPr>
+          <p:cNvPr id="42" name="Rectangle 41"/>
+          <p:cNvSpPr/>
+          <p:nvPr/>
+        </p:nvSpPr>
+        <p:spPr>
+          <a:xfrm>
+            <a:off x="3357026" y="4606957"/>
+            <a:ext cx="2019300" cy="498353"/>
+          </a:xfrm>
+          <a:prstGeom prst="rect">
+            <a:avLst/>
+          </a:prstGeom>
+          <a:solidFill>
+            <a:schemeClr val="bg1"/>
+          </a:solidFill>
+          <a:ln>
+            <a:solidFill>
+              <a:schemeClr val="tx1"/>
+            </a:solidFill>
+          </a:ln>
+        </p:spPr>
+        <p:style>
+          <a:lnRef idx="2">
+            <a:schemeClr val="accent1">
+              <a:shade val="50000"/>
+            </a:schemeClr>
+          </a:lnRef>
+          <a:fillRef idx="1">
+            <a:schemeClr val="accent1"/>
+          </a:fillRef>
+          <a:effectRef idx="0">
+            <a:schemeClr val="accent1"/>
+          </a:effectRef>
+          <a:fontRef idx="minor">
+            <a:schemeClr val="lt1"/>
+          </a:fontRef>
+        </p:style>
+        <p:txBody>
+          <a:bodyPr rtlCol="0" anchor="ctr"/>
+          <a:lstStyle/>
+          <a:p>
+            <a:pPr algn="ctr"/>
+            <a:r>
+              <a:rPr lang="en-GB" dirty="0" smtClean="0">
+                <a:ln>
+                  <a:solidFill>
+                    <a:sysClr val="windowText" lastClr="000000"/>
+                  </a:solidFill>
+                </a:ln>
+                <a:solidFill>
+                  <a:schemeClr val="tx1"/>
+                </a:solidFill>
+              </a:rPr>
+              <a:t>Delete user</a:t>
+            </a:r>
+            <a:endParaRPr lang="en-GB" dirty="0">
+              <a:ln>
+                <a:solidFill>
+                  <a:sysClr val="windowText" lastClr="000000"/>
+                </a:solidFill>
+              </a:ln>
+              <a:solidFill>
+                <a:schemeClr val="tx1"/>
+              </a:solidFill>
+            </a:endParaRPr>
+          </a:p>
+        </p:txBody>
+      </p:sp>
+      <p:sp>
+        <p:nvSpPr>
+          <p:cNvPr id="43" name="Rectangle 42"/>
+          <p:cNvSpPr/>
+          <p:nvPr/>
+        </p:nvSpPr>
+        <p:spPr>
+          <a:xfrm>
+            <a:off x="7570363" y="4602954"/>
+            <a:ext cx="2019300" cy="498353"/>
+          </a:xfrm>
+          <a:prstGeom prst="rect">
+            <a:avLst/>
+          </a:prstGeom>
+          <a:solidFill>
+            <a:schemeClr val="bg1"/>
+          </a:solidFill>
+          <a:ln>
+            <a:solidFill>
+              <a:schemeClr val="tx1"/>
+            </a:solidFill>
+          </a:ln>
+        </p:spPr>
+        <p:style>
+          <a:lnRef idx="2">
+            <a:schemeClr val="accent1">
+              <a:shade val="50000"/>
+            </a:schemeClr>
+          </a:lnRef>
+          <a:fillRef idx="1">
+            <a:schemeClr val="accent1"/>
+          </a:fillRef>
+          <a:effectRef idx="0">
+            <a:schemeClr val="accent1"/>
+          </a:effectRef>
+          <a:fontRef idx="minor">
+            <a:schemeClr val="lt1"/>
+          </a:fontRef>
+        </p:style>
+        <p:txBody>
+          <a:bodyPr rtlCol="0" anchor="ctr"/>
+          <a:lstStyle/>
+          <a:p>
+            <a:pPr algn="ctr"/>
+            <a:r>
+              <a:rPr lang="en-GB" dirty="0" smtClean="0">
+                <a:ln>
+                  <a:solidFill>
+                    <a:sysClr val="windowText" lastClr="000000"/>
+                  </a:solidFill>
+                </a:ln>
+                <a:solidFill>
+                  <a:schemeClr val="tx1"/>
+                </a:solidFill>
+              </a:rPr>
+              <a:t>Add new user</a:t>
+            </a:r>
+            <a:endParaRPr lang="en-GB" dirty="0">
+              <a:ln>
+                <a:solidFill>
+                  <a:sysClr val="windowText" lastClr="000000"/>
+                </a:solidFill>
+              </a:ln>
+              <a:solidFill>
+                <a:schemeClr val="tx1"/>
+              </a:solidFill>
+            </a:endParaRPr>
+          </a:p>
+        </p:txBody>
+      </p:sp>
     </p:spTree>
     <p:extLst>
       <p:ext uri="{BB962C8B-B14F-4D97-AF65-F5344CB8AC3E}">
-        <p14:creationId xmlns:p14="http://schemas.microsoft.com/office/powerpoint/2010/main" val="1570146582"/>
+        <p14:creationId xmlns:p14="http://schemas.microsoft.com/office/powerpoint/2010/main" val="4102877442"/>
       </p:ext>
     </p:extLst>
   </p:cSld>
@@ -6431,99 +6540,13 @@
       </p:grpSpPr>
       <p:sp>
         <p:nvSpPr>
-          <p:cNvPr id="4" name="Rectangle 3"/>
+          <p:cNvPr id="5" name="Rectangle 4"/>
           <p:cNvSpPr/>
           <p:nvPr/>
         </p:nvSpPr>
         <p:spPr>
           <a:xfrm>
-            <a:off x="8394312" y="1714163"/>
-            <a:ext cx="3631842" cy="1755888"/>
-          </a:xfrm>
-          <a:prstGeom prst="rect">
-            <a:avLst/>
-          </a:prstGeom>
-        </p:spPr>
-        <p:style>
-          <a:lnRef idx="2">
-            <a:schemeClr val="dk1"/>
-          </a:lnRef>
-          <a:fillRef idx="1">
-            <a:schemeClr val="lt1"/>
-          </a:fillRef>
-          <a:effectRef idx="0">
-            <a:schemeClr val="dk1"/>
-          </a:effectRef>
-          <a:fontRef idx="minor">
-            <a:schemeClr val="dk1"/>
-          </a:fontRef>
-        </p:style>
-        <p:txBody>
-          <a:bodyPr rtlCol="0" anchor="ctr"/>
-          <a:lstStyle/>
-          <a:p>
-            <a:pPr algn="ctr"/>
-            <a:r>
-              <a:rPr lang="en-GB" dirty="0" smtClean="0"/>
-              <a:t>Record Added</a:t>
-            </a:r>
-            <a:endParaRPr lang="en-GB" dirty="0"/>
-          </a:p>
-        </p:txBody>
-      </p:sp>
-      <p:sp>
-        <p:nvSpPr>
-          <p:cNvPr id="5" name="TextBox 4"/>
-          <p:cNvSpPr txBox="1"/>
-          <p:nvPr/>
-        </p:nvSpPr>
-        <p:spPr>
-          <a:xfrm>
-            <a:off x="9420657" y="2872430"/>
-            <a:ext cx="1579151" cy="369332"/>
-          </a:xfrm>
-          <a:prstGeom prst="rect">
-            <a:avLst/>
-          </a:prstGeom>
-        </p:spPr>
-        <p:style>
-          <a:lnRef idx="2">
-            <a:schemeClr val="dk1"/>
-          </a:lnRef>
-          <a:fillRef idx="1">
-            <a:schemeClr val="lt1"/>
-          </a:fillRef>
-          <a:effectRef idx="0">
-            <a:schemeClr val="dk1"/>
-          </a:effectRef>
-          <a:fontRef idx="minor">
-            <a:schemeClr val="dk1"/>
-          </a:fontRef>
-        </p:style>
-        <p:txBody>
-          <a:bodyPr wrap="square" rtlCol="0">
-            <a:spAutoFit/>
-          </a:bodyPr>
-          <a:lstStyle/>
-          <a:p>
-            <a:pPr algn="ctr"/>
-            <a:r>
-              <a:rPr lang="en-GB" dirty="0" smtClean="0"/>
-              <a:t>Okay</a:t>
-            </a:r>
-            <a:endParaRPr lang="en-GB" dirty="0"/>
-          </a:p>
-        </p:txBody>
-      </p:sp>
-      <p:sp>
-        <p:nvSpPr>
-          <p:cNvPr id="36" name="Rectangle 35"/>
-          <p:cNvSpPr/>
-          <p:nvPr/>
-        </p:nvSpPr>
-        <p:spPr>
-          <a:xfrm>
-            <a:off x="1574412" y="1603151"/>
+            <a:off x="2983069" y="907693"/>
             <a:ext cx="6610350" cy="4476750"/>
           </a:xfrm>
           <a:prstGeom prst="rect">
@@ -6565,13 +6588,13 @@
       </p:sp>
       <p:sp>
         <p:nvSpPr>
-          <p:cNvPr id="37" name="Rectangle 36"/>
+          <p:cNvPr id="6" name="Rectangle 5"/>
           <p:cNvSpPr/>
           <p:nvPr/>
         </p:nvSpPr>
         <p:spPr>
           <a:xfrm>
-            <a:off x="2698362" y="1927001"/>
+            <a:off x="4210050" y="1257300"/>
             <a:ext cx="4572000" cy="609600"/>
           </a:xfrm>
           <a:prstGeom prst="rect">
@@ -6613,7 +6636,7 @@
                   <a:schemeClr val="tx1"/>
                 </a:solidFill>
               </a:rPr>
-              <a:t>Username &amp; ID</a:t>
+              <a:t>User ID </a:t>
             </a:r>
             <a:endParaRPr lang="en-GB" dirty="0">
               <a:solidFill>
@@ -6625,14 +6648,14 @@
       </p:sp>
       <p:sp>
         <p:nvSpPr>
-          <p:cNvPr id="38" name="Rectangle 37"/>
+          <p:cNvPr id="7" name="Rectangle 6"/>
           <p:cNvSpPr/>
           <p:nvPr/>
         </p:nvSpPr>
         <p:spPr>
           <a:xfrm>
-            <a:off x="1955412" y="3089051"/>
-            <a:ext cx="742950" cy="381000"/>
+            <a:off x="4210050" y="2216507"/>
+            <a:ext cx="4572000" cy="1830142"/>
           </a:xfrm>
           <a:prstGeom prst="rect">
             <a:avLst/>
@@ -6669,23 +6692,13 @@
             <a:pPr algn="ctr"/>
             <a:r>
               <a:rPr lang="en-GB" dirty="0" smtClean="0">
-                <a:ln>
-                  <a:solidFill>
-                    <a:sysClr val="windowText" lastClr="000000"/>
-                  </a:solidFill>
-                </a:ln>
                 <a:solidFill>
                   <a:schemeClr val="tx1"/>
                 </a:solidFill>
               </a:rPr>
-              <a:t>Title</a:t>
+              <a:t>Please choose a reason for detail change </a:t>
             </a:r>
             <a:endParaRPr lang="en-GB" dirty="0">
-              <a:ln>
-                <a:solidFill>
-                  <a:sysClr val="windowText" lastClr="000000"/>
-                </a:solidFill>
-              </a:ln>
               <a:solidFill>
                 <a:schemeClr val="tx1"/>
               </a:solidFill>
@@ -6695,14 +6708,14 @@
       </p:sp>
       <p:sp>
         <p:nvSpPr>
-          <p:cNvPr id="39" name="Rectangle 38"/>
-          <p:cNvSpPr/>
-          <p:nvPr/>
-        </p:nvSpPr>
-        <p:spPr>
-          <a:xfrm>
-            <a:off x="3307962" y="3089051"/>
-            <a:ext cx="1409700" cy="381000"/>
+          <p:cNvPr id="8" name="TextBox 7"/>
+          <p:cNvSpPr txBox="1"/>
+          <p:nvPr/>
+        </p:nvSpPr>
+        <p:spPr>
+          <a:xfrm>
+            <a:off x="7894749" y="4185634"/>
+            <a:ext cx="772733" cy="369332"/>
           </a:xfrm>
           <a:prstGeom prst="rect">
             <a:avLst/>
@@ -6716,63 +6729,30 @@
             </a:solidFill>
           </a:ln>
         </p:spPr>
-        <p:style>
-          <a:lnRef idx="2">
-            <a:schemeClr val="accent1">
-              <a:shade val="50000"/>
-            </a:schemeClr>
-          </a:lnRef>
-          <a:fillRef idx="1">
-            <a:schemeClr val="accent1"/>
-          </a:fillRef>
-          <a:effectRef idx="0">
-            <a:schemeClr val="accent1"/>
-          </a:effectRef>
-          <a:fontRef idx="minor">
-            <a:schemeClr val="lt1"/>
-          </a:fontRef>
-        </p:style>
-        <p:txBody>
-          <a:bodyPr rtlCol="0" anchor="ctr"/>
-          <a:lstStyle/>
-          <a:p>
-            <a:pPr algn="ctr"/>
-            <a:r>
-              <a:rPr lang="en-GB" dirty="0" smtClean="0">
-                <a:ln>
-                  <a:solidFill>
-                    <a:sysClr val="windowText" lastClr="000000"/>
-                  </a:solidFill>
-                </a:ln>
-                <a:solidFill>
-                  <a:schemeClr val="tx1"/>
-                </a:solidFill>
-              </a:rPr>
-              <a:t>First Name</a:t>
-            </a:r>
-            <a:endParaRPr lang="en-GB" dirty="0">
-              <a:ln>
-                <a:solidFill>
-                  <a:sysClr val="windowText" lastClr="000000"/>
-                </a:solidFill>
-              </a:ln>
-              <a:solidFill>
-                <a:schemeClr val="tx1"/>
-              </a:solidFill>
-            </a:endParaRPr>
-          </a:p>
-        </p:txBody>
-      </p:sp>
-      <p:sp>
-        <p:nvSpPr>
-          <p:cNvPr id="40" name="Rectangle 39"/>
-          <p:cNvSpPr/>
-          <p:nvPr/>
-        </p:nvSpPr>
-        <p:spPr>
-          <a:xfrm>
-            <a:off x="5327262" y="3089051"/>
-            <a:ext cx="1409700" cy="361950"/>
+        <p:txBody>
+          <a:bodyPr wrap="square" rtlCol="0">
+            <a:spAutoFit/>
+          </a:bodyPr>
+          <a:lstStyle/>
+          <a:p>
+            <a:r>
+              <a:rPr lang="en-GB" dirty="0" smtClean="0"/>
+              <a:t>Save</a:t>
+            </a:r>
+            <a:endParaRPr lang="en-GB" dirty="0"/>
+          </a:p>
+        </p:txBody>
+      </p:sp>
+      <p:sp>
+        <p:nvSpPr>
+          <p:cNvPr id="9" name="TextBox 8"/>
+          <p:cNvSpPr txBox="1"/>
+          <p:nvPr/>
+        </p:nvSpPr>
+        <p:spPr>
+          <a:xfrm>
+            <a:off x="6722772" y="4185634"/>
+            <a:ext cx="1018773" cy="369332"/>
           </a:xfrm>
           <a:prstGeom prst="rect">
             <a:avLst/>
@@ -6786,647 +6766,201 @@
             </a:solidFill>
           </a:ln>
         </p:spPr>
+        <p:txBody>
+          <a:bodyPr wrap="square" rtlCol="0">
+            <a:spAutoFit/>
+          </a:bodyPr>
+          <a:lstStyle/>
+          <a:p>
+            <a:r>
+              <a:rPr lang="en-GB" dirty="0" smtClean="0"/>
+              <a:t>Cancel</a:t>
+            </a:r>
+            <a:endParaRPr lang="en-GB" dirty="0"/>
+          </a:p>
+        </p:txBody>
+      </p:sp>
+      <p:cxnSp>
+        <p:nvCxnSpPr>
+          <p:cNvPr id="3" name="Straight Arrow Connector 2"/>
+          <p:cNvCxnSpPr>
+            <a:endCxn id="6" idx="0"/>
+          </p:cNvCxnSpPr>
+          <p:nvPr/>
+        </p:nvCxnSpPr>
+        <p:spPr>
+          <a:xfrm flipH="1">
+            <a:off x="6496050" y="463826"/>
+            <a:ext cx="991428" cy="793474"/>
+          </a:xfrm>
+          <a:prstGeom prst="straightConnector1">
+            <a:avLst/>
+          </a:prstGeom>
+          <a:ln>
+            <a:tailEnd type="triangle"/>
+          </a:ln>
+        </p:spPr>
         <p:style>
-          <a:lnRef idx="2">
-            <a:schemeClr val="accent1">
-              <a:shade val="50000"/>
-            </a:schemeClr>
+          <a:lnRef idx="1">
+            <a:schemeClr val="dk1"/>
           </a:lnRef>
-          <a:fillRef idx="1">
-            <a:schemeClr val="accent1"/>
+          <a:fillRef idx="0">
+            <a:schemeClr val="dk1"/>
           </a:fillRef>
           <a:effectRef idx="0">
-            <a:schemeClr val="accent1"/>
+            <a:schemeClr val="dk1"/>
           </a:effectRef>
           <a:fontRef idx="minor">
-            <a:schemeClr val="lt1"/>
+            <a:schemeClr val="tx1"/>
           </a:fontRef>
         </p:style>
-        <p:txBody>
-          <a:bodyPr rtlCol="0" anchor="ctr"/>
+      </p:cxnSp>
+      <p:sp>
+        <p:nvSpPr>
+          <p:cNvPr id="10" name="TextBox 9"/>
+          <p:cNvSpPr txBox="1"/>
+          <p:nvPr/>
+        </p:nvSpPr>
+        <p:spPr>
+          <a:xfrm>
+            <a:off x="6496050" y="104357"/>
+            <a:ext cx="3001463" cy="369332"/>
+          </a:xfrm>
+          <a:prstGeom prst="rect">
+            <a:avLst/>
+          </a:prstGeom>
+          <a:noFill/>
+        </p:spPr>
+        <p:txBody>
+          <a:bodyPr wrap="none" rtlCol="0">
+            <a:spAutoFit/>
+          </a:bodyPr>
+          <a:lstStyle/>
+          <a:p>
+            <a:r>
+              <a:rPr lang="en-GB" dirty="0" smtClean="0"/>
+              <a:t>Taken from the previous input</a:t>
+            </a:r>
+            <a:endParaRPr lang="en-GB" dirty="0"/>
+          </a:p>
+        </p:txBody>
+      </p:sp>
+      <p:cxnSp>
+        <p:nvCxnSpPr>
+          <p:cNvPr id="12" name="Straight Arrow Connector 11"/>
+          <p:cNvCxnSpPr>
+            <a:endCxn id="7" idx="3"/>
+          </p:cNvCxnSpPr>
+          <p:nvPr/>
+        </p:nvCxnSpPr>
+        <p:spPr>
+          <a:xfrm flipH="1">
+            <a:off x="8782050" y="2650435"/>
+            <a:ext cx="1302854" cy="481143"/>
+          </a:xfrm>
+          <a:prstGeom prst="straightConnector1">
+            <a:avLst/>
+          </a:prstGeom>
+          <a:ln>
+            <a:tailEnd type="triangle"/>
+          </a:ln>
+        </p:spPr>
+        <p:style>
+          <a:lnRef idx="1">
+            <a:schemeClr val="dk1"/>
+          </a:lnRef>
+          <a:fillRef idx="0">
+            <a:schemeClr val="dk1"/>
+          </a:fillRef>
+          <a:effectRef idx="0">
+            <a:schemeClr val="dk1"/>
+          </a:effectRef>
+          <a:fontRef idx="minor">
+            <a:schemeClr val="tx1"/>
+          </a:fontRef>
+        </p:style>
+      </p:cxnSp>
+      <p:sp>
+        <p:nvSpPr>
+          <p:cNvPr id="13" name="TextBox 12"/>
+          <p:cNvSpPr txBox="1"/>
+          <p:nvPr/>
+        </p:nvSpPr>
+        <p:spPr>
+          <a:xfrm>
+            <a:off x="10009032" y="2140388"/>
+            <a:ext cx="2045594" cy="1754326"/>
+          </a:xfrm>
+          <a:prstGeom prst="rect">
+            <a:avLst/>
+          </a:prstGeom>
+          <a:noFill/>
+        </p:spPr>
+        <p:txBody>
+          <a:bodyPr wrap="square" rtlCol="0">
+            <a:spAutoFit/>
+          </a:bodyPr>
+          <a:lstStyle/>
+          <a:p>
+            <a:r>
+              <a:rPr lang="en-GB" dirty="0" smtClean="0"/>
+              <a:t>Will allow ay input, and is just asks for some text to be entered as a reasoning for data change.</a:t>
+            </a:r>
+            <a:endParaRPr lang="en-GB" dirty="0"/>
+          </a:p>
+        </p:txBody>
+      </p:sp>
+      <p:sp>
+        <p:nvSpPr>
+          <p:cNvPr id="14" name="Rectangle 13"/>
+          <p:cNvSpPr/>
+          <p:nvPr/>
+        </p:nvSpPr>
+        <p:spPr>
+          <a:xfrm>
+            <a:off x="0" y="3862468"/>
+            <a:ext cx="3086099" cy="1015663"/>
+          </a:xfrm>
+          <a:prstGeom prst="rect">
+            <a:avLst/>
+          </a:prstGeom>
+          <a:noFill/>
+        </p:spPr>
+        <p:txBody>
+          <a:bodyPr wrap="square" lIns="91440" tIns="45720" rIns="91440" bIns="45720">
+            <a:spAutoFit/>
+          </a:bodyPr>
           <a:lstStyle/>
           <a:p>
             <a:pPr algn="ctr"/>
             <a:r>
-              <a:rPr lang="en-GB" dirty="0" smtClean="0">
-                <a:ln>
-                  <a:solidFill>
-                    <a:sysClr val="windowText" lastClr="000000"/>
-                  </a:solidFill>
-                </a:ln>
+              <a:rPr lang="en-US" sz="3000" b="0" cap="none" spc="0" dirty="0" smtClean="0">
+                <a:ln w="0"/>
                 <a:solidFill>
                   <a:schemeClr val="tx1"/>
                 </a:solidFill>
+                <a:effectLst>
+                  <a:outerShdw blurRad="38100" dist="19050" dir="2700000" algn="tl" rotWithShape="0">
+                    <a:schemeClr val="dk1">
+                      <a:alpha val="40000"/>
+                    </a:schemeClr>
+                  </a:outerShdw>
+                </a:effectLst>
               </a:rPr>
-              <a:t>Surname </a:t>
-            </a:r>
-            <a:endParaRPr lang="en-GB" dirty="0">
-              <a:ln>
-                <a:solidFill>
-                  <a:sysClr val="windowText" lastClr="000000"/>
-                </a:solidFill>
-              </a:ln>
+              <a:t>Reason for detail change </a:t>
+            </a:r>
+            <a:endParaRPr lang="en-US" sz="3000" b="0" cap="none" spc="0" dirty="0">
+              <a:ln w="0"/>
               <a:solidFill>
                 <a:schemeClr val="tx1"/>
               </a:solidFill>
-            </a:endParaRPr>
-          </a:p>
-        </p:txBody>
-      </p:sp>
-      <p:sp>
-        <p:nvSpPr>
-          <p:cNvPr id="41" name="Rectangle 40"/>
-          <p:cNvSpPr/>
-          <p:nvPr/>
-        </p:nvSpPr>
-        <p:spPr>
-          <a:xfrm>
-            <a:off x="1955412" y="3984400"/>
-            <a:ext cx="742950" cy="381000"/>
-          </a:xfrm>
-          <a:prstGeom prst="rect">
-            <a:avLst/>
-          </a:prstGeom>
-          <a:solidFill>
-            <a:schemeClr val="bg1"/>
-          </a:solidFill>
-          <a:ln>
-            <a:solidFill>
-              <a:schemeClr val="tx1"/>
-            </a:solidFill>
-          </a:ln>
-        </p:spPr>
-        <p:style>
-          <a:lnRef idx="2">
-            <a:schemeClr val="accent1">
-              <a:shade val="50000"/>
-            </a:schemeClr>
-          </a:lnRef>
-          <a:fillRef idx="1">
-            <a:schemeClr val="accent1"/>
-          </a:fillRef>
-          <a:effectRef idx="0">
-            <a:schemeClr val="accent1"/>
-          </a:effectRef>
-          <a:fontRef idx="minor">
-            <a:schemeClr val="lt1"/>
-          </a:fontRef>
-        </p:style>
-        <p:txBody>
-          <a:bodyPr rtlCol="0" anchor="ctr"/>
-          <a:lstStyle/>
-          <a:p>
-            <a:pPr algn="ctr"/>
-            <a:r>
-              <a:rPr lang="en-GB" dirty="0" smtClean="0">
-                <a:ln>
-                  <a:solidFill>
-                    <a:sysClr val="windowText" lastClr="000000"/>
-                  </a:solidFill>
-                </a:ln>
-                <a:solidFill>
-                  <a:schemeClr val="tx1"/>
-                </a:solidFill>
-              </a:rPr>
-              <a:t>D.O.B</a:t>
-            </a:r>
-            <a:endParaRPr lang="en-GB" dirty="0">
-              <a:ln>
-                <a:solidFill>
-                  <a:sysClr val="windowText" lastClr="000000"/>
-                </a:solidFill>
-              </a:ln>
-              <a:solidFill>
-                <a:schemeClr val="tx1"/>
-              </a:solidFill>
-            </a:endParaRPr>
-          </a:p>
-        </p:txBody>
-      </p:sp>
-      <p:sp>
-        <p:nvSpPr>
-          <p:cNvPr id="42" name="Rectangle 41"/>
-          <p:cNvSpPr/>
-          <p:nvPr/>
-        </p:nvSpPr>
-        <p:spPr>
-          <a:xfrm>
-            <a:off x="3079362" y="3960588"/>
-            <a:ext cx="1933575" cy="390525"/>
-          </a:xfrm>
-          <a:prstGeom prst="rect">
-            <a:avLst/>
-          </a:prstGeom>
-          <a:solidFill>
-            <a:schemeClr val="bg1"/>
-          </a:solidFill>
-          <a:ln>
-            <a:solidFill>
-              <a:schemeClr val="tx1"/>
-            </a:solidFill>
-          </a:ln>
-        </p:spPr>
-        <p:style>
-          <a:lnRef idx="2">
-            <a:schemeClr val="accent1">
-              <a:shade val="50000"/>
-            </a:schemeClr>
-          </a:lnRef>
-          <a:fillRef idx="1">
-            <a:schemeClr val="accent1"/>
-          </a:fillRef>
-          <a:effectRef idx="0">
-            <a:schemeClr val="accent1"/>
-          </a:effectRef>
-          <a:fontRef idx="minor">
-            <a:schemeClr val="lt1"/>
-          </a:fontRef>
-        </p:style>
-        <p:txBody>
-          <a:bodyPr rtlCol="0" anchor="ctr"/>
-          <a:lstStyle/>
-          <a:p>
-            <a:pPr algn="ctr"/>
-            <a:r>
-              <a:rPr lang="en-GB" dirty="0" smtClean="0">
-                <a:ln>
-                  <a:solidFill>
-                    <a:sysClr val="windowText" lastClr="000000"/>
-                  </a:solidFill>
-                </a:ln>
-                <a:solidFill>
-                  <a:schemeClr val="tx1"/>
-                </a:solidFill>
-              </a:rPr>
-              <a:t>Address Line 1</a:t>
-            </a:r>
-            <a:endParaRPr lang="en-GB" dirty="0">
-              <a:ln>
-                <a:solidFill>
-                  <a:sysClr val="windowText" lastClr="000000"/>
-                </a:solidFill>
-              </a:ln>
-              <a:solidFill>
-                <a:schemeClr val="tx1"/>
-              </a:solidFill>
-            </a:endParaRPr>
-          </a:p>
-        </p:txBody>
-      </p:sp>
-      <p:sp>
-        <p:nvSpPr>
-          <p:cNvPr id="43" name="Rectangle 42"/>
-          <p:cNvSpPr/>
-          <p:nvPr/>
-        </p:nvSpPr>
-        <p:spPr>
-          <a:xfrm>
-            <a:off x="5227249" y="3960588"/>
-            <a:ext cx="1304926" cy="361950"/>
-          </a:xfrm>
-          <a:prstGeom prst="rect">
-            <a:avLst/>
-          </a:prstGeom>
-          <a:solidFill>
-            <a:schemeClr val="bg1"/>
-          </a:solidFill>
-          <a:ln>
-            <a:solidFill>
-              <a:schemeClr val="tx1"/>
-            </a:solidFill>
-          </a:ln>
-        </p:spPr>
-        <p:style>
-          <a:lnRef idx="2">
-            <a:schemeClr val="accent1">
-              <a:shade val="50000"/>
-            </a:schemeClr>
-          </a:lnRef>
-          <a:fillRef idx="1">
-            <a:schemeClr val="accent1"/>
-          </a:fillRef>
-          <a:effectRef idx="0">
-            <a:schemeClr val="accent1"/>
-          </a:effectRef>
-          <a:fontRef idx="minor">
-            <a:schemeClr val="lt1"/>
-          </a:fontRef>
-        </p:style>
-        <p:txBody>
-          <a:bodyPr rtlCol="0" anchor="ctr"/>
-          <a:lstStyle/>
-          <a:p>
-            <a:pPr algn="ctr"/>
-            <a:r>
-              <a:rPr lang="en-GB" dirty="0" smtClean="0">
-                <a:ln>
-                  <a:solidFill>
-                    <a:sysClr val="windowText" lastClr="000000"/>
-                  </a:solidFill>
-                </a:ln>
-                <a:solidFill>
-                  <a:schemeClr val="tx1"/>
-                </a:solidFill>
-              </a:rPr>
-              <a:t>Postcode </a:t>
-            </a:r>
-            <a:endParaRPr lang="en-GB" dirty="0">
-              <a:ln>
-                <a:solidFill>
-                  <a:sysClr val="windowText" lastClr="000000"/>
-                </a:solidFill>
-              </a:ln>
-              <a:solidFill>
-                <a:schemeClr val="tx1"/>
-              </a:solidFill>
-            </a:endParaRPr>
-          </a:p>
-        </p:txBody>
-      </p:sp>
-      <p:sp>
-        <p:nvSpPr>
-          <p:cNvPr id="44" name="Rectangle 43"/>
-          <p:cNvSpPr/>
-          <p:nvPr/>
-        </p:nvSpPr>
-        <p:spPr>
-          <a:xfrm>
-            <a:off x="6822687" y="3910581"/>
-            <a:ext cx="1071562" cy="490537"/>
-          </a:xfrm>
-          <a:prstGeom prst="rect">
-            <a:avLst/>
-          </a:prstGeom>
-          <a:solidFill>
-            <a:schemeClr val="bg1"/>
-          </a:solidFill>
-          <a:ln>
-            <a:solidFill>
-              <a:schemeClr val="tx1"/>
-            </a:solidFill>
-          </a:ln>
-        </p:spPr>
-        <p:style>
-          <a:lnRef idx="2">
-            <a:schemeClr val="accent1">
-              <a:shade val="50000"/>
-            </a:schemeClr>
-          </a:lnRef>
-          <a:fillRef idx="1">
-            <a:schemeClr val="accent1"/>
-          </a:fillRef>
-          <a:effectRef idx="0">
-            <a:schemeClr val="accent1"/>
-          </a:effectRef>
-          <a:fontRef idx="minor">
-            <a:schemeClr val="lt1"/>
-          </a:fontRef>
-        </p:style>
-        <p:txBody>
-          <a:bodyPr rtlCol="0" anchor="ctr"/>
-          <a:lstStyle/>
-          <a:p>
-            <a:pPr algn="ctr"/>
-            <a:r>
-              <a:rPr lang="en-GB" sz="1200" dirty="0" smtClean="0">
-                <a:ln>
-                  <a:solidFill>
-                    <a:sysClr val="windowText" lastClr="000000"/>
-                  </a:solidFill>
-                </a:ln>
-                <a:solidFill>
-                  <a:schemeClr val="tx1"/>
-                </a:solidFill>
-              </a:rPr>
-              <a:t>County &amp; Country</a:t>
-            </a:r>
-            <a:endParaRPr lang="en-GB" sz="1200" dirty="0">
-              <a:ln>
-                <a:solidFill>
-                  <a:sysClr val="windowText" lastClr="000000"/>
-                </a:solidFill>
-              </a:ln>
-              <a:solidFill>
-                <a:schemeClr val="tx1"/>
-              </a:solidFill>
-            </a:endParaRPr>
-          </a:p>
-        </p:txBody>
-      </p:sp>
-      <p:sp>
-        <p:nvSpPr>
-          <p:cNvPr id="45" name="Rectangle 44"/>
-          <p:cNvSpPr/>
-          <p:nvPr/>
-        </p:nvSpPr>
-        <p:spPr>
-          <a:xfrm>
-            <a:off x="2698363" y="4614760"/>
-            <a:ext cx="2019300" cy="381000"/>
-          </a:xfrm>
-          <a:prstGeom prst="rect">
-            <a:avLst/>
-          </a:prstGeom>
-          <a:solidFill>
-            <a:schemeClr val="bg1"/>
-          </a:solidFill>
-          <a:ln>
-            <a:solidFill>
-              <a:schemeClr val="tx1"/>
-            </a:solidFill>
-          </a:ln>
-        </p:spPr>
-        <p:style>
-          <a:lnRef idx="2">
-            <a:schemeClr val="accent1">
-              <a:shade val="50000"/>
-            </a:schemeClr>
-          </a:lnRef>
-          <a:fillRef idx="1">
-            <a:schemeClr val="accent1"/>
-          </a:fillRef>
-          <a:effectRef idx="0">
-            <a:schemeClr val="accent1"/>
-          </a:effectRef>
-          <a:fontRef idx="minor">
-            <a:schemeClr val="lt1"/>
-          </a:fontRef>
-        </p:style>
-        <p:txBody>
-          <a:bodyPr rtlCol="0" anchor="ctr"/>
-          <a:lstStyle/>
-          <a:p>
-            <a:pPr algn="ctr"/>
-            <a:r>
-              <a:rPr lang="en-GB" dirty="0" smtClean="0">
-                <a:ln>
-                  <a:solidFill>
-                    <a:sysClr val="windowText" lastClr="000000"/>
-                  </a:solidFill>
-                </a:ln>
-                <a:solidFill>
-                  <a:schemeClr val="tx1"/>
-                </a:solidFill>
-              </a:rPr>
-              <a:t>Company start date </a:t>
-            </a:r>
-            <a:endParaRPr lang="en-GB" dirty="0">
-              <a:ln>
-                <a:solidFill>
-                  <a:sysClr val="windowText" lastClr="000000"/>
-                </a:solidFill>
-              </a:ln>
-              <a:solidFill>
-                <a:schemeClr val="tx1"/>
-              </a:solidFill>
-            </a:endParaRPr>
-          </a:p>
-        </p:txBody>
-      </p:sp>
-      <p:sp>
-        <p:nvSpPr>
-          <p:cNvPr id="46" name="Rectangle 45"/>
-          <p:cNvSpPr/>
-          <p:nvPr/>
-        </p:nvSpPr>
-        <p:spPr>
-          <a:xfrm>
-            <a:off x="5227249" y="4574951"/>
-            <a:ext cx="1737977" cy="381000"/>
-          </a:xfrm>
-          <a:prstGeom prst="rect">
-            <a:avLst/>
-          </a:prstGeom>
-          <a:solidFill>
-            <a:schemeClr val="bg1"/>
-          </a:solidFill>
-          <a:ln>
-            <a:solidFill>
-              <a:schemeClr val="tx1"/>
-            </a:solidFill>
-          </a:ln>
-        </p:spPr>
-        <p:style>
-          <a:lnRef idx="2">
-            <a:schemeClr val="accent1">
-              <a:shade val="50000"/>
-            </a:schemeClr>
-          </a:lnRef>
-          <a:fillRef idx="1">
-            <a:schemeClr val="accent1"/>
-          </a:fillRef>
-          <a:effectRef idx="0">
-            <a:schemeClr val="accent1"/>
-          </a:effectRef>
-          <a:fontRef idx="minor">
-            <a:schemeClr val="lt1"/>
-          </a:fontRef>
-        </p:style>
-        <p:txBody>
-          <a:bodyPr rtlCol="0" anchor="ctr"/>
-          <a:lstStyle/>
-          <a:p>
-            <a:pPr algn="ctr"/>
-            <a:r>
-              <a:rPr lang="en-GB" dirty="0" smtClean="0">
-                <a:ln>
-                  <a:solidFill>
-                    <a:sysClr val="windowText" lastClr="000000"/>
-                  </a:solidFill>
-                </a:ln>
-                <a:solidFill>
-                  <a:schemeClr val="tx1"/>
-                </a:solidFill>
-              </a:rPr>
-              <a:t>Company role </a:t>
-            </a:r>
-            <a:endParaRPr lang="en-GB" dirty="0">
-              <a:ln>
-                <a:solidFill>
-                  <a:sysClr val="windowText" lastClr="000000"/>
-                </a:solidFill>
-              </a:ln>
-              <a:solidFill>
-                <a:schemeClr val="tx1"/>
-              </a:solidFill>
-            </a:endParaRPr>
-          </a:p>
-        </p:txBody>
-      </p:sp>
-      <p:sp>
-        <p:nvSpPr>
-          <p:cNvPr id="51" name="Rectangle 50"/>
-          <p:cNvSpPr/>
-          <p:nvPr/>
-        </p:nvSpPr>
-        <p:spPr>
-          <a:xfrm>
-            <a:off x="3974712" y="5219598"/>
-            <a:ext cx="2019300" cy="498353"/>
-          </a:xfrm>
-          <a:prstGeom prst="rect">
-            <a:avLst/>
-          </a:prstGeom>
-          <a:solidFill>
-            <a:schemeClr val="bg1"/>
-          </a:solidFill>
-          <a:ln>
-            <a:solidFill>
-              <a:schemeClr val="tx1"/>
-            </a:solidFill>
-          </a:ln>
-        </p:spPr>
-        <p:style>
-          <a:lnRef idx="2">
-            <a:schemeClr val="accent1">
-              <a:shade val="50000"/>
-            </a:schemeClr>
-          </a:lnRef>
-          <a:fillRef idx="1">
-            <a:schemeClr val="accent1"/>
-          </a:fillRef>
-          <a:effectRef idx="0">
-            <a:schemeClr val="accent1"/>
-          </a:effectRef>
-          <a:fontRef idx="minor">
-            <a:schemeClr val="lt1"/>
-          </a:fontRef>
-        </p:style>
-        <p:txBody>
-          <a:bodyPr rtlCol="0" anchor="ctr"/>
-          <a:lstStyle/>
-          <a:p>
-            <a:pPr algn="ctr"/>
-            <a:r>
-              <a:rPr lang="en-GB" dirty="0" smtClean="0">
-                <a:ln>
-                  <a:solidFill>
-                    <a:sysClr val="windowText" lastClr="000000"/>
-                  </a:solidFill>
-                </a:ln>
-                <a:solidFill>
-                  <a:schemeClr val="tx1"/>
-                </a:solidFill>
-              </a:rPr>
-              <a:t>Add User user</a:t>
-            </a:r>
-            <a:endParaRPr lang="en-GB" dirty="0">
-              <a:ln>
-                <a:solidFill>
-                  <a:sysClr val="windowText" lastClr="000000"/>
-                </a:solidFill>
-              </a:ln>
-              <a:solidFill>
-                <a:schemeClr val="tx1"/>
-              </a:solidFill>
-            </a:endParaRPr>
-          </a:p>
-        </p:txBody>
-      </p:sp>
-      <p:sp>
-        <p:nvSpPr>
-          <p:cNvPr id="2" name="TextBox 1"/>
-          <p:cNvSpPr txBox="1"/>
-          <p:nvPr/>
-        </p:nvSpPr>
-        <p:spPr>
-          <a:xfrm>
-            <a:off x="3079362" y="362163"/>
-            <a:ext cx="9413283" cy="369332"/>
-          </a:xfrm>
-          <a:prstGeom prst="rect">
-            <a:avLst/>
-          </a:prstGeom>
-          <a:noFill/>
-        </p:spPr>
-        <p:txBody>
-          <a:bodyPr wrap="none" rtlCol="0">
-            <a:spAutoFit/>
-          </a:bodyPr>
-          <a:lstStyle/>
-          <a:p>
-            <a:r>
-              <a:rPr lang="en-GB" dirty="0" smtClean="0"/>
-              <a:t>All fields will be blank, and once all </a:t>
-            </a:r>
-            <a:r>
-              <a:rPr lang="en-GB" dirty="0" err="1" smtClean="0"/>
-              <a:t>fileds</a:t>
-            </a:r>
-            <a:r>
-              <a:rPr lang="en-GB" dirty="0" smtClean="0"/>
-              <a:t> are filled in, the message box ‘ record added’ will appear </a:t>
-            </a:r>
-            <a:endParaRPr lang="en-GB" dirty="0"/>
-          </a:p>
-        </p:txBody>
-      </p:sp>
-      <p:sp>
-        <p:nvSpPr>
-          <p:cNvPr id="17" name="Rectangle 16"/>
-          <p:cNvSpPr/>
-          <p:nvPr/>
-        </p:nvSpPr>
-        <p:spPr>
-          <a:xfrm>
-            <a:off x="4656248" y="1041311"/>
-            <a:ext cx="1409700" cy="381000"/>
-          </a:xfrm>
-          <a:prstGeom prst="rect">
-            <a:avLst/>
-          </a:prstGeom>
-          <a:solidFill>
-            <a:schemeClr val="bg1"/>
-          </a:solidFill>
-          <a:ln>
-            <a:solidFill>
-              <a:schemeClr val="tx1"/>
-            </a:solidFill>
-          </a:ln>
-        </p:spPr>
-        <p:style>
-          <a:lnRef idx="2">
-            <a:schemeClr val="accent1">
-              <a:shade val="50000"/>
-            </a:schemeClr>
-          </a:lnRef>
-          <a:fillRef idx="1">
-            <a:schemeClr val="accent1"/>
-          </a:fillRef>
-          <a:effectRef idx="0">
-            <a:schemeClr val="accent1"/>
-          </a:effectRef>
-          <a:fontRef idx="minor">
-            <a:schemeClr val="lt1"/>
-          </a:fontRef>
-        </p:style>
-        <p:txBody>
-          <a:bodyPr rtlCol="0" anchor="ctr"/>
-          <a:lstStyle/>
-          <a:p>
-            <a:pPr algn="ctr"/>
-            <a:r>
-              <a:rPr lang="en-GB" dirty="0" smtClean="0">
-                <a:ln>
-                  <a:solidFill>
-                    <a:sysClr val="windowText" lastClr="000000"/>
-                  </a:solidFill>
-                </a:ln>
-                <a:solidFill>
-                  <a:schemeClr val="tx1"/>
-                </a:solidFill>
-              </a:rPr>
-              <a:t>Employee ID</a:t>
-            </a:r>
-            <a:endParaRPr lang="en-GB" dirty="0">
-              <a:ln>
-                <a:solidFill>
-                  <a:sysClr val="windowText" lastClr="000000"/>
-                </a:solidFill>
-              </a:ln>
-              <a:solidFill>
-                <a:schemeClr val="tx1"/>
-              </a:solidFill>
+              <a:effectLst>
+                <a:outerShdw blurRad="38100" dist="19050" dir="2700000" algn="tl" rotWithShape="0">
+                  <a:schemeClr val="dk1">
+                    <a:alpha val="40000"/>
+                  </a:schemeClr>
+                </a:outerShdw>
+              </a:effectLst>
             </a:endParaRPr>
           </a:p>
         </p:txBody>
@@ -7434,7 +6968,7 @@
     </p:spTree>
     <p:extLst>
       <p:ext uri="{BB962C8B-B14F-4D97-AF65-F5344CB8AC3E}">
-        <p14:creationId xmlns:p14="http://schemas.microsoft.com/office/powerpoint/2010/main" val="1763529546"/>
+        <p14:creationId xmlns:p14="http://schemas.microsoft.com/office/powerpoint/2010/main" val="1570146582"/>
       </p:ext>
     </p:extLst>
   </p:cSld>
@@ -7463,13 +6997,99 @@
       </p:grpSpPr>
       <p:sp>
         <p:nvSpPr>
-          <p:cNvPr id="47" name="Rectangle 46"/>
+          <p:cNvPr id="4" name="Rectangle 3"/>
           <p:cNvSpPr/>
           <p:nvPr/>
         </p:nvSpPr>
         <p:spPr>
           <a:xfrm>
-            <a:off x="3086100" y="933450"/>
+            <a:off x="8394312" y="1714163"/>
+            <a:ext cx="3631842" cy="1755888"/>
+          </a:xfrm>
+          <a:prstGeom prst="rect">
+            <a:avLst/>
+          </a:prstGeom>
+        </p:spPr>
+        <p:style>
+          <a:lnRef idx="2">
+            <a:schemeClr val="dk1"/>
+          </a:lnRef>
+          <a:fillRef idx="1">
+            <a:schemeClr val="lt1"/>
+          </a:fillRef>
+          <a:effectRef idx="0">
+            <a:schemeClr val="dk1"/>
+          </a:effectRef>
+          <a:fontRef idx="minor">
+            <a:schemeClr val="dk1"/>
+          </a:fontRef>
+        </p:style>
+        <p:txBody>
+          <a:bodyPr rtlCol="0" anchor="ctr"/>
+          <a:lstStyle/>
+          <a:p>
+            <a:pPr algn="ctr"/>
+            <a:r>
+              <a:rPr lang="en-GB" dirty="0" smtClean="0"/>
+              <a:t>Record Added</a:t>
+            </a:r>
+            <a:endParaRPr lang="en-GB" dirty="0"/>
+          </a:p>
+        </p:txBody>
+      </p:sp>
+      <p:sp>
+        <p:nvSpPr>
+          <p:cNvPr id="5" name="TextBox 4"/>
+          <p:cNvSpPr txBox="1"/>
+          <p:nvPr/>
+        </p:nvSpPr>
+        <p:spPr>
+          <a:xfrm>
+            <a:off x="9420657" y="2872430"/>
+            <a:ext cx="1579151" cy="369332"/>
+          </a:xfrm>
+          <a:prstGeom prst="rect">
+            <a:avLst/>
+          </a:prstGeom>
+        </p:spPr>
+        <p:style>
+          <a:lnRef idx="2">
+            <a:schemeClr val="dk1"/>
+          </a:lnRef>
+          <a:fillRef idx="1">
+            <a:schemeClr val="lt1"/>
+          </a:fillRef>
+          <a:effectRef idx="0">
+            <a:schemeClr val="dk1"/>
+          </a:effectRef>
+          <a:fontRef idx="minor">
+            <a:schemeClr val="dk1"/>
+          </a:fontRef>
+        </p:style>
+        <p:txBody>
+          <a:bodyPr wrap="square" rtlCol="0">
+            <a:spAutoFit/>
+          </a:bodyPr>
+          <a:lstStyle/>
+          <a:p>
+            <a:pPr algn="ctr"/>
+            <a:r>
+              <a:rPr lang="en-GB" dirty="0" smtClean="0"/>
+              <a:t>Okay</a:t>
+            </a:r>
+            <a:endParaRPr lang="en-GB" dirty="0"/>
+          </a:p>
+        </p:txBody>
+      </p:sp>
+      <p:sp>
+        <p:nvSpPr>
+          <p:cNvPr id="36" name="Rectangle 35"/>
+          <p:cNvSpPr/>
+          <p:nvPr/>
+        </p:nvSpPr>
+        <p:spPr>
+          <a:xfrm>
+            <a:off x="1574412" y="1603151"/>
             <a:ext cx="6610350" cy="4476750"/>
           </a:xfrm>
           <a:prstGeom prst="rect">
@@ -7511,13 +7131,13 @@
       </p:sp>
       <p:sp>
         <p:nvSpPr>
-          <p:cNvPr id="48" name="Rectangle 47"/>
+          <p:cNvPr id="37" name="Rectangle 36"/>
           <p:cNvSpPr/>
           <p:nvPr/>
         </p:nvSpPr>
         <p:spPr>
           <a:xfrm>
-            <a:off x="4210050" y="1257300"/>
+            <a:off x="2698362" y="1927001"/>
             <a:ext cx="4572000" cy="609600"/>
           </a:xfrm>
           <a:prstGeom prst="rect">
@@ -7571,13 +7191,13 @@
       </p:sp>
       <p:sp>
         <p:nvSpPr>
-          <p:cNvPr id="49" name="Rectangle 48"/>
+          <p:cNvPr id="38" name="Rectangle 37"/>
           <p:cNvSpPr/>
           <p:nvPr/>
         </p:nvSpPr>
         <p:spPr>
           <a:xfrm>
-            <a:off x="3467100" y="2419350"/>
+            <a:off x="1955412" y="3089051"/>
             <a:ext cx="742950" cy="381000"/>
           </a:xfrm>
           <a:prstGeom prst="rect">
@@ -7641,13 +7261,13 @@
       </p:sp>
       <p:sp>
         <p:nvSpPr>
-          <p:cNvPr id="50" name="Rectangle 49"/>
+          <p:cNvPr id="39" name="Rectangle 38"/>
           <p:cNvSpPr/>
           <p:nvPr/>
         </p:nvSpPr>
         <p:spPr>
           <a:xfrm>
-            <a:off x="4819650" y="2419350"/>
+            <a:off x="3307962" y="3089051"/>
             <a:ext cx="1409700" cy="381000"/>
           </a:xfrm>
           <a:prstGeom prst="rect">
@@ -7711,13 +7331,13 @@
       </p:sp>
       <p:sp>
         <p:nvSpPr>
-          <p:cNvPr id="51" name="Rectangle 50"/>
+          <p:cNvPr id="40" name="Rectangle 39"/>
           <p:cNvSpPr/>
           <p:nvPr/>
         </p:nvSpPr>
         <p:spPr>
           <a:xfrm>
-            <a:off x="6838950" y="2419350"/>
+            <a:off x="5327262" y="3089051"/>
             <a:ext cx="1409700" cy="361950"/>
           </a:xfrm>
           <a:prstGeom prst="rect">
@@ -7781,13 +7401,13 @@
       </p:sp>
       <p:sp>
         <p:nvSpPr>
-          <p:cNvPr id="52" name="Rectangle 51"/>
+          <p:cNvPr id="41" name="Rectangle 40"/>
           <p:cNvSpPr/>
           <p:nvPr/>
         </p:nvSpPr>
         <p:spPr>
           <a:xfrm>
-            <a:off x="3467100" y="3314699"/>
+            <a:off x="1955412" y="3984400"/>
             <a:ext cx="742950" cy="381000"/>
           </a:xfrm>
           <a:prstGeom prst="rect">
@@ -7851,13 +7471,13 @@
       </p:sp>
       <p:sp>
         <p:nvSpPr>
-          <p:cNvPr id="53" name="Rectangle 52"/>
+          <p:cNvPr id="42" name="Rectangle 41"/>
           <p:cNvSpPr/>
           <p:nvPr/>
         </p:nvSpPr>
         <p:spPr>
           <a:xfrm>
-            <a:off x="4591050" y="3290887"/>
+            <a:off x="3079362" y="3960588"/>
             <a:ext cx="1933575" cy="390525"/>
           </a:xfrm>
           <a:prstGeom prst="rect">
@@ -7921,13 +7541,13 @@
       </p:sp>
       <p:sp>
         <p:nvSpPr>
-          <p:cNvPr id="54" name="Rectangle 53"/>
+          <p:cNvPr id="43" name="Rectangle 42"/>
           <p:cNvSpPr/>
           <p:nvPr/>
         </p:nvSpPr>
         <p:spPr>
           <a:xfrm>
-            <a:off x="6738937" y="3290887"/>
+            <a:off x="5227249" y="3960588"/>
             <a:ext cx="1304926" cy="361950"/>
           </a:xfrm>
           <a:prstGeom prst="rect">
@@ -7991,13 +7611,13 @@
       </p:sp>
       <p:sp>
         <p:nvSpPr>
-          <p:cNvPr id="55" name="Rectangle 54"/>
+          <p:cNvPr id="44" name="Rectangle 43"/>
           <p:cNvSpPr/>
           <p:nvPr/>
         </p:nvSpPr>
         <p:spPr>
           <a:xfrm>
-            <a:off x="8334375" y="3240880"/>
+            <a:off x="6822687" y="3910581"/>
             <a:ext cx="1071562" cy="490537"/>
           </a:xfrm>
           <a:prstGeom prst="rect">
@@ -8061,13 +7681,13 @@
       </p:sp>
       <p:sp>
         <p:nvSpPr>
-          <p:cNvPr id="56" name="Rectangle 55"/>
+          <p:cNvPr id="45" name="Rectangle 44"/>
           <p:cNvSpPr/>
           <p:nvPr/>
         </p:nvSpPr>
         <p:spPr>
           <a:xfrm>
-            <a:off x="4210051" y="3945059"/>
+            <a:off x="2698363" y="4614760"/>
             <a:ext cx="2019300" cy="381000"/>
           </a:xfrm>
           <a:prstGeom prst="rect">
@@ -8131,13 +7751,13 @@
       </p:sp>
       <p:sp>
         <p:nvSpPr>
-          <p:cNvPr id="57" name="Rectangle 56"/>
+          <p:cNvPr id="46" name="Rectangle 45"/>
           <p:cNvSpPr/>
           <p:nvPr/>
         </p:nvSpPr>
         <p:spPr>
           <a:xfrm>
-            <a:off x="6738937" y="3905250"/>
+            <a:off x="5227249" y="4574951"/>
             <a:ext cx="1737977" cy="381000"/>
           </a:xfrm>
           <a:prstGeom prst="rect">
@@ -8201,13 +7821,13 @@
       </p:sp>
       <p:sp>
         <p:nvSpPr>
-          <p:cNvPr id="58" name="Rectangle 57"/>
+          <p:cNvPr id="51" name="Rectangle 50"/>
           <p:cNvSpPr/>
           <p:nvPr/>
         </p:nvSpPr>
         <p:spPr>
           <a:xfrm>
-            <a:off x="5486400" y="4607045"/>
+            <a:off x="3974712" y="5219598"/>
             <a:ext cx="2019300" cy="498353"/>
           </a:xfrm>
           <a:prstGeom prst="rect">
@@ -8254,7 +7874,7 @@
                   <a:schemeClr val="tx1"/>
                 </a:solidFill>
               </a:rPr>
-              <a:t>Change Information </a:t>
+              <a:t>Add User user</a:t>
             </a:r>
             <a:endParaRPr lang="en-GB" dirty="0">
               <a:ln>
@@ -8271,14 +7891,52 @@
       </p:sp>
       <p:sp>
         <p:nvSpPr>
-          <p:cNvPr id="77" name="Rectangle 76"/>
+          <p:cNvPr id="2" name="TextBox 1"/>
+          <p:cNvSpPr txBox="1"/>
+          <p:nvPr/>
+        </p:nvSpPr>
+        <p:spPr>
+          <a:xfrm>
+            <a:off x="3079362" y="362163"/>
+            <a:ext cx="9413283" cy="369332"/>
+          </a:xfrm>
+          <a:prstGeom prst="rect">
+            <a:avLst/>
+          </a:prstGeom>
+          <a:noFill/>
+        </p:spPr>
+        <p:txBody>
+          <a:bodyPr wrap="none" rtlCol="0">
+            <a:spAutoFit/>
+          </a:bodyPr>
+          <a:lstStyle/>
+          <a:p>
+            <a:r>
+              <a:rPr lang="en-GB" dirty="0" smtClean="0"/>
+              <a:t>All fields will be blank, and once all </a:t>
+            </a:r>
+            <a:r>
+              <a:rPr lang="en-GB" dirty="0" err="1" smtClean="0"/>
+              <a:t>fileds</a:t>
+            </a:r>
+            <a:r>
+              <a:rPr lang="en-GB" dirty="0" smtClean="0"/>
+              <a:t> are filled in, the message box ‘ record added’ will appear </a:t>
+            </a:r>
+            <a:endParaRPr lang="en-GB" dirty="0"/>
+          </a:p>
+        </p:txBody>
+      </p:sp>
+      <p:sp>
+        <p:nvSpPr>
+          <p:cNvPr id="17" name="Rectangle 16"/>
           <p:cNvSpPr/>
           <p:nvPr/>
         </p:nvSpPr>
         <p:spPr>
           <a:xfrm>
-            <a:off x="3357026" y="4606957"/>
-            <a:ext cx="2019300" cy="498353"/>
+            <a:off x="4656248" y="1041311"/>
+            <a:ext cx="1409700" cy="381000"/>
           </a:xfrm>
           <a:prstGeom prst="rect">
             <a:avLst/>
@@ -8324,7 +7982,7 @@
                   <a:schemeClr val="tx1"/>
                 </a:solidFill>
               </a:rPr>
-              <a:t>Delete user</a:t>
+              <a:t>Employee ID</a:t>
             </a:r>
             <a:endParaRPr lang="en-GB" dirty="0">
               <a:ln>
@@ -8339,16 +7997,46 @@
           </a:p>
         </p:txBody>
       </p:sp>
-      <p:sp>
-        <p:nvSpPr>
-          <p:cNvPr id="78" name="Rectangle 77"/>
+    </p:spTree>
+    <p:extLst>
+      <p:ext uri="{BB962C8B-B14F-4D97-AF65-F5344CB8AC3E}">
+        <p14:creationId xmlns:p14="http://schemas.microsoft.com/office/powerpoint/2010/main" val="1763529546"/>
+      </p:ext>
+    </p:extLst>
+  </p:cSld>
+  <p:clrMapOvr>
+    <a:masterClrMapping/>
+  </p:clrMapOvr>
+</p:sld>
+</file>
+
+<file path=ppt/slides/slide6.xml><?xml version="1.0" encoding="utf-8"?>
+<p:sld xmlns:a="http://schemas.openxmlformats.org/drawingml/2006/main" xmlns:r="http://schemas.openxmlformats.org/officeDocument/2006/relationships" xmlns:p="http://schemas.openxmlformats.org/presentationml/2006/main">
+  <p:cSld>
+    <p:spTree>
+      <p:nvGrpSpPr>
+        <p:cNvPr id="1" name=""/>
+        <p:cNvGrpSpPr/>
+        <p:nvPr/>
+      </p:nvGrpSpPr>
+      <p:grpSpPr>
+        <a:xfrm>
+          <a:off x="0" y="0"/>
+          <a:ext cx="0" cy="0"/>
+          <a:chOff x="0" y="0"/>
+          <a:chExt cx="0" cy="0"/>
+        </a:xfrm>
+      </p:grpSpPr>
+      <p:sp>
+        <p:nvSpPr>
+          <p:cNvPr id="47" name="Rectangle 46"/>
           <p:cNvSpPr/>
           <p:nvPr/>
         </p:nvSpPr>
         <p:spPr>
           <a:xfrm>
-            <a:off x="7570363" y="4602954"/>
-            <a:ext cx="2019300" cy="498353"/>
+            <a:off x="3086100" y="933450"/>
+            <a:ext cx="6610350" cy="4476750"/>
           </a:xfrm>
           <a:prstGeom prst="rect">
             <a:avLst/>
@@ -8383,6 +8071,884 @@
           <a:lstStyle/>
           <a:p>
             <a:pPr algn="ctr"/>
+            <a:endParaRPr lang="en-GB" dirty="0"/>
+          </a:p>
+        </p:txBody>
+      </p:sp>
+      <p:sp>
+        <p:nvSpPr>
+          <p:cNvPr id="48" name="Rectangle 47"/>
+          <p:cNvSpPr/>
+          <p:nvPr/>
+        </p:nvSpPr>
+        <p:spPr>
+          <a:xfrm>
+            <a:off x="4210050" y="1257300"/>
+            <a:ext cx="4572000" cy="609600"/>
+          </a:xfrm>
+          <a:prstGeom prst="rect">
+            <a:avLst/>
+          </a:prstGeom>
+          <a:solidFill>
+            <a:schemeClr val="bg1"/>
+          </a:solidFill>
+          <a:ln>
+            <a:solidFill>
+              <a:schemeClr val="tx1"/>
+            </a:solidFill>
+          </a:ln>
+        </p:spPr>
+        <p:style>
+          <a:lnRef idx="2">
+            <a:schemeClr val="accent1">
+              <a:shade val="50000"/>
+            </a:schemeClr>
+          </a:lnRef>
+          <a:fillRef idx="1">
+            <a:schemeClr val="accent1"/>
+          </a:fillRef>
+          <a:effectRef idx="0">
+            <a:schemeClr val="accent1"/>
+          </a:effectRef>
+          <a:fontRef idx="minor">
+            <a:schemeClr val="lt1"/>
+          </a:fontRef>
+        </p:style>
+        <p:txBody>
+          <a:bodyPr rtlCol="0" anchor="ctr"/>
+          <a:lstStyle/>
+          <a:p>
+            <a:pPr algn="ctr"/>
+            <a:r>
+              <a:rPr lang="en-GB" dirty="0" smtClean="0">
+                <a:solidFill>
+                  <a:schemeClr val="tx1"/>
+                </a:solidFill>
+              </a:rPr>
+              <a:t>Username &amp; ID</a:t>
+            </a:r>
+            <a:endParaRPr lang="en-GB" dirty="0">
+              <a:solidFill>
+                <a:schemeClr val="tx1"/>
+              </a:solidFill>
+            </a:endParaRPr>
+          </a:p>
+        </p:txBody>
+      </p:sp>
+      <p:sp>
+        <p:nvSpPr>
+          <p:cNvPr id="49" name="Rectangle 48"/>
+          <p:cNvSpPr/>
+          <p:nvPr/>
+        </p:nvSpPr>
+        <p:spPr>
+          <a:xfrm>
+            <a:off x="3467100" y="2419350"/>
+            <a:ext cx="742950" cy="381000"/>
+          </a:xfrm>
+          <a:prstGeom prst="rect">
+            <a:avLst/>
+          </a:prstGeom>
+          <a:solidFill>
+            <a:schemeClr val="bg1"/>
+          </a:solidFill>
+          <a:ln>
+            <a:solidFill>
+              <a:schemeClr val="tx1"/>
+            </a:solidFill>
+          </a:ln>
+        </p:spPr>
+        <p:style>
+          <a:lnRef idx="2">
+            <a:schemeClr val="accent1">
+              <a:shade val="50000"/>
+            </a:schemeClr>
+          </a:lnRef>
+          <a:fillRef idx="1">
+            <a:schemeClr val="accent1"/>
+          </a:fillRef>
+          <a:effectRef idx="0">
+            <a:schemeClr val="accent1"/>
+          </a:effectRef>
+          <a:fontRef idx="minor">
+            <a:schemeClr val="lt1"/>
+          </a:fontRef>
+        </p:style>
+        <p:txBody>
+          <a:bodyPr rtlCol="0" anchor="ctr"/>
+          <a:lstStyle/>
+          <a:p>
+            <a:pPr algn="ctr"/>
+            <a:r>
+              <a:rPr lang="en-GB" dirty="0" smtClean="0">
+                <a:ln>
+                  <a:solidFill>
+                    <a:sysClr val="windowText" lastClr="000000"/>
+                  </a:solidFill>
+                </a:ln>
+                <a:solidFill>
+                  <a:schemeClr val="tx1"/>
+                </a:solidFill>
+              </a:rPr>
+              <a:t>Title</a:t>
+            </a:r>
+            <a:endParaRPr lang="en-GB" dirty="0">
+              <a:ln>
+                <a:solidFill>
+                  <a:sysClr val="windowText" lastClr="000000"/>
+                </a:solidFill>
+              </a:ln>
+              <a:solidFill>
+                <a:schemeClr val="tx1"/>
+              </a:solidFill>
+            </a:endParaRPr>
+          </a:p>
+        </p:txBody>
+      </p:sp>
+      <p:sp>
+        <p:nvSpPr>
+          <p:cNvPr id="50" name="Rectangle 49"/>
+          <p:cNvSpPr/>
+          <p:nvPr/>
+        </p:nvSpPr>
+        <p:spPr>
+          <a:xfrm>
+            <a:off x="4819650" y="2419350"/>
+            <a:ext cx="1409700" cy="381000"/>
+          </a:xfrm>
+          <a:prstGeom prst="rect">
+            <a:avLst/>
+          </a:prstGeom>
+          <a:solidFill>
+            <a:schemeClr val="bg1"/>
+          </a:solidFill>
+          <a:ln>
+            <a:solidFill>
+              <a:schemeClr val="tx1"/>
+            </a:solidFill>
+          </a:ln>
+        </p:spPr>
+        <p:style>
+          <a:lnRef idx="2">
+            <a:schemeClr val="accent1">
+              <a:shade val="50000"/>
+            </a:schemeClr>
+          </a:lnRef>
+          <a:fillRef idx="1">
+            <a:schemeClr val="accent1"/>
+          </a:fillRef>
+          <a:effectRef idx="0">
+            <a:schemeClr val="accent1"/>
+          </a:effectRef>
+          <a:fontRef idx="minor">
+            <a:schemeClr val="lt1"/>
+          </a:fontRef>
+        </p:style>
+        <p:txBody>
+          <a:bodyPr rtlCol="0" anchor="ctr"/>
+          <a:lstStyle/>
+          <a:p>
+            <a:pPr algn="ctr"/>
+            <a:r>
+              <a:rPr lang="en-GB" dirty="0" smtClean="0">
+                <a:ln>
+                  <a:solidFill>
+                    <a:sysClr val="windowText" lastClr="000000"/>
+                  </a:solidFill>
+                </a:ln>
+                <a:solidFill>
+                  <a:schemeClr val="tx1"/>
+                </a:solidFill>
+              </a:rPr>
+              <a:t>First Name</a:t>
+            </a:r>
+            <a:endParaRPr lang="en-GB" dirty="0">
+              <a:ln>
+                <a:solidFill>
+                  <a:sysClr val="windowText" lastClr="000000"/>
+                </a:solidFill>
+              </a:ln>
+              <a:solidFill>
+                <a:schemeClr val="tx1"/>
+              </a:solidFill>
+            </a:endParaRPr>
+          </a:p>
+        </p:txBody>
+      </p:sp>
+      <p:sp>
+        <p:nvSpPr>
+          <p:cNvPr id="51" name="Rectangle 50"/>
+          <p:cNvSpPr/>
+          <p:nvPr/>
+        </p:nvSpPr>
+        <p:spPr>
+          <a:xfrm>
+            <a:off x="6838950" y="2419350"/>
+            <a:ext cx="1409700" cy="361950"/>
+          </a:xfrm>
+          <a:prstGeom prst="rect">
+            <a:avLst/>
+          </a:prstGeom>
+          <a:solidFill>
+            <a:schemeClr val="bg1"/>
+          </a:solidFill>
+          <a:ln>
+            <a:solidFill>
+              <a:schemeClr val="tx1"/>
+            </a:solidFill>
+          </a:ln>
+        </p:spPr>
+        <p:style>
+          <a:lnRef idx="2">
+            <a:schemeClr val="accent1">
+              <a:shade val="50000"/>
+            </a:schemeClr>
+          </a:lnRef>
+          <a:fillRef idx="1">
+            <a:schemeClr val="accent1"/>
+          </a:fillRef>
+          <a:effectRef idx="0">
+            <a:schemeClr val="accent1"/>
+          </a:effectRef>
+          <a:fontRef idx="minor">
+            <a:schemeClr val="lt1"/>
+          </a:fontRef>
+        </p:style>
+        <p:txBody>
+          <a:bodyPr rtlCol="0" anchor="ctr"/>
+          <a:lstStyle/>
+          <a:p>
+            <a:pPr algn="ctr"/>
+            <a:r>
+              <a:rPr lang="en-GB" dirty="0" smtClean="0">
+                <a:ln>
+                  <a:solidFill>
+                    <a:sysClr val="windowText" lastClr="000000"/>
+                  </a:solidFill>
+                </a:ln>
+                <a:solidFill>
+                  <a:schemeClr val="tx1"/>
+                </a:solidFill>
+              </a:rPr>
+              <a:t>Surname </a:t>
+            </a:r>
+            <a:endParaRPr lang="en-GB" dirty="0">
+              <a:ln>
+                <a:solidFill>
+                  <a:sysClr val="windowText" lastClr="000000"/>
+                </a:solidFill>
+              </a:ln>
+              <a:solidFill>
+                <a:schemeClr val="tx1"/>
+              </a:solidFill>
+            </a:endParaRPr>
+          </a:p>
+        </p:txBody>
+      </p:sp>
+      <p:sp>
+        <p:nvSpPr>
+          <p:cNvPr id="52" name="Rectangle 51"/>
+          <p:cNvSpPr/>
+          <p:nvPr/>
+        </p:nvSpPr>
+        <p:spPr>
+          <a:xfrm>
+            <a:off x="3467100" y="3314699"/>
+            <a:ext cx="742950" cy="381000"/>
+          </a:xfrm>
+          <a:prstGeom prst="rect">
+            <a:avLst/>
+          </a:prstGeom>
+          <a:solidFill>
+            <a:schemeClr val="bg1"/>
+          </a:solidFill>
+          <a:ln>
+            <a:solidFill>
+              <a:schemeClr val="tx1"/>
+            </a:solidFill>
+          </a:ln>
+        </p:spPr>
+        <p:style>
+          <a:lnRef idx="2">
+            <a:schemeClr val="accent1">
+              <a:shade val="50000"/>
+            </a:schemeClr>
+          </a:lnRef>
+          <a:fillRef idx="1">
+            <a:schemeClr val="accent1"/>
+          </a:fillRef>
+          <a:effectRef idx="0">
+            <a:schemeClr val="accent1"/>
+          </a:effectRef>
+          <a:fontRef idx="minor">
+            <a:schemeClr val="lt1"/>
+          </a:fontRef>
+        </p:style>
+        <p:txBody>
+          <a:bodyPr rtlCol="0" anchor="ctr"/>
+          <a:lstStyle/>
+          <a:p>
+            <a:pPr algn="ctr"/>
+            <a:r>
+              <a:rPr lang="en-GB" dirty="0" smtClean="0">
+                <a:ln>
+                  <a:solidFill>
+                    <a:sysClr val="windowText" lastClr="000000"/>
+                  </a:solidFill>
+                </a:ln>
+                <a:solidFill>
+                  <a:schemeClr val="tx1"/>
+                </a:solidFill>
+              </a:rPr>
+              <a:t>D.O.B</a:t>
+            </a:r>
+            <a:endParaRPr lang="en-GB" dirty="0">
+              <a:ln>
+                <a:solidFill>
+                  <a:sysClr val="windowText" lastClr="000000"/>
+                </a:solidFill>
+              </a:ln>
+              <a:solidFill>
+                <a:schemeClr val="tx1"/>
+              </a:solidFill>
+            </a:endParaRPr>
+          </a:p>
+        </p:txBody>
+      </p:sp>
+      <p:sp>
+        <p:nvSpPr>
+          <p:cNvPr id="53" name="Rectangle 52"/>
+          <p:cNvSpPr/>
+          <p:nvPr/>
+        </p:nvSpPr>
+        <p:spPr>
+          <a:xfrm>
+            <a:off x="4591050" y="3290887"/>
+            <a:ext cx="1933575" cy="390525"/>
+          </a:xfrm>
+          <a:prstGeom prst="rect">
+            <a:avLst/>
+          </a:prstGeom>
+          <a:solidFill>
+            <a:schemeClr val="bg1"/>
+          </a:solidFill>
+          <a:ln>
+            <a:solidFill>
+              <a:schemeClr val="tx1"/>
+            </a:solidFill>
+          </a:ln>
+        </p:spPr>
+        <p:style>
+          <a:lnRef idx="2">
+            <a:schemeClr val="accent1">
+              <a:shade val="50000"/>
+            </a:schemeClr>
+          </a:lnRef>
+          <a:fillRef idx="1">
+            <a:schemeClr val="accent1"/>
+          </a:fillRef>
+          <a:effectRef idx="0">
+            <a:schemeClr val="accent1"/>
+          </a:effectRef>
+          <a:fontRef idx="minor">
+            <a:schemeClr val="lt1"/>
+          </a:fontRef>
+        </p:style>
+        <p:txBody>
+          <a:bodyPr rtlCol="0" anchor="ctr"/>
+          <a:lstStyle/>
+          <a:p>
+            <a:pPr algn="ctr"/>
+            <a:r>
+              <a:rPr lang="en-GB" dirty="0" smtClean="0">
+                <a:ln>
+                  <a:solidFill>
+                    <a:sysClr val="windowText" lastClr="000000"/>
+                  </a:solidFill>
+                </a:ln>
+                <a:solidFill>
+                  <a:schemeClr val="tx1"/>
+                </a:solidFill>
+              </a:rPr>
+              <a:t>Address Line 1</a:t>
+            </a:r>
+            <a:endParaRPr lang="en-GB" dirty="0">
+              <a:ln>
+                <a:solidFill>
+                  <a:sysClr val="windowText" lastClr="000000"/>
+                </a:solidFill>
+              </a:ln>
+              <a:solidFill>
+                <a:schemeClr val="tx1"/>
+              </a:solidFill>
+            </a:endParaRPr>
+          </a:p>
+        </p:txBody>
+      </p:sp>
+      <p:sp>
+        <p:nvSpPr>
+          <p:cNvPr id="54" name="Rectangle 53"/>
+          <p:cNvSpPr/>
+          <p:nvPr/>
+        </p:nvSpPr>
+        <p:spPr>
+          <a:xfrm>
+            <a:off x="6738937" y="3290887"/>
+            <a:ext cx="1304926" cy="361950"/>
+          </a:xfrm>
+          <a:prstGeom prst="rect">
+            <a:avLst/>
+          </a:prstGeom>
+          <a:solidFill>
+            <a:schemeClr val="bg1"/>
+          </a:solidFill>
+          <a:ln>
+            <a:solidFill>
+              <a:schemeClr val="tx1"/>
+            </a:solidFill>
+          </a:ln>
+        </p:spPr>
+        <p:style>
+          <a:lnRef idx="2">
+            <a:schemeClr val="accent1">
+              <a:shade val="50000"/>
+            </a:schemeClr>
+          </a:lnRef>
+          <a:fillRef idx="1">
+            <a:schemeClr val="accent1"/>
+          </a:fillRef>
+          <a:effectRef idx="0">
+            <a:schemeClr val="accent1"/>
+          </a:effectRef>
+          <a:fontRef idx="minor">
+            <a:schemeClr val="lt1"/>
+          </a:fontRef>
+        </p:style>
+        <p:txBody>
+          <a:bodyPr rtlCol="0" anchor="ctr"/>
+          <a:lstStyle/>
+          <a:p>
+            <a:pPr algn="ctr"/>
+            <a:r>
+              <a:rPr lang="en-GB" dirty="0" smtClean="0">
+                <a:ln>
+                  <a:solidFill>
+                    <a:sysClr val="windowText" lastClr="000000"/>
+                  </a:solidFill>
+                </a:ln>
+                <a:solidFill>
+                  <a:schemeClr val="tx1"/>
+                </a:solidFill>
+              </a:rPr>
+              <a:t>Postcode </a:t>
+            </a:r>
+            <a:endParaRPr lang="en-GB" dirty="0">
+              <a:ln>
+                <a:solidFill>
+                  <a:sysClr val="windowText" lastClr="000000"/>
+                </a:solidFill>
+              </a:ln>
+              <a:solidFill>
+                <a:schemeClr val="tx1"/>
+              </a:solidFill>
+            </a:endParaRPr>
+          </a:p>
+        </p:txBody>
+      </p:sp>
+      <p:sp>
+        <p:nvSpPr>
+          <p:cNvPr id="55" name="Rectangle 54"/>
+          <p:cNvSpPr/>
+          <p:nvPr/>
+        </p:nvSpPr>
+        <p:spPr>
+          <a:xfrm>
+            <a:off x="8334375" y="3240880"/>
+            <a:ext cx="1071562" cy="490537"/>
+          </a:xfrm>
+          <a:prstGeom prst="rect">
+            <a:avLst/>
+          </a:prstGeom>
+          <a:solidFill>
+            <a:schemeClr val="bg1"/>
+          </a:solidFill>
+          <a:ln>
+            <a:solidFill>
+              <a:schemeClr val="tx1"/>
+            </a:solidFill>
+          </a:ln>
+        </p:spPr>
+        <p:style>
+          <a:lnRef idx="2">
+            <a:schemeClr val="accent1">
+              <a:shade val="50000"/>
+            </a:schemeClr>
+          </a:lnRef>
+          <a:fillRef idx="1">
+            <a:schemeClr val="accent1"/>
+          </a:fillRef>
+          <a:effectRef idx="0">
+            <a:schemeClr val="accent1"/>
+          </a:effectRef>
+          <a:fontRef idx="minor">
+            <a:schemeClr val="lt1"/>
+          </a:fontRef>
+        </p:style>
+        <p:txBody>
+          <a:bodyPr rtlCol="0" anchor="ctr"/>
+          <a:lstStyle/>
+          <a:p>
+            <a:pPr algn="ctr"/>
+            <a:r>
+              <a:rPr lang="en-GB" sz="1200" dirty="0" smtClean="0">
+                <a:ln>
+                  <a:solidFill>
+                    <a:sysClr val="windowText" lastClr="000000"/>
+                  </a:solidFill>
+                </a:ln>
+                <a:solidFill>
+                  <a:schemeClr val="tx1"/>
+                </a:solidFill>
+              </a:rPr>
+              <a:t>County &amp; Country</a:t>
+            </a:r>
+            <a:endParaRPr lang="en-GB" sz="1200" dirty="0">
+              <a:ln>
+                <a:solidFill>
+                  <a:sysClr val="windowText" lastClr="000000"/>
+                </a:solidFill>
+              </a:ln>
+              <a:solidFill>
+                <a:schemeClr val="tx1"/>
+              </a:solidFill>
+            </a:endParaRPr>
+          </a:p>
+        </p:txBody>
+      </p:sp>
+      <p:sp>
+        <p:nvSpPr>
+          <p:cNvPr id="56" name="Rectangle 55"/>
+          <p:cNvSpPr/>
+          <p:nvPr/>
+        </p:nvSpPr>
+        <p:spPr>
+          <a:xfrm>
+            <a:off x="4210051" y="3945059"/>
+            <a:ext cx="2019300" cy="381000"/>
+          </a:xfrm>
+          <a:prstGeom prst="rect">
+            <a:avLst/>
+          </a:prstGeom>
+          <a:solidFill>
+            <a:schemeClr val="bg1"/>
+          </a:solidFill>
+          <a:ln>
+            <a:solidFill>
+              <a:schemeClr val="tx1"/>
+            </a:solidFill>
+          </a:ln>
+        </p:spPr>
+        <p:style>
+          <a:lnRef idx="2">
+            <a:schemeClr val="accent1">
+              <a:shade val="50000"/>
+            </a:schemeClr>
+          </a:lnRef>
+          <a:fillRef idx="1">
+            <a:schemeClr val="accent1"/>
+          </a:fillRef>
+          <a:effectRef idx="0">
+            <a:schemeClr val="accent1"/>
+          </a:effectRef>
+          <a:fontRef idx="minor">
+            <a:schemeClr val="lt1"/>
+          </a:fontRef>
+        </p:style>
+        <p:txBody>
+          <a:bodyPr rtlCol="0" anchor="ctr"/>
+          <a:lstStyle/>
+          <a:p>
+            <a:pPr algn="ctr"/>
+            <a:r>
+              <a:rPr lang="en-GB" dirty="0" smtClean="0">
+                <a:ln>
+                  <a:solidFill>
+                    <a:sysClr val="windowText" lastClr="000000"/>
+                  </a:solidFill>
+                </a:ln>
+                <a:solidFill>
+                  <a:schemeClr val="tx1"/>
+                </a:solidFill>
+              </a:rPr>
+              <a:t>Company start date </a:t>
+            </a:r>
+            <a:endParaRPr lang="en-GB" dirty="0">
+              <a:ln>
+                <a:solidFill>
+                  <a:sysClr val="windowText" lastClr="000000"/>
+                </a:solidFill>
+              </a:ln>
+              <a:solidFill>
+                <a:schemeClr val="tx1"/>
+              </a:solidFill>
+            </a:endParaRPr>
+          </a:p>
+        </p:txBody>
+      </p:sp>
+      <p:sp>
+        <p:nvSpPr>
+          <p:cNvPr id="57" name="Rectangle 56"/>
+          <p:cNvSpPr/>
+          <p:nvPr/>
+        </p:nvSpPr>
+        <p:spPr>
+          <a:xfrm>
+            <a:off x="6738937" y="3905250"/>
+            <a:ext cx="1737977" cy="381000"/>
+          </a:xfrm>
+          <a:prstGeom prst="rect">
+            <a:avLst/>
+          </a:prstGeom>
+          <a:solidFill>
+            <a:schemeClr val="bg1"/>
+          </a:solidFill>
+          <a:ln>
+            <a:solidFill>
+              <a:schemeClr val="tx1"/>
+            </a:solidFill>
+          </a:ln>
+        </p:spPr>
+        <p:style>
+          <a:lnRef idx="2">
+            <a:schemeClr val="accent1">
+              <a:shade val="50000"/>
+            </a:schemeClr>
+          </a:lnRef>
+          <a:fillRef idx="1">
+            <a:schemeClr val="accent1"/>
+          </a:fillRef>
+          <a:effectRef idx="0">
+            <a:schemeClr val="accent1"/>
+          </a:effectRef>
+          <a:fontRef idx="minor">
+            <a:schemeClr val="lt1"/>
+          </a:fontRef>
+        </p:style>
+        <p:txBody>
+          <a:bodyPr rtlCol="0" anchor="ctr"/>
+          <a:lstStyle/>
+          <a:p>
+            <a:pPr algn="ctr"/>
+            <a:r>
+              <a:rPr lang="en-GB" dirty="0" smtClean="0">
+                <a:ln>
+                  <a:solidFill>
+                    <a:sysClr val="windowText" lastClr="000000"/>
+                  </a:solidFill>
+                </a:ln>
+                <a:solidFill>
+                  <a:schemeClr val="tx1"/>
+                </a:solidFill>
+              </a:rPr>
+              <a:t>Company role </a:t>
+            </a:r>
+            <a:endParaRPr lang="en-GB" dirty="0">
+              <a:ln>
+                <a:solidFill>
+                  <a:sysClr val="windowText" lastClr="000000"/>
+                </a:solidFill>
+              </a:ln>
+              <a:solidFill>
+                <a:schemeClr val="tx1"/>
+              </a:solidFill>
+            </a:endParaRPr>
+          </a:p>
+        </p:txBody>
+      </p:sp>
+      <p:sp>
+        <p:nvSpPr>
+          <p:cNvPr id="58" name="Rectangle 57"/>
+          <p:cNvSpPr/>
+          <p:nvPr/>
+        </p:nvSpPr>
+        <p:spPr>
+          <a:xfrm>
+            <a:off x="5486400" y="4607045"/>
+            <a:ext cx="2019300" cy="498353"/>
+          </a:xfrm>
+          <a:prstGeom prst="rect">
+            <a:avLst/>
+          </a:prstGeom>
+          <a:solidFill>
+            <a:schemeClr val="bg1"/>
+          </a:solidFill>
+          <a:ln>
+            <a:solidFill>
+              <a:schemeClr val="tx1"/>
+            </a:solidFill>
+          </a:ln>
+        </p:spPr>
+        <p:style>
+          <a:lnRef idx="2">
+            <a:schemeClr val="accent1">
+              <a:shade val="50000"/>
+            </a:schemeClr>
+          </a:lnRef>
+          <a:fillRef idx="1">
+            <a:schemeClr val="accent1"/>
+          </a:fillRef>
+          <a:effectRef idx="0">
+            <a:schemeClr val="accent1"/>
+          </a:effectRef>
+          <a:fontRef idx="minor">
+            <a:schemeClr val="lt1"/>
+          </a:fontRef>
+        </p:style>
+        <p:txBody>
+          <a:bodyPr rtlCol="0" anchor="ctr"/>
+          <a:lstStyle/>
+          <a:p>
+            <a:pPr algn="ctr"/>
+            <a:r>
+              <a:rPr lang="en-GB" dirty="0" smtClean="0">
+                <a:ln>
+                  <a:solidFill>
+                    <a:sysClr val="windowText" lastClr="000000"/>
+                  </a:solidFill>
+                </a:ln>
+                <a:solidFill>
+                  <a:schemeClr val="tx1"/>
+                </a:solidFill>
+              </a:rPr>
+              <a:t>Change Information </a:t>
+            </a:r>
+            <a:endParaRPr lang="en-GB" dirty="0">
+              <a:ln>
+                <a:solidFill>
+                  <a:sysClr val="windowText" lastClr="000000"/>
+                </a:solidFill>
+              </a:ln>
+              <a:solidFill>
+                <a:schemeClr val="tx1"/>
+              </a:solidFill>
+            </a:endParaRPr>
+          </a:p>
+        </p:txBody>
+      </p:sp>
+      <p:sp>
+        <p:nvSpPr>
+          <p:cNvPr id="77" name="Rectangle 76"/>
+          <p:cNvSpPr/>
+          <p:nvPr/>
+        </p:nvSpPr>
+        <p:spPr>
+          <a:xfrm>
+            <a:off x="3357026" y="4606957"/>
+            <a:ext cx="2019300" cy="498353"/>
+          </a:xfrm>
+          <a:prstGeom prst="rect">
+            <a:avLst/>
+          </a:prstGeom>
+          <a:solidFill>
+            <a:schemeClr val="bg1"/>
+          </a:solidFill>
+          <a:ln>
+            <a:solidFill>
+              <a:schemeClr val="tx1"/>
+            </a:solidFill>
+          </a:ln>
+        </p:spPr>
+        <p:style>
+          <a:lnRef idx="2">
+            <a:schemeClr val="accent1">
+              <a:shade val="50000"/>
+            </a:schemeClr>
+          </a:lnRef>
+          <a:fillRef idx="1">
+            <a:schemeClr val="accent1"/>
+          </a:fillRef>
+          <a:effectRef idx="0">
+            <a:schemeClr val="accent1"/>
+          </a:effectRef>
+          <a:fontRef idx="minor">
+            <a:schemeClr val="lt1"/>
+          </a:fontRef>
+        </p:style>
+        <p:txBody>
+          <a:bodyPr rtlCol="0" anchor="ctr"/>
+          <a:lstStyle/>
+          <a:p>
+            <a:pPr algn="ctr"/>
+            <a:r>
+              <a:rPr lang="en-GB" dirty="0" smtClean="0">
+                <a:ln>
+                  <a:solidFill>
+                    <a:sysClr val="windowText" lastClr="000000"/>
+                  </a:solidFill>
+                </a:ln>
+                <a:solidFill>
+                  <a:schemeClr val="tx1"/>
+                </a:solidFill>
+              </a:rPr>
+              <a:t>Delete user</a:t>
+            </a:r>
+            <a:endParaRPr lang="en-GB" dirty="0">
+              <a:ln>
+                <a:solidFill>
+                  <a:sysClr val="windowText" lastClr="000000"/>
+                </a:solidFill>
+              </a:ln>
+              <a:solidFill>
+                <a:schemeClr val="tx1"/>
+              </a:solidFill>
+            </a:endParaRPr>
+          </a:p>
+        </p:txBody>
+      </p:sp>
+      <p:sp>
+        <p:nvSpPr>
+          <p:cNvPr id="78" name="Rectangle 77"/>
+          <p:cNvSpPr/>
+          <p:nvPr/>
+        </p:nvSpPr>
+        <p:spPr>
+          <a:xfrm>
+            <a:off x="7570363" y="4602954"/>
+            <a:ext cx="2019300" cy="498353"/>
+          </a:xfrm>
+          <a:prstGeom prst="rect">
+            <a:avLst/>
+          </a:prstGeom>
+          <a:solidFill>
+            <a:schemeClr val="bg1"/>
+          </a:solidFill>
+          <a:ln>
+            <a:solidFill>
+              <a:schemeClr val="tx1"/>
+            </a:solidFill>
+          </a:ln>
+        </p:spPr>
+        <p:style>
+          <a:lnRef idx="2">
+            <a:schemeClr val="accent1">
+              <a:shade val="50000"/>
+            </a:schemeClr>
+          </a:lnRef>
+          <a:fillRef idx="1">
+            <a:schemeClr val="accent1"/>
+          </a:fillRef>
+          <a:effectRef idx="0">
+            <a:schemeClr val="accent1"/>
+          </a:effectRef>
+          <a:fontRef idx="minor">
+            <a:schemeClr val="lt1"/>
+          </a:fontRef>
+        </p:style>
+        <p:txBody>
+          <a:bodyPr rtlCol="0" anchor="ctr"/>
+          <a:lstStyle/>
+          <a:p>
+            <a:pPr algn="ctr"/>
             <a:r>
               <a:rPr lang="en-GB" dirty="0" smtClean="0">
                 <a:ln>
@@ -8701,7 +9267,7 @@
 </p:sld>
 </file>
 
-<file path=ppt/slides/slide6.xml><?xml version="1.0" encoding="utf-8"?>
+<file path=ppt/slides/slide7.xml><?xml version="1.0" encoding="utf-8"?>
 <p:sld xmlns:a="http://schemas.openxmlformats.org/drawingml/2006/main" xmlns:r="http://schemas.openxmlformats.org/officeDocument/2006/relationships" xmlns:p="http://schemas.openxmlformats.org/presentationml/2006/main">
   <p:cSld>
     <p:spTree>

--- a/docs/Project Design/Wesbite Design/Group Project - html design.pptx
+++ b/docs/Project Design/Wesbite Design/Group Project - html design.pptx
@@ -5,16 +5,17 @@
     <p:sldMasterId id="2147483648" r:id="rId1"/>
   </p:sldMasterIdLst>
   <p:notesMasterIdLst>
-    <p:notesMasterId r:id="rId9"/>
+    <p:notesMasterId r:id="rId10"/>
   </p:notesMasterIdLst>
   <p:sldIdLst>
     <p:sldId id="256" r:id="rId2"/>
-    <p:sldId id="262" r:id="rId3"/>
-    <p:sldId id="257" r:id="rId4"/>
-    <p:sldId id="258" r:id="rId5"/>
-    <p:sldId id="260" r:id="rId6"/>
-    <p:sldId id="259" r:id="rId7"/>
-    <p:sldId id="261" r:id="rId8"/>
+    <p:sldId id="263" r:id="rId3"/>
+    <p:sldId id="262" r:id="rId4"/>
+    <p:sldId id="257" r:id="rId5"/>
+    <p:sldId id="258" r:id="rId6"/>
+    <p:sldId id="260" r:id="rId7"/>
+    <p:sldId id="259" r:id="rId8"/>
+    <p:sldId id="261" r:id="rId9"/>
   </p:sldIdLst>
   <p:sldSz cx="12192000" cy="6858000"/>
   <p:notesSz cx="6858000" cy="9144000"/>
@@ -536,7 +537,7 @@
           <a:p>
             <a:fld id="{FBE4A5B1-9317-4F48-8B9C-BC7943CF143A}" type="slidenum">
               <a:rPr lang="en-GB" smtClean="0"/>
-              <a:t>5</a:t>
+              <a:t>6</a:t>
             </a:fld>
             <a:endParaRPr lang="en-GB"/>
           </a:p>
@@ -4393,8 +4394,8 @@
         </p:nvSpPr>
         <p:spPr>
           <a:xfrm>
-            <a:off x="1678547" y="670843"/>
-            <a:ext cx="8834907" cy="5589431"/>
+            <a:off x="2536765" y="2130221"/>
+            <a:ext cx="2849217" cy="1448904"/>
           </a:xfrm>
           <a:prstGeom prst="rect">
             <a:avLst/>
@@ -4415,153 +4416,24 @@
           </a:fontRef>
         </p:style>
         <p:txBody>
-          <a:bodyPr rot="0" spcFirstLastPara="0" vert="horz" wrap="square" lIns="91440" tIns="45720" rIns="91440" bIns="45720" numCol="1" spcCol="0" rtlCol="0" fromWordArt="0" anchor="ctr" anchorCtr="0" forceAA="0" compatLnSpc="1">
-            <a:prstTxWarp prst="textNoShape">
-              <a:avLst/>
-            </a:prstTxWarp>
-            <a:noAutofit/>
-          </a:bodyPr>
-          <a:lstStyle>
-            <a:defPPr>
-              <a:defRPr lang="en-US"/>
-            </a:defPPr>
-            <a:lvl1pPr marL="0" algn="l" defTabSz="914400" rtl="0" eaLnBrk="1" latinLnBrk="0" hangingPunct="1">
-              <a:defRPr sz="1800" kern="1200">
-                <a:solidFill>
-                  <a:schemeClr val="dk1"/>
-                </a:solidFill>
-                <a:latin typeface="+mn-lt"/>
-                <a:ea typeface="+mn-ea"/>
-                <a:cs typeface="+mn-cs"/>
-              </a:defRPr>
-            </a:lvl1pPr>
-            <a:lvl2pPr marL="457200" algn="l" defTabSz="914400" rtl="0" eaLnBrk="1" latinLnBrk="0" hangingPunct="1">
-              <a:defRPr sz="1800" kern="1200">
-                <a:solidFill>
-                  <a:schemeClr val="dk1"/>
-                </a:solidFill>
-                <a:latin typeface="+mn-lt"/>
-                <a:ea typeface="+mn-ea"/>
-                <a:cs typeface="+mn-cs"/>
-              </a:defRPr>
-            </a:lvl2pPr>
-            <a:lvl3pPr marL="914400" algn="l" defTabSz="914400" rtl="0" eaLnBrk="1" latinLnBrk="0" hangingPunct="1">
-              <a:defRPr sz="1800" kern="1200">
-                <a:solidFill>
-                  <a:schemeClr val="dk1"/>
-                </a:solidFill>
-                <a:latin typeface="+mn-lt"/>
-                <a:ea typeface="+mn-ea"/>
-                <a:cs typeface="+mn-cs"/>
-              </a:defRPr>
-            </a:lvl3pPr>
-            <a:lvl4pPr marL="1371600" algn="l" defTabSz="914400" rtl="0" eaLnBrk="1" latinLnBrk="0" hangingPunct="1">
-              <a:defRPr sz="1800" kern="1200">
-                <a:solidFill>
-                  <a:schemeClr val="dk1"/>
-                </a:solidFill>
-                <a:latin typeface="+mn-lt"/>
-                <a:ea typeface="+mn-ea"/>
-                <a:cs typeface="+mn-cs"/>
-              </a:defRPr>
-            </a:lvl4pPr>
-            <a:lvl5pPr marL="1828800" algn="l" defTabSz="914400" rtl="0" eaLnBrk="1" latinLnBrk="0" hangingPunct="1">
-              <a:defRPr sz="1800" kern="1200">
-                <a:solidFill>
-                  <a:schemeClr val="dk1"/>
-                </a:solidFill>
-                <a:latin typeface="+mn-lt"/>
-                <a:ea typeface="+mn-ea"/>
-                <a:cs typeface="+mn-cs"/>
-              </a:defRPr>
-            </a:lvl5pPr>
-            <a:lvl6pPr marL="2286000" algn="l" defTabSz="914400" rtl="0" eaLnBrk="1" latinLnBrk="0" hangingPunct="1">
-              <a:defRPr sz="1800" kern="1200">
-                <a:solidFill>
-                  <a:schemeClr val="dk1"/>
-                </a:solidFill>
-                <a:latin typeface="+mn-lt"/>
-                <a:ea typeface="+mn-ea"/>
-                <a:cs typeface="+mn-cs"/>
-              </a:defRPr>
-            </a:lvl6pPr>
-            <a:lvl7pPr marL="2743200" algn="l" defTabSz="914400" rtl="0" eaLnBrk="1" latinLnBrk="0" hangingPunct="1">
-              <a:defRPr sz="1800" kern="1200">
-                <a:solidFill>
-                  <a:schemeClr val="dk1"/>
-                </a:solidFill>
-                <a:latin typeface="+mn-lt"/>
-                <a:ea typeface="+mn-ea"/>
-                <a:cs typeface="+mn-cs"/>
-              </a:defRPr>
-            </a:lvl7pPr>
-            <a:lvl8pPr marL="3200400" algn="l" defTabSz="914400" rtl="0" eaLnBrk="1" latinLnBrk="0" hangingPunct="1">
-              <a:defRPr sz="1800" kern="1200">
-                <a:solidFill>
-                  <a:schemeClr val="dk1"/>
-                </a:solidFill>
-                <a:latin typeface="+mn-lt"/>
-                <a:ea typeface="+mn-ea"/>
-                <a:cs typeface="+mn-cs"/>
-              </a:defRPr>
-            </a:lvl8pPr>
-            <a:lvl9pPr marL="3657600" algn="l" defTabSz="914400" rtl="0" eaLnBrk="1" latinLnBrk="0" hangingPunct="1">
-              <a:defRPr sz="1800" kern="1200">
-                <a:solidFill>
-                  <a:schemeClr val="dk1"/>
-                </a:solidFill>
-                <a:latin typeface="+mn-lt"/>
-                <a:ea typeface="+mn-ea"/>
-                <a:cs typeface="+mn-cs"/>
-              </a:defRPr>
-            </a:lvl9pPr>
-          </a:lstStyle>
+          <a:bodyPr rtlCol="0" anchor="ctr"/>
+          <a:lstStyle/>
           <a:p>
             <a:pPr algn="ctr"/>
-            <a:endParaRPr lang="pl-PL"/>
-          </a:p>
-        </p:txBody>
-      </p:sp>
-      <p:cxnSp>
-        <p:nvCxnSpPr>
-          <p:cNvPr id="5" name="Straight Connector 4"/>
-          <p:cNvCxnSpPr/>
-          <p:nvPr/>
-        </p:nvCxnSpPr>
-        <p:spPr>
-          <a:xfrm>
-            <a:off x="1665668" y="902663"/>
-            <a:ext cx="8847786" cy="0"/>
-          </a:xfrm>
-          <a:prstGeom prst="line">
-            <a:avLst/>
-          </a:prstGeom>
-        </p:spPr>
-        <p:style>
-          <a:lnRef idx="1">
-            <a:schemeClr val="dk1"/>
-          </a:lnRef>
-          <a:fillRef idx="0">
-            <a:schemeClr val="dk1"/>
-          </a:fillRef>
-          <a:effectRef idx="0">
-            <a:schemeClr val="dk1"/>
-          </a:effectRef>
-          <a:fontRef idx="minor">
-            <a:schemeClr val="tx1"/>
-          </a:fontRef>
-        </p:style>
-      </p:cxnSp>
-      <p:sp>
-        <p:nvSpPr>
-          <p:cNvPr id="6" name="Rectangle 5"/>
+            <a:endParaRPr lang="en-GB" dirty="0"/>
+          </a:p>
+        </p:txBody>
+      </p:sp>
+      <p:sp>
+        <p:nvSpPr>
+          <p:cNvPr id="5" name="Rectangle 4"/>
           <p:cNvSpPr/>
           <p:nvPr/>
         </p:nvSpPr>
         <p:spPr>
-          <a:xfrm flipV="1">
-            <a:off x="10075573" y="715920"/>
-            <a:ext cx="115910" cy="141666"/>
+          <a:xfrm>
+            <a:off x="3455907" y="2421888"/>
+            <a:ext cx="903870" cy="396245"/>
           </a:xfrm>
           <a:prstGeom prst="rect">
             <a:avLst/>
@@ -4582,123 +4454,142 @@
           </a:fontRef>
         </p:style>
         <p:txBody>
-          <a:bodyPr rot="0" spcFirstLastPara="0" vert="horz" wrap="square" lIns="91440" tIns="45720" rIns="91440" bIns="45720" numCol="1" spcCol="0" rtlCol="0" fromWordArt="0" anchor="ctr" anchorCtr="0" forceAA="0" compatLnSpc="1">
-            <a:prstTxWarp prst="textNoShape">
-              <a:avLst/>
-            </a:prstTxWarp>
-            <a:noAutofit/>
+          <a:bodyPr rtlCol="0" anchor="ctr"/>
+          <a:lstStyle/>
+          <a:p>
+            <a:pPr algn="ctr"/>
+            <a:r>
+              <a:rPr lang="en-GB" sz="1200" dirty="0" smtClean="0"/>
+              <a:t>Username</a:t>
+            </a:r>
+            <a:endParaRPr lang="en-GB" sz="1200" dirty="0"/>
+          </a:p>
+        </p:txBody>
+      </p:sp>
+      <p:sp>
+        <p:nvSpPr>
+          <p:cNvPr id="6" name="Rectangle 5"/>
+          <p:cNvSpPr/>
+          <p:nvPr/>
+        </p:nvSpPr>
+        <p:spPr>
+          <a:xfrm>
+            <a:off x="3455907" y="2903799"/>
+            <a:ext cx="903870" cy="396245"/>
+          </a:xfrm>
+          <a:prstGeom prst="rect">
+            <a:avLst/>
+          </a:prstGeom>
+        </p:spPr>
+        <p:style>
+          <a:lnRef idx="2">
+            <a:schemeClr val="dk1"/>
+          </a:lnRef>
+          <a:fillRef idx="1">
+            <a:schemeClr val="lt1"/>
+          </a:fillRef>
+          <a:effectRef idx="0">
+            <a:schemeClr val="dk1"/>
+          </a:effectRef>
+          <a:fontRef idx="minor">
+            <a:schemeClr val="dk1"/>
+          </a:fontRef>
+        </p:style>
+        <p:txBody>
+          <a:bodyPr rtlCol="0" anchor="ctr"/>
+          <a:lstStyle/>
+          <a:p>
+            <a:pPr algn="ctr"/>
+            <a:r>
+              <a:rPr lang="en-GB" sz="1200" dirty="0" smtClean="0"/>
+              <a:t>Password</a:t>
+            </a:r>
+            <a:endParaRPr lang="en-GB" sz="1200" dirty="0"/>
+          </a:p>
+        </p:txBody>
+      </p:sp>
+      <p:sp>
+        <p:nvSpPr>
+          <p:cNvPr id="7" name="TextBox 6"/>
+          <p:cNvSpPr txBox="1"/>
+          <p:nvPr/>
+        </p:nvSpPr>
+        <p:spPr>
+          <a:xfrm>
+            <a:off x="2788578" y="2407076"/>
+            <a:ext cx="447558" cy="369332"/>
+          </a:xfrm>
+          <a:prstGeom prst="rect">
+            <a:avLst/>
+          </a:prstGeom>
+          <a:noFill/>
+        </p:spPr>
+        <p:txBody>
+          <a:bodyPr wrap="none" rtlCol="0">
+            <a:spAutoFit/>
           </a:bodyPr>
-          <a:lstStyle>
-            <a:defPPr>
-              <a:defRPr lang="en-US"/>
-            </a:defPPr>
-            <a:lvl1pPr marL="0" algn="l" defTabSz="914400" rtl="0" eaLnBrk="1" latinLnBrk="0" hangingPunct="1">
-              <a:defRPr sz="1800" kern="1200">
-                <a:solidFill>
-                  <a:schemeClr val="dk1"/>
-                </a:solidFill>
-                <a:latin typeface="+mn-lt"/>
-                <a:ea typeface="+mn-ea"/>
-                <a:cs typeface="+mn-cs"/>
-              </a:defRPr>
-            </a:lvl1pPr>
-            <a:lvl2pPr marL="457200" algn="l" defTabSz="914400" rtl="0" eaLnBrk="1" latinLnBrk="0" hangingPunct="1">
-              <a:defRPr sz="1800" kern="1200">
-                <a:solidFill>
-                  <a:schemeClr val="dk1"/>
-                </a:solidFill>
-                <a:latin typeface="+mn-lt"/>
-                <a:ea typeface="+mn-ea"/>
-                <a:cs typeface="+mn-cs"/>
-              </a:defRPr>
-            </a:lvl2pPr>
-            <a:lvl3pPr marL="914400" algn="l" defTabSz="914400" rtl="0" eaLnBrk="1" latinLnBrk="0" hangingPunct="1">
-              <a:defRPr sz="1800" kern="1200">
-                <a:solidFill>
-                  <a:schemeClr val="dk1"/>
-                </a:solidFill>
-                <a:latin typeface="+mn-lt"/>
-                <a:ea typeface="+mn-ea"/>
-                <a:cs typeface="+mn-cs"/>
-              </a:defRPr>
-            </a:lvl3pPr>
-            <a:lvl4pPr marL="1371600" algn="l" defTabSz="914400" rtl="0" eaLnBrk="1" latinLnBrk="0" hangingPunct="1">
-              <a:defRPr sz="1800" kern="1200">
-                <a:solidFill>
-                  <a:schemeClr val="dk1"/>
-                </a:solidFill>
-                <a:latin typeface="+mn-lt"/>
-                <a:ea typeface="+mn-ea"/>
-                <a:cs typeface="+mn-cs"/>
-              </a:defRPr>
-            </a:lvl4pPr>
-            <a:lvl5pPr marL="1828800" algn="l" defTabSz="914400" rtl="0" eaLnBrk="1" latinLnBrk="0" hangingPunct="1">
-              <a:defRPr sz="1800" kern="1200">
-                <a:solidFill>
-                  <a:schemeClr val="dk1"/>
-                </a:solidFill>
-                <a:latin typeface="+mn-lt"/>
-                <a:ea typeface="+mn-ea"/>
-                <a:cs typeface="+mn-cs"/>
-              </a:defRPr>
-            </a:lvl5pPr>
-            <a:lvl6pPr marL="2286000" algn="l" defTabSz="914400" rtl="0" eaLnBrk="1" latinLnBrk="0" hangingPunct="1">
-              <a:defRPr sz="1800" kern="1200">
-                <a:solidFill>
-                  <a:schemeClr val="dk1"/>
-                </a:solidFill>
-                <a:latin typeface="+mn-lt"/>
-                <a:ea typeface="+mn-ea"/>
-                <a:cs typeface="+mn-cs"/>
-              </a:defRPr>
-            </a:lvl6pPr>
-            <a:lvl7pPr marL="2743200" algn="l" defTabSz="914400" rtl="0" eaLnBrk="1" latinLnBrk="0" hangingPunct="1">
-              <a:defRPr sz="1800" kern="1200">
-                <a:solidFill>
-                  <a:schemeClr val="dk1"/>
-                </a:solidFill>
-                <a:latin typeface="+mn-lt"/>
-                <a:ea typeface="+mn-ea"/>
-                <a:cs typeface="+mn-cs"/>
-              </a:defRPr>
-            </a:lvl7pPr>
-            <a:lvl8pPr marL="3200400" algn="l" defTabSz="914400" rtl="0" eaLnBrk="1" latinLnBrk="0" hangingPunct="1">
-              <a:defRPr sz="1800" kern="1200">
-                <a:solidFill>
-                  <a:schemeClr val="dk1"/>
-                </a:solidFill>
-                <a:latin typeface="+mn-lt"/>
-                <a:ea typeface="+mn-ea"/>
-                <a:cs typeface="+mn-cs"/>
-              </a:defRPr>
-            </a:lvl8pPr>
-            <a:lvl9pPr marL="3657600" algn="l" defTabSz="914400" rtl="0" eaLnBrk="1" latinLnBrk="0" hangingPunct="1">
-              <a:defRPr sz="1800" kern="1200">
-                <a:solidFill>
-                  <a:schemeClr val="dk1"/>
-                </a:solidFill>
-                <a:latin typeface="+mn-lt"/>
-                <a:ea typeface="+mn-ea"/>
-                <a:cs typeface="+mn-cs"/>
-              </a:defRPr>
-            </a:lvl9pPr>
-          </a:lstStyle>
+          <a:lstStyle/>
+          <a:p>
+            <a:r>
+              <a:rPr lang="en-GB" dirty="0" smtClean="0"/>
+              <a:t>ID:</a:t>
+            </a:r>
+            <a:endParaRPr lang="en-GB" dirty="0"/>
+          </a:p>
+        </p:txBody>
+      </p:sp>
+      <p:sp>
+        <p:nvSpPr>
+          <p:cNvPr id="8" name="Rectangle 7"/>
+          <p:cNvSpPr/>
+          <p:nvPr/>
+        </p:nvSpPr>
+        <p:spPr>
+          <a:xfrm>
+            <a:off x="4613586" y="2670452"/>
+            <a:ext cx="546971" cy="396245"/>
+          </a:xfrm>
+          <a:prstGeom prst="rect">
+            <a:avLst/>
+          </a:prstGeom>
+        </p:spPr>
+        <p:style>
+          <a:lnRef idx="2">
+            <a:schemeClr val="dk1"/>
+          </a:lnRef>
+          <a:fillRef idx="1">
+            <a:schemeClr val="lt1"/>
+          </a:fillRef>
+          <a:effectRef idx="0">
+            <a:schemeClr val="dk1"/>
+          </a:effectRef>
+          <a:fontRef idx="minor">
+            <a:schemeClr val="dk1"/>
+          </a:fontRef>
+        </p:style>
+        <p:txBody>
+          <a:bodyPr rtlCol="0" anchor="ctr"/>
+          <a:lstStyle/>
           <a:p>
             <a:pPr algn="ctr"/>
-            <a:endParaRPr lang="pl-PL"/>
-          </a:p>
-        </p:txBody>
-      </p:sp>
-      <p:sp>
-        <p:nvSpPr>
-          <p:cNvPr id="7" name="TextBox 7"/>
+            <a:r>
+              <a:rPr lang="en-GB" sz="1200" dirty="0" smtClean="0"/>
+              <a:t>Log in</a:t>
+            </a:r>
+            <a:endParaRPr lang="en-GB" sz="1200" dirty="0"/>
+          </a:p>
+        </p:txBody>
+      </p:sp>
+      <p:sp>
+        <p:nvSpPr>
+          <p:cNvPr id="9" name="TextBox 8"/>
           <p:cNvSpPr txBox="1"/>
           <p:nvPr/>
         </p:nvSpPr>
         <p:spPr>
           <a:xfrm>
-            <a:off x="10204361" y="597725"/>
-            <a:ext cx="309093" cy="369332"/>
+            <a:off x="6305124" y="2160771"/>
+            <a:ext cx="3250276" cy="923330"/>
           </a:xfrm>
           <a:prstGeom prst="rect">
             <a:avLst/>
@@ -4709,221 +4600,20 @@
           <a:bodyPr wrap="square" rtlCol="0">
             <a:spAutoFit/>
           </a:bodyPr>
-          <a:lstStyle>
-            <a:defPPr>
-              <a:defRPr lang="en-US"/>
-            </a:defPPr>
-            <a:lvl1pPr marL="0" algn="l" defTabSz="914400" rtl="0" eaLnBrk="1" latinLnBrk="0" hangingPunct="1">
-              <a:defRPr sz="1800" kern="1200">
-                <a:solidFill>
-                  <a:schemeClr val="tx1"/>
-                </a:solidFill>
-                <a:latin typeface="+mn-lt"/>
-                <a:ea typeface="+mn-ea"/>
-                <a:cs typeface="+mn-cs"/>
-              </a:defRPr>
-            </a:lvl1pPr>
-            <a:lvl2pPr marL="457200" algn="l" defTabSz="914400" rtl="0" eaLnBrk="1" latinLnBrk="0" hangingPunct="1">
-              <a:defRPr sz="1800" kern="1200">
-                <a:solidFill>
-                  <a:schemeClr val="tx1"/>
-                </a:solidFill>
-                <a:latin typeface="+mn-lt"/>
-                <a:ea typeface="+mn-ea"/>
-                <a:cs typeface="+mn-cs"/>
-              </a:defRPr>
-            </a:lvl2pPr>
-            <a:lvl3pPr marL="914400" algn="l" defTabSz="914400" rtl="0" eaLnBrk="1" latinLnBrk="0" hangingPunct="1">
-              <a:defRPr sz="1800" kern="1200">
-                <a:solidFill>
-                  <a:schemeClr val="tx1"/>
-                </a:solidFill>
-                <a:latin typeface="+mn-lt"/>
-                <a:ea typeface="+mn-ea"/>
-                <a:cs typeface="+mn-cs"/>
-              </a:defRPr>
-            </a:lvl3pPr>
-            <a:lvl4pPr marL="1371600" algn="l" defTabSz="914400" rtl="0" eaLnBrk="1" latinLnBrk="0" hangingPunct="1">
-              <a:defRPr sz="1800" kern="1200">
-                <a:solidFill>
-                  <a:schemeClr val="tx1"/>
-                </a:solidFill>
-                <a:latin typeface="+mn-lt"/>
-                <a:ea typeface="+mn-ea"/>
-                <a:cs typeface="+mn-cs"/>
-              </a:defRPr>
-            </a:lvl4pPr>
-            <a:lvl5pPr marL="1828800" algn="l" defTabSz="914400" rtl="0" eaLnBrk="1" latinLnBrk="0" hangingPunct="1">
-              <a:defRPr sz="1800" kern="1200">
-                <a:solidFill>
-                  <a:schemeClr val="tx1"/>
-                </a:solidFill>
-                <a:latin typeface="+mn-lt"/>
-                <a:ea typeface="+mn-ea"/>
-                <a:cs typeface="+mn-cs"/>
-              </a:defRPr>
-            </a:lvl5pPr>
-            <a:lvl6pPr marL="2286000" algn="l" defTabSz="914400" rtl="0" eaLnBrk="1" latinLnBrk="0" hangingPunct="1">
-              <a:defRPr sz="1800" kern="1200">
-                <a:solidFill>
-                  <a:schemeClr val="tx1"/>
-                </a:solidFill>
-                <a:latin typeface="+mn-lt"/>
-                <a:ea typeface="+mn-ea"/>
-                <a:cs typeface="+mn-cs"/>
-              </a:defRPr>
-            </a:lvl6pPr>
-            <a:lvl7pPr marL="2743200" algn="l" defTabSz="914400" rtl="0" eaLnBrk="1" latinLnBrk="0" hangingPunct="1">
-              <a:defRPr sz="1800" kern="1200">
-                <a:solidFill>
-                  <a:schemeClr val="tx1"/>
-                </a:solidFill>
-                <a:latin typeface="+mn-lt"/>
-                <a:ea typeface="+mn-ea"/>
-                <a:cs typeface="+mn-cs"/>
-              </a:defRPr>
-            </a:lvl7pPr>
-            <a:lvl8pPr marL="3200400" algn="l" defTabSz="914400" rtl="0" eaLnBrk="1" latinLnBrk="0" hangingPunct="1">
-              <a:defRPr sz="1800" kern="1200">
-                <a:solidFill>
-                  <a:schemeClr val="tx1"/>
-                </a:solidFill>
-                <a:latin typeface="+mn-lt"/>
-                <a:ea typeface="+mn-ea"/>
-                <a:cs typeface="+mn-cs"/>
-              </a:defRPr>
-            </a:lvl8pPr>
-            <a:lvl9pPr marL="3657600" algn="l" defTabSz="914400" rtl="0" eaLnBrk="1" latinLnBrk="0" hangingPunct="1">
-              <a:defRPr sz="1800" kern="1200">
-                <a:solidFill>
-                  <a:schemeClr val="tx1"/>
-                </a:solidFill>
-                <a:latin typeface="+mn-lt"/>
-                <a:ea typeface="+mn-ea"/>
-                <a:cs typeface="+mn-cs"/>
-              </a:defRPr>
-            </a:lvl9pPr>
-          </a:lstStyle>
+          <a:lstStyle/>
           <a:p>
             <a:r>
               <a:rPr lang="en-GB" dirty="0" smtClean="0"/>
-              <a:t>x</a:t>
-            </a:r>
-            <a:endParaRPr lang="pl-PL" dirty="0"/>
-          </a:p>
-        </p:txBody>
-      </p:sp>
-      <p:cxnSp>
-        <p:nvCxnSpPr>
-          <p:cNvPr id="8" name="Straight Connector 7"/>
-          <p:cNvCxnSpPr/>
-          <p:nvPr/>
-        </p:nvCxnSpPr>
-        <p:spPr>
-          <a:xfrm>
-            <a:off x="9792236" y="782391"/>
-            <a:ext cx="193184" cy="0"/>
-          </a:xfrm>
-          <a:prstGeom prst="line">
-            <a:avLst/>
-          </a:prstGeom>
-          <a:ln>
-            <a:solidFill>
-              <a:schemeClr val="tx1"/>
-            </a:solidFill>
-          </a:ln>
-        </p:spPr>
-        <p:style>
-          <a:lnRef idx="3">
-            <a:schemeClr val="dk1"/>
-          </a:lnRef>
-          <a:fillRef idx="0">
-            <a:schemeClr val="dk1"/>
-          </a:fillRef>
-          <a:effectRef idx="2">
-            <a:schemeClr val="dk1"/>
-          </a:effectRef>
-          <a:fontRef idx="minor">
-            <a:schemeClr val="tx1"/>
-          </a:fontRef>
-        </p:style>
-      </p:cxnSp>
-      <p:sp>
-        <p:nvSpPr>
-          <p:cNvPr id="3" name="Content Placeholder 2"/>
-          <p:cNvSpPr>
-            <a:spLocks noGrp="1"/>
-          </p:cNvSpPr>
-          <p:nvPr>
-            <p:ph idx="1"/>
-          </p:nvPr>
-        </p:nvSpPr>
-        <p:spPr>
-          <a:xfrm>
-            <a:off x="838200" y="1825625"/>
-            <a:ext cx="5704268" cy="4351338"/>
-          </a:xfrm>
-        </p:spPr>
-        <p:txBody>
-          <a:bodyPr>
-            <a:normAutofit lnSpcReduction="10000"/>
-          </a:bodyPr>
-          <a:lstStyle/>
-          <a:p>
-            <a:r>
-              <a:rPr lang="en-GB" dirty="0" smtClean="0"/>
-              <a:t>Priority</a:t>
-            </a:r>
-          </a:p>
-          <a:p>
-            <a:r>
-              <a:rPr lang="en-GB" dirty="0" smtClean="0"/>
-              <a:t>Identification</a:t>
-            </a:r>
-          </a:p>
-          <a:p>
-            <a:r>
-              <a:rPr lang="en-GB" dirty="0" smtClean="0"/>
-              <a:t>Synchronisation</a:t>
-            </a:r>
-          </a:p>
-          <a:p>
-            <a:r>
-              <a:rPr lang="en-GB" dirty="0" smtClean="0"/>
-              <a:t>List of task</a:t>
-            </a:r>
-          </a:p>
-          <a:p>
-            <a:r>
-              <a:rPr lang="en-GB" dirty="0" smtClean="0"/>
-              <a:t>Select task – view details</a:t>
-            </a:r>
-          </a:p>
-          <a:p>
-            <a:r>
-              <a:rPr lang="en-GB" dirty="0" smtClean="0"/>
-              <a:t>Select task – edit task step comments</a:t>
-            </a:r>
-          </a:p>
-          <a:p>
-            <a:r>
-              <a:rPr lang="en-GB" dirty="0" smtClean="0"/>
-              <a:t>Select task – change to completed</a:t>
-            </a:r>
-          </a:p>
-          <a:p>
-            <a:r>
-              <a:rPr lang="en-GB" smtClean="0"/>
-              <a:t>Abandon</a:t>
-            </a:r>
-            <a:endParaRPr lang="en-GB" dirty="0" smtClean="0"/>
+              <a:t>On opening, the system will ask the user to specify their username and password</a:t>
+            </a:r>
+            <a:endParaRPr lang="en-GB" dirty="0"/>
           </a:p>
         </p:txBody>
       </p:sp>
     </p:spTree>
     <p:extLst>
       <p:ext uri="{BB962C8B-B14F-4D97-AF65-F5344CB8AC3E}">
-        <p14:creationId xmlns:p14="http://schemas.microsoft.com/office/powerpoint/2010/main" val="2886209069"/>
+        <p14:creationId xmlns:p14="http://schemas.microsoft.com/office/powerpoint/2010/main" val="1112216805"/>
       </p:ext>
     </p:extLst>
   </p:cSld>
@@ -4958,823 +4648,149 @@
         </p:nvSpPr>
         <p:spPr>
           <a:xfrm>
-            <a:off x="3086100" y="933450"/>
-            <a:ext cx="6610350" cy="4476750"/>
-          </a:xfrm>
-          <a:prstGeom prst="rect">
-            <a:avLst/>
-          </a:prstGeom>
-          <a:solidFill>
-            <a:schemeClr val="bg1"/>
-          </a:solidFill>
-          <a:ln>
-            <a:solidFill>
-              <a:schemeClr val="tx1"/>
-            </a:solidFill>
-          </a:ln>
+            <a:off x="1678547" y="670843"/>
+            <a:ext cx="8834907" cy="5729957"/>
+          </a:xfrm>
+          <a:prstGeom prst="rect">
+            <a:avLst/>
+          </a:prstGeom>
         </p:spPr>
         <p:style>
           <a:lnRef idx="2">
-            <a:schemeClr val="accent1">
-              <a:shade val="50000"/>
-            </a:schemeClr>
+            <a:schemeClr val="dk1"/>
           </a:lnRef>
           <a:fillRef idx="1">
-            <a:schemeClr val="accent1"/>
+            <a:schemeClr val="lt1"/>
           </a:fillRef>
           <a:effectRef idx="0">
-            <a:schemeClr val="accent1"/>
+            <a:schemeClr val="dk1"/>
           </a:effectRef>
           <a:fontRef idx="minor">
-            <a:schemeClr val="lt1"/>
+            <a:schemeClr val="dk1"/>
           </a:fontRef>
         </p:style>
         <p:txBody>
-          <a:bodyPr rtlCol="0" anchor="ctr"/>
-          <a:lstStyle/>
+          <a:bodyPr rot="0" spcFirstLastPara="0" vert="horz" wrap="square" lIns="91440" tIns="45720" rIns="91440" bIns="45720" numCol="1" spcCol="0" rtlCol="0" fromWordArt="0" anchor="ctr" anchorCtr="0" forceAA="0" compatLnSpc="1">
+            <a:prstTxWarp prst="textNoShape">
+              <a:avLst/>
+            </a:prstTxWarp>
+            <a:noAutofit/>
+          </a:bodyPr>
+          <a:lstStyle>
+            <a:defPPr>
+              <a:defRPr lang="en-US"/>
+            </a:defPPr>
+            <a:lvl1pPr marL="0" algn="l" defTabSz="914400" rtl="0" eaLnBrk="1" latinLnBrk="0" hangingPunct="1">
+              <a:defRPr sz="1800" kern="1200">
+                <a:solidFill>
+                  <a:schemeClr val="dk1"/>
+                </a:solidFill>
+                <a:latin typeface="+mn-lt"/>
+                <a:ea typeface="+mn-ea"/>
+                <a:cs typeface="+mn-cs"/>
+              </a:defRPr>
+            </a:lvl1pPr>
+            <a:lvl2pPr marL="457200" algn="l" defTabSz="914400" rtl="0" eaLnBrk="1" latinLnBrk="0" hangingPunct="1">
+              <a:defRPr sz="1800" kern="1200">
+                <a:solidFill>
+                  <a:schemeClr val="dk1"/>
+                </a:solidFill>
+                <a:latin typeface="+mn-lt"/>
+                <a:ea typeface="+mn-ea"/>
+                <a:cs typeface="+mn-cs"/>
+              </a:defRPr>
+            </a:lvl2pPr>
+            <a:lvl3pPr marL="914400" algn="l" defTabSz="914400" rtl="0" eaLnBrk="1" latinLnBrk="0" hangingPunct="1">
+              <a:defRPr sz="1800" kern="1200">
+                <a:solidFill>
+                  <a:schemeClr val="dk1"/>
+                </a:solidFill>
+                <a:latin typeface="+mn-lt"/>
+                <a:ea typeface="+mn-ea"/>
+                <a:cs typeface="+mn-cs"/>
+              </a:defRPr>
+            </a:lvl3pPr>
+            <a:lvl4pPr marL="1371600" algn="l" defTabSz="914400" rtl="0" eaLnBrk="1" latinLnBrk="0" hangingPunct="1">
+              <a:defRPr sz="1800" kern="1200">
+                <a:solidFill>
+                  <a:schemeClr val="dk1"/>
+                </a:solidFill>
+                <a:latin typeface="+mn-lt"/>
+                <a:ea typeface="+mn-ea"/>
+                <a:cs typeface="+mn-cs"/>
+              </a:defRPr>
+            </a:lvl4pPr>
+            <a:lvl5pPr marL="1828800" algn="l" defTabSz="914400" rtl="0" eaLnBrk="1" latinLnBrk="0" hangingPunct="1">
+              <a:defRPr sz="1800" kern="1200">
+                <a:solidFill>
+                  <a:schemeClr val="dk1"/>
+                </a:solidFill>
+                <a:latin typeface="+mn-lt"/>
+                <a:ea typeface="+mn-ea"/>
+                <a:cs typeface="+mn-cs"/>
+              </a:defRPr>
+            </a:lvl5pPr>
+            <a:lvl6pPr marL="2286000" algn="l" defTabSz="914400" rtl="0" eaLnBrk="1" latinLnBrk="0" hangingPunct="1">
+              <a:defRPr sz="1800" kern="1200">
+                <a:solidFill>
+                  <a:schemeClr val="dk1"/>
+                </a:solidFill>
+                <a:latin typeface="+mn-lt"/>
+                <a:ea typeface="+mn-ea"/>
+                <a:cs typeface="+mn-cs"/>
+              </a:defRPr>
+            </a:lvl6pPr>
+            <a:lvl7pPr marL="2743200" algn="l" defTabSz="914400" rtl="0" eaLnBrk="1" latinLnBrk="0" hangingPunct="1">
+              <a:defRPr sz="1800" kern="1200">
+                <a:solidFill>
+                  <a:schemeClr val="dk1"/>
+                </a:solidFill>
+                <a:latin typeface="+mn-lt"/>
+                <a:ea typeface="+mn-ea"/>
+                <a:cs typeface="+mn-cs"/>
+              </a:defRPr>
+            </a:lvl7pPr>
+            <a:lvl8pPr marL="3200400" algn="l" defTabSz="914400" rtl="0" eaLnBrk="1" latinLnBrk="0" hangingPunct="1">
+              <a:defRPr sz="1800" kern="1200">
+                <a:solidFill>
+                  <a:schemeClr val="dk1"/>
+                </a:solidFill>
+                <a:latin typeface="+mn-lt"/>
+                <a:ea typeface="+mn-ea"/>
+                <a:cs typeface="+mn-cs"/>
+              </a:defRPr>
+            </a:lvl8pPr>
+            <a:lvl9pPr marL="3657600" algn="l" defTabSz="914400" rtl="0" eaLnBrk="1" latinLnBrk="0" hangingPunct="1">
+              <a:defRPr sz="1800" kern="1200">
+                <a:solidFill>
+                  <a:schemeClr val="dk1"/>
+                </a:solidFill>
+                <a:latin typeface="+mn-lt"/>
+                <a:ea typeface="+mn-ea"/>
+                <a:cs typeface="+mn-cs"/>
+              </a:defRPr>
+            </a:lvl9pPr>
+          </a:lstStyle>
           <a:p>
             <a:pPr algn="ctr"/>
-            <a:endParaRPr lang="en-GB" dirty="0"/>
-          </a:p>
-        </p:txBody>
-      </p:sp>
-      <p:sp>
-        <p:nvSpPr>
-          <p:cNvPr id="5" name="Rectangle 4"/>
-          <p:cNvSpPr/>
-          <p:nvPr/>
-        </p:nvSpPr>
-        <p:spPr>
-          <a:xfrm>
-            <a:off x="4210050" y="1257300"/>
-            <a:ext cx="4572000" cy="609600"/>
-          </a:xfrm>
-          <a:prstGeom prst="rect">
-            <a:avLst/>
-          </a:prstGeom>
-          <a:solidFill>
-            <a:schemeClr val="bg1"/>
-          </a:solidFill>
-          <a:ln>
-            <a:solidFill>
-              <a:schemeClr val="tx1"/>
-            </a:solidFill>
-          </a:ln>
-        </p:spPr>
-        <p:style>
-          <a:lnRef idx="2">
-            <a:schemeClr val="accent1">
-              <a:shade val="50000"/>
-            </a:schemeClr>
-          </a:lnRef>
-          <a:fillRef idx="1">
-            <a:schemeClr val="accent1"/>
-          </a:fillRef>
-          <a:effectRef idx="0">
-            <a:schemeClr val="accent1"/>
-          </a:effectRef>
-          <a:fontRef idx="minor">
-            <a:schemeClr val="lt1"/>
-          </a:fontRef>
-        </p:style>
-        <p:txBody>
-          <a:bodyPr rtlCol="0" anchor="ctr"/>
-          <a:lstStyle/>
-          <a:p>
-            <a:pPr algn="ctr"/>
-            <a:r>
-              <a:rPr lang="en-GB" dirty="0" smtClean="0">
-                <a:solidFill>
-                  <a:schemeClr val="tx1"/>
-                </a:solidFill>
-              </a:rPr>
-              <a:t>Username &amp; ID</a:t>
-            </a:r>
-            <a:endParaRPr lang="en-GB" dirty="0">
-              <a:solidFill>
-                <a:schemeClr val="tx1"/>
-              </a:solidFill>
-            </a:endParaRPr>
-          </a:p>
-        </p:txBody>
-      </p:sp>
-      <p:sp>
-        <p:nvSpPr>
-          <p:cNvPr id="6" name="Rectangle 5"/>
-          <p:cNvSpPr/>
-          <p:nvPr/>
-        </p:nvSpPr>
-        <p:spPr>
-          <a:xfrm>
-            <a:off x="3467100" y="2419350"/>
-            <a:ext cx="742950" cy="381000"/>
-          </a:xfrm>
-          <a:prstGeom prst="rect">
-            <a:avLst/>
-          </a:prstGeom>
-          <a:solidFill>
-            <a:schemeClr val="bg1"/>
-          </a:solidFill>
-          <a:ln>
-            <a:solidFill>
-              <a:schemeClr val="tx1"/>
-            </a:solidFill>
-          </a:ln>
-        </p:spPr>
-        <p:style>
-          <a:lnRef idx="2">
-            <a:schemeClr val="accent1">
-              <a:shade val="50000"/>
-            </a:schemeClr>
-          </a:lnRef>
-          <a:fillRef idx="1">
-            <a:schemeClr val="accent1"/>
-          </a:fillRef>
-          <a:effectRef idx="0">
-            <a:schemeClr val="accent1"/>
-          </a:effectRef>
-          <a:fontRef idx="minor">
-            <a:schemeClr val="lt1"/>
-          </a:fontRef>
-        </p:style>
-        <p:txBody>
-          <a:bodyPr rtlCol="0" anchor="ctr"/>
-          <a:lstStyle/>
-          <a:p>
-            <a:pPr algn="ctr"/>
-            <a:r>
-              <a:rPr lang="en-GB" dirty="0" smtClean="0">
-                <a:ln>
-                  <a:solidFill>
-                    <a:sysClr val="windowText" lastClr="000000"/>
-                  </a:solidFill>
-                </a:ln>
-                <a:solidFill>
-                  <a:schemeClr val="tx1"/>
-                </a:solidFill>
-              </a:rPr>
-              <a:t>Title</a:t>
-            </a:r>
-            <a:endParaRPr lang="en-GB" dirty="0">
-              <a:ln>
-                <a:solidFill>
-                  <a:sysClr val="windowText" lastClr="000000"/>
-                </a:solidFill>
-              </a:ln>
-              <a:solidFill>
-                <a:schemeClr val="tx1"/>
-              </a:solidFill>
-            </a:endParaRPr>
-          </a:p>
-        </p:txBody>
-      </p:sp>
-      <p:sp>
-        <p:nvSpPr>
-          <p:cNvPr id="7" name="Rectangle 6"/>
-          <p:cNvSpPr/>
-          <p:nvPr/>
-        </p:nvSpPr>
-        <p:spPr>
-          <a:xfrm>
-            <a:off x="4819650" y="2419350"/>
-            <a:ext cx="1409700" cy="381000"/>
-          </a:xfrm>
-          <a:prstGeom prst="rect">
-            <a:avLst/>
-          </a:prstGeom>
-          <a:solidFill>
-            <a:schemeClr val="bg1"/>
-          </a:solidFill>
-          <a:ln>
-            <a:solidFill>
-              <a:schemeClr val="tx1"/>
-            </a:solidFill>
-          </a:ln>
-        </p:spPr>
-        <p:style>
-          <a:lnRef idx="2">
-            <a:schemeClr val="accent1">
-              <a:shade val="50000"/>
-            </a:schemeClr>
-          </a:lnRef>
-          <a:fillRef idx="1">
-            <a:schemeClr val="accent1"/>
-          </a:fillRef>
-          <a:effectRef idx="0">
-            <a:schemeClr val="accent1"/>
-          </a:effectRef>
-          <a:fontRef idx="minor">
-            <a:schemeClr val="lt1"/>
-          </a:fontRef>
-        </p:style>
-        <p:txBody>
-          <a:bodyPr rtlCol="0" anchor="ctr"/>
-          <a:lstStyle/>
-          <a:p>
-            <a:pPr algn="ctr"/>
-            <a:r>
-              <a:rPr lang="en-GB" dirty="0" smtClean="0">
-                <a:ln>
-                  <a:solidFill>
-                    <a:sysClr val="windowText" lastClr="000000"/>
-                  </a:solidFill>
-                </a:ln>
-                <a:solidFill>
-                  <a:schemeClr val="tx1"/>
-                </a:solidFill>
-              </a:rPr>
-              <a:t>First Name</a:t>
-            </a:r>
-            <a:endParaRPr lang="en-GB" dirty="0">
-              <a:ln>
-                <a:solidFill>
-                  <a:sysClr val="windowText" lastClr="000000"/>
-                </a:solidFill>
-              </a:ln>
-              <a:solidFill>
-                <a:schemeClr val="tx1"/>
-              </a:solidFill>
-            </a:endParaRPr>
-          </a:p>
-        </p:txBody>
-      </p:sp>
-      <p:sp>
-        <p:nvSpPr>
-          <p:cNvPr id="8" name="Rectangle 7"/>
-          <p:cNvSpPr/>
-          <p:nvPr/>
-        </p:nvSpPr>
-        <p:spPr>
-          <a:xfrm>
-            <a:off x="6838950" y="2419350"/>
-            <a:ext cx="1409700" cy="361950"/>
-          </a:xfrm>
-          <a:prstGeom prst="rect">
-            <a:avLst/>
-          </a:prstGeom>
-          <a:solidFill>
-            <a:schemeClr val="bg1"/>
-          </a:solidFill>
-          <a:ln>
-            <a:solidFill>
-              <a:schemeClr val="tx1"/>
-            </a:solidFill>
-          </a:ln>
-        </p:spPr>
-        <p:style>
-          <a:lnRef idx="2">
-            <a:schemeClr val="accent1">
-              <a:shade val="50000"/>
-            </a:schemeClr>
-          </a:lnRef>
-          <a:fillRef idx="1">
-            <a:schemeClr val="accent1"/>
-          </a:fillRef>
-          <a:effectRef idx="0">
-            <a:schemeClr val="accent1"/>
-          </a:effectRef>
-          <a:fontRef idx="minor">
-            <a:schemeClr val="lt1"/>
-          </a:fontRef>
-        </p:style>
-        <p:txBody>
-          <a:bodyPr rtlCol="0" anchor="ctr"/>
-          <a:lstStyle/>
-          <a:p>
-            <a:pPr algn="ctr"/>
-            <a:r>
-              <a:rPr lang="en-GB" dirty="0" smtClean="0">
-                <a:ln>
-                  <a:solidFill>
-                    <a:sysClr val="windowText" lastClr="000000"/>
-                  </a:solidFill>
-                </a:ln>
-                <a:solidFill>
-                  <a:schemeClr val="tx1"/>
-                </a:solidFill>
-              </a:rPr>
-              <a:t>Surname </a:t>
-            </a:r>
-            <a:endParaRPr lang="en-GB" dirty="0">
-              <a:ln>
-                <a:solidFill>
-                  <a:sysClr val="windowText" lastClr="000000"/>
-                </a:solidFill>
-              </a:ln>
-              <a:solidFill>
-                <a:schemeClr val="tx1"/>
-              </a:solidFill>
-            </a:endParaRPr>
-          </a:p>
-        </p:txBody>
-      </p:sp>
-      <p:sp>
-        <p:nvSpPr>
-          <p:cNvPr id="9" name="Rectangle 8"/>
-          <p:cNvSpPr/>
-          <p:nvPr/>
-        </p:nvSpPr>
-        <p:spPr>
-          <a:xfrm>
-            <a:off x="3467100" y="3314699"/>
-            <a:ext cx="742950" cy="381000"/>
-          </a:xfrm>
-          <a:prstGeom prst="rect">
-            <a:avLst/>
-          </a:prstGeom>
-          <a:solidFill>
-            <a:schemeClr val="bg1"/>
-          </a:solidFill>
-          <a:ln>
-            <a:solidFill>
-              <a:schemeClr val="tx1"/>
-            </a:solidFill>
-          </a:ln>
-        </p:spPr>
-        <p:style>
-          <a:lnRef idx="2">
-            <a:schemeClr val="accent1">
-              <a:shade val="50000"/>
-            </a:schemeClr>
-          </a:lnRef>
-          <a:fillRef idx="1">
-            <a:schemeClr val="accent1"/>
-          </a:fillRef>
-          <a:effectRef idx="0">
-            <a:schemeClr val="accent1"/>
-          </a:effectRef>
-          <a:fontRef idx="minor">
-            <a:schemeClr val="lt1"/>
-          </a:fontRef>
-        </p:style>
-        <p:txBody>
-          <a:bodyPr rtlCol="0" anchor="ctr"/>
-          <a:lstStyle/>
-          <a:p>
-            <a:pPr algn="ctr"/>
-            <a:r>
-              <a:rPr lang="en-GB" dirty="0" smtClean="0">
-                <a:ln>
-                  <a:solidFill>
-                    <a:sysClr val="windowText" lastClr="000000"/>
-                  </a:solidFill>
-                </a:ln>
-                <a:solidFill>
-                  <a:schemeClr val="tx1"/>
-                </a:solidFill>
-              </a:rPr>
-              <a:t>D.O.B</a:t>
-            </a:r>
-            <a:endParaRPr lang="en-GB" dirty="0">
-              <a:ln>
-                <a:solidFill>
-                  <a:sysClr val="windowText" lastClr="000000"/>
-                </a:solidFill>
-              </a:ln>
-              <a:solidFill>
-                <a:schemeClr val="tx1"/>
-              </a:solidFill>
-            </a:endParaRPr>
-          </a:p>
-        </p:txBody>
-      </p:sp>
-      <p:sp>
-        <p:nvSpPr>
-          <p:cNvPr id="10" name="Rectangle 9"/>
-          <p:cNvSpPr/>
-          <p:nvPr/>
-        </p:nvSpPr>
-        <p:spPr>
-          <a:xfrm>
-            <a:off x="4591050" y="3290887"/>
-            <a:ext cx="1933575" cy="390525"/>
-          </a:xfrm>
-          <a:prstGeom prst="rect">
-            <a:avLst/>
-          </a:prstGeom>
-          <a:solidFill>
-            <a:schemeClr val="bg1"/>
-          </a:solidFill>
-          <a:ln>
-            <a:solidFill>
-              <a:schemeClr val="tx1"/>
-            </a:solidFill>
-          </a:ln>
-        </p:spPr>
-        <p:style>
-          <a:lnRef idx="2">
-            <a:schemeClr val="accent1">
-              <a:shade val="50000"/>
-            </a:schemeClr>
-          </a:lnRef>
-          <a:fillRef idx="1">
-            <a:schemeClr val="accent1"/>
-          </a:fillRef>
-          <a:effectRef idx="0">
-            <a:schemeClr val="accent1"/>
-          </a:effectRef>
-          <a:fontRef idx="minor">
-            <a:schemeClr val="lt1"/>
-          </a:fontRef>
-        </p:style>
-        <p:txBody>
-          <a:bodyPr rtlCol="0" anchor="ctr"/>
-          <a:lstStyle/>
-          <a:p>
-            <a:pPr algn="ctr"/>
-            <a:r>
-              <a:rPr lang="en-GB" dirty="0" smtClean="0">
-                <a:ln>
-                  <a:solidFill>
-                    <a:sysClr val="windowText" lastClr="000000"/>
-                  </a:solidFill>
-                </a:ln>
-                <a:solidFill>
-                  <a:schemeClr val="tx1"/>
-                </a:solidFill>
-              </a:rPr>
-              <a:t>Address Line 1</a:t>
-            </a:r>
-            <a:endParaRPr lang="en-GB" dirty="0">
-              <a:ln>
-                <a:solidFill>
-                  <a:sysClr val="windowText" lastClr="000000"/>
-                </a:solidFill>
-              </a:ln>
-              <a:solidFill>
-                <a:schemeClr val="tx1"/>
-              </a:solidFill>
-            </a:endParaRPr>
-          </a:p>
-        </p:txBody>
-      </p:sp>
-      <p:sp>
-        <p:nvSpPr>
-          <p:cNvPr id="11" name="Rectangle 10"/>
-          <p:cNvSpPr/>
-          <p:nvPr/>
-        </p:nvSpPr>
-        <p:spPr>
-          <a:xfrm>
-            <a:off x="6738937" y="3290887"/>
-            <a:ext cx="1304926" cy="361950"/>
-          </a:xfrm>
-          <a:prstGeom prst="rect">
-            <a:avLst/>
-          </a:prstGeom>
-          <a:solidFill>
-            <a:schemeClr val="bg1"/>
-          </a:solidFill>
-          <a:ln>
-            <a:solidFill>
-              <a:schemeClr val="tx1"/>
-            </a:solidFill>
-          </a:ln>
-        </p:spPr>
-        <p:style>
-          <a:lnRef idx="2">
-            <a:schemeClr val="accent1">
-              <a:shade val="50000"/>
-            </a:schemeClr>
-          </a:lnRef>
-          <a:fillRef idx="1">
-            <a:schemeClr val="accent1"/>
-          </a:fillRef>
-          <a:effectRef idx="0">
-            <a:schemeClr val="accent1"/>
-          </a:effectRef>
-          <a:fontRef idx="minor">
-            <a:schemeClr val="lt1"/>
-          </a:fontRef>
-        </p:style>
-        <p:txBody>
-          <a:bodyPr rtlCol="0" anchor="ctr"/>
-          <a:lstStyle/>
-          <a:p>
-            <a:pPr algn="ctr"/>
-            <a:r>
-              <a:rPr lang="en-GB" dirty="0" smtClean="0">
-                <a:ln>
-                  <a:solidFill>
-                    <a:sysClr val="windowText" lastClr="000000"/>
-                  </a:solidFill>
-                </a:ln>
-                <a:solidFill>
-                  <a:schemeClr val="tx1"/>
-                </a:solidFill>
-              </a:rPr>
-              <a:t>Postcode </a:t>
-            </a:r>
-            <a:endParaRPr lang="en-GB" dirty="0">
-              <a:ln>
-                <a:solidFill>
-                  <a:sysClr val="windowText" lastClr="000000"/>
-                </a:solidFill>
-              </a:ln>
-              <a:solidFill>
-                <a:schemeClr val="tx1"/>
-              </a:solidFill>
-            </a:endParaRPr>
-          </a:p>
-        </p:txBody>
-      </p:sp>
-      <p:sp>
-        <p:nvSpPr>
-          <p:cNvPr id="12" name="Rectangle 11"/>
-          <p:cNvSpPr/>
-          <p:nvPr/>
-        </p:nvSpPr>
-        <p:spPr>
-          <a:xfrm>
-            <a:off x="8334375" y="3240880"/>
-            <a:ext cx="1071562" cy="490537"/>
-          </a:xfrm>
-          <a:prstGeom prst="rect">
-            <a:avLst/>
-          </a:prstGeom>
-          <a:solidFill>
-            <a:schemeClr val="bg1"/>
-          </a:solidFill>
-          <a:ln>
-            <a:solidFill>
-              <a:schemeClr val="tx1"/>
-            </a:solidFill>
-          </a:ln>
-        </p:spPr>
-        <p:style>
-          <a:lnRef idx="2">
-            <a:schemeClr val="accent1">
-              <a:shade val="50000"/>
-            </a:schemeClr>
-          </a:lnRef>
-          <a:fillRef idx="1">
-            <a:schemeClr val="accent1"/>
-          </a:fillRef>
-          <a:effectRef idx="0">
-            <a:schemeClr val="accent1"/>
-          </a:effectRef>
-          <a:fontRef idx="minor">
-            <a:schemeClr val="lt1"/>
-          </a:fontRef>
-        </p:style>
-        <p:txBody>
-          <a:bodyPr rtlCol="0" anchor="ctr"/>
-          <a:lstStyle/>
-          <a:p>
-            <a:pPr algn="ctr"/>
-            <a:r>
-              <a:rPr lang="en-GB" sz="1200" dirty="0" smtClean="0">
-                <a:ln>
-                  <a:solidFill>
-                    <a:sysClr val="windowText" lastClr="000000"/>
-                  </a:solidFill>
-                </a:ln>
-                <a:solidFill>
-                  <a:schemeClr val="tx1"/>
-                </a:solidFill>
-              </a:rPr>
-              <a:t>County &amp; Country</a:t>
-            </a:r>
-            <a:endParaRPr lang="en-GB" sz="1200" dirty="0">
-              <a:ln>
-                <a:solidFill>
-                  <a:sysClr val="windowText" lastClr="000000"/>
-                </a:solidFill>
-              </a:ln>
-              <a:solidFill>
-                <a:schemeClr val="tx1"/>
-              </a:solidFill>
-            </a:endParaRPr>
-          </a:p>
-        </p:txBody>
-      </p:sp>
-      <p:sp>
-        <p:nvSpPr>
-          <p:cNvPr id="13" name="Rectangle 12"/>
-          <p:cNvSpPr/>
-          <p:nvPr/>
-        </p:nvSpPr>
-        <p:spPr>
-          <a:xfrm>
-            <a:off x="4210051" y="3945059"/>
-            <a:ext cx="2019300" cy="381000"/>
-          </a:xfrm>
-          <a:prstGeom prst="rect">
-            <a:avLst/>
-          </a:prstGeom>
-          <a:solidFill>
-            <a:schemeClr val="bg1"/>
-          </a:solidFill>
-          <a:ln>
-            <a:solidFill>
-              <a:schemeClr val="tx1"/>
-            </a:solidFill>
-          </a:ln>
-        </p:spPr>
-        <p:style>
-          <a:lnRef idx="2">
-            <a:schemeClr val="accent1">
-              <a:shade val="50000"/>
-            </a:schemeClr>
-          </a:lnRef>
-          <a:fillRef idx="1">
-            <a:schemeClr val="accent1"/>
-          </a:fillRef>
-          <a:effectRef idx="0">
-            <a:schemeClr val="accent1"/>
-          </a:effectRef>
-          <a:fontRef idx="minor">
-            <a:schemeClr val="lt1"/>
-          </a:fontRef>
-        </p:style>
-        <p:txBody>
-          <a:bodyPr rtlCol="0" anchor="ctr"/>
-          <a:lstStyle/>
-          <a:p>
-            <a:pPr algn="ctr"/>
-            <a:r>
-              <a:rPr lang="en-GB" dirty="0" smtClean="0">
-                <a:ln>
-                  <a:solidFill>
-                    <a:sysClr val="windowText" lastClr="000000"/>
-                  </a:solidFill>
-                </a:ln>
-                <a:solidFill>
-                  <a:schemeClr val="tx1"/>
-                </a:solidFill>
-              </a:rPr>
-              <a:t>Company start date </a:t>
-            </a:r>
-            <a:endParaRPr lang="en-GB" dirty="0">
-              <a:ln>
-                <a:solidFill>
-                  <a:sysClr val="windowText" lastClr="000000"/>
-                </a:solidFill>
-              </a:ln>
-              <a:solidFill>
-                <a:schemeClr val="tx1"/>
-              </a:solidFill>
-            </a:endParaRPr>
-          </a:p>
-        </p:txBody>
-      </p:sp>
-      <p:sp>
-        <p:nvSpPr>
-          <p:cNvPr id="14" name="Rectangle 13"/>
-          <p:cNvSpPr/>
-          <p:nvPr/>
-        </p:nvSpPr>
-        <p:spPr>
-          <a:xfrm>
-            <a:off x="6738937" y="3905250"/>
-            <a:ext cx="1737977" cy="381000"/>
-          </a:xfrm>
-          <a:prstGeom prst="rect">
-            <a:avLst/>
-          </a:prstGeom>
-          <a:solidFill>
-            <a:schemeClr val="bg1"/>
-          </a:solidFill>
-          <a:ln>
-            <a:solidFill>
-              <a:schemeClr val="tx1"/>
-            </a:solidFill>
-          </a:ln>
-        </p:spPr>
-        <p:style>
-          <a:lnRef idx="2">
-            <a:schemeClr val="accent1">
-              <a:shade val="50000"/>
-            </a:schemeClr>
-          </a:lnRef>
-          <a:fillRef idx="1">
-            <a:schemeClr val="accent1"/>
-          </a:fillRef>
-          <a:effectRef idx="0">
-            <a:schemeClr val="accent1"/>
-          </a:effectRef>
-          <a:fontRef idx="minor">
-            <a:schemeClr val="lt1"/>
-          </a:fontRef>
-        </p:style>
-        <p:txBody>
-          <a:bodyPr rtlCol="0" anchor="ctr"/>
-          <a:lstStyle/>
-          <a:p>
-            <a:pPr algn="ctr"/>
-            <a:r>
-              <a:rPr lang="en-GB" dirty="0" smtClean="0">
-                <a:ln>
-                  <a:solidFill>
-                    <a:sysClr val="windowText" lastClr="000000"/>
-                  </a:solidFill>
-                </a:ln>
-                <a:solidFill>
-                  <a:schemeClr val="tx1"/>
-                </a:solidFill>
-              </a:rPr>
-              <a:t>Company role </a:t>
-            </a:r>
-            <a:endParaRPr lang="en-GB" dirty="0">
-              <a:ln>
-                <a:solidFill>
-                  <a:sysClr val="windowText" lastClr="000000"/>
-                </a:solidFill>
-              </a:ln>
-              <a:solidFill>
-                <a:schemeClr val="tx1"/>
-              </a:solidFill>
-            </a:endParaRPr>
-          </a:p>
-        </p:txBody>
-      </p:sp>
-      <p:sp>
-        <p:nvSpPr>
-          <p:cNvPr id="15" name="Rectangle 14"/>
-          <p:cNvSpPr/>
-          <p:nvPr/>
-        </p:nvSpPr>
-        <p:spPr>
-          <a:xfrm>
-            <a:off x="5486400" y="4607045"/>
-            <a:ext cx="2019300" cy="498353"/>
-          </a:xfrm>
-          <a:prstGeom prst="rect">
-            <a:avLst/>
-          </a:prstGeom>
-          <a:solidFill>
-            <a:schemeClr val="bg1"/>
-          </a:solidFill>
-          <a:ln>
-            <a:solidFill>
-              <a:schemeClr val="tx1"/>
-            </a:solidFill>
-          </a:ln>
-        </p:spPr>
-        <p:style>
-          <a:lnRef idx="2">
-            <a:schemeClr val="accent1">
-              <a:shade val="50000"/>
-            </a:schemeClr>
-          </a:lnRef>
-          <a:fillRef idx="1">
-            <a:schemeClr val="accent1"/>
-          </a:fillRef>
-          <a:effectRef idx="0">
-            <a:schemeClr val="accent1"/>
-          </a:effectRef>
-          <a:fontRef idx="minor">
-            <a:schemeClr val="lt1"/>
-          </a:fontRef>
-        </p:style>
-        <p:txBody>
-          <a:bodyPr rtlCol="0" anchor="ctr"/>
-          <a:lstStyle/>
-          <a:p>
-            <a:pPr algn="ctr"/>
-            <a:r>
-              <a:rPr lang="en-GB" dirty="0" smtClean="0">
-                <a:ln>
-                  <a:solidFill>
-                    <a:sysClr val="windowText" lastClr="000000"/>
-                  </a:solidFill>
-                </a:ln>
-                <a:solidFill>
-                  <a:schemeClr val="tx1"/>
-                </a:solidFill>
-              </a:rPr>
-              <a:t>Change Information </a:t>
-            </a:r>
-            <a:endParaRPr lang="en-GB" dirty="0">
-              <a:ln>
-                <a:solidFill>
-                  <a:sysClr val="windowText" lastClr="000000"/>
-                </a:solidFill>
-              </a:ln>
-              <a:solidFill>
-                <a:schemeClr val="tx1"/>
-              </a:solidFill>
-            </a:endParaRPr>
+            <a:endParaRPr lang="pl-PL"/>
           </a:p>
         </p:txBody>
       </p:sp>
       <p:cxnSp>
         <p:nvCxnSpPr>
-          <p:cNvPr id="3" name="Straight Arrow Connector 2"/>
+          <p:cNvPr id="5" name="Straight Connector 4"/>
           <p:cNvCxnSpPr/>
           <p:nvPr/>
         </p:nvCxnSpPr>
         <p:spPr>
           <a:xfrm>
-            <a:off x="2730321" y="844170"/>
-            <a:ext cx="1479729" cy="649779"/>
-          </a:xfrm>
-          <a:prstGeom prst="straightConnector1">
-            <a:avLst/>
-          </a:prstGeom>
-          <a:ln>
-            <a:tailEnd type="triangle"/>
-          </a:ln>
+            <a:off x="1665668" y="902663"/>
+            <a:ext cx="8847786" cy="0"/>
+          </a:xfrm>
+          <a:prstGeom prst="line">
+            <a:avLst/>
+          </a:prstGeom>
         </p:spPr>
         <p:style>
           <a:lnRef idx="1">
@@ -5793,14 +4809,151 @@
       </p:cxnSp>
       <p:sp>
         <p:nvSpPr>
-          <p:cNvPr id="16" name="TextBox 15"/>
+          <p:cNvPr id="6" name="Rectangle 5"/>
+          <p:cNvSpPr/>
+          <p:nvPr/>
+        </p:nvSpPr>
+        <p:spPr>
+          <a:xfrm flipV="1">
+            <a:off x="10075573" y="715920"/>
+            <a:ext cx="115910" cy="141666"/>
+          </a:xfrm>
+          <a:prstGeom prst="rect">
+            <a:avLst/>
+          </a:prstGeom>
+        </p:spPr>
+        <p:style>
+          <a:lnRef idx="2">
+            <a:schemeClr val="dk1"/>
+          </a:lnRef>
+          <a:fillRef idx="1">
+            <a:schemeClr val="lt1"/>
+          </a:fillRef>
+          <a:effectRef idx="0">
+            <a:schemeClr val="dk1"/>
+          </a:effectRef>
+          <a:fontRef idx="minor">
+            <a:schemeClr val="dk1"/>
+          </a:fontRef>
+        </p:style>
+        <p:txBody>
+          <a:bodyPr rot="0" spcFirstLastPara="0" vert="horz" wrap="square" lIns="91440" tIns="45720" rIns="91440" bIns="45720" numCol="1" spcCol="0" rtlCol="0" fromWordArt="0" anchor="ctr" anchorCtr="0" forceAA="0" compatLnSpc="1">
+            <a:prstTxWarp prst="textNoShape">
+              <a:avLst/>
+            </a:prstTxWarp>
+            <a:noAutofit/>
+          </a:bodyPr>
+          <a:lstStyle>
+            <a:defPPr>
+              <a:defRPr lang="en-US"/>
+            </a:defPPr>
+            <a:lvl1pPr marL="0" algn="l" defTabSz="914400" rtl="0" eaLnBrk="1" latinLnBrk="0" hangingPunct="1">
+              <a:defRPr sz="1800" kern="1200">
+                <a:solidFill>
+                  <a:schemeClr val="dk1"/>
+                </a:solidFill>
+                <a:latin typeface="+mn-lt"/>
+                <a:ea typeface="+mn-ea"/>
+                <a:cs typeface="+mn-cs"/>
+              </a:defRPr>
+            </a:lvl1pPr>
+            <a:lvl2pPr marL="457200" algn="l" defTabSz="914400" rtl="0" eaLnBrk="1" latinLnBrk="0" hangingPunct="1">
+              <a:defRPr sz="1800" kern="1200">
+                <a:solidFill>
+                  <a:schemeClr val="dk1"/>
+                </a:solidFill>
+                <a:latin typeface="+mn-lt"/>
+                <a:ea typeface="+mn-ea"/>
+                <a:cs typeface="+mn-cs"/>
+              </a:defRPr>
+            </a:lvl2pPr>
+            <a:lvl3pPr marL="914400" algn="l" defTabSz="914400" rtl="0" eaLnBrk="1" latinLnBrk="0" hangingPunct="1">
+              <a:defRPr sz="1800" kern="1200">
+                <a:solidFill>
+                  <a:schemeClr val="dk1"/>
+                </a:solidFill>
+                <a:latin typeface="+mn-lt"/>
+                <a:ea typeface="+mn-ea"/>
+                <a:cs typeface="+mn-cs"/>
+              </a:defRPr>
+            </a:lvl3pPr>
+            <a:lvl4pPr marL="1371600" algn="l" defTabSz="914400" rtl="0" eaLnBrk="1" latinLnBrk="0" hangingPunct="1">
+              <a:defRPr sz="1800" kern="1200">
+                <a:solidFill>
+                  <a:schemeClr val="dk1"/>
+                </a:solidFill>
+                <a:latin typeface="+mn-lt"/>
+                <a:ea typeface="+mn-ea"/>
+                <a:cs typeface="+mn-cs"/>
+              </a:defRPr>
+            </a:lvl4pPr>
+            <a:lvl5pPr marL="1828800" algn="l" defTabSz="914400" rtl="0" eaLnBrk="1" latinLnBrk="0" hangingPunct="1">
+              <a:defRPr sz="1800" kern="1200">
+                <a:solidFill>
+                  <a:schemeClr val="dk1"/>
+                </a:solidFill>
+                <a:latin typeface="+mn-lt"/>
+                <a:ea typeface="+mn-ea"/>
+                <a:cs typeface="+mn-cs"/>
+              </a:defRPr>
+            </a:lvl5pPr>
+            <a:lvl6pPr marL="2286000" algn="l" defTabSz="914400" rtl="0" eaLnBrk="1" latinLnBrk="0" hangingPunct="1">
+              <a:defRPr sz="1800" kern="1200">
+                <a:solidFill>
+                  <a:schemeClr val="dk1"/>
+                </a:solidFill>
+                <a:latin typeface="+mn-lt"/>
+                <a:ea typeface="+mn-ea"/>
+                <a:cs typeface="+mn-cs"/>
+              </a:defRPr>
+            </a:lvl6pPr>
+            <a:lvl7pPr marL="2743200" algn="l" defTabSz="914400" rtl="0" eaLnBrk="1" latinLnBrk="0" hangingPunct="1">
+              <a:defRPr sz="1800" kern="1200">
+                <a:solidFill>
+                  <a:schemeClr val="dk1"/>
+                </a:solidFill>
+                <a:latin typeface="+mn-lt"/>
+                <a:ea typeface="+mn-ea"/>
+                <a:cs typeface="+mn-cs"/>
+              </a:defRPr>
+            </a:lvl7pPr>
+            <a:lvl8pPr marL="3200400" algn="l" defTabSz="914400" rtl="0" eaLnBrk="1" latinLnBrk="0" hangingPunct="1">
+              <a:defRPr sz="1800" kern="1200">
+                <a:solidFill>
+                  <a:schemeClr val="dk1"/>
+                </a:solidFill>
+                <a:latin typeface="+mn-lt"/>
+                <a:ea typeface="+mn-ea"/>
+                <a:cs typeface="+mn-cs"/>
+              </a:defRPr>
+            </a:lvl8pPr>
+            <a:lvl9pPr marL="3657600" algn="l" defTabSz="914400" rtl="0" eaLnBrk="1" latinLnBrk="0" hangingPunct="1">
+              <a:defRPr sz="1800" kern="1200">
+                <a:solidFill>
+                  <a:schemeClr val="dk1"/>
+                </a:solidFill>
+                <a:latin typeface="+mn-lt"/>
+                <a:ea typeface="+mn-ea"/>
+                <a:cs typeface="+mn-cs"/>
+              </a:defRPr>
+            </a:lvl9pPr>
+          </a:lstStyle>
+          <a:p>
+            <a:pPr algn="ctr"/>
+            <a:endParaRPr lang="pl-PL"/>
+          </a:p>
+        </p:txBody>
+      </p:sp>
+      <p:sp>
+        <p:nvSpPr>
+          <p:cNvPr id="7" name="TextBox 7"/>
           <p:cNvSpPr txBox="1"/>
           <p:nvPr/>
         </p:nvSpPr>
         <p:spPr>
           <a:xfrm>
-            <a:off x="824247" y="514649"/>
-            <a:ext cx="4959371" cy="369332"/>
+            <a:off x="10204361" y="597725"/>
+            <a:ext cx="309093" cy="369332"/>
           </a:xfrm>
           <a:prstGeom prst="rect">
             <a:avLst/>
@@ -5808,55 +4961,141 @@
           <a:noFill/>
         </p:spPr>
         <p:txBody>
-          <a:bodyPr wrap="none" rtlCol="0">
+          <a:bodyPr wrap="square" rtlCol="0">
             <a:spAutoFit/>
           </a:bodyPr>
-          <a:lstStyle/>
+          <a:lstStyle>
+            <a:defPPr>
+              <a:defRPr lang="en-US"/>
+            </a:defPPr>
+            <a:lvl1pPr marL="0" algn="l" defTabSz="914400" rtl="0" eaLnBrk="1" latinLnBrk="0" hangingPunct="1">
+              <a:defRPr sz="1800" kern="1200">
+                <a:solidFill>
+                  <a:schemeClr val="tx1"/>
+                </a:solidFill>
+                <a:latin typeface="+mn-lt"/>
+                <a:ea typeface="+mn-ea"/>
+                <a:cs typeface="+mn-cs"/>
+              </a:defRPr>
+            </a:lvl1pPr>
+            <a:lvl2pPr marL="457200" algn="l" defTabSz="914400" rtl="0" eaLnBrk="1" latinLnBrk="0" hangingPunct="1">
+              <a:defRPr sz="1800" kern="1200">
+                <a:solidFill>
+                  <a:schemeClr val="tx1"/>
+                </a:solidFill>
+                <a:latin typeface="+mn-lt"/>
+                <a:ea typeface="+mn-ea"/>
+                <a:cs typeface="+mn-cs"/>
+              </a:defRPr>
+            </a:lvl2pPr>
+            <a:lvl3pPr marL="914400" algn="l" defTabSz="914400" rtl="0" eaLnBrk="1" latinLnBrk="0" hangingPunct="1">
+              <a:defRPr sz="1800" kern="1200">
+                <a:solidFill>
+                  <a:schemeClr val="tx1"/>
+                </a:solidFill>
+                <a:latin typeface="+mn-lt"/>
+                <a:ea typeface="+mn-ea"/>
+                <a:cs typeface="+mn-cs"/>
+              </a:defRPr>
+            </a:lvl3pPr>
+            <a:lvl4pPr marL="1371600" algn="l" defTabSz="914400" rtl="0" eaLnBrk="1" latinLnBrk="0" hangingPunct="1">
+              <a:defRPr sz="1800" kern="1200">
+                <a:solidFill>
+                  <a:schemeClr val="tx1"/>
+                </a:solidFill>
+                <a:latin typeface="+mn-lt"/>
+                <a:ea typeface="+mn-ea"/>
+                <a:cs typeface="+mn-cs"/>
+              </a:defRPr>
+            </a:lvl4pPr>
+            <a:lvl5pPr marL="1828800" algn="l" defTabSz="914400" rtl="0" eaLnBrk="1" latinLnBrk="0" hangingPunct="1">
+              <a:defRPr sz="1800" kern="1200">
+                <a:solidFill>
+                  <a:schemeClr val="tx1"/>
+                </a:solidFill>
+                <a:latin typeface="+mn-lt"/>
+                <a:ea typeface="+mn-ea"/>
+                <a:cs typeface="+mn-cs"/>
+              </a:defRPr>
+            </a:lvl5pPr>
+            <a:lvl6pPr marL="2286000" algn="l" defTabSz="914400" rtl="0" eaLnBrk="1" latinLnBrk="0" hangingPunct="1">
+              <a:defRPr sz="1800" kern="1200">
+                <a:solidFill>
+                  <a:schemeClr val="tx1"/>
+                </a:solidFill>
+                <a:latin typeface="+mn-lt"/>
+                <a:ea typeface="+mn-ea"/>
+                <a:cs typeface="+mn-cs"/>
+              </a:defRPr>
+            </a:lvl6pPr>
+            <a:lvl7pPr marL="2743200" algn="l" defTabSz="914400" rtl="0" eaLnBrk="1" latinLnBrk="0" hangingPunct="1">
+              <a:defRPr sz="1800" kern="1200">
+                <a:solidFill>
+                  <a:schemeClr val="tx1"/>
+                </a:solidFill>
+                <a:latin typeface="+mn-lt"/>
+                <a:ea typeface="+mn-ea"/>
+                <a:cs typeface="+mn-cs"/>
+              </a:defRPr>
+            </a:lvl7pPr>
+            <a:lvl8pPr marL="3200400" algn="l" defTabSz="914400" rtl="0" eaLnBrk="1" latinLnBrk="0" hangingPunct="1">
+              <a:defRPr sz="1800" kern="1200">
+                <a:solidFill>
+                  <a:schemeClr val="tx1"/>
+                </a:solidFill>
+                <a:latin typeface="+mn-lt"/>
+                <a:ea typeface="+mn-ea"/>
+                <a:cs typeface="+mn-cs"/>
+              </a:defRPr>
+            </a:lvl8pPr>
+            <a:lvl9pPr marL="3657600" algn="l" defTabSz="914400" rtl="0" eaLnBrk="1" latinLnBrk="0" hangingPunct="1">
+              <a:defRPr sz="1800" kern="1200">
+                <a:solidFill>
+                  <a:schemeClr val="tx1"/>
+                </a:solidFill>
+                <a:latin typeface="+mn-lt"/>
+                <a:ea typeface="+mn-ea"/>
+                <a:cs typeface="+mn-cs"/>
+              </a:defRPr>
+            </a:lvl9pPr>
+          </a:lstStyle>
           <a:p>
             <a:r>
               <a:rPr lang="en-GB" dirty="0" smtClean="0"/>
-              <a:t>The User </a:t>
-            </a:r>
-            <a:r>
-              <a:rPr lang="en-GB" dirty="0"/>
-              <a:t> </a:t>
-            </a:r>
-            <a:r>
-              <a:rPr lang="en-GB" dirty="0" smtClean="0"/>
-              <a:t>ID must be entered for security purposes</a:t>
-            </a:r>
-            <a:endParaRPr lang="en-GB" dirty="0"/>
+              <a:t>x</a:t>
+            </a:r>
+            <a:endParaRPr lang="pl-PL" dirty="0"/>
           </a:p>
         </p:txBody>
       </p:sp>
       <p:cxnSp>
         <p:nvCxnSpPr>
-          <p:cNvPr id="21" name="Straight Arrow Connector 20"/>
-          <p:cNvCxnSpPr>
-            <a:endCxn id="6" idx="1"/>
-          </p:cNvCxnSpPr>
+          <p:cNvPr id="8" name="Straight Connector 7"/>
+          <p:cNvCxnSpPr/>
           <p:nvPr/>
         </p:nvCxnSpPr>
         <p:spPr>
           <a:xfrm>
-            <a:off x="2575775" y="2419350"/>
-            <a:ext cx="891325" cy="190500"/>
-          </a:xfrm>
-          <a:prstGeom prst="straightConnector1">
+            <a:off x="9792236" y="782391"/>
+            <a:ext cx="193184" cy="0"/>
+          </a:xfrm>
+          <a:prstGeom prst="line">
             <a:avLst/>
           </a:prstGeom>
           <a:ln>
-            <a:tailEnd type="triangle"/>
+            <a:solidFill>
+              <a:schemeClr val="tx1"/>
+            </a:solidFill>
           </a:ln>
         </p:spPr>
         <p:style>
-          <a:lnRef idx="1">
+          <a:lnRef idx="3">
             <a:schemeClr val="dk1"/>
           </a:lnRef>
           <a:fillRef idx="0">
             <a:schemeClr val="dk1"/>
           </a:fillRef>
-          <a:effectRef idx="0">
+          <a:effectRef idx="2">
             <a:schemeClr val="dk1"/>
           </a:effectRef>
           <a:fontRef idx="minor">
@@ -5866,14 +5105,166 @@
       </p:cxnSp>
       <p:sp>
         <p:nvSpPr>
-          <p:cNvPr id="22" name="TextBox 21"/>
+          <p:cNvPr id="12" name="Rectangle 11"/>
+          <p:cNvSpPr/>
+          <p:nvPr/>
+        </p:nvSpPr>
+        <p:spPr>
+          <a:xfrm flipH="1">
+            <a:off x="9718094" y="1016485"/>
+            <a:ext cx="659266" cy="688748"/>
+          </a:xfrm>
+          <a:prstGeom prst="rect">
+            <a:avLst/>
+          </a:prstGeom>
+        </p:spPr>
+        <p:style>
+          <a:lnRef idx="2">
+            <a:schemeClr val="dk1"/>
+          </a:lnRef>
+          <a:fillRef idx="1">
+            <a:schemeClr val="lt1"/>
+          </a:fillRef>
+          <a:effectRef idx="0">
+            <a:schemeClr val="dk1"/>
+          </a:effectRef>
+          <a:fontRef idx="minor">
+            <a:schemeClr val="dk1"/>
+          </a:fontRef>
+        </p:style>
+        <p:txBody>
+          <a:bodyPr rtlCol="0" anchor="ctr"/>
+          <a:lstStyle/>
+          <a:p>
+            <a:pPr algn="ctr"/>
+            <a:endParaRPr lang="pl-PL" b="1" dirty="0"/>
+          </a:p>
+        </p:txBody>
+      </p:sp>
+      <p:sp>
+        <p:nvSpPr>
+          <p:cNvPr id="13" name="Rectangle 12"/>
+          <p:cNvSpPr/>
+          <p:nvPr/>
+        </p:nvSpPr>
+        <p:spPr>
+          <a:xfrm>
+            <a:off x="1765568" y="2208281"/>
+            <a:ext cx="3313583" cy="4076707"/>
+          </a:xfrm>
+          <a:prstGeom prst="rect">
+            <a:avLst/>
+          </a:prstGeom>
+        </p:spPr>
+        <p:style>
+          <a:lnRef idx="2">
+            <a:schemeClr val="dk1"/>
+          </a:lnRef>
+          <a:fillRef idx="1">
+            <a:schemeClr val="lt1"/>
+          </a:fillRef>
+          <a:effectRef idx="0">
+            <a:schemeClr val="dk1"/>
+          </a:effectRef>
+          <a:fontRef idx="minor">
+            <a:schemeClr val="dk1"/>
+          </a:fontRef>
+        </p:style>
+        <p:txBody>
+          <a:bodyPr rtlCol="0" anchor="ctr"/>
+          <a:lstStyle/>
+          <a:p>
+            <a:pPr algn="ctr"/>
+            <a:endParaRPr lang="pl-PL"/>
+          </a:p>
+        </p:txBody>
+      </p:sp>
+      <p:sp>
+        <p:nvSpPr>
+          <p:cNvPr id="14" name="Rectangle 13"/>
+          <p:cNvSpPr/>
+          <p:nvPr/>
+        </p:nvSpPr>
+        <p:spPr>
+          <a:xfrm>
+            <a:off x="5140414" y="1843768"/>
+            <a:ext cx="5311088" cy="4440833"/>
+          </a:xfrm>
+          <a:prstGeom prst="rect">
+            <a:avLst/>
+          </a:prstGeom>
+        </p:spPr>
+        <p:style>
+          <a:lnRef idx="2">
+            <a:schemeClr val="dk1"/>
+          </a:lnRef>
+          <a:fillRef idx="1">
+            <a:schemeClr val="lt1"/>
+          </a:fillRef>
+          <a:effectRef idx="0">
+            <a:schemeClr val="dk1"/>
+          </a:effectRef>
+          <a:fontRef idx="minor">
+            <a:schemeClr val="dk1"/>
+          </a:fontRef>
+        </p:style>
+        <p:txBody>
+          <a:bodyPr rtlCol="0" anchor="ctr"/>
+          <a:lstStyle/>
+          <a:p>
+            <a:pPr algn="ctr"/>
+            <a:endParaRPr lang="pl-PL"/>
+          </a:p>
+        </p:txBody>
+      </p:sp>
+      <p:sp>
+        <p:nvSpPr>
+          <p:cNvPr id="15" name="Rectangle 14"/>
+          <p:cNvSpPr/>
+          <p:nvPr/>
+        </p:nvSpPr>
+        <p:spPr>
+          <a:xfrm>
+            <a:off x="1752689" y="1014527"/>
+            <a:ext cx="7836467" cy="688748"/>
+          </a:xfrm>
+          <a:prstGeom prst="rect">
+            <a:avLst/>
+          </a:prstGeom>
+        </p:spPr>
+        <p:style>
+          <a:lnRef idx="2">
+            <a:schemeClr val="dk1"/>
+          </a:lnRef>
+          <a:fillRef idx="1">
+            <a:schemeClr val="lt1"/>
+          </a:fillRef>
+          <a:effectRef idx="0">
+            <a:schemeClr val="dk1"/>
+          </a:effectRef>
+          <a:fontRef idx="minor">
+            <a:schemeClr val="dk1"/>
+          </a:fontRef>
+        </p:style>
+        <p:txBody>
+          <a:bodyPr rtlCol="0" anchor="ctr"/>
+          <a:lstStyle/>
+          <a:p>
+            <a:pPr algn="ctr"/>
+            <a:endParaRPr lang="pl-PL"/>
+          </a:p>
+        </p:txBody>
+      </p:sp>
+      <p:sp>
+        <p:nvSpPr>
+          <p:cNvPr id="16" name="TextBox 15"/>
           <p:cNvSpPr txBox="1"/>
           <p:nvPr/>
         </p:nvSpPr>
         <p:spPr>
           <a:xfrm>
-            <a:off x="630920" y="1823470"/>
-            <a:ext cx="2390517" cy="923330"/>
+            <a:off x="1990337" y="1173849"/>
+            <a:ext cx="2853510" cy="369332"/>
           </a:xfrm>
           <a:prstGeom prst="rect">
             <a:avLst/>
@@ -5887,8 +5278,686 @@
           <a:lstStyle/>
           <a:p>
             <a:r>
+              <a:rPr lang="en-GB" b="1" dirty="0" smtClean="0"/>
+              <a:t>Company name and logo</a:t>
+            </a:r>
+            <a:endParaRPr lang="en-GB" b="1" dirty="0"/>
+          </a:p>
+        </p:txBody>
+      </p:sp>
+      <p:sp>
+        <p:nvSpPr>
+          <p:cNvPr id="17" name="Rectangle 16"/>
+          <p:cNvSpPr/>
+          <p:nvPr/>
+        </p:nvSpPr>
+        <p:spPr>
+          <a:xfrm>
+            <a:off x="1760302" y="1845758"/>
+            <a:ext cx="3313583" cy="363547"/>
+          </a:xfrm>
+          <a:prstGeom prst="rect">
+            <a:avLst/>
+          </a:prstGeom>
+        </p:spPr>
+        <p:style>
+          <a:lnRef idx="2">
+            <a:schemeClr val="dk1"/>
+          </a:lnRef>
+          <a:fillRef idx="1">
+            <a:schemeClr val="lt1"/>
+          </a:fillRef>
+          <a:effectRef idx="0">
+            <a:schemeClr val="dk1"/>
+          </a:effectRef>
+          <a:fontRef idx="minor">
+            <a:schemeClr val="dk1"/>
+          </a:fontRef>
+        </p:style>
+        <p:txBody>
+          <a:bodyPr rtlCol="0" anchor="ctr"/>
+          <a:lstStyle/>
+          <a:p>
+            <a:pPr algn="ctr"/>
+            <a:endParaRPr lang="pl-PL"/>
+          </a:p>
+        </p:txBody>
+      </p:sp>
+      <p:sp>
+        <p:nvSpPr>
+          <p:cNvPr id="18" name="TextBox 17"/>
+          <p:cNvSpPr txBox="1"/>
+          <p:nvPr/>
+        </p:nvSpPr>
+        <p:spPr>
+          <a:xfrm>
+            <a:off x="1760302" y="1820670"/>
+            <a:ext cx="2853510" cy="369332"/>
+          </a:xfrm>
+          <a:prstGeom prst="rect">
+            <a:avLst/>
+          </a:prstGeom>
+          <a:noFill/>
+        </p:spPr>
+        <p:txBody>
+          <a:bodyPr wrap="square" rtlCol="0">
+            <a:spAutoFit/>
+          </a:bodyPr>
+          <a:lstStyle/>
+          <a:p>
+            <a:r>
+              <a:rPr lang="en-GB" b="1" dirty="0" smtClean="0"/>
+              <a:t>Tasks:</a:t>
+            </a:r>
+            <a:endParaRPr lang="en-GB" b="1" dirty="0"/>
+          </a:p>
+        </p:txBody>
+      </p:sp>
+      <p:sp>
+        <p:nvSpPr>
+          <p:cNvPr id="21" name="Rectangle 20"/>
+          <p:cNvSpPr/>
+          <p:nvPr/>
+        </p:nvSpPr>
+        <p:spPr>
+          <a:xfrm>
+            <a:off x="2097743" y="2475019"/>
+            <a:ext cx="2623473" cy="534918"/>
+          </a:xfrm>
+          <a:prstGeom prst="rect">
+            <a:avLst/>
+          </a:prstGeom>
+        </p:spPr>
+        <p:style>
+          <a:lnRef idx="2">
+            <a:schemeClr val="dk1"/>
+          </a:lnRef>
+          <a:fillRef idx="1">
+            <a:schemeClr val="lt1"/>
+          </a:fillRef>
+          <a:effectRef idx="0">
+            <a:schemeClr val="dk1"/>
+          </a:effectRef>
+          <a:fontRef idx="minor">
+            <a:schemeClr val="dk1"/>
+          </a:fontRef>
+        </p:style>
+        <p:txBody>
+          <a:bodyPr rtlCol="0" anchor="ctr"/>
+          <a:lstStyle/>
+          <a:p>
+            <a:pPr algn="ctr"/>
+            <a:endParaRPr lang="pl-PL"/>
+          </a:p>
+        </p:txBody>
+      </p:sp>
+      <p:sp>
+        <p:nvSpPr>
+          <p:cNvPr id="22" name="Rectangle 21"/>
+          <p:cNvSpPr/>
+          <p:nvPr/>
+        </p:nvSpPr>
+        <p:spPr>
+          <a:xfrm>
+            <a:off x="2105356" y="3251961"/>
+            <a:ext cx="2623473" cy="534918"/>
+          </a:xfrm>
+          <a:prstGeom prst="rect">
+            <a:avLst/>
+          </a:prstGeom>
+        </p:spPr>
+        <p:style>
+          <a:lnRef idx="2">
+            <a:schemeClr val="dk1"/>
+          </a:lnRef>
+          <a:fillRef idx="1">
+            <a:schemeClr val="lt1"/>
+          </a:fillRef>
+          <a:effectRef idx="0">
+            <a:schemeClr val="dk1"/>
+          </a:effectRef>
+          <a:fontRef idx="minor">
+            <a:schemeClr val="dk1"/>
+          </a:fontRef>
+        </p:style>
+        <p:txBody>
+          <a:bodyPr rtlCol="0" anchor="ctr"/>
+          <a:lstStyle/>
+          <a:p>
+            <a:pPr algn="ctr"/>
+            <a:endParaRPr lang="pl-PL"/>
+          </a:p>
+        </p:txBody>
+      </p:sp>
+      <p:sp>
+        <p:nvSpPr>
+          <p:cNvPr id="23" name="Rectangle 22"/>
+          <p:cNvSpPr/>
+          <p:nvPr/>
+        </p:nvSpPr>
+        <p:spPr>
+          <a:xfrm>
+            <a:off x="2097742" y="4084218"/>
+            <a:ext cx="2623473" cy="534918"/>
+          </a:xfrm>
+          <a:prstGeom prst="rect">
+            <a:avLst/>
+          </a:prstGeom>
+        </p:spPr>
+        <p:style>
+          <a:lnRef idx="2">
+            <a:schemeClr val="dk1"/>
+          </a:lnRef>
+          <a:fillRef idx="1">
+            <a:schemeClr val="lt1"/>
+          </a:fillRef>
+          <a:effectRef idx="0">
+            <a:schemeClr val="dk1"/>
+          </a:effectRef>
+          <a:fontRef idx="minor">
+            <a:schemeClr val="dk1"/>
+          </a:fontRef>
+        </p:style>
+        <p:txBody>
+          <a:bodyPr rtlCol="0" anchor="ctr"/>
+          <a:lstStyle/>
+          <a:p>
+            <a:pPr algn="ctr"/>
+            <a:endParaRPr lang="pl-PL"/>
+          </a:p>
+        </p:txBody>
+      </p:sp>
+      <p:sp>
+        <p:nvSpPr>
+          <p:cNvPr id="24" name="Rectangle 23"/>
+          <p:cNvSpPr/>
+          <p:nvPr/>
+        </p:nvSpPr>
+        <p:spPr>
+          <a:xfrm>
+            <a:off x="2097741" y="4928867"/>
+            <a:ext cx="2623473" cy="534918"/>
+          </a:xfrm>
+          <a:prstGeom prst="rect">
+            <a:avLst/>
+          </a:prstGeom>
+        </p:spPr>
+        <p:style>
+          <a:lnRef idx="2">
+            <a:schemeClr val="dk1"/>
+          </a:lnRef>
+          <a:fillRef idx="1">
+            <a:schemeClr val="lt1"/>
+          </a:fillRef>
+          <a:effectRef idx="0">
+            <a:schemeClr val="dk1"/>
+          </a:effectRef>
+          <a:fontRef idx="minor">
+            <a:schemeClr val="dk1"/>
+          </a:fontRef>
+        </p:style>
+        <p:txBody>
+          <a:bodyPr rtlCol="0" anchor="ctr"/>
+          <a:lstStyle/>
+          <a:p>
+            <a:pPr algn="ctr"/>
+            <a:endParaRPr lang="pl-PL"/>
+          </a:p>
+        </p:txBody>
+      </p:sp>
+      <p:sp>
+        <p:nvSpPr>
+          <p:cNvPr id="25" name="TextBox 24"/>
+          <p:cNvSpPr txBox="1"/>
+          <p:nvPr/>
+        </p:nvSpPr>
+        <p:spPr>
+          <a:xfrm>
+            <a:off x="2097741" y="2564485"/>
+            <a:ext cx="2853510" cy="369332"/>
+          </a:xfrm>
+          <a:prstGeom prst="rect">
+            <a:avLst/>
+          </a:prstGeom>
+          <a:noFill/>
+        </p:spPr>
+        <p:txBody>
+          <a:bodyPr wrap="square" rtlCol="0">
+            <a:spAutoFit/>
+          </a:bodyPr>
+          <a:lstStyle/>
+          <a:p>
+            <a:r>
+              <a:rPr lang="en-GB" b="1" dirty="0" smtClean="0"/>
+              <a:t>Task 1</a:t>
+            </a:r>
+            <a:endParaRPr lang="en-GB" b="1" dirty="0"/>
+          </a:p>
+        </p:txBody>
+      </p:sp>
+      <p:sp>
+        <p:nvSpPr>
+          <p:cNvPr id="26" name="TextBox 25"/>
+          <p:cNvSpPr txBox="1"/>
+          <p:nvPr/>
+        </p:nvSpPr>
+        <p:spPr>
+          <a:xfrm>
+            <a:off x="2113854" y="3311857"/>
+            <a:ext cx="2853510" cy="369332"/>
+          </a:xfrm>
+          <a:prstGeom prst="rect">
+            <a:avLst/>
+          </a:prstGeom>
+          <a:noFill/>
+        </p:spPr>
+        <p:txBody>
+          <a:bodyPr wrap="square" rtlCol="0">
+            <a:spAutoFit/>
+          </a:bodyPr>
+          <a:lstStyle/>
+          <a:p>
+            <a:r>
+              <a:rPr lang="en-GB" b="1" dirty="0" smtClean="0"/>
+              <a:t>Task 2</a:t>
+            </a:r>
+            <a:endParaRPr lang="en-GB" b="1" dirty="0"/>
+          </a:p>
+        </p:txBody>
+      </p:sp>
+      <p:sp>
+        <p:nvSpPr>
+          <p:cNvPr id="27" name="TextBox 26"/>
+          <p:cNvSpPr txBox="1"/>
+          <p:nvPr/>
+        </p:nvSpPr>
+        <p:spPr>
+          <a:xfrm>
+            <a:off x="2088231" y="4152262"/>
+            <a:ext cx="2853510" cy="369332"/>
+          </a:xfrm>
+          <a:prstGeom prst="rect">
+            <a:avLst/>
+          </a:prstGeom>
+          <a:noFill/>
+        </p:spPr>
+        <p:txBody>
+          <a:bodyPr wrap="square" rtlCol="0">
+            <a:spAutoFit/>
+          </a:bodyPr>
+          <a:lstStyle/>
+          <a:p>
+            <a:r>
+              <a:rPr lang="en-GB" b="1" dirty="0" smtClean="0"/>
+              <a:t>Task 3</a:t>
+            </a:r>
+            <a:endParaRPr lang="en-GB" b="1" dirty="0"/>
+          </a:p>
+        </p:txBody>
+      </p:sp>
+      <p:sp>
+        <p:nvSpPr>
+          <p:cNvPr id="28" name="TextBox 27"/>
+          <p:cNvSpPr txBox="1"/>
+          <p:nvPr/>
+        </p:nvSpPr>
+        <p:spPr>
+          <a:xfrm>
+            <a:off x="2088231" y="5022625"/>
+            <a:ext cx="2853510" cy="369332"/>
+          </a:xfrm>
+          <a:prstGeom prst="rect">
+            <a:avLst/>
+          </a:prstGeom>
+          <a:noFill/>
+        </p:spPr>
+        <p:txBody>
+          <a:bodyPr wrap="square" rtlCol="0">
+            <a:spAutoFit/>
+          </a:bodyPr>
+          <a:lstStyle/>
+          <a:p>
+            <a:r>
+              <a:rPr lang="en-GB" b="1" dirty="0" smtClean="0"/>
+              <a:t>Task 4</a:t>
+            </a:r>
+            <a:endParaRPr lang="en-GB" b="1" dirty="0"/>
+          </a:p>
+        </p:txBody>
+      </p:sp>
+      <p:pic>
+        <p:nvPicPr>
+          <p:cNvPr id="1028" name="Picture 4" descr="http://www.afterhoursdevelopers.com/sites/default/files/imagecache/app_icon_highres/applications/images/simple_widget_button_imagea.png"/>
+          <p:cNvPicPr>
+            <a:picLocks noChangeAspect="1" noChangeArrowheads="1"/>
+          </p:cNvPicPr>
+          <p:nvPr/>
+        </p:nvPicPr>
+        <p:blipFill>
+          <a:blip r:embed="rId2">
+            <a:extLst>
+              <a:ext uri="{28A0092B-C50C-407E-A947-70E740481C1C}">
+                <a14:useLocalDpi xmlns:a14="http://schemas.microsoft.com/office/drawing/2010/main" val="0"/>
+              </a:ext>
+            </a:extLst>
+          </a:blip>
+          <a:srcRect/>
+          <a:stretch>
+            <a:fillRect/>
+          </a:stretch>
+        </p:blipFill>
+        <p:spPr bwMode="auto">
+          <a:xfrm>
+            <a:off x="9736642" y="1017053"/>
+            <a:ext cx="677862" cy="677863"/>
+          </a:xfrm>
+          <a:prstGeom prst="rect">
+            <a:avLst/>
+          </a:prstGeom>
+          <a:noFill/>
+          <a:extLst>
+            <a:ext uri="{909E8E84-426E-40DD-AFC4-6F175D3DCCD1}">
+              <a14:hiddenFill xmlns:a14="http://schemas.microsoft.com/office/drawing/2010/main">
+                <a:solidFill>
+                  <a:srgbClr val="FFFFFF"/>
+                </a:solidFill>
+              </a14:hiddenFill>
+            </a:ext>
+          </a:extLst>
+        </p:spPr>
+      </p:pic>
+      <p:sp>
+        <p:nvSpPr>
+          <p:cNvPr id="29" name="Rectangle 28"/>
+          <p:cNvSpPr/>
+          <p:nvPr/>
+        </p:nvSpPr>
+        <p:spPr>
+          <a:xfrm>
+            <a:off x="5191241" y="1903612"/>
+            <a:ext cx="1590384" cy="622207"/>
+          </a:xfrm>
+          <a:prstGeom prst="rect">
+            <a:avLst/>
+          </a:prstGeom>
+          <a:ln>
+            <a:solidFill>
+              <a:schemeClr val="tx1"/>
+            </a:solidFill>
+          </a:ln>
+        </p:spPr>
+        <p:style>
+          <a:lnRef idx="2">
+            <a:schemeClr val="dk1"/>
+          </a:lnRef>
+          <a:fillRef idx="1">
+            <a:schemeClr val="lt1"/>
+          </a:fillRef>
+          <a:effectRef idx="0">
+            <a:schemeClr val="dk1"/>
+          </a:effectRef>
+          <a:fontRef idx="minor">
+            <a:schemeClr val="dk1"/>
+          </a:fontRef>
+        </p:style>
+        <p:txBody>
+          <a:bodyPr rtlCol="0" anchor="ctr"/>
+          <a:lstStyle/>
+          <a:p>
+            <a:pPr algn="ctr"/>
+            <a:r>
+              <a:rPr lang="en-GB" b="1" dirty="0" smtClean="0"/>
+              <a:t>Edit step comments</a:t>
+            </a:r>
+            <a:endParaRPr lang="en-GB" b="1" dirty="0"/>
+          </a:p>
+        </p:txBody>
+      </p:sp>
+      <p:sp>
+        <p:nvSpPr>
+          <p:cNvPr id="32" name="Rectangle 31"/>
+          <p:cNvSpPr/>
+          <p:nvPr/>
+        </p:nvSpPr>
+        <p:spPr>
+          <a:xfrm>
+            <a:off x="6948305" y="1908161"/>
+            <a:ext cx="1707739" cy="622207"/>
+          </a:xfrm>
+          <a:prstGeom prst="rect">
+            <a:avLst/>
+          </a:prstGeom>
+          <a:ln>
+            <a:solidFill>
+              <a:schemeClr val="tx1"/>
+            </a:solidFill>
+          </a:ln>
+        </p:spPr>
+        <p:style>
+          <a:lnRef idx="2">
+            <a:schemeClr val="dk1"/>
+          </a:lnRef>
+          <a:fillRef idx="1">
+            <a:schemeClr val="lt1"/>
+          </a:fillRef>
+          <a:effectRef idx="0">
+            <a:schemeClr val="dk1"/>
+          </a:effectRef>
+          <a:fontRef idx="minor">
+            <a:schemeClr val="dk1"/>
+          </a:fontRef>
+        </p:style>
+        <p:txBody>
+          <a:bodyPr rtlCol="0" anchor="ctr"/>
+          <a:lstStyle/>
+          <a:p>
+            <a:pPr algn="ctr"/>
+            <a:r>
+              <a:rPr lang="en-GB" b="1" dirty="0" smtClean="0"/>
+              <a:t>Complete</a:t>
+            </a:r>
+            <a:endParaRPr lang="en-GB" b="1" dirty="0"/>
+          </a:p>
+        </p:txBody>
+      </p:sp>
+      <p:sp>
+        <p:nvSpPr>
+          <p:cNvPr id="30" name="Rectangle 29"/>
+          <p:cNvSpPr/>
+          <p:nvPr/>
+        </p:nvSpPr>
+        <p:spPr>
+          <a:xfrm>
+            <a:off x="5191241" y="2642540"/>
+            <a:ext cx="5186119" cy="3539950"/>
+          </a:xfrm>
+          <a:prstGeom prst="rect">
+            <a:avLst/>
+          </a:prstGeom>
+        </p:spPr>
+        <p:style>
+          <a:lnRef idx="2">
+            <a:schemeClr val="dk1"/>
+          </a:lnRef>
+          <a:fillRef idx="1">
+            <a:schemeClr val="lt1"/>
+          </a:fillRef>
+          <a:effectRef idx="0">
+            <a:schemeClr val="dk1"/>
+          </a:effectRef>
+          <a:fontRef idx="minor">
+            <a:schemeClr val="dk1"/>
+          </a:fontRef>
+        </p:style>
+        <p:txBody>
+          <a:bodyPr rtlCol="0" anchor="ctr"/>
+          <a:lstStyle/>
+          <a:p>
+            <a:pPr algn="ctr"/>
+            <a:endParaRPr lang="pl-PL"/>
+          </a:p>
+        </p:txBody>
+      </p:sp>
+      <p:sp>
+        <p:nvSpPr>
+          <p:cNvPr id="33" name="Rectangle 32"/>
+          <p:cNvSpPr/>
+          <p:nvPr/>
+        </p:nvSpPr>
+        <p:spPr>
+          <a:xfrm>
+            <a:off x="8822724" y="1908161"/>
+            <a:ext cx="1591317" cy="622207"/>
+          </a:xfrm>
+          <a:prstGeom prst="rect">
+            <a:avLst/>
+          </a:prstGeom>
+          <a:ln>
+            <a:solidFill>
+              <a:schemeClr val="tx1"/>
+            </a:solidFill>
+          </a:ln>
+        </p:spPr>
+        <p:style>
+          <a:lnRef idx="2">
+            <a:schemeClr val="dk1"/>
+          </a:lnRef>
+          <a:fillRef idx="1">
+            <a:schemeClr val="lt1"/>
+          </a:fillRef>
+          <a:effectRef idx="0">
+            <a:schemeClr val="dk1"/>
+          </a:effectRef>
+          <a:fontRef idx="minor">
+            <a:schemeClr val="dk1"/>
+          </a:fontRef>
+        </p:style>
+        <p:txBody>
+          <a:bodyPr rtlCol="0" anchor="ctr"/>
+          <a:lstStyle/>
+          <a:p>
+            <a:pPr algn="ctr"/>
+            <a:r>
+              <a:rPr lang="en-GB" b="1" dirty="0" smtClean="0"/>
+              <a:t>Abandon</a:t>
+            </a:r>
+            <a:endParaRPr lang="en-GB" b="1" dirty="0"/>
+          </a:p>
+        </p:txBody>
+      </p:sp>
+      <p:sp>
+        <p:nvSpPr>
+          <p:cNvPr id="3" name="Content Placeholder 2"/>
+          <p:cNvSpPr>
+            <a:spLocks noGrp="1"/>
+          </p:cNvSpPr>
+          <p:nvPr>
+            <p:ph idx="1"/>
+          </p:nvPr>
+        </p:nvSpPr>
+        <p:spPr>
+          <a:xfrm>
+            <a:off x="5155640" y="2909103"/>
+            <a:ext cx="5221720" cy="3350784"/>
+          </a:xfrm>
+        </p:spPr>
+        <p:txBody>
+          <a:bodyPr>
+            <a:normAutofit/>
+          </a:bodyPr>
+          <a:lstStyle/>
+          <a:p>
+            <a:pPr marL="0" indent="0" algn="ctr">
+              <a:buNone/>
+            </a:pPr>
+            <a:r>
+              <a:rPr lang="en-GB" sz="1800" dirty="0" smtClean="0"/>
+              <a:t>Details of the task will show up here</a:t>
+            </a:r>
+            <a:endParaRPr lang="en-GB" sz="1800" dirty="0" smtClean="0"/>
+          </a:p>
+        </p:txBody>
+      </p:sp>
+      <p:sp>
+        <p:nvSpPr>
+          <p:cNvPr id="36" name="Rectangle 35"/>
+          <p:cNvSpPr/>
+          <p:nvPr/>
+        </p:nvSpPr>
+        <p:spPr>
+          <a:xfrm>
+            <a:off x="3808117" y="2236990"/>
+            <a:ext cx="4931267" cy="2459865"/>
+          </a:xfrm>
+          <a:prstGeom prst="rect">
+            <a:avLst/>
+          </a:prstGeom>
+        </p:spPr>
+        <p:style>
+          <a:lnRef idx="2">
+            <a:schemeClr val="dk1"/>
+          </a:lnRef>
+          <a:fillRef idx="1">
+            <a:schemeClr val="lt1"/>
+          </a:fillRef>
+          <a:effectRef idx="0">
+            <a:schemeClr val="dk1"/>
+          </a:effectRef>
+          <a:fontRef idx="minor">
+            <a:schemeClr val="dk1"/>
+          </a:fontRef>
+        </p:style>
+        <p:txBody>
+          <a:bodyPr rtlCol="0" anchor="ctr"/>
+          <a:lstStyle/>
+          <a:p>
+            <a:pPr algn="ctr"/>
+            <a:endParaRPr lang="en-GB" dirty="0"/>
+          </a:p>
+        </p:txBody>
+      </p:sp>
+      <p:sp>
+        <p:nvSpPr>
+          <p:cNvPr id="37" name="TextBox 36"/>
+          <p:cNvSpPr txBox="1"/>
+          <p:nvPr/>
+        </p:nvSpPr>
+        <p:spPr>
+          <a:xfrm>
+            <a:off x="4693640" y="2945790"/>
+            <a:ext cx="2957514" cy="646331"/>
+          </a:xfrm>
+          <a:prstGeom prst="rect">
+            <a:avLst/>
+          </a:prstGeom>
+          <a:noFill/>
+        </p:spPr>
+        <p:txBody>
+          <a:bodyPr wrap="square" rtlCol="0">
+            <a:spAutoFit/>
+          </a:bodyPr>
+          <a:lstStyle/>
+          <a:p>
+            <a:pPr algn="ctr"/>
+            <a:r>
               <a:rPr lang="en-GB" dirty="0" smtClean="0"/>
-              <a:t>Will be a choice from a set list in the form of a drop down box</a:t>
+              <a:t>Are you sure you want to </a:t>
+            </a:r>
+            <a:r>
+              <a:rPr lang="en-GB" dirty="0" smtClean="0"/>
+              <a:t>abandon </a:t>
+            </a:r>
+            <a:r>
+              <a:rPr lang="en-GB" dirty="0" smtClean="0"/>
+              <a:t>this </a:t>
+            </a:r>
+            <a:r>
+              <a:rPr lang="en-GB" dirty="0" smtClean="0"/>
+              <a:t>task</a:t>
+            </a:r>
+            <a:r>
+              <a:rPr lang="en-GB" dirty="0" smtClean="0"/>
+              <a:t>?</a:t>
             </a:r>
             <a:endParaRPr lang="en-GB" dirty="0"/>
           </a:p>
@@ -5896,21 +5965,18 @@
       </p:sp>
       <p:cxnSp>
         <p:nvCxnSpPr>
-          <p:cNvPr id="17" name="Straight Arrow Connector 16"/>
+          <p:cNvPr id="38" name="Straight Connector 37"/>
           <p:cNvCxnSpPr/>
           <p:nvPr/>
         </p:nvCxnSpPr>
         <p:spPr>
-          <a:xfrm flipV="1">
-            <a:off x="2150772" y="3528811"/>
-            <a:ext cx="1316328" cy="25758"/>
-          </a:xfrm>
-          <a:prstGeom prst="straightConnector1">
-            <a:avLst/>
-          </a:prstGeom>
-          <a:ln>
-            <a:tailEnd type="triangle"/>
-          </a:ln>
+          <a:xfrm>
+            <a:off x="3823411" y="2609196"/>
+            <a:ext cx="4929221" cy="0"/>
+          </a:xfrm>
+          <a:prstGeom prst="line">
+            <a:avLst/>
+          </a:prstGeom>
         </p:spPr>
         <p:style>
           <a:lnRef idx="1">
@@ -5929,143 +5995,14 @@
       </p:cxnSp>
       <p:sp>
         <p:nvSpPr>
-          <p:cNvPr id="18" name="TextBox 17"/>
+          <p:cNvPr id="39" name="TextBox 38"/>
           <p:cNvSpPr txBox="1"/>
           <p:nvPr/>
         </p:nvSpPr>
         <p:spPr>
           <a:xfrm>
-            <a:off x="770586" y="3125730"/>
-            <a:ext cx="1390919" cy="1200329"/>
-          </a:xfrm>
-          <a:prstGeom prst="rect">
-            <a:avLst/>
-          </a:prstGeom>
-          <a:noFill/>
-        </p:spPr>
-        <p:txBody>
-          <a:bodyPr wrap="square" rtlCol="0">
-            <a:spAutoFit/>
-          </a:bodyPr>
-          <a:lstStyle/>
-          <a:p>
-            <a:r>
-              <a:rPr lang="en-GB" dirty="0" smtClean="0"/>
-              <a:t>Will be set to the format 00/00/0000</a:t>
-            </a:r>
-            <a:endParaRPr lang="en-GB" dirty="0"/>
-          </a:p>
-        </p:txBody>
-      </p:sp>
-      <p:sp>
-        <p:nvSpPr>
-          <p:cNvPr id="19" name="TextBox 18"/>
-          <p:cNvSpPr txBox="1"/>
-          <p:nvPr/>
-        </p:nvSpPr>
-        <p:spPr>
-          <a:xfrm>
-            <a:off x="10286664" y="2419350"/>
-            <a:ext cx="1613347" cy="3970318"/>
-          </a:xfrm>
-          <a:prstGeom prst="rect">
-            <a:avLst/>
-          </a:prstGeom>
-          <a:noFill/>
-        </p:spPr>
-        <p:txBody>
-          <a:bodyPr wrap="square" rtlCol="0">
-            <a:spAutoFit/>
-          </a:bodyPr>
-          <a:lstStyle/>
-          <a:p>
-            <a:r>
-              <a:rPr lang="en-GB" dirty="0" smtClean="0"/>
-              <a:t>Postcode Lookup will include a dropdown of all available addresses in the particular area. Once the user presses the chosen address it will auto fill the rest of the form</a:t>
-            </a:r>
-            <a:endParaRPr lang="en-GB" dirty="0"/>
-          </a:p>
-        </p:txBody>
-      </p:sp>
-      <p:cxnSp>
-        <p:nvCxnSpPr>
-          <p:cNvPr id="23" name="Straight Arrow Connector 22"/>
-          <p:cNvCxnSpPr>
-            <a:stCxn id="19" idx="1"/>
-            <a:endCxn id="11" idx="3"/>
-          </p:cNvCxnSpPr>
-          <p:nvPr/>
-        </p:nvCxnSpPr>
-        <p:spPr>
-          <a:xfrm flipH="1" flipV="1">
-            <a:off x="8043863" y="3471862"/>
-            <a:ext cx="2242801" cy="932647"/>
-          </a:xfrm>
-          <a:prstGeom prst="straightConnector1">
-            <a:avLst/>
-          </a:prstGeom>
-          <a:ln>
-            <a:tailEnd type="triangle"/>
-          </a:ln>
-        </p:spPr>
-        <p:style>
-          <a:lnRef idx="1">
-            <a:schemeClr val="dk1"/>
-          </a:lnRef>
-          <a:fillRef idx="0">
-            <a:schemeClr val="dk1"/>
-          </a:fillRef>
-          <a:effectRef idx="0">
-            <a:schemeClr val="dk1"/>
-          </a:effectRef>
-          <a:fontRef idx="minor">
-            <a:schemeClr val="tx1"/>
-          </a:fontRef>
-        </p:style>
-      </p:cxnSp>
-      <p:cxnSp>
-        <p:nvCxnSpPr>
-          <p:cNvPr id="27" name="Straight Arrow Connector 26"/>
-          <p:cNvCxnSpPr/>
-          <p:nvPr/>
-        </p:nvCxnSpPr>
-        <p:spPr>
-          <a:xfrm flipH="1">
-            <a:off x="5557837" y="699315"/>
-            <a:ext cx="1281113" cy="1720035"/>
-          </a:xfrm>
-          <a:prstGeom prst="straightConnector1">
-            <a:avLst/>
-          </a:prstGeom>
-          <a:ln>
-            <a:tailEnd type="triangle"/>
-          </a:ln>
-        </p:spPr>
-        <p:style>
-          <a:lnRef idx="1">
-            <a:schemeClr val="dk1"/>
-          </a:lnRef>
-          <a:fillRef idx="0">
-            <a:schemeClr val="dk1"/>
-          </a:fillRef>
-          <a:effectRef idx="0">
-            <a:schemeClr val="dk1"/>
-          </a:effectRef>
-          <a:fontRef idx="minor">
-            <a:schemeClr val="tx1"/>
-          </a:fontRef>
-        </p:style>
-      </p:cxnSp>
-      <p:sp>
-        <p:nvSpPr>
-          <p:cNvPr id="28" name="TextBox 27"/>
-          <p:cNvSpPr txBox="1"/>
-          <p:nvPr/>
-        </p:nvSpPr>
-        <p:spPr>
-          <a:xfrm>
-            <a:off x="5875784" y="385408"/>
-            <a:ext cx="3464282" cy="369332"/>
+            <a:off x="5747003" y="2255303"/>
+            <a:ext cx="1053494" cy="369332"/>
           </a:xfrm>
           <a:prstGeom prst="rect">
             <a:avLst/>
@@ -6080,7 +6017,7 @@
           <a:p>
             <a:r>
               <a:rPr lang="en-GB" dirty="0" smtClean="0"/>
-              <a:t>Error trapping to only allow letters.</a:t>
+              <a:t>Warning!</a:t>
             </a:r>
             <a:endParaRPr lang="en-GB" dirty="0"/>
           </a:p>
@@ -6088,430 +6025,92 @@
       </p:sp>
       <p:sp>
         <p:nvSpPr>
-          <p:cNvPr id="29" name="TextBox 28"/>
-          <p:cNvSpPr txBox="1"/>
-          <p:nvPr/>
-        </p:nvSpPr>
-        <p:spPr>
-          <a:xfrm>
-            <a:off x="9696451" y="876386"/>
-            <a:ext cx="2363028" cy="1200329"/>
-          </a:xfrm>
-          <a:prstGeom prst="rect">
-            <a:avLst/>
-          </a:prstGeom>
-          <a:noFill/>
-        </p:spPr>
-        <p:txBody>
-          <a:bodyPr wrap="square" rtlCol="0">
-            <a:spAutoFit/>
-          </a:bodyPr>
-          <a:lstStyle/>
-          <a:p>
-            <a:r>
-              <a:rPr lang="en-GB" dirty="0" smtClean="0"/>
-              <a:t>Error trapping to only allow letters. (and hyphen for some surnames)</a:t>
-            </a:r>
-            <a:endParaRPr lang="en-GB" dirty="0"/>
-          </a:p>
-        </p:txBody>
-      </p:sp>
-      <p:cxnSp>
-        <p:nvCxnSpPr>
-          <p:cNvPr id="32" name="Straight Arrow Connector 31"/>
-          <p:cNvCxnSpPr/>
-          <p:nvPr/>
-        </p:nvCxnSpPr>
-        <p:spPr>
-          <a:xfrm flipH="1">
-            <a:off x="8258175" y="1476550"/>
-            <a:ext cx="1438274" cy="1133300"/>
-          </a:xfrm>
-          <a:prstGeom prst="straightConnector1">
-            <a:avLst/>
-          </a:prstGeom>
-          <a:ln>
-            <a:tailEnd type="triangle"/>
-          </a:ln>
+          <p:cNvPr id="40" name="Rectangle 39"/>
+          <p:cNvSpPr/>
+          <p:nvPr/>
+        </p:nvSpPr>
+        <p:spPr>
+          <a:xfrm>
+            <a:off x="4249152" y="3831688"/>
+            <a:ext cx="1497851" cy="433388"/>
+          </a:xfrm>
+          <a:prstGeom prst="rect">
+            <a:avLst/>
+          </a:prstGeom>
         </p:spPr>
         <p:style>
-          <a:lnRef idx="1">
+          <a:lnRef idx="2">
             <a:schemeClr val="dk1"/>
           </a:lnRef>
-          <a:fillRef idx="0">
-            <a:schemeClr val="dk1"/>
+          <a:fillRef idx="1">
+            <a:schemeClr val="lt1"/>
           </a:fillRef>
           <a:effectRef idx="0">
             <a:schemeClr val="dk1"/>
           </a:effectRef>
           <a:fontRef idx="minor">
-            <a:schemeClr val="tx1"/>
+            <a:schemeClr val="dk1"/>
           </a:fontRef>
         </p:style>
-      </p:cxnSp>
-      <p:cxnSp>
-        <p:nvCxnSpPr>
-          <p:cNvPr id="34" name="Straight Arrow Connector 33"/>
-          <p:cNvCxnSpPr>
-            <a:stCxn id="18" idx="3"/>
-            <a:endCxn id="13" idx="1"/>
-          </p:cNvCxnSpPr>
-          <p:nvPr/>
-        </p:nvCxnSpPr>
-        <p:spPr>
-          <a:xfrm>
-            <a:off x="2161505" y="3725895"/>
-            <a:ext cx="2048546" cy="409664"/>
-          </a:xfrm>
-          <a:prstGeom prst="straightConnector1">
-            <a:avLst/>
-          </a:prstGeom>
-          <a:ln>
-            <a:tailEnd type="triangle"/>
-          </a:ln>
+        <p:txBody>
+          <a:bodyPr rtlCol="0" anchor="ctr"/>
+          <a:lstStyle/>
+          <a:p>
+            <a:pPr algn="ctr"/>
+            <a:r>
+              <a:rPr lang="en-GB" dirty="0" smtClean="0"/>
+              <a:t>Yes</a:t>
+            </a:r>
+            <a:endParaRPr lang="en-GB" dirty="0"/>
+          </a:p>
+        </p:txBody>
+      </p:sp>
+      <p:sp>
+        <p:nvSpPr>
+          <p:cNvPr id="41" name="Rectangle 40"/>
+          <p:cNvSpPr/>
+          <p:nvPr/>
+        </p:nvSpPr>
+        <p:spPr>
+          <a:xfrm>
+            <a:off x="6535164" y="3831688"/>
+            <a:ext cx="1497851" cy="433388"/>
+          </a:xfrm>
+          <a:prstGeom prst="rect">
+            <a:avLst/>
+          </a:prstGeom>
         </p:spPr>
         <p:style>
-          <a:lnRef idx="1">
+          <a:lnRef idx="2">
             <a:schemeClr val="dk1"/>
           </a:lnRef>
-          <a:fillRef idx="0">
-            <a:schemeClr val="dk1"/>
+          <a:fillRef idx="1">
+            <a:schemeClr val="lt1"/>
           </a:fillRef>
           <a:effectRef idx="0">
             <a:schemeClr val="dk1"/>
           </a:effectRef>
           <a:fontRef idx="minor">
-            <a:schemeClr val="tx1"/>
+            <a:schemeClr val="dk1"/>
           </a:fontRef>
         </p:style>
-      </p:cxnSp>
-      <p:sp>
-        <p:nvSpPr>
-          <p:cNvPr id="35" name="TextBox 34"/>
-          <p:cNvSpPr txBox="1"/>
-          <p:nvPr/>
-        </p:nvSpPr>
-        <p:spPr>
-          <a:xfrm>
-            <a:off x="6602234" y="6042994"/>
-            <a:ext cx="3464282" cy="369332"/>
-          </a:xfrm>
-          <a:prstGeom prst="rect">
-            <a:avLst/>
-          </a:prstGeom>
-          <a:noFill/>
-        </p:spPr>
-        <p:txBody>
-          <a:bodyPr wrap="none" rtlCol="0">
-            <a:spAutoFit/>
-          </a:bodyPr>
-          <a:lstStyle/>
-          <a:p>
+        <p:txBody>
+          <a:bodyPr rtlCol="0" anchor="ctr"/>
+          <a:lstStyle/>
+          <a:p>
+            <a:pPr algn="ctr"/>
             <a:r>
               <a:rPr lang="en-GB" dirty="0" smtClean="0"/>
-              <a:t>Error trapping to only allow letters.</a:t>
+              <a:t>No</a:t>
             </a:r>
             <a:endParaRPr lang="en-GB" dirty="0"/>
-          </a:p>
-        </p:txBody>
-      </p:sp>
-      <p:cxnSp>
-        <p:nvCxnSpPr>
-          <p:cNvPr id="37" name="Straight Arrow Connector 36"/>
-          <p:cNvCxnSpPr>
-            <a:stCxn id="35" idx="0"/>
-          </p:cNvCxnSpPr>
-          <p:nvPr/>
-        </p:nvCxnSpPr>
-        <p:spPr>
-          <a:xfrm flipH="1" flipV="1">
-            <a:off x="7607925" y="4286250"/>
-            <a:ext cx="726450" cy="1756744"/>
-          </a:xfrm>
-          <a:prstGeom prst="straightConnector1">
-            <a:avLst/>
-          </a:prstGeom>
-          <a:ln>
-            <a:tailEnd type="triangle"/>
-          </a:ln>
-        </p:spPr>
-        <p:style>
-          <a:lnRef idx="1">
-            <a:schemeClr val="dk1"/>
-          </a:lnRef>
-          <a:fillRef idx="0">
-            <a:schemeClr val="dk1"/>
-          </a:fillRef>
-          <a:effectRef idx="0">
-            <a:schemeClr val="dk1"/>
-          </a:effectRef>
-          <a:fontRef idx="minor">
-            <a:schemeClr val="tx1"/>
-          </a:fontRef>
-        </p:style>
-      </p:cxnSp>
-      <p:cxnSp>
-        <p:nvCxnSpPr>
-          <p:cNvPr id="39" name="Straight Arrow Connector 38"/>
-          <p:cNvCxnSpPr/>
-          <p:nvPr/>
-        </p:nvCxnSpPr>
-        <p:spPr>
-          <a:xfrm flipV="1">
-            <a:off x="4969565" y="5105398"/>
-            <a:ext cx="1555060" cy="937596"/>
-          </a:xfrm>
-          <a:prstGeom prst="straightConnector1">
-            <a:avLst/>
-          </a:prstGeom>
-          <a:ln>
-            <a:tailEnd type="triangle"/>
-          </a:ln>
-        </p:spPr>
-        <p:style>
-          <a:lnRef idx="1">
-            <a:schemeClr val="dk1"/>
-          </a:lnRef>
-          <a:fillRef idx="0">
-            <a:schemeClr val="dk1"/>
-          </a:fillRef>
-          <a:effectRef idx="0">
-            <a:schemeClr val="dk1"/>
-          </a:effectRef>
-          <a:fontRef idx="minor">
-            <a:schemeClr val="tx1"/>
-          </a:fontRef>
-        </p:style>
-      </p:cxnSp>
-      <p:sp>
-        <p:nvSpPr>
-          <p:cNvPr id="40" name="TextBox 39"/>
-          <p:cNvSpPr txBox="1"/>
-          <p:nvPr/>
-        </p:nvSpPr>
-        <p:spPr>
-          <a:xfrm>
-            <a:off x="2548797" y="5978853"/>
-            <a:ext cx="3982309" cy="369332"/>
-          </a:xfrm>
-          <a:prstGeom prst="rect">
-            <a:avLst/>
-          </a:prstGeom>
-          <a:noFill/>
-        </p:spPr>
-        <p:txBody>
-          <a:bodyPr wrap="none" rtlCol="0">
-            <a:spAutoFit/>
-          </a:bodyPr>
-          <a:lstStyle/>
-          <a:p>
-            <a:r>
-              <a:rPr lang="en-GB" dirty="0" smtClean="0"/>
-              <a:t>Once clicked, it will open a new window</a:t>
-            </a:r>
-            <a:endParaRPr lang="en-GB" dirty="0"/>
-          </a:p>
-        </p:txBody>
-      </p:sp>
-      <p:sp>
-        <p:nvSpPr>
-          <p:cNvPr id="41" name="Rectangle 40"/>
-          <p:cNvSpPr/>
-          <p:nvPr/>
-        </p:nvSpPr>
-        <p:spPr>
-          <a:xfrm>
-            <a:off x="0" y="4643733"/>
-            <a:ext cx="3086099" cy="1015663"/>
-          </a:xfrm>
-          <a:prstGeom prst="rect">
-            <a:avLst/>
-          </a:prstGeom>
-          <a:noFill/>
-        </p:spPr>
-        <p:txBody>
-          <a:bodyPr wrap="square" lIns="91440" tIns="45720" rIns="91440" bIns="45720">
-            <a:spAutoFit/>
-          </a:bodyPr>
-          <a:lstStyle/>
-          <a:p>
-            <a:pPr algn="ctr"/>
-            <a:r>
-              <a:rPr lang="en-US" sz="3000" b="0" cap="none" spc="0" dirty="0" smtClean="0">
-                <a:ln w="0"/>
-                <a:solidFill>
-                  <a:schemeClr val="tx1"/>
-                </a:solidFill>
-                <a:effectLst>
-                  <a:outerShdw blurRad="38100" dist="19050" dir="2700000" algn="tl" rotWithShape="0">
-                    <a:schemeClr val="dk1">
-                      <a:alpha val="40000"/>
-                    </a:schemeClr>
-                  </a:outerShdw>
-                </a:effectLst>
-              </a:rPr>
-              <a:t>View user/change details</a:t>
-            </a:r>
-            <a:endParaRPr lang="en-US" sz="3000" b="0" cap="none" spc="0" dirty="0">
-              <a:ln w="0"/>
-              <a:solidFill>
-                <a:schemeClr val="tx1"/>
-              </a:solidFill>
-              <a:effectLst>
-                <a:outerShdw blurRad="38100" dist="19050" dir="2700000" algn="tl" rotWithShape="0">
-                  <a:schemeClr val="dk1">
-                    <a:alpha val="40000"/>
-                  </a:schemeClr>
-                </a:outerShdw>
-              </a:effectLst>
-            </a:endParaRPr>
-          </a:p>
-        </p:txBody>
-      </p:sp>
-      <p:sp>
-        <p:nvSpPr>
-          <p:cNvPr id="42" name="Rectangle 41"/>
-          <p:cNvSpPr/>
-          <p:nvPr/>
-        </p:nvSpPr>
-        <p:spPr>
-          <a:xfrm>
-            <a:off x="3357026" y="4606957"/>
-            <a:ext cx="2019300" cy="498353"/>
-          </a:xfrm>
-          <a:prstGeom prst="rect">
-            <a:avLst/>
-          </a:prstGeom>
-          <a:solidFill>
-            <a:schemeClr val="bg1"/>
-          </a:solidFill>
-          <a:ln>
-            <a:solidFill>
-              <a:schemeClr val="tx1"/>
-            </a:solidFill>
-          </a:ln>
-        </p:spPr>
-        <p:style>
-          <a:lnRef idx="2">
-            <a:schemeClr val="accent1">
-              <a:shade val="50000"/>
-            </a:schemeClr>
-          </a:lnRef>
-          <a:fillRef idx="1">
-            <a:schemeClr val="accent1"/>
-          </a:fillRef>
-          <a:effectRef idx="0">
-            <a:schemeClr val="accent1"/>
-          </a:effectRef>
-          <a:fontRef idx="minor">
-            <a:schemeClr val="lt1"/>
-          </a:fontRef>
-        </p:style>
-        <p:txBody>
-          <a:bodyPr rtlCol="0" anchor="ctr"/>
-          <a:lstStyle/>
-          <a:p>
-            <a:pPr algn="ctr"/>
-            <a:r>
-              <a:rPr lang="en-GB" dirty="0" smtClean="0">
-                <a:ln>
-                  <a:solidFill>
-                    <a:sysClr val="windowText" lastClr="000000"/>
-                  </a:solidFill>
-                </a:ln>
-                <a:solidFill>
-                  <a:schemeClr val="tx1"/>
-                </a:solidFill>
-              </a:rPr>
-              <a:t>Delete user</a:t>
-            </a:r>
-            <a:endParaRPr lang="en-GB" dirty="0">
-              <a:ln>
-                <a:solidFill>
-                  <a:sysClr val="windowText" lastClr="000000"/>
-                </a:solidFill>
-              </a:ln>
-              <a:solidFill>
-                <a:schemeClr val="tx1"/>
-              </a:solidFill>
-            </a:endParaRPr>
-          </a:p>
-        </p:txBody>
-      </p:sp>
-      <p:sp>
-        <p:nvSpPr>
-          <p:cNvPr id="43" name="Rectangle 42"/>
-          <p:cNvSpPr/>
-          <p:nvPr/>
-        </p:nvSpPr>
-        <p:spPr>
-          <a:xfrm>
-            <a:off x="7570363" y="4602954"/>
-            <a:ext cx="2019300" cy="498353"/>
-          </a:xfrm>
-          <a:prstGeom prst="rect">
-            <a:avLst/>
-          </a:prstGeom>
-          <a:solidFill>
-            <a:schemeClr val="bg1"/>
-          </a:solidFill>
-          <a:ln>
-            <a:solidFill>
-              <a:schemeClr val="tx1"/>
-            </a:solidFill>
-          </a:ln>
-        </p:spPr>
-        <p:style>
-          <a:lnRef idx="2">
-            <a:schemeClr val="accent1">
-              <a:shade val="50000"/>
-            </a:schemeClr>
-          </a:lnRef>
-          <a:fillRef idx="1">
-            <a:schemeClr val="accent1"/>
-          </a:fillRef>
-          <a:effectRef idx="0">
-            <a:schemeClr val="accent1"/>
-          </a:effectRef>
-          <a:fontRef idx="minor">
-            <a:schemeClr val="lt1"/>
-          </a:fontRef>
-        </p:style>
-        <p:txBody>
-          <a:bodyPr rtlCol="0" anchor="ctr"/>
-          <a:lstStyle/>
-          <a:p>
-            <a:pPr algn="ctr"/>
-            <a:r>
-              <a:rPr lang="en-GB" dirty="0" smtClean="0">
-                <a:ln>
-                  <a:solidFill>
-                    <a:sysClr val="windowText" lastClr="000000"/>
-                  </a:solidFill>
-                </a:ln>
-                <a:solidFill>
-                  <a:schemeClr val="tx1"/>
-                </a:solidFill>
-              </a:rPr>
-              <a:t>Add new user</a:t>
-            </a:r>
-            <a:endParaRPr lang="en-GB" dirty="0">
-              <a:ln>
-                <a:solidFill>
-                  <a:sysClr val="windowText" lastClr="000000"/>
-                </a:solidFill>
-              </a:ln>
-              <a:solidFill>
-                <a:schemeClr val="tx1"/>
-              </a:solidFill>
-            </a:endParaRPr>
           </a:p>
         </p:txBody>
       </p:sp>
     </p:spTree>
     <p:extLst>
       <p:ext uri="{BB962C8B-B14F-4D97-AF65-F5344CB8AC3E}">
-        <p14:creationId xmlns:p14="http://schemas.microsoft.com/office/powerpoint/2010/main" val="4102877442"/>
+        <p14:creationId xmlns:p14="http://schemas.microsoft.com/office/powerpoint/2010/main" val="2886209069"/>
       </p:ext>
     </p:extLst>
   </p:cSld>
@@ -6540,13 +6139,13 @@
       </p:grpSpPr>
       <p:sp>
         <p:nvSpPr>
-          <p:cNvPr id="5" name="Rectangle 4"/>
+          <p:cNvPr id="4" name="Rectangle 3"/>
           <p:cNvSpPr/>
           <p:nvPr/>
         </p:nvSpPr>
         <p:spPr>
           <a:xfrm>
-            <a:off x="2983069" y="907693"/>
+            <a:off x="3086100" y="933450"/>
             <a:ext cx="6610350" cy="4476750"/>
           </a:xfrm>
           <a:prstGeom prst="rect">
@@ -6588,7 +6187,7 @@
       </p:sp>
       <p:sp>
         <p:nvSpPr>
-          <p:cNvPr id="6" name="Rectangle 5"/>
+          <p:cNvPr id="5" name="Rectangle 4"/>
           <p:cNvSpPr/>
           <p:nvPr/>
         </p:nvSpPr>
@@ -6636,7 +6235,7 @@
                   <a:schemeClr val="tx1"/>
                 </a:solidFill>
               </a:rPr>
-              <a:t>User ID </a:t>
+              <a:t>Username &amp; ID</a:t>
             </a:r>
             <a:endParaRPr lang="en-GB" dirty="0">
               <a:solidFill>
@@ -6648,14 +6247,14 @@
       </p:sp>
       <p:sp>
         <p:nvSpPr>
-          <p:cNvPr id="7" name="Rectangle 6"/>
+          <p:cNvPr id="6" name="Rectangle 5"/>
           <p:cNvSpPr/>
           <p:nvPr/>
         </p:nvSpPr>
         <p:spPr>
           <a:xfrm>
-            <a:off x="4210050" y="2216507"/>
-            <a:ext cx="4572000" cy="1830142"/>
+            <a:off x="3467100" y="2419350"/>
+            <a:ext cx="742950" cy="381000"/>
           </a:xfrm>
           <a:prstGeom prst="rect">
             <a:avLst/>
@@ -6692,13 +6291,23 @@
             <a:pPr algn="ctr"/>
             <a:r>
               <a:rPr lang="en-GB" dirty="0" smtClean="0">
+                <a:ln>
+                  <a:solidFill>
+                    <a:sysClr val="windowText" lastClr="000000"/>
+                  </a:solidFill>
+                </a:ln>
                 <a:solidFill>
                   <a:schemeClr val="tx1"/>
                 </a:solidFill>
               </a:rPr>
-              <a:t>Please choose a reason for detail change </a:t>
+              <a:t>Title</a:t>
             </a:r>
             <a:endParaRPr lang="en-GB" dirty="0">
+              <a:ln>
+                <a:solidFill>
+                  <a:sysClr val="windowText" lastClr="000000"/>
+                </a:solidFill>
+              </a:ln>
               <a:solidFill>
                 <a:schemeClr val="tx1"/>
               </a:solidFill>
@@ -6708,14 +6317,14 @@
       </p:sp>
       <p:sp>
         <p:nvSpPr>
-          <p:cNvPr id="8" name="TextBox 7"/>
-          <p:cNvSpPr txBox="1"/>
-          <p:nvPr/>
-        </p:nvSpPr>
-        <p:spPr>
-          <a:xfrm>
-            <a:off x="7894749" y="4185634"/>
-            <a:ext cx="772733" cy="369332"/>
+          <p:cNvPr id="7" name="Rectangle 6"/>
+          <p:cNvSpPr/>
+          <p:nvPr/>
+        </p:nvSpPr>
+        <p:spPr>
+          <a:xfrm>
+            <a:off x="4819650" y="2419350"/>
+            <a:ext cx="1409700" cy="381000"/>
           </a:xfrm>
           <a:prstGeom prst="rect">
             <a:avLst/>
@@ -6729,30 +6338,63 @@
             </a:solidFill>
           </a:ln>
         </p:spPr>
-        <p:txBody>
-          <a:bodyPr wrap="square" rtlCol="0">
-            <a:spAutoFit/>
-          </a:bodyPr>
-          <a:lstStyle/>
-          <a:p>
-            <a:r>
-              <a:rPr lang="en-GB" dirty="0" smtClean="0"/>
-              <a:t>Save</a:t>
-            </a:r>
-            <a:endParaRPr lang="en-GB" dirty="0"/>
-          </a:p>
-        </p:txBody>
-      </p:sp>
-      <p:sp>
-        <p:nvSpPr>
-          <p:cNvPr id="9" name="TextBox 8"/>
-          <p:cNvSpPr txBox="1"/>
-          <p:nvPr/>
-        </p:nvSpPr>
-        <p:spPr>
-          <a:xfrm>
-            <a:off x="6722772" y="4185634"/>
-            <a:ext cx="1018773" cy="369332"/>
+        <p:style>
+          <a:lnRef idx="2">
+            <a:schemeClr val="accent1">
+              <a:shade val="50000"/>
+            </a:schemeClr>
+          </a:lnRef>
+          <a:fillRef idx="1">
+            <a:schemeClr val="accent1"/>
+          </a:fillRef>
+          <a:effectRef idx="0">
+            <a:schemeClr val="accent1"/>
+          </a:effectRef>
+          <a:fontRef idx="minor">
+            <a:schemeClr val="lt1"/>
+          </a:fontRef>
+        </p:style>
+        <p:txBody>
+          <a:bodyPr rtlCol="0" anchor="ctr"/>
+          <a:lstStyle/>
+          <a:p>
+            <a:pPr algn="ctr"/>
+            <a:r>
+              <a:rPr lang="en-GB" dirty="0" smtClean="0">
+                <a:ln>
+                  <a:solidFill>
+                    <a:sysClr val="windowText" lastClr="000000"/>
+                  </a:solidFill>
+                </a:ln>
+                <a:solidFill>
+                  <a:schemeClr val="tx1"/>
+                </a:solidFill>
+              </a:rPr>
+              <a:t>First Name</a:t>
+            </a:r>
+            <a:endParaRPr lang="en-GB" dirty="0">
+              <a:ln>
+                <a:solidFill>
+                  <a:sysClr val="windowText" lastClr="000000"/>
+                </a:solidFill>
+              </a:ln>
+              <a:solidFill>
+                <a:schemeClr val="tx1"/>
+              </a:solidFill>
+            </a:endParaRPr>
+          </a:p>
+        </p:txBody>
+      </p:sp>
+      <p:sp>
+        <p:nvSpPr>
+          <p:cNvPr id="8" name="Rectangle 7"/>
+          <p:cNvSpPr/>
+          <p:nvPr/>
+        </p:nvSpPr>
+        <p:spPr>
+          <a:xfrm>
+            <a:off x="6838950" y="2419350"/>
+            <a:ext cx="1409700" cy="361950"/>
           </a:xfrm>
           <a:prstGeom prst="rect">
             <a:avLst/>
@@ -6766,32 +6408,553 @@
             </a:solidFill>
           </a:ln>
         </p:spPr>
-        <p:txBody>
-          <a:bodyPr wrap="square" rtlCol="0">
-            <a:spAutoFit/>
-          </a:bodyPr>
-          <a:lstStyle/>
-          <a:p>
-            <a:r>
-              <a:rPr lang="en-GB" dirty="0" smtClean="0"/>
-              <a:t>Cancel</a:t>
-            </a:r>
-            <a:endParaRPr lang="en-GB" dirty="0"/>
+        <p:style>
+          <a:lnRef idx="2">
+            <a:schemeClr val="accent1">
+              <a:shade val="50000"/>
+            </a:schemeClr>
+          </a:lnRef>
+          <a:fillRef idx="1">
+            <a:schemeClr val="accent1"/>
+          </a:fillRef>
+          <a:effectRef idx="0">
+            <a:schemeClr val="accent1"/>
+          </a:effectRef>
+          <a:fontRef idx="minor">
+            <a:schemeClr val="lt1"/>
+          </a:fontRef>
+        </p:style>
+        <p:txBody>
+          <a:bodyPr rtlCol="0" anchor="ctr"/>
+          <a:lstStyle/>
+          <a:p>
+            <a:pPr algn="ctr"/>
+            <a:r>
+              <a:rPr lang="en-GB" dirty="0" smtClean="0">
+                <a:ln>
+                  <a:solidFill>
+                    <a:sysClr val="windowText" lastClr="000000"/>
+                  </a:solidFill>
+                </a:ln>
+                <a:solidFill>
+                  <a:schemeClr val="tx1"/>
+                </a:solidFill>
+              </a:rPr>
+              <a:t>Surname </a:t>
+            </a:r>
+            <a:endParaRPr lang="en-GB" dirty="0">
+              <a:ln>
+                <a:solidFill>
+                  <a:sysClr val="windowText" lastClr="000000"/>
+                </a:solidFill>
+              </a:ln>
+              <a:solidFill>
+                <a:schemeClr val="tx1"/>
+              </a:solidFill>
+            </a:endParaRPr>
+          </a:p>
+        </p:txBody>
+      </p:sp>
+      <p:sp>
+        <p:nvSpPr>
+          <p:cNvPr id="9" name="Rectangle 8"/>
+          <p:cNvSpPr/>
+          <p:nvPr/>
+        </p:nvSpPr>
+        <p:spPr>
+          <a:xfrm>
+            <a:off x="3467100" y="3314699"/>
+            <a:ext cx="742950" cy="381000"/>
+          </a:xfrm>
+          <a:prstGeom prst="rect">
+            <a:avLst/>
+          </a:prstGeom>
+          <a:solidFill>
+            <a:schemeClr val="bg1"/>
+          </a:solidFill>
+          <a:ln>
+            <a:solidFill>
+              <a:schemeClr val="tx1"/>
+            </a:solidFill>
+          </a:ln>
+        </p:spPr>
+        <p:style>
+          <a:lnRef idx="2">
+            <a:schemeClr val="accent1">
+              <a:shade val="50000"/>
+            </a:schemeClr>
+          </a:lnRef>
+          <a:fillRef idx="1">
+            <a:schemeClr val="accent1"/>
+          </a:fillRef>
+          <a:effectRef idx="0">
+            <a:schemeClr val="accent1"/>
+          </a:effectRef>
+          <a:fontRef idx="minor">
+            <a:schemeClr val="lt1"/>
+          </a:fontRef>
+        </p:style>
+        <p:txBody>
+          <a:bodyPr rtlCol="0" anchor="ctr"/>
+          <a:lstStyle/>
+          <a:p>
+            <a:pPr algn="ctr"/>
+            <a:r>
+              <a:rPr lang="en-GB" dirty="0" smtClean="0">
+                <a:ln>
+                  <a:solidFill>
+                    <a:sysClr val="windowText" lastClr="000000"/>
+                  </a:solidFill>
+                </a:ln>
+                <a:solidFill>
+                  <a:schemeClr val="tx1"/>
+                </a:solidFill>
+              </a:rPr>
+              <a:t>D.O.B</a:t>
+            </a:r>
+            <a:endParaRPr lang="en-GB" dirty="0">
+              <a:ln>
+                <a:solidFill>
+                  <a:sysClr val="windowText" lastClr="000000"/>
+                </a:solidFill>
+              </a:ln>
+              <a:solidFill>
+                <a:schemeClr val="tx1"/>
+              </a:solidFill>
+            </a:endParaRPr>
+          </a:p>
+        </p:txBody>
+      </p:sp>
+      <p:sp>
+        <p:nvSpPr>
+          <p:cNvPr id="10" name="Rectangle 9"/>
+          <p:cNvSpPr/>
+          <p:nvPr/>
+        </p:nvSpPr>
+        <p:spPr>
+          <a:xfrm>
+            <a:off x="4591050" y="3290887"/>
+            <a:ext cx="1933575" cy="390525"/>
+          </a:xfrm>
+          <a:prstGeom prst="rect">
+            <a:avLst/>
+          </a:prstGeom>
+          <a:solidFill>
+            <a:schemeClr val="bg1"/>
+          </a:solidFill>
+          <a:ln>
+            <a:solidFill>
+              <a:schemeClr val="tx1"/>
+            </a:solidFill>
+          </a:ln>
+        </p:spPr>
+        <p:style>
+          <a:lnRef idx="2">
+            <a:schemeClr val="accent1">
+              <a:shade val="50000"/>
+            </a:schemeClr>
+          </a:lnRef>
+          <a:fillRef idx="1">
+            <a:schemeClr val="accent1"/>
+          </a:fillRef>
+          <a:effectRef idx="0">
+            <a:schemeClr val="accent1"/>
+          </a:effectRef>
+          <a:fontRef idx="minor">
+            <a:schemeClr val="lt1"/>
+          </a:fontRef>
+        </p:style>
+        <p:txBody>
+          <a:bodyPr rtlCol="0" anchor="ctr"/>
+          <a:lstStyle/>
+          <a:p>
+            <a:pPr algn="ctr"/>
+            <a:r>
+              <a:rPr lang="en-GB" dirty="0" smtClean="0">
+                <a:ln>
+                  <a:solidFill>
+                    <a:sysClr val="windowText" lastClr="000000"/>
+                  </a:solidFill>
+                </a:ln>
+                <a:solidFill>
+                  <a:schemeClr val="tx1"/>
+                </a:solidFill>
+              </a:rPr>
+              <a:t>Address Line 1</a:t>
+            </a:r>
+            <a:endParaRPr lang="en-GB" dirty="0">
+              <a:ln>
+                <a:solidFill>
+                  <a:sysClr val="windowText" lastClr="000000"/>
+                </a:solidFill>
+              </a:ln>
+              <a:solidFill>
+                <a:schemeClr val="tx1"/>
+              </a:solidFill>
+            </a:endParaRPr>
+          </a:p>
+        </p:txBody>
+      </p:sp>
+      <p:sp>
+        <p:nvSpPr>
+          <p:cNvPr id="11" name="Rectangle 10"/>
+          <p:cNvSpPr/>
+          <p:nvPr/>
+        </p:nvSpPr>
+        <p:spPr>
+          <a:xfrm>
+            <a:off x="6738937" y="3290887"/>
+            <a:ext cx="1304926" cy="361950"/>
+          </a:xfrm>
+          <a:prstGeom prst="rect">
+            <a:avLst/>
+          </a:prstGeom>
+          <a:solidFill>
+            <a:schemeClr val="bg1"/>
+          </a:solidFill>
+          <a:ln>
+            <a:solidFill>
+              <a:schemeClr val="tx1"/>
+            </a:solidFill>
+          </a:ln>
+        </p:spPr>
+        <p:style>
+          <a:lnRef idx="2">
+            <a:schemeClr val="accent1">
+              <a:shade val="50000"/>
+            </a:schemeClr>
+          </a:lnRef>
+          <a:fillRef idx="1">
+            <a:schemeClr val="accent1"/>
+          </a:fillRef>
+          <a:effectRef idx="0">
+            <a:schemeClr val="accent1"/>
+          </a:effectRef>
+          <a:fontRef idx="minor">
+            <a:schemeClr val="lt1"/>
+          </a:fontRef>
+        </p:style>
+        <p:txBody>
+          <a:bodyPr rtlCol="0" anchor="ctr"/>
+          <a:lstStyle/>
+          <a:p>
+            <a:pPr algn="ctr"/>
+            <a:r>
+              <a:rPr lang="en-GB" dirty="0" smtClean="0">
+                <a:ln>
+                  <a:solidFill>
+                    <a:sysClr val="windowText" lastClr="000000"/>
+                  </a:solidFill>
+                </a:ln>
+                <a:solidFill>
+                  <a:schemeClr val="tx1"/>
+                </a:solidFill>
+              </a:rPr>
+              <a:t>Postcode </a:t>
+            </a:r>
+            <a:endParaRPr lang="en-GB" dirty="0">
+              <a:ln>
+                <a:solidFill>
+                  <a:sysClr val="windowText" lastClr="000000"/>
+                </a:solidFill>
+              </a:ln>
+              <a:solidFill>
+                <a:schemeClr val="tx1"/>
+              </a:solidFill>
+            </a:endParaRPr>
+          </a:p>
+        </p:txBody>
+      </p:sp>
+      <p:sp>
+        <p:nvSpPr>
+          <p:cNvPr id="12" name="Rectangle 11"/>
+          <p:cNvSpPr/>
+          <p:nvPr/>
+        </p:nvSpPr>
+        <p:spPr>
+          <a:xfrm>
+            <a:off x="8334375" y="3240880"/>
+            <a:ext cx="1071562" cy="490537"/>
+          </a:xfrm>
+          <a:prstGeom prst="rect">
+            <a:avLst/>
+          </a:prstGeom>
+          <a:solidFill>
+            <a:schemeClr val="bg1"/>
+          </a:solidFill>
+          <a:ln>
+            <a:solidFill>
+              <a:schemeClr val="tx1"/>
+            </a:solidFill>
+          </a:ln>
+        </p:spPr>
+        <p:style>
+          <a:lnRef idx="2">
+            <a:schemeClr val="accent1">
+              <a:shade val="50000"/>
+            </a:schemeClr>
+          </a:lnRef>
+          <a:fillRef idx="1">
+            <a:schemeClr val="accent1"/>
+          </a:fillRef>
+          <a:effectRef idx="0">
+            <a:schemeClr val="accent1"/>
+          </a:effectRef>
+          <a:fontRef idx="minor">
+            <a:schemeClr val="lt1"/>
+          </a:fontRef>
+        </p:style>
+        <p:txBody>
+          <a:bodyPr rtlCol="0" anchor="ctr"/>
+          <a:lstStyle/>
+          <a:p>
+            <a:pPr algn="ctr"/>
+            <a:r>
+              <a:rPr lang="en-GB" sz="1200" dirty="0" smtClean="0">
+                <a:ln>
+                  <a:solidFill>
+                    <a:sysClr val="windowText" lastClr="000000"/>
+                  </a:solidFill>
+                </a:ln>
+                <a:solidFill>
+                  <a:schemeClr val="tx1"/>
+                </a:solidFill>
+              </a:rPr>
+              <a:t>County &amp; Country</a:t>
+            </a:r>
+            <a:endParaRPr lang="en-GB" sz="1200" dirty="0">
+              <a:ln>
+                <a:solidFill>
+                  <a:sysClr val="windowText" lastClr="000000"/>
+                </a:solidFill>
+              </a:ln>
+              <a:solidFill>
+                <a:schemeClr val="tx1"/>
+              </a:solidFill>
+            </a:endParaRPr>
+          </a:p>
+        </p:txBody>
+      </p:sp>
+      <p:sp>
+        <p:nvSpPr>
+          <p:cNvPr id="13" name="Rectangle 12"/>
+          <p:cNvSpPr/>
+          <p:nvPr/>
+        </p:nvSpPr>
+        <p:spPr>
+          <a:xfrm>
+            <a:off x="4210051" y="3945059"/>
+            <a:ext cx="2019300" cy="381000"/>
+          </a:xfrm>
+          <a:prstGeom prst="rect">
+            <a:avLst/>
+          </a:prstGeom>
+          <a:solidFill>
+            <a:schemeClr val="bg1"/>
+          </a:solidFill>
+          <a:ln>
+            <a:solidFill>
+              <a:schemeClr val="tx1"/>
+            </a:solidFill>
+          </a:ln>
+        </p:spPr>
+        <p:style>
+          <a:lnRef idx="2">
+            <a:schemeClr val="accent1">
+              <a:shade val="50000"/>
+            </a:schemeClr>
+          </a:lnRef>
+          <a:fillRef idx="1">
+            <a:schemeClr val="accent1"/>
+          </a:fillRef>
+          <a:effectRef idx="0">
+            <a:schemeClr val="accent1"/>
+          </a:effectRef>
+          <a:fontRef idx="minor">
+            <a:schemeClr val="lt1"/>
+          </a:fontRef>
+        </p:style>
+        <p:txBody>
+          <a:bodyPr rtlCol="0" anchor="ctr"/>
+          <a:lstStyle/>
+          <a:p>
+            <a:pPr algn="ctr"/>
+            <a:r>
+              <a:rPr lang="en-GB" dirty="0" smtClean="0">
+                <a:ln>
+                  <a:solidFill>
+                    <a:sysClr val="windowText" lastClr="000000"/>
+                  </a:solidFill>
+                </a:ln>
+                <a:solidFill>
+                  <a:schemeClr val="tx1"/>
+                </a:solidFill>
+              </a:rPr>
+              <a:t>Company start date </a:t>
+            </a:r>
+            <a:endParaRPr lang="en-GB" dirty="0">
+              <a:ln>
+                <a:solidFill>
+                  <a:sysClr val="windowText" lastClr="000000"/>
+                </a:solidFill>
+              </a:ln>
+              <a:solidFill>
+                <a:schemeClr val="tx1"/>
+              </a:solidFill>
+            </a:endParaRPr>
+          </a:p>
+        </p:txBody>
+      </p:sp>
+      <p:sp>
+        <p:nvSpPr>
+          <p:cNvPr id="14" name="Rectangle 13"/>
+          <p:cNvSpPr/>
+          <p:nvPr/>
+        </p:nvSpPr>
+        <p:spPr>
+          <a:xfrm>
+            <a:off x="6738937" y="3905250"/>
+            <a:ext cx="1737977" cy="381000"/>
+          </a:xfrm>
+          <a:prstGeom prst="rect">
+            <a:avLst/>
+          </a:prstGeom>
+          <a:solidFill>
+            <a:schemeClr val="bg1"/>
+          </a:solidFill>
+          <a:ln>
+            <a:solidFill>
+              <a:schemeClr val="tx1"/>
+            </a:solidFill>
+          </a:ln>
+        </p:spPr>
+        <p:style>
+          <a:lnRef idx="2">
+            <a:schemeClr val="accent1">
+              <a:shade val="50000"/>
+            </a:schemeClr>
+          </a:lnRef>
+          <a:fillRef idx="1">
+            <a:schemeClr val="accent1"/>
+          </a:fillRef>
+          <a:effectRef idx="0">
+            <a:schemeClr val="accent1"/>
+          </a:effectRef>
+          <a:fontRef idx="minor">
+            <a:schemeClr val="lt1"/>
+          </a:fontRef>
+        </p:style>
+        <p:txBody>
+          <a:bodyPr rtlCol="0" anchor="ctr"/>
+          <a:lstStyle/>
+          <a:p>
+            <a:pPr algn="ctr"/>
+            <a:r>
+              <a:rPr lang="en-GB" dirty="0" smtClean="0">
+                <a:ln>
+                  <a:solidFill>
+                    <a:sysClr val="windowText" lastClr="000000"/>
+                  </a:solidFill>
+                </a:ln>
+                <a:solidFill>
+                  <a:schemeClr val="tx1"/>
+                </a:solidFill>
+              </a:rPr>
+              <a:t>Company role </a:t>
+            </a:r>
+            <a:endParaRPr lang="en-GB" dirty="0">
+              <a:ln>
+                <a:solidFill>
+                  <a:sysClr val="windowText" lastClr="000000"/>
+                </a:solidFill>
+              </a:ln>
+              <a:solidFill>
+                <a:schemeClr val="tx1"/>
+              </a:solidFill>
+            </a:endParaRPr>
+          </a:p>
+        </p:txBody>
+      </p:sp>
+      <p:sp>
+        <p:nvSpPr>
+          <p:cNvPr id="15" name="Rectangle 14"/>
+          <p:cNvSpPr/>
+          <p:nvPr/>
+        </p:nvSpPr>
+        <p:spPr>
+          <a:xfrm>
+            <a:off x="5486400" y="4607045"/>
+            <a:ext cx="2019300" cy="498353"/>
+          </a:xfrm>
+          <a:prstGeom prst="rect">
+            <a:avLst/>
+          </a:prstGeom>
+          <a:solidFill>
+            <a:schemeClr val="bg1"/>
+          </a:solidFill>
+          <a:ln>
+            <a:solidFill>
+              <a:schemeClr val="tx1"/>
+            </a:solidFill>
+          </a:ln>
+        </p:spPr>
+        <p:style>
+          <a:lnRef idx="2">
+            <a:schemeClr val="accent1">
+              <a:shade val="50000"/>
+            </a:schemeClr>
+          </a:lnRef>
+          <a:fillRef idx="1">
+            <a:schemeClr val="accent1"/>
+          </a:fillRef>
+          <a:effectRef idx="0">
+            <a:schemeClr val="accent1"/>
+          </a:effectRef>
+          <a:fontRef idx="minor">
+            <a:schemeClr val="lt1"/>
+          </a:fontRef>
+        </p:style>
+        <p:txBody>
+          <a:bodyPr rtlCol="0" anchor="ctr"/>
+          <a:lstStyle/>
+          <a:p>
+            <a:pPr algn="ctr"/>
+            <a:r>
+              <a:rPr lang="en-GB" dirty="0" smtClean="0">
+                <a:ln>
+                  <a:solidFill>
+                    <a:sysClr val="windowText" lastClr="000000"/>
+                  </a:solidFill>
+                </a:ln>
+                <a:solidFill>
+                  <a:schemeClr val="tx1"/>
+                </a:solidFill>
+              </a:rPr>
+              <a:t>Change Information </a:t>
+            </a:r>
+            <a:endParaRPr lang="en-GB" dirty="0">
+              <a:ln>
+                <a:solidFill>
+                  <a:sysClr val="windowText" lastClr="000000"/>
+                </a:solidFill>
+              </a:ln>
+              <a:solidFill>
+                <a:schemeClr val="tx1"/>
+              </a:solidFill>
+            </a:endParaRPr>
           </a:p>
         </p:txBody>
       </p:sp>
       <p:cxnSp>
         <p:nvCxnSpPr>
           <p:cNvPr id="3" name="Straight Arrow Connector 2"/>
-          <p:cNvCxnSpPr>
-            <a:endCxn id="6" idx="0"/>
-          </p:cNvCxnSpPr>
+          <p:cNvCxnSpPr/>
           <p:nvPr/>
         </p:nvCxnSpPr>
         <p:spPr>
-          <a:xfrm flipH="1">
-            <a:off x="6496050" y="463826"/>
-            <a:ext cx="991428" cy="793474"/>
+          <a:xfrm>
+            <a:off x="2730321" y="844170"/>
+            <a:ext cx="1479729" cy="649779"/>
           </a:xfrm>
           <a:prstGeom prst="straightConnector1">
             <a:avLst/>
@@ -6817,14 +6980,14 @@
       </p:cxnSp>
       <p:sp>
         <p:nvSpPr>
-          <p:cNvPr id="10" name="TextBox 9"/>
+          <p:cNvPr id="16" name="TextBox 15"/>
           <p:cNvSpPr txBox="1"/>
           <p:nvPr/>
         </p:nvSpPr>
         <p:spPr>
           <a:xfrm>
-            <a:off x="6496050" y="104357"/>
-            <a:ext cx="3001463" cy="369332"/>
+            <a:off x="824247" y="514649"/>
+            <a:ext cx="4959371" cy="369332"/>
           </a:xfrm>
           <a:prstGeom prst="rect">
             <a:avLst/>
@@ -6839,7 +7002,15 @@
           <a:p>
             <a:r>
               <a:rPr lang="en-GB" dirty="0" smtClean="0"/>
-              <a:t>Taken from the previous input</a:t>
+              <a:t>The User </a:t>
+            </a:r>
+            <a:r>
+              <a:rPr lang="en-GB" dirty="0"/>
+              <a:t> </a:t>
+            </a:r>
+            <a:r>
+              <a:rPr lang="en-GB" dirty="0" smtClean="0"/>
+              <a:t>ID must be entered for security purposes</a:t>
             </a:r>
             <a:endParaRPr lang="en-GB" dirty="0"/>
           </a:p>
@@ -6847,16 +7018,16 @@
       </p:sp>
       <p:cxnSp>
         <p:nvCxnSpPr>
-          <p:cNvPr id="12" name="Straight Arrow Connector 11"/>
+          <p:cNvPr id="21" name="Straight Arrow Connector 20"/>
           <p:cNvCxnSpPr>
-            <a:endCxn id="7" idx="3"/>
+            <a:endCxn id="6" idx="1"/>
           </p:cNvCxnSpPr>
           <p:nvPr/>
         </p:nvCxnSpPr>
         <p:spPr>
-          <a:xfrm flipH="1">
-            <a:off x="8782050" y="2650435"/>
-            <a:ext cx="1302854" cy="481143"/>
+          <a:xfrm>
+            <a:off x="2575775" y="2419350"/>
+            <a:ext cx="891325" cy="190500"/>
           </a:xfrm>
           <a:prstGeom prst="straightConnector1">
             <a:avLst/>
@@ -6882,14 +7053,14 @@
       </p:cxnSp>
       <p:sp>
         <p:nvSpPr>
-          <p:cNvPr id="13" name="TextBox 12"/>
+          <p:cNvPr id="22" name="TextBox 21"/>
           <p:cNvSpPr txBox="1"/>
           <p:nvPr/>
         </p:nvSpPr>
         <p:spPr>
           <a:xfrm>
-            <a:off x="10009032" y="2140388"/>
-            <a:ext cx="2045594" cy="1754326"/>
+            <a:off x="630920" y="1823470"/>
+            <a:ext cx="2390517" cy="923330"/>
           </a:xfrm>
           <a:prstGeom prst="rect">
             <a:avLst/>
@@ -6904,21 +7075,440 @@
           <a:p>
             <a:r>
               <a:rPr lang="en-GB" dirty="0" smtClean="0"/>
-              <a:t>Will allow ay input, and is just asks for some text to be entered as a reasoning for data change.</a:t>
+              <a:t>Will be a choice from a set list in the form of a drop down box</a:t>
             </a:r>
             <a:endParaRPr lang="en-GB" dirty="0"/>
           </a:p>
         </p:txBody>
       </p:sp>
-      <p:sp>
-        <p:nvSpPr>
-          <p:cNvPr id="14" name="Rectangle 13"/>
+      <p:cxnSp>
+        <p:nvCxnSpPr>
+          <p:cNvPr id="17" name="Straight Arrow Connector 16"/>
+          <p:cNvCxnSpPr/>
+          <p:nvPr/>
+        </p:nvCxnSpPr>
+        <p:spPr>
+          <a:xfrm flipV="1">
+            <a:off x="2150772" y="3528811"/>
+            <a:ext cx="1316328" cy="25758"/>
+          </a:xfrm>
+          <a:prstGeom prst="straightConnector1">
+            <a:avLst/>
+          </a:prstGeom>
+          <a:ln>
+            <a:tailEnd type="triangle"/>
+          </a:ln>
+        </p:spPr>
+        <p:style>
+          <a:lnRef idx="1">
+            <a:schemeClr val="dk1"/>
+          </a:lnRef>
+          <a:fillRef idx="0">
+            <a:schemeClr val="dk1"/>
+          </a:fillRef>
+          <a:effectRef idx="0">
+            <a:schemeClr val="dk1"/>
+          </a:effectRef>
+          <a:fontRef idx="minor">
+            <a:schemeClr val="tx1"/>
+          </a:fontRef>
+        </p:style>
+      </p:cxnSp>
+      <p:sp>
+        <p:nvSpPr>
+          <p:cNvPr id="18" name="TextBox 17"/>
+          <p:cNvSpPr txBox="1"/>
+          <p:nvPr/>
+        </p:nvSpPr>
+        <p:spPr>
+          <a:xfrm>
+            <a:off x="770586" y="3125730"/>
+            <a:ext cx="1390919" cy="1200329"/>
+          </a:xfrm>
+          <a:prstGeom prst="rect">
+            <a:avLst/>
+          </a:prstGeom>
+          <a:noFill/>
+        </p:spPr>
+        <p:txBody>
+          <a:bodyPr wrap="square" rtlCol="0">
+            <a:spAutoFit/>
+          </a:bodyPr>
+          <a:lstStyle/>
+          <a:p>
+            <a:r>
+              <a:rPr lang="en-GB" dirty="0" smtClean="0"/>
+              <a:t>Will be set to the format 00/00/0000</a:t>
+            </a:r>
+            <a:endParaRPr lang="en-GB" dirty="0"/>
+          </a:p>
+        </p:txBody>
+      </p:sp>
+      <p:sp>
+        <p:nvSpPr>
+          <p:cNvPr id="19" name="TextBox 18"/>
+          <p:cNvSpPr txBox="1"/>
+          <p:nvPr/>
+        </p:nvSpPr>
+        <p:spPr>
+          <a:xfrm>
+            <a:off x="10286664" y="2419350"/>
+            <a:ext cx="1613347" cy="3970318"/>
+          </a:xfrm>
+          <a:prstGeom prst="rect">
+            <a:avLst/>
+          </a:prstGeom>
+          <a:noFill/>
+        </p:spPr>
+        <p:txBody>
+          <a:bodyPr wrap="square" rtlCol="0">
+            <a:spAutoFit/>
+          </a:bodyPr>
+          <a:lstStyle/>
+          <a:p>
+            <a:r>
+              <a:rPr lang="en-GB" dirty="0" smtClean="0"/>
+              <a:t>Postcode Lookup will include a dropdown of all available addresses in the particular area. Once the user presses the chosen address it will auto fill the rest of the form</a:t>
+            </a:r>
+            <a:endParaRPr lang="en-GB" dirty="0"/>
+          </a:p>
+        </p:txBody>
+      </p:sp>
+      <p:cxnSp>
+        <p:nvCxnSpPr>
+          <p:cNvPr id="23" name="Straight Arrow Connector 22"/>
+          <p:cNvCxnSpPr>
+            <a:stCxn id="19" idx="1"/>
+            <a:endCxn id="11" idx="3"/>
+          </p:cNvCxnSpPr>
+          <p:nvPr/>
+        </p:nvCxnSpPr>
+        <p:spPr>
+          <a:xfrm flipH="1" flipV="1">
+            <a:off x="8043863" y="3471862"/>
+            <a:ext cx="2242801" cy="932647"/>
+          </a:xfrm>
+          <a:prstGeom prst="straightConnector1">
+            <a:avLst/>
+          </a:prstGeom>
+          <a:ln>
+            <a:tailEnd type="triangle"/>
+          </a:ln>
+        </p:spPr>
+        <p:style>
+          <a:lnRef idx="1">
+            <a:schemeClr val="dk1"/>
+          </a:lnRef>
+          <a:fillRef idx="0">
+            <a:schemeClr val="dk1"/>
+          </a:fillRef>
+          <a:effectRef idx="0">
+            <a:schemeClr val="dk1"/>
+          </a:effectRef>
+          <a:fontRef idx="minor">
+            <a:schemeClr val="tx1"/>
+          </a:fontRef>
+        </p:style>
+      </p:cxnSp>
+      <p:cxnSp>
+        <p:nvCxnSpPr>
+          <p:cNvPr id="27" name="Straight Arrow Connector 26"/>
+          <p:cNvCxnSpPr/>
+          <p:nvPr/>
+        </p:nvCxnSpPr>
+        <p:spPr>
+          <a:xfrm flipH="1">
+            <a:off x="5557837" y="699315"/>
+            <a:ext cx="1281113" cy="1720035"/>
+          </a:xfrm>
+          <a:prstGeom prst="straightConnector1">
+            <a:avLst/>
+          </a:prstGeom>
+          <a:ln>
+            <a:tailEnd type="triangle"/>
+          </a:ln>
+        </p:spPr>
+        <p:style>
+          <a:lnRef idx="1">
+            <a:schemeClr val="dk1"/>
+          </a:lnRef>
+          <a:fillRef idx="0">
+            <a:schemeClr val="dk1"/>
+          </a:fillRef>
+          <a:effectRef idx="0">
+            <a:schemeClr val="dk1"/>
+          </a:effectRef>
+          <a:fontRef idx="minor">
+            <a:schemeClr val="tx1"/>
+          </a:fontRef>
+        </p:style>
+      </p:cxnSp>
+      <p:sp>
+        <p:nvSpPr>
+          <p:cNvPr id="28" name="TextBox 27"/>
+          <p:cNvSpPr txBox="1"/>
+          <p:nvPr/>
+        </p:nvSpPr>
+        <p:spPr>
+          <a:xfrm>
+            <a:off x="5875784" y="385408"/>
+            <a:ext cx="3464282" cy="369332"/>
+          </a:xfrm>
+          <a:prstGeom prst="rect">
+            <a:avLst/>
+          </a:prstGeom>
+          <a:noFill/>
+        </p:spPr>
+        <p:txBody>
+          <a:bodyPr wrap="none" rtlCol="0">
+            <a:spAutoFit/>
+          </a:bodyPr>
+          <a:lstStyle/>
+          <a:p>
+            <a:r>
+              <a:rPr lang="en-GB" dirty="0" smtClean="0"/>
+              <a:t>Error trapping to only allow letters.</a:t>
+            </a:r>
+            <a:endParaRPr lang="en-GB" dirty="0"/>
+          </a:p>
+        </p:txBody>
+      </p:sp>
+      <p:sp>
+        <p:nvSpPr>
+          <p:cNvPr id="29" name="TextBox 28"/>
+          <p:cNvSpPr txBox="1"/>
+          <p:nvPr/>
+        </p:nvSpPr>
+        <p:spPr>
+          <a:xfrm>
+            <a:off x="9696451" y="876386"/>
+            <a:ext cx="2363028" cy="1200329"/>
+          </a:xfrm>
+          <a:prstGeom prst="rect">
+            <a:avLst/>
+          </a:prstGeom>
+          <a:noFill/>
+        </p:spPr>
+        <p:txBody>
+          <a:bodyPr wrap="square" rtlCol="0">
+            <a:spAutoFit/>
+          </a:bodyPr>
+          <a:lstStyle/>
+          <a:p>
+            <a:r>
+              <a:rPr lang="en-GB" dirty="0" smtClean="0"/>
+              <a:t>Error trapping to only allow letters. (and hyphen for some surnames)</a:t>
+            </a:r>
+            <a:endParaRPr lang="en-GB" dirty="0"/>
+          </a:p>
+        </p:txBody>
+      </p:sp>
+      <p:cxnSp>
+        <p:nvCxnSpPr>
+          <p:cNvPr id="32" name="Straight Arrow Connector 31"/>
+          <p:cNvCxnSpPr/>
+          <p:nvPr/>
+        </p:nvCxnSpPr>
+        <p:spPr>
+          <a:xfrm flipH="1">
+            <a:off x="8258175" y="1476550"/>
+            <a:ext cx="1438274" cy="1133300"/>
+          </a:xfrm>
+          <a:prstGeom prst="straightConnector1">
+            <a:avLst/>
+          </a:prstGeom>
+          <a:ln>
+            <a:tailEnd type="triangle"/>
+          </a:ln>
+        </p:spPr>
+        <p:style>
+          <a:lnRef idx="1">
+            <a:schemeClr val="dk1"/>
+          </a:lnRef>
+          <a:fillRef idx="0">
+            <a:schemeClr val="dk1"/>
+          </a:fillRef>
+          <a:effectRef idx="0">
+            <a:schemeClr val="dk1"/>
+          </a:effectRef>
+          <a:fontRef idx="minor">
+            <a:schemeClr val="tx1"/>
+          </a:fontRef>
+        </p:style>
+      </p:cxnSp>
+      <p:cxnSp>
+        <p:nvCxnSpPr>
+          <p:cNvPr id="34" name="Straight Arrow Connector 33"/>
+          <p:cNvCxnSpPr>
+            <a:stCxn id="18" idx="3"/>
+            <a:endCxn id="13" idx="1"/>
+          </p:cNvCxnSpPr>
+          <p:nvPr/>
+        </p:nvCxnSpPr>
+        <p:spPr>
+          <a:xfrm>
+            <a:off x="2161505" y="3725895"/>
+            <a:ext cx="2048546" cy="409664"/>
+          </a:xfrm>
+          <a:prstGeom prst="straightConnector1">
+            <a:avLst/>
+          </a:prstGeom>
+          <a:ln>
+            <a:tailEnd type="triangle"/>
+          </a:ln>
+        </p:spPr>
+        <p:style>
+          <a:lnRef idx="1">
+            <a:schemeClr val="dk1"/>
+          </a:lnRef>
+          <a:fillRef idx="0">
+            <a:schemeClr val="dk1"/>
+          </a:fillRef>
+          <a:effectRef idx="0">
+            <a:schemeClr val="dk1"/>
+          </a:effectRef>
+          <a:fontRef idx="minor">
+            <a:schemeClr val="tx1"/>
+          </a:fontRef>
+        </p:style>
+      </p:cxnSp>
+      <p:sp>
+        <p:nvSpPr>
+          <p:cNvPr id="35" name="TextBox 34"/>
+          <p:cNvSpPr txBox="1"/>
+          <p:nvPr/>
+        </p:nvSpPr>
+        <p:spPr>
+          <a:xfrm>
+            <a:off x="6602234" y="6042994"/>
+            <a:ext cx="3464282" cy="369332"/>
+          </a:xfrm>
+          <a:prstGeom prst="rect">
+            <a:avLst/>
+          </a:prstGeom>
+          <a:noFill/>
+        </p:spPr>
+        <p:txBody>
+          <a:bodyPr wrap="none" rtlCol="0">
+            <a:spAutoFit/>
+          </a:bodyPr>
+          <a:lstStyle/>
+          <a:p>
+            <a:r>
+              <a:rPr lang="en-GB" dirty="0" smtClean="0"/>
+              <a:t>Error trapping to only allow letters.</a:t>
+            </a:r>
+            <a:endParaRPr lang="en-GB" dirty="0"/>
+          </a:p>
+        </p:txBody>
+      </p:sp>
+      <p:cxnSp>
+        <p:nvCxnSpPr>
+          <p:cNvPr id="37" name="Straight Arrow Connector 36"/>
+          <p:cNvCxnSpPr>
+            <a:stCxn id="35" idx="0"/>
+          </p:cNvCxnSpPr>
+          <p:nvPr/>
+        </p:nvCxnSpPr>
+        <p:spPr>
+          <a:xfrm flipH="1" flipV="1">
+            <a:off x="7607925" y="4286250"/>
+            <a:ext cx="726450" cy="1756744"/>
+          </a:xfrm>
+          <a:prstGeom prst="straightConnector1">
+            <a:avLst/>
+          </a:prstGeom>
+          <a:ln>
+            <a:tailEnd type="triangle"/>
+          </a:ln>
+        </p:spPr>
+        <p:style>
+          <a:lnRef idx="1">
+            <a:schemeClr val="dk1"/>
+          </a:lnRef>
+          <a:fillRef idx="0">
+            <a:schemeClr val="dk1"/>
+          </a:fillRef>
+          <a:effectRef idx="0">
+            <a:schemeClr val="dk1"/>
+          </a:effectRef>
+          <a:fontRef idx="minor">
+            <a:schemeClr val="tx1"/>
+          </a:fontRef>
+        </p:style>
+      </p:cxnSp>
+      <p:cxnSp>
+        <p:nvCxnSpPr>
+          <p:cNvPr id="39" name="Straight Arrow Connector 38"/>
+          <p:cNvCxnSpPr/>
+          <p:nvPr/>
+        </p:nvCxnSpPr>
+        <p:spPr>
+          <a:xfrm flipV="1">
+            <a:off x="4969565" y="5105398"/>
+            <a:ext cx="1555060" cy="937596"/>
+          </a:xfrm>
+          <a:prstGeom prst="straightConnector1">
+            <a:avLst/>
+          </a:prstGeom>
+          <a:ln>
+            <a:tailEnd type="triangle"/>
+          </a:ln>
+        </p:spPr>
+        <p:style>
+          <a:lnRef idx="1">
+            <a:schemeClr val="dk1"/>
+          </a:lnRef>
+          <a:fillRef idx="0">
+            <a:schemeClr val="dk1"/>
+          </a:fillRef>
+          <a:effectRef idx="0">
+            <a:schemeClr val="dk1"/>
+          </a:effectRef>
+          <a:fontRef idx="minor">
+            <a:schemeClr val="tx1"/>
+          </a:fontRef>
+        </p:style>
+      </p:cxnSp>
+      <p:sp>
+        <p:nvSpPr>
+          <p:cNvPr id="40" name="TextBox 39"/>
+          <p:cNvSpPr txBox="1"/>
+          <p:nvPr/>
+        </p:nvSpPr>
+        <p:spPr>
+          <a:xfrm>
+            <a:off x="2548797" y="5978853"/>
+            <a:ext cx="3982309" cy="369332"/>
+          </a:xfrm>
+          <a:prstGeom prst="rect">
+            <a:avLst/>
+          </a:prstGeom>
+          <a:noFill/>
+        </p:spPr>
+        <p:txBody>
+          <a:bodyPr wrap="none" rtlCol="0">
+            <a:spAutoFit/>
+          </a:bodyPr>
+          <a:lstStyle/>
+          <a:p>
+            <a:r>
+              <a:rPr lang="en-GB" dirty="0" smtClean="0"/>
+              <a:t>Once clicked, it will open a new window</a:t>
+            </a:r>
+            <a:endParaRPr lang="en-GB" dirty="0"/>
+          </a:p>
+        </p:txBody>
+      </p:sp>
+      <p:sp>
+        <p:nvSpPr>
+          <p:cNvPr id="41" name="Rectangle 40"/>
           <p:cNvSpPr/>
           <p:nvPr/>
         </p:nvSpPr>
         <p:spPr>
           <a:xfrm>
-            <a:off x="0" y="3862468"/>
+            <a:off x="0" y="4643733"/>
             <a:ext cx="3086099" cy="1015663"/>
           </a:xfrm>
           <a:prstGeom prst="rect">
@@ -6947,7 +7537,7 @@
                   </a:outerShdw>
                 </a:effectLst>
               </a:rPr>
-              <a:t>Reason for detail change </a:t>
+              <a:t>View user/change details</a:t>
             </a:r>
             <a:endParaRPr lang="en-US" sz="3000" b="0" cap="none" spc="0" dirty="0">
               <a:ln w="0"/>
@@ -6965,10 +7555,150 @@
           </a:p>
         </p:txBody>
       </p:sp>
+      <p:sp>
+        <p:nvSpPr>
+          <p:cNvPr id="42" name="Rectangle 41"/>
+          <p:cNvSpPr/>
+          <p:nvPr/>
+        </p:nvSpPr>
+        <p:spPr>
+          <a:xfrm>
+            <a:off x="3357026" y="4606957"/>
+            <a:ext cx="2019300" cy="498353"/>
+          </a:xfrm>
+          <a:prstGeom prst="rect">
+            <a:avLst/>
+          </a:prstGeom>
+          <a:solidFill>
+            <a:schemeClr val="bg1"/>
+          </a:solidFill>
+          <a:ln>
+            <a:solidFill>
+              <a:schemeClr val="tx1"/>
+            </a:solidFill>
+          </a:ln>
+        </p:spPr>
+        <p:style>
+          <a:lnRef idx="2">
+            <a:schemeClr val="accent1">
+              <a:shade val="50000"/>
+            </a:schemeClr>
+          </a:lnRef>
+          <a:fillRef idx="1">
+            <a:schemeClr val="accent1"/>
+          </a:fillRef>
+          <a:effectRef idx="0">
+            <a:schemeClr val="accent1"/>
+          </a:effectRef>
+          <a:fontRef idx="minor">
+            <a:schemeClr val="lt1"/>
+          </a:fontRef>
+        </p:style>
+        <p:txBody>
+          <a:bodyPr rtlCol="0" anchor="ctr"/>
+          <a:lstStyle/>
+          <a:p>
+            <a:pPr algn="ctr"/>
+            <a:r>
+              <a:rPr lang="en-GB" dirty="0" smtClean="0">
+                <a:ln>
+                  <a:solidFill>
+                    <a:sysClr val="windowText" lastClr="000000"/>
+                  </a:solidFill>
+                </a:ln>
+                <a:solidFill>
+                  <a:schemeClr val="tx1"/>
+                </a:solidFill>
+              </a:rPr>
+              <a:t>Delete user</a:t>
+            </a:r>
+            <a:endParaRPr lang="en-GB" dirty="0">
+              <a:ln>
+                <a:solidFill>
+                  <a:sysClr val="windowText" lastClr="000000"/>
+                </a:solidFill>
+              </a:ln>
+              <a:solidFill>
+                <a:schemeClr val="tx1"/>
+              </a:solidFill>
+            </a:endParaRPr>
+          </a:p>
+        </p:txBody>
+      </p:sp>
+      <p:sp>
+        <p:nvSpPr>
+          <p:cNvPr id="43" name="Rectangle 42"/>
+          <p:cNvSpPr/>
+          <p:nvPr/>
+        </p:nvSpPr>
+        <p:spPr>
+          <a:xfrm>
+            <a:off x="7570363" y="4602954"/>
+            <a:ext cx="2019300" cy="498353"/>
+          </a:xfrm>
+          <a:prstGeom prst="rect">
+            <a:avLst/>
+          </a:prstGeom>
+          <a:solidFill>
+            <a:schemeClr val="bg1"/>
+          </a:solidFill>
+          <a:ln>
+            <a:solidFill>
+              <a:schemeClr val="tx1"/>
+            </a:solidFill>
+          </a:ln>
+        </p:spPr>
+        <p:style>
+          <a:lnRef idx="2">
+            <a:schemeClr val="accent1">
+              <a:shade val="50000"/>
+            </a:schemeClr>
+          </a:lnRef>
+          <a:fillRef idx="1">
+            <a:schemeClr val="accent1"/>
+          </a:fillRef>
+          <a:effectRef idx="0">
+            <a:schemeClr val="accent1"/>
+          </a:effectRef>
+          <a:fontRef idx="minor">
+            <a:schemeClr val="lt1"/>
+          </a:fontRef>
+        </p:style>
+        <p:txBody>
+          <a:bodyPr rtlCol="0" anchor="ctr"/>
+          <a:lstStyle/>
+          <a:p>
+            <a:pPr algn="ctr"/>
+            <a:r>
+              <a:rPr lang="en-GB" dirty="0" smtClean="0">
+                <a:ln>
+                  <a:solidFill>
+                    <a:sysClr val="windowText" lastClr="000000"/>
+                  </a:solidFill>
+                </a:ln>
+                <a:solidFill>
+                  <a:schemeClr val="tx1"/>
+                </a:solidFill>
+              </a:rPr>
+              <a:t>Add new user</a:t>
+            </a:r>
+            <a:endParaRPr lang="en-GB" dirty="0">
+              <a:ln>
+                <a:solidFill>
+                  <a:sysClr val="windowText" lastClr="000000"/>
+                </a:solidFill>
+              </a:ln>
+              <a:solidFill>
+                <a:schemeClr val="tx1"/>
+              </a:solidFill>
+            </a:endParaRPr>
+          </a:p>
+        </p:txBody>
+      </p:sp>
     </p:spTree>
     <p:extLst>
       <p:ext uri="{BB962C8B-B14F-4D97-AF65-F5344CB8AC3E}">
-        <p14:creationId xmlns:p14="http://schemas.microsoft.com/office/powerpoint/2010/main" val="1570146582"/>
+        <p14:creationId xmlns:p14="http://schemas.microsoft.com/office/powerpoint/2010/main" val="4102877442"/>
       </p:ext>
     </p:extLst>
   </p:cSld>
@@ -6997,99 +7727,13 @@
       </p:grpSpPr>
       <p:sp>
         <p:nvSpPr>
-          <p:cNvPr id="4" name="Rectangle 3"/>
+          <p:cNvPr id="5" name="Rectangle 4"/>
           <p:cNvSpPr/>
           <p:nvPr/>
         </p:nvSpPr>
         <p:spPr>
           <a:xfrm>
-            <a:off x="8394312" y="1714163"/>
-            <a:ext cx="3631842" cy="1755888"/>
-          </a:xfrm>
-          <a:prstGeom prst="rect">
-            <a:avLst/>
-          </a:prstGeom>
-        </p:spPr>
-        <p:style>
-          <a:lnRef idx="2">
-            <a:schemeClr val="dk1"/>
-          </a:lnRef>
-          <a:fillRef idx="1">
-            <a:schemeClr val="lt1"/>
-          </a:fillRef>
-          <a:effectRef idx="0">
-            <a:schemeClr val="dk1"/>
-          </a:effectRef>
-          <a:fontRef idx="minor">
-            <a:schemeClr val="dk1"/>
-          </a:fontRef>
-        </p:style>
-        <p:txBody>
-          <a:bodyPr rtlCol="0" anchor="ctr"/>
-          <a:lstStyle/>
-          <a:p>
-            <a:pPr algn="ctr"/>
-            <a:r>
-              <a:rPr lang="en-GB" dirty="0" smtClean="0"/>
-              <a:t>Record Added</a:t>
-            </a:r>
-            <a:endParaRPr lang="en-GB" dirty="0"/>
-          </a:p>
-        </p:txBody>
-      </p:sp>
-      <p:sp>
-        <p:nvSpPr>
-          <p:cNvPr id="5" name="TextBox 4"/>
-          <p:cNvSpPr txBox="1"/>
-          <p:nvPr/>
-        </p:nvSpPr>
-        <p:spPr>
-          <a:xfrm>
-            <a:off x="9420657" y="2872430"/>
-            <a:ext cx="1579151" cy="369332"/>
-          </a:xfrm>
-          <a:prstGeom prst="rect">
-            <a:avLst/>
-          </a:prstGeom>
-        </p:spPr>
-        <p:style>
-          <a:lnRef idx="2">
-            <a:schemeClr val="dk1"/>
-          </a:lnRef>
-          <a:fillRef idx="1">
-            <a:schemeClr val="lt1"/>
-          </a:fillRef>
-          <a:effectRef idx="0">
-            <a:schemeClr val="dk1"/>
-          </a:effectRef>
-          <a:fontRef idx="minor">
-            <a:schemeClr val="dk1"/>
-          </a:fontRef>
-        </p:style>
-        <p:txBody>
-          <a:bodyPr wrap="square" rtlCol="0">
-            <a:spAutoFit/>
-          </a:bodyPr>
-          <a:lstStyle/>
-          <a:p>
-            <a:pPr algn="ctr"/>
-            <a:r>
-              <a:rPr lang="en-GB" dirty="0" smtClean="0"/>
-              <a:t>Okay</a:t>
-            </a:r>
-            <a:endParaRPr lang="en-GB" dirty="0"/>
-          </a:p>
-        </p:txBody>
-      </p:sp>
-      <p:sp>
-        <p:nvSpPr>
-          <p:cNvPr id="36" name="Rectangle 35"/>
-          <p:cNvSpPr/>
-          <p:nvPr/>
-        </p:nvSpPr>
-        <p:spPr>
-          <a:xfrm>
-            <a:off x="1574412" y="1603151"/>
+            <a:off x="2983069" y="907693"/>
             <a:ext cx="6610350" cy="4476750"/>
           </a:xfrm>
           <a:prstGeom prst="rect">
@@ -7131,13 +7775,13 @@
       </p:sp>
       <p:sp>
         <p:nvSpPr>
-          <p:cNvPr id="37" name="Rectangle 36"/>
+          <p:cNvPr id="6" name="Rectangle 5"/>
           <p:cNvSpPr/>
           <p:nvPr/>
         </p:nvSpPr>
         <p:spPr>
           <a:xfrm>
-            <a:off x="2698362" y="1927001"/>
+            <a:off x="4210050" y="1257300"/>
             <a:ext cx="4572000" cy="609600"/>
           </a:xfrm>
           <a:prstGeom prst="rect">
@@ -7179,7 +7823,7 @@
                   <a:schemeClr val="tx1"/>
                 </a:solidFill>
               </a:rPr>
-              <a:t>Username &amp; ID</a:t>
+              <a:t>User ID </a:t>
             </a:r>
             <a:endParaRPr lang="en-GB" dirty="0">
               <a:solidFill>
@@ -7191,14 +7835,14 @@
       </p:sp>
       <p:sp>
         <p:nvSpPr>
-          <p:cNvPr id="38" name="Rectangle 37"/>
+          <p:cNvPr id="7" name="Rectangle 6"/>
           <p:cNvSpPr/>
           <p:nvPr/>
         </p:nvSpPr>
         <p:spPr>
           <a:xfrm>
-            <a:off x="1955412" y="3089051"/>
-            <a:ext cx="742950" cy="381000"/>
+            <a:off x="4210050" y="2216507"/>
+            <a:ext cx="4572000" cy="1830142"/>
           </a:xfrm>
           <a:prstGeom prst="rect">
             <a:avLst/>
@@ -7235,23 +7879,13 @@
             <a:pPr algn="ctr"/>
             <a:r>
               <a:rPr lang="en-GB" dirty="0" smtClean="0">
-                <a:ln>
-                  <a:solidFill>
-                    <a:sysClr val="windowText" lastClr="000000"/>
-                  </a:solidFill>
-                </a:ln>
                 <a:solidFill>
                   <a:schemeClr val="tx1"/>
                 </a:solidFill>
               </a:rPr>
-              <a:t>Title</a:t>
+              <a:t>Please choose a reason for detail change </a:t>
             </a:r>
             <a:endParaRPr lang="en-GB" dirty="0">
-              <a:ln>
-                <a:solidFill>
-                  <a:sysClr val="windowText" lastClr="000000"/>
-                </a:solidFill>
-              </a:ln>
               <a:solidFill>
                 <a:schemeClr val="tx1"/>
               </a:solidFill>
@@ -7261,14 +7895,14 @@
       </p:sp>
       <p:sp>
         <p:nvSpPr>
-          <p:cNvPr id="39" name="Rectangle 38"/>
-          <p:cNvSpPr/>
-          <p:nvPr/>
-        </p:nvSpPr>
-        <p:spPr>
-          <a:xfrm>
-            <a:off x="3307962" y="3089051"/>
-            <a:ext cx="1409700" cy="381000"/>
+          <p:cNvPr id="8" name="TextBox 7"/>
+          <p:cNvSpPr txBox="1"/>
+          <p:nvPr/>
+        </p:nvSpPr>
+        <p:spPr>
+          <a:xfrm>
+            <a:off x="7894749" y="4185634"/>
+            <a:ext cx="772733" cy="369332"/>
           </a:xfrm>
           <a:prstGeom prst="rect">
             <a:avLst/>
@@ -7282,63 +7916,30 @@
             </a:solidFill>
           </a:ln>
         </p:spPr>
-        <p:style>
-          <a:lnRef idx="2">
-            <a:schemeClr val="accent1">
-              <a:shade val="50000"/>
-            </a:schemeClr>
-          </a:lnRef>
-          <a:fillRef idx="1">
-            <a:schemeClr val="accent1"/>
-          </a:fillRef>
-          <a:effectRef idx="0">
-            <a:schemeClr val="accent1"/>
-          </a:effectRef>
-          <a:fontRef idx="minor">
-            <a:schemeClr val="lt1"/>
-          </a:fontRef>
-        </p:style>
-        <p:txBody>
-          <a:bodyPr rtlCol="0" anchor="ctr"/>
-          <a:lstStyle/>
-          <a:p>
-            <a:pPr algn="ctr"/>
-            <a:r>
-              <a:rPr lang="en-GB" dirty="0" smtClean="0">
-                <a:ln>
-                  <a:solidFill>
-                    <a:sysClr val="windowText" lastClr="000000"/>
-                  </a:solidFill>
-                </a:ln>
-                <a:solidFill>
-                  <a:schemeClr val="tx1"/>
-                </a:solidFill>
-              </a:rPr>
-              <a:t>First Name</a:t>
-            </a:r>
-            <a:endParaRPr lang="en-GB" dirty="0">
-              <a:ln>
-                <a:solidFill>
-                  <a:sysClr val="windowText" lastClr="000000"/>
-                </a:solidFill>
-              </a:ln>
-              <a:solidFill>
-                <a:schemeClr val="tx1"/>
-              </a:solidFill>
-            </a:endParaRPr>
-          </a:p>
-        </p:txBody>
-      </p:sp>
-      <p:sp>
-        <p:nvSpPr>
-          <p:cNvPr id="40" name="Rectangle 39"/>
-          <p:cNvSpPr/>
-          <p:nvPr/>
-        </p:nvSpPr>
-        <p:spPr>
-          <a:xfrm>
-            <a:off x="5327262" y="3089051"/>
-            <a:ext cx="1409700" cy="361950"/>
+        <p:txBody>
+          <a:bodyPr wrap="square" rtlCol="0">
+            <a:spAutoFit/>
+          </a:bodyPr>
+          <a:lstStyle/>
+          <a:p>
+            <a:r>
+              <a:rPr lang="en-GB" dirty="0" smtClean="0"/>
+              <a:t>Save</a:t>
+            </a:r>
+            <a:endParaRPr lang="en-GB" dirty="0"/>
+          </a:p>
+        </p:txBody>
+      </p:sp>
+      <p:sp>
+        <p:nvSpPr>
+          <p:cNvPr id="9" name="TextBox 8"/>
+          <p:cNvSpPr txBox="1"/>
+          <p:nvPr/>
+        </p:nvSpPr>
+        <p:spPr>
+          <a:xfrm>
+            <a:off x="6722772" y="4185634"/>
+            <a:ext cx="1018773" cy="369332"/>
           </a:xfrm>
           <a:prstGeom prst="rect">
             <a:avLst/>
@@ -7352,647 +7953,201 @@
             </a:solidFill>
           </a:ln>
         </p:spPr>
+        <p:txBody>
+          <a:bodyPr wrap="square" rtlCol="0">
+            <a:spAutoFit/>
+          </a:bodyPr>
+          <a:lstStyle/>
+          <a:p>
+            <a:r>
+              <a:rPr lang="en-GB" dirty="0" smtClean="0"/>
+              <a:t>Cancel</a:t>
+            </a:r>
+            <a:endParaRPr lang="en-GB" dirty="0"/>
+          </a:p>
+        </p:txBody>
+      </p:sp>
+      <p:cxnSp>
+        <p:nvCxnSpPr>
+          <p:cNvPr id="3" name="Straight Arrow Connector 2"/>
+          <p:cNvCxnSpPr>
+            <a:endCxn id="6" idx="0"/>
+          </p:cNvCxnSpPr>
+          <p:nvPr/>
+        </p:nvCxnSpPr>
+        <p:spPr>
+          <a:xfrm flipH="1">
+            <a:off x="6496050" y="463826"/>
+            <a:ext cx="991428" cy="793474"/>
+          </a:xfrm>
+          <a:prstGeom prst="straightConnector1">
+            <a:avLst/>
+          </a:prstGeom>
+          <a:ln>
+            <a:tailEnd type="triangle"/>
+          </a:ln>
+        </p:spPr>
         <p:style>
-          <a:lnRef idx="2">
-            <a:schemeClr val="accent1">
-              <a:shade val="50000"/>
-            </a:schemeClr>
+          <a:lnRef idx="1">
+            <a:schemeClr val="dk1"/>
           </a:lnRef>
-          <a:fillRef idx="1">
-            <a:schemeClr val="accent1"/>
+          <a:fillRef idx="0">
+            <a:schemeClr val="dk1"/>
           </a:fillRef>
           <a:effectRef idx="0">
-            <a:schemeClr val="accent1"/>
+            <a:schemeClr val="dk1"/>
           </a:effectRef>
           <a:fontRef idx="minor">
-            <a:schemeClr val="lt1"/>
+            <a:schemeClr val="tx1"/>
           </a:fontRef>
         </p:style>
-        <p:txBody>
-          <a:bodyPr rtlCol="0" anchor="ctr"/>
+      </p:cxnSp>
+      <p:sp>
+        <p:nvSpPr>
+          <p:cNvPr id="10" name="TextBox 9"/>
+          <p:cNvSpPr txBox="1"/>
+          <p:nvPr/>
+        </p:nvSpPr>
+        <p:spPr>
+          <a:xfrm>
+            <a:off x="6496050" y="104357"/>
+            <a:ext cx="3001463" cy="369332"/>
+          </a:xfrm>
+          <a:prstGeom prst="rect">
+            <a:avLst/>
+          </a:prstGeom>
+          <a:noFill/>
+        </p:spPr>
+        <p:txBody>
+          <a:bodyPr wrap="none" rtlCol="0">
+            <a:spAutoFit/>
+          </a:bodyPr>
+          <a:lstStyle/>
+          <a:p>
+            <a:r>
+              <a:rPr lang="en-GB" dirty="0" smtClean="0"/>
+              <a:t>Taken from the previous input</a:t>
+            </a:r>
+            <a:endParaRPr lang="en-GB" dirty="0"/>
+          </a:p>
+        </p:txBody>
+      </p:sp>
+      <p:cxnSp>
+        <p:nvCxnSpPr>
+          <p:cNvPr id="12" name="Straight Arrow Connector 11"/>
+          <p:cNvCxnSpPr>
+            <a:endCxn id="7" idx="3"/>
+          </p:cNvCxnSpPr>
+          <p:nvPr/>
+        </p:nvCxnSpPr>
+        <p:spPr>
+          <a:xfrm flipH="1">
+            <a:off x="8782050" y="2650435"/>
+            <a:ext cx="1302854" cy="481143"/>
+          </a:xfrm>
+          <a:prstGeom prst="straightConnector1">
+            <a:avLst/>
+          </a:prstGeom>
+          <a:ln>
+            <a:tailEnd type="triangle"/>
+          </a:ln>
+        </p:spPr>
+        <p:style>
+          <a:lnRef idx="1">
+            <a:schemeClr val="dk1"/>
+          </a:lnRef>
+          <a:fillRef idx="0">
+            <a:schemeClr val="dk1"/>
+          </a:fillRef>
+          <a:effectRef idx="0">
+            <a:schemeClr val="dk1"/>
+          </a:effectRef>
+          <a:fontRef idx="minor">
+            <a:schemeClr val="tx1"/>
+          </a:fontRef>
+        </p:style>
+      </p:cxnSp>
+      <p:sp>
+        <p:nvSpPr>
+          <p:cNvPr id="13" name="TextBox 12"/>
+          <p:cNvSpPr txBox="1"/>
+          <p:nvPr/>
+        </p:nvSpPr>
+        <p:spPr>
+          <a:xfrm>
+            <a:off x="10009032" y="2140388"/>
+            <a:ext cx="2045594" cy="1754326"/>
+          </a:xfrm>
+          <a:prstGeom prst="rect">
+            <a:avLst/>
+          </a:prstGeom>
+          <a:noFill/>
+        </p:spPr>
+        <p:txBody>
+          <a:bodyPr wrap="square" rtlCol="0">
+            <a:spAutoFit/>
+          </a:bodyPr>
+          <a:lstStyle/>
+          <a:p>
+            <a:r>
+              <a:rPr lang="en-GB" dirty="0" smtClean="0"/>
+              <a:t>Will allow ay input, and is just asks for some text to be entered as a reasoning for data change.</a:t>
+            </a:r>
+            <a:endParaRPr lang="en-GB" dirty="0"/>
+          </a:p>
+        </p:txBody>
+      </p:sp>
+      <p:sp>
+        <p:nvSpPr>
+          <p:cNvPr id="14" name="Rectangle 13"/>
+          <p:cNvSpPr/>
+          <p:nvPr/>
+        </p:nvSpPr>
+        <p:spPr>
+          <a:xfrm>
+            <a:off x="0" y="3862468"/>
+            <a:ext cx="3086099" cy="1015663"/>
+          </a:xfrm>
+          <a:prstGeom prst="rect">
+            <a:avLst/>
+          </a:prstGeom>
+          <a:noFill/>
+        </p:spPr>
+        <p:txBody>
+          <a:bodyPr wrap="square" lIns="91440" tIns="45720" rIns="91440" bIns="45720">
+            <a:spAutoFit/>
+          </a:bodyPr>
           <a:lstStyle/>
           <a:p>
             <a:pPr algn="ctr"/>
             <a:r>
-              <a:rPr lang="en-GB" dirty="0" smtClean="0">
-                <a:ln>
-                  <a:solidFill>
-                    <a:sysClr val="windowText" lastClr="000000"/>
-                  </a:solidFill>
-                </a:ln>
+              <a:rPr lang="en-US" sz="3000" b="0" cap="none" spc="0" dirty="0" smtClean="0">
+                <a:ln w="0"/>
                 <a:solidFill>
                   <a:schemeClr val="tx1"/>
                 </a:solidFill>
+                <a:effectLst>
+                  <a:outerShdw blurRad="38100" dist="19050" dir="2700000" algn="tl" rotWithShape="0">
+                    <a:schemeClr val="dk1">
+                      <a:alpha val="40000"/>
+                    </a:schemeClr>
+                  </a:outerShdw>
+                </a:effectLst>
               </a:rPr>
-              <a:t>Surname </a:t>
-            </a:r>
-            <a:endParaRPr lang="en-GB" dirty="0">
-              <a:ln>
-                <a:solidFill>
-                  <a:sysClr val="windowText" lastClr="000000"/>
-                </a:solidFill>
-              </a:ln>
+              <a:t>Reason for detail change </a:t>
+            </a:r>
+            <a:endParaRPr lang="en-US" sz="3000" b="0" cap="none" spc="0" dirty="0">
+              <a:ln w="0"/>
               <a:solidFill>
                 <a:schemeClr val="tx1"/>
               </a:solidFill>
-            </a:endParaRPr>
-          </a:p>
-        </p:txBody>
-      </p:sp>
-      <p:sp>
-        <p:nvSpPr>
-          <p:cNvPr id="41" name="Rectangle 40"/>
-          <p:cNvSpPr/>
-          <p:nvPr/>
-        </p:nvSpPr>
-        <p:spPr>
-          <a:xfrm>
-            <a:off x="1955412" y="3984400"/>
-            <a:ext cx="742950" cy="381000"/>
-          </a:xfrm>
-          <a:prstGeom prst="rect">
-            <a:avLst/>
-          </a:prstGeom>
-          <a:solidFill>
-            <a:schemeClr val="bg1"/>
-          </a:solidFill>
-          <a:ln>
-            <a:solidFill>
-              <a:schemeClr val="tx1"/>
-            </a:solidFill>
-          </a:ln>
-        </p:spPr>
-        <p:style>
-          <a:lnRef idx="2">
-            <a:schemeClr val="accent1">
-              <a:shade val="50000"/>
-            </a:schemeClr>
-          </a:lnRef>
-          <a:fillRef idx="1">
-            <a:schemeClr val="accent1"/>
-          </a:fillRef>
-          <a:effectRef idx="0">
-            <a:schemeClr val="accent1"/>
-          </a:effectRef>
-          <a:fontRef idx="minor">
-            <a:schemeClr val="lt1"/>
-          </a:fontRef>
-        </p:style>
-        <p:txBody>
-          <a:bodyPr rtlCol="0" anchor="ctr"/>
-          <a:lstStyle/>
-          <a:p>
-            <a:pPr algn="ctr"/>
-            <a:r>
-              <a:rPr lang="en-GB" dirty="0" smtClean="0">
-                <a:ln>
-                  <a:solidFill>
-                    <a:sysClr val="windowText" lastClr="000000"/>
-                  </a:solidFill>
-                </a:ln>
-                <a:solidFill>
-                  <a:schemeClr val="tx1"/>
-                </a:solidFill>
-              </a:rPr>
-              <a:t>D.O.B</a:t>
-            </a:r>
-            <a:endParaRPr lang="en-GB" dirty="0">
-              <a:ln>
-                <a:solidFill>
-                  <a:sysClr val="windowText" lastClr="000000"/>
-                </a:solidFill>
-              </a:ln>
-              <a:solidFill>
-                <a:schemeClr val="tx1"/>
-              </a:solidFill>
-            </a:endParaRPr>
-          </a:p>
-        </p:txBody>
-      </p:sp>
-      <p:sp>
-        <p:nvSpPr>
-          <p:cNvPr id="42" name="Rectangle 41"/>
-          <p:cNvSpPr/>
-          <p:nvPr/>
-        </p:nvSpPr>
-        <p:spPr>
-          <a:xfrm>
-            <a:off x="3079362" y="3960588"/>
-            <a:ext cx="1933575" cy="390525"/>
-          </a:xfrm>
-          <a:prstGeom prst="rect">
-            <a:avLst/>
-          </a:prstGeom>
-          <a:solidFill>
-            <a:schemeClr val="bg1"/>
-          </a:solidFill>
-          <a:ln>
-            <a:solidFill>
-              <a:schemeClr val="tx1"/>
-            </a:solidFill>
-          </a:ln>
-        </p:spPr>
-        <p:style>
-          <a:lnRef idx="2">
-            <a:schemeClr val="accent1">
-              <a:shade val="50000"/>
-            </a:schemeClr>
-          </a:lnRef>
-          <a:fillRef idx="1">
-            <a:schemeClr val="accent1"/>
-          </a:fillRef>
-          <a:effectRef idx="0">
-            <a:schemeClr val="accent1"/>
-          </a:effectRef>
-          <a:fontRef idx="minor">
-            <a:schemeClr val="lt1"/>
-          </a:fontRef>
-        </p:style>
-        <p:txBody>
-          <a:bodyPr rtlCol="0" anchor="ctr"/>
-          <a:lstStyle/>
-          <a:p>
-            <a:pPr algn="ctr"/>
-            <a:r>
-              <a:rPr lang="en-GB" dirty="0" smtClean="0">
-                <a:ln>
-                  <a:solidFill>
-                    <a:sysClr val="windowText" lastClr="000000"/>
-                  </a:solidFill>
-                </a:ln>
-                <a:solidFill>
-                  <a:schemeClr val="tx1"/>
-                </a:solidFill>
-              </a:rPr>
-              <a:t>Address Line 1</a:t>
-            </a:r>
-            <a:endParaRPr lang="en-GB" dirty="0">
-              <a:ln>
-                <a:solidFill>
-                  <a:sysClr val="windowText" lastClr="000000"/>
-                </a:solidFill>
-              </a:ln>
-              <a:solidFill>
-                <a:schemeClr val="tx1"/>
-              </a:solidFill>
-            </a:endParaRPr>
-          </a:p>
-        </p:txBody>
-      </p:sp>
-      <p:sp>
-        <p:nvSpPr>
-          <p:cNvPr id="43" name="Rectangle 42"/>
-          <p:cNvSpPr/>
-          <p:nvPr/>
-        </p:nvSpPr>
-        <p:spPr>
-          <a:xfrm>
-            <a:off x="5227249" y="3960588"/>
-            <a:ext cx="1304926" cy="361950"/>
-          </a:xfrm>
-          <a:prstGeom prst="rect">
-            <a:avLst/>
-          </a:prstGeom>
-          <a:solidFill>
-            <a:schemeClr val="bg1"/>
-          </a:solidFill>
-          <a:ln>
-            <a:solidFill>
-              <a:schemeClr val="tx1"/>
-            </a:solidFill>
-          </a:ln>
-        </p:spPr>
-        <p:style>
-          <a:lnRef idx="2">
-            <a:schemeClr val="accent1">
-              <a:shade val="50000"/>
-            </a:schemeClr>
-          </a:lnRef>
-          <a:fillRef idx="1">
-            <a:schemeClr val="accent1"/>
-          </a:fillRef>
-          <a:effectRef idx="0">
-            <a:schemeClr val="accent1"/>
-          </a:effectRef>
-          <a:fontRef idx="minor">
-            <a:schemeClr val="lt1"/>
-          </a:fontRef>
-        </p:style>
-        <p:txBody>
-          <a:bodyPr rtlCol="0" anchor="ctr"/>
-          <a:lstStyle/>
-          <a:p>
-            <a:pPr algn="ctr"/>
-            <a:r>
-              <a:rPr lang="en-GB" dirty="0" smtClean="0">
-                <a:ln>
-                  <a:solidFill>
-                    <a:sysClr val="windowText" lastClr="000000"/>
-                  </a:solidFill>
-                </a:ln>
-                <a:solidFill>
-                  <a:schemeClr val="tx1"/>
-                </a:solidFill>
-              </a:rPr>
-              <a:t>Postcode </a:t>
-            </a:r>
-            <a:endParaRPr lang="en-GB" dirty="0">
-              <a:ln>
-                <a:solidFill>
-                  <a:sysClr val="windowText" lastClr="000000"/>
-                </a:solidFill>
-              </a:ln>
-              <a:solidFill>
-                <a:schemeClr val="tx1"/>
-              </a:solidFill>
-            </a:endParaRPr>
-          </a:p>
-        </p:txBody>
-      </p:sp>
-      <p:sp>
-        <p:nvSpPr>
-          <p:cNvPr id="44" name="Rectangle 43"/>
-          <p:cNvSpPr/>
-          <p:nvPr/>
-        </p:nvSpPr>
-        <p:spPr>
-          <a:xfrm>
-            <a:off x="6822687" y="3910581"/>
-            <a:ext cx="1071562" cy="490537"/>
-          </a:xfrm>
-          <a:prstGeom prst="rect">
-            <a:avLst/>
-          </a:prstGeom>
-          <a:solidFill>
-            <a:schemeClr val="bg1"/>
-          </a:solidFill>
-          <a:ln>
-            <a:solidFill>
-              <a:schemeClr val="tx1"/>
-            </a:solidFill>
-          </a:ln>
-        </p:spPr>
-        <p:style>
-          <a:lnRef idx="2">
-            <a:schemeClr val="accent1">
-              <a:shade val="50000"/>
-            </a:schemeClr>
-          </a:lnRef>
-          <a:fillRef idx="1">
-            <a:schemeClr val="accent1"/>
-          </a:fillRef>
-          <a:effectRef idx="0">
-            <a:schemeClr val="accent1"/>
-          </a:effectRef>
-          <a:fontRef idx="minor">
-            <a:schemeClr val="lt1"/>
-          </a:fontRef>
-        </p:style>
-        <p:txBody>
-          <a:bodyPr rtlCol="0" anchor="ctr"/>
-          <a:lstStyle/>
-          <a:p>
-            <a:pPr algn="ctr"/>
-            <a:r>
-              <a:rPr lang="en-GB" sz="1200" dirty="0" smtClean="0">
-                <a:ln>
-                  <a:solidFill>
-                    <a:sysClr val="windowText" lastClr="000000"/>
-                  </a:solidFill>
-                </a:ln>
-                <a:solidFill>
-                  <a:schemeClr val="tx1"/>
-                </a:solidFill>
-              </a:rPr>
-              <a:t>County &amp; Country</a:t>
-            </a:r>
-            <a:endParaRPr lang="en-GB" sz="1200" dirty="0">
-              <a:ln>
-                <a:solidFill>
-                  <a:sysClr val="windowText" lastClr="000000"/>
-                </a:solidFill>
-              </a:ln>
-              <a:solidFill>
-                <a:schemeClr val="tx1"/>
-              </a:solidFill>
-            </a:endParaRPr>
-          </a:p>
-        </p:txBody>
-      </p:sp>
-      <p:sp>
-        <p:nvSpPr>
-          <p:cNvPr id="45" name="Rectangle 44"/>
-          <p:cNvSpPr/>
-          <p:nvPr/>
-        </p:nvSpPr>
-        <p:spPr>
-          <a:xfrm>
-            <a:off x="2698363" y="4614760"/>
-            <a:ext cx="2019300" cy="381000"/>
-          </a:xfrm>
-          <a:prstGeom prst="rect">
-            <a:avLst/>
-          </a:prstGeom>
-          <a:solidFill>
-            <a:schemeClr val="bg1"/>
-          </a:solidFill>
-          <a:ln>
-            <a:solidFill>
-              <a:schemeClr val="tx1"/>
-            </a:solidFill>
-          </a:ln>
-        </p:spPr>
-        <p:style>
-          <a:lnRef idx="2">
-            <a:schemeClr val="accent1">
-              <a:shade val="50000"/>
-            </a:schemeClr>
-          </a:lnRef>
-          <a:fillRef idx="1">
-            <a:schemeClr val="accent1"/>
-          </a:fillRef>
-          <a:effectRef idx="0">
-            <a:schemeClr val="accent1"/>
-          </a:effectRef>
-          <a:fontRef idx="minor">
-            <a:schemeClr val="lt1"/>
-          </a:fontRef>
-        </p:style>
-        <p:txBody>
-          <a:bodyPr rtlCol="0" anchor="ctr"/>
-          <a:lstStyle/>
-          <a:p>
-            <a:pPr algn="ctr"/>
-            <a:r>
-              <a:rPr lang="en-GB" dirty="0" smtClean="0">
-                <a:ln>
-                  <a:solidFill>
-                    <a:sysClr val="windowText" lastClr="000000"/>
-                  </a:solidFill>
-                </a:ln>
-                <a:solidFill>
-                  <a:schemeClr val="tx1"/>
-                </a:solidFill>
-              </a:rPr>
-              <a:t>Company start date </a:t>
-            </a:r>
-            <a:endParaRPr lang="en-GB" dirty="0">
-              <a:ln>
-                <a:solidFill>
-                  <a:sysClr val="windowText" lastClr="000000"/>
-                </a:solidFill>
-              </a:ln>
-              <a:solidFill>
-                <a:schemeClr val="tx1"/>
-              </a:solidFill>
-            </a:endParaRPr>
-          </a:p>
-        </p:txBody>
-      </p:sp>
-      <p:sp>
-        <p:nvSpPr>
-          <p:cNvPr id="46" name="Rectangle 45"/>
-          <p:cNvSpPr/>
-          <p:nvPr/>
-        </p:nvSpPr>
-        <p:spPr>
-          <a:xfrm>
-            <a:off x="5227249" y="4574951"/>
-            <a:ext cx="1737977" cy="381000"/>
-          </a:xfrm>
-          <a:prstGeom prst="rect">
-            <a:avLst/>
-          </a:prstGeom>
-          <a:solidFill>
-            <a:schemeClr val="bg1"/>
-          </a:solidFill>
-          <a:ln>
-            <a:solidFill>
-              <a:schemeClr val="tx1"/>
-            </a:solidFill>
-          </a:ln>
-        </p:spPr>
-        <p:style>
-          <a:lnRef idx="2">
-            <a:schemeClr val="accent1">
-              <a:shade val="50000"/>
-            </a:schemeClr>
-          </a:lnRef>
-          <a:fillRef idx="1">
-            <a:schemeClr val="accent1"/>
-          </a:fillRef>
-          <a:effectRef idx="0">
-            <a:schemeClr val="accent1"/>
-          </a:effectRef>
-          <a:fontRef idx="minor">
-            <a:schemeClr val="lt1"/>
-          </a:fontRef>
-        </p:style>
-        <p:txBody>
-          <a:bodyPr rtlCol="0" anchor="ctr"/>
-          <a:lstStyle/>
-          <a:p>
-            <a:pPr algn="ctr"/>
-            <a:r>
-              <a:rPr lang="en-GB" dirty="0" smtClean="0">
-                <a:ln>
-                  <a:solidFill>
-                    <a:sysClr val="windowText" lastClr="000000"/>
-                  </a:solidFill>
-                </a:ln>
-                <a:solidFill>
-                  <a:schemeClr val="tx1"/>
-                </a:solidFill>
-              </a:rPr>
-              <a:t>Company role </a:t>
-            </a:r>
-            <a:endParaRPr lang="en-GB" dirty="0">
-              <a:ln>
-                <a:solidFill>
-                  <a:sysClr val="windowText" lastClr="000000"/>
-                </a:solidFill>
-              </a:ln>
-              <a:solidFill>
-                <a:schemeClr val="tx1"/>
-              </a:solidFill>
-            </a:endParaRPr>
-          </a:p>
-        </p:txBody>
-      </p:sp>
-      <p:sp>
-        <p:nvSpPr>
-          <p:cNvPr id="51" name="Rectangle 50"/>
-          <p:cNvSpPr/>
-          <p:nvPr/>
-        </p:nvSpPr>
-        <p:spPr>
-          <a:xfrm>
-            <a:off x="3974712" y="5219598"/>
-            <a:ext cx="2019300" cy="498353"/>
-          </a:xfrm>
-          <a:prstGeom prst="rect">
-            <a:avLst/>
-          </a:prstGeom>
-          <a:solidFill>
-            <a:schemeClr val="bg1"/>
-          </a:solidFill>
-          <a:ln>
-            <a:solidFill>
-              <a:schemeClr val="tx1"/>
-            </a:solidFill>
-          </a:ln>
-        </p:spPr>
-        <p:style>
-          <a:lnRef idx="2">
-            <a:schemeClr val="accent1">
-              <a:shade val="50000"/>
-            </a:schemeClr>
-          </a:lnRef>
-          <a:fillRef idx="1">
-            <a:schemeClr val="accent1"/>
-          </a:fillRef>
-          <a:effectRef idx="0">
-            <a:schemeClr val="accent1"/>
-          </a:effectRef>
-          <a:fontRef idx="minor">
-            <a:schemeClr val="lt1"/>
-          </a:fontRef>
-        </p:style>
-        <p:txBody>
-          <a:bodyPr rtlCol="0" anchor="ctr"/>
-          <a:lstStyle/>
-          <a:p>
-            <a:pPr algn="ctr"/>
-            <a:r>
-              <a:rPr lang="en-GB" dirty="0" smtClean="0">
-                <a:ln>
-                  <a:solidFill>
-                    <a:sysClr val="windowText" lastClr="000000"/>
-                  </a:solidFill>
-                </a:ln>
-                <a:solidFill>
-                  <a:schemeClr val="tx1"/>
-                </a:solidFill>
-              </a:rPr>
-              <a:t>Add User user</a:t>
-            </a:r>
-            <a:endParaRPr lang="en-GB" dirty="0">
-              <a:ln>
-                <a:solidFill>
-                  <a:sysClr val="windowText" lastClr="000000"/>
-                </a:solidFill>
-              </a:ln>
-              <a:solidFill>
-                <a:schemeClr val="tx1"/>
-              </a:solidFill>
-            </a:endParaRPr>
-          </a:p>
-        </p:txBody>
-      </p:sp>
-      <p:sp>
-        <p:nvSpPr>
-          <p:cNvPr id="2" name="TextBox 1"/>
-          <p:cNvSpPr txBox="1"/>
-          <p:nvPr/>
-        </p:nvSpPr>
-        <p:spPr>
-          <a:xfrm>
-            <a:off x="3079362" y="362163"/>
-            <a:ext cx="9413283" cy="369332"/>
-          </a:xfrm>
-          <a:prstGeom prst="rect">
-            <a:avLst/>
-          </a:prstGeom>
-          <a:noFill/>
-        </p:spPr>
-        <p:txBody>
-          <a:bodyPr wrap="none" rtlCol="0">
-            <a:spAutoFit/>
-          </a:bodyPr>
-          <a:lstStyle/>
-          <a:p>
-            <a:r>
-              <a:rPr lang="en-GB" dirty="0" smtClean="0"/>
-              <a:t>All fields will be blank, and once all </a:t>
-            </a:r>
-            <a:r>
-              <a:rPr lang="en-GB" dirty="0" err="1" smtClean="0"/>
-              <a:t>fileds</a:t>
-            </a:r>
-            <a:r>
-              <a:rPr lang="en-GB" dirty="0" smtClean="0"/>
-              <a:t> are filled in, the message box ‘ record added’ will appear </a:t>
-            </a:r>
-            <a:endParaRPr lang="en-GB" dirty="0"/>
-          </a:p>
-        </p:txBody>
-      </p:sp>
-      <p:sp>
-        <p:nvSpPr>
-          <p:cNvPr id="17" name="Rectangle 16"/>
-          <p:cNvSpPr/>
-          <p:nvPr/>
-        </p:nvSpPr>
-        <p:spPr>
-          <a:xfrm>
-            <a:off x="4656248" y="1041311"/>
-            <a:ext cx="1409700" cy="381000"/>
-          </a:xfrm>
-          <a:prstGeom prst="rect">
-            <a:avLst/>
-          </a:prstGeom>
-          <a:solidFill>
-            <a:schemeClr val="bg1"/>
-          </a:solidFill>
-          <a:ln>
-            <a:solidFill>
-              <a:schemeClr val="tx1"/>
-            </a:solidFill>
-          </a:ln>
-        </p:spPr>
-        <p:style>
-          <a:lnRef idx="2">
-            <a:schemeClr val="accent1">
-              <a:shade val="50000"/>
-            </a:schemeClr>
-          </a:lnRef>
-          <a:fillRef idx="1">
-            <a:schemeClr val="accent1"/>
-          </a:fillRef>
-          <a:effectRef idx="0">
-            <a:schemeClr val="accent1"/>
-          </a:effectRef>
-          <a:fontRef idx="minor">
-            <a:schemeClr val="lt1"/>
-          </a:fontRef>
-        </p:style>
-        <p:txBody>
-          <a:bodyPr rtlCol="0" anchor="ctr"/>
-          <a:lstStyle/>
-          <a:p>
-            <a:pPr algn="ctr"/>
-            <a:r>
-              <a:rPr lang="en-GB" dirty="0" smtClean="0">
-                <a:ln>
-                  <a:solidFill>
-                    <a:sysClr val="windowText" lastClr="000000"/>
-                  </a:solidFill>
-                </a:ln>
-                <a:solidFill>
-                  <a:schemeClr val="tx1"/>
-                </a:solidFill>
-              </a:rPr>
-              <a:t>Employee ID</a:t>
-            </a:r>
-            <a:endParaRPr lang="en-GB" dirty="0">
-              <a:ln>
-                <a:solidFill>
-                  <a:sysClr val="windowText" lastClr="000000"/>
-                </a:solidFill>
-              </a:ln>
-              <a:solidFill>
-                <a:schemeClr val="tx1"/>
-              </a:solidFill>
+              <a:effectLst>
+                <a:outerShdw blurRad="38100" dist="19050" dir="2700000" algn="tl" rotWithShape="0">
+                  <a:schemeClr val="dk1">
+                    <a:alpha val="40000"/>
+                  </a:schemeClr>
+                </a:outerShdw>
+              </a:effectLst>
             </a:endParaRPr>
           </a:p>
         </p:txBody>
@@ -8000,7 +8155,7 @@
     </p:spTree>
     <p:extLst>
       <p:ext uri="{BB962C8B-B14F-4D97-AF65-F5344CB8AC3E}">
-        <p14:creationId xmlns:p14="http://schemas.microsoft.com/office/powerpoint/2010/main" val="1763529546"/>
+        <p14:creationId xmlns:p14="http://schemas.microsoft.com/office/powerpoint/2010/main" val="1570146582"/>
       </p:ext>
     </p:extLst>
   </p:cSld>
@@ -8029,13 +8184,99 @@
       </p:grpSpPr>
       <p:sp>
         <p:nvSpPr>
-          <p:cNvPr id="47" name="Rectangle 46"/>
+          <p:cNvPr id="4" name="Rectangle 3"/>
           <p:cNvSpPr/>
           <p:nvPr/>
         </p:nvSpPr>
         <p:spPr>
           <a:xfrm>
-            <a:off x="3086100" y="933450"/>
+            <a:off x="8394312" y="1714163"/>
+            <a:ext cx="3631842" cy="1755888"/>
+          </a:xfrm>
+          <a:prstGeom prst="rect">
+            <a:avLst/>
+          </a:prstGeom>
+        </p:spPr>
+        <p:style>
+          <a:lnRef idx="2">
+            <a:schemeClr val="dk1"/>
+          </a:lnRef>
+          <a:fillRef idx="1">
+            <a:schemeClr val="lt1"/>
+          </a:fillRef>
+          <a:effectRef idx="0">
+            <a:schemeClr val="dk1"/>
+          </a:effectRef>
+          <a:fontRef idx="minor">
+            <a:schemeClr val="dk1"/>
+          </a:fontRef>
+        </p:style>
+        <p:txBody>
+          <a:bodyPr rtlCol="0" anchor="ctr"/>
+          <a:lstStyle/>
+          <a:p>
+            <a:pPr algn="ctr"/>
+            <a:r>
+              <a:rPr lang="en-GB" dirty="0" smtClean="0"/>
+              <a:t>Record Added</a:t>
+            </a:r>
+            <a:endParaRPr lang="en-GB" dirty="0"/>
+          </a:p>
+        </p:txBody>
+      </p:sp>
+      <p:sp>
+        <p:nvSpPr>
+          <p:cNvPr id="5" name="TextBox 4"/>
+          <p:cNvSpPr txBox="1"/>
+          <p:nvPr/>
+        </p:nvSpPr>
+        <p:spPr>
+          <a:xfrm>
+            <a:off x="9420657" y="2872430"/>
+            <a:ext cx="1579151" cy="369332"/>
+          </a:xfrm>
+          <a:prstGeom prst="rect">
+            <a:avLst/>
+          </a:prstGeom>
+        </p:spPr>
+        <p:style>
+          <a:lnRef idx="2">
+            <a:schemeClr val="dk1"/>
+          </a:lnRef>
+          <a:fillRef idx="1">
+            <a:schemeClr val="lt1"/>
+          </a:fillRef>
+          <a:effectRef idx="0">
+            <a:schemeClr val="dk1"/>
+          </a:effectRef>
+          <a:fontRef idx="minor">
+            <a:schemeClr val="dk1"/>
+          </a:fontRef>
+        </p:style>
+        <p:txBody>
+          <a:bodyPr wrap="square" rtlCol="0">
+            <a:spAutoFit/>
+          </a:bodyPr>
+          <a:lstStyle/>
+          <a:p>
+            <a:pPr algn="ctr"/>
+            <a:r>
+              <a:rPr lang="en-GB" dirty="0" smtClean="0"/>
+              <a:t>Okay</a:t>
+            </a:r>
+            <a:endParaRPr lang="en-GB" dirty="0"/>
+          </a:p>
+        </p:txBody>
+      </p:sp>
+      <p:sp>
+        <p:nvSpPr>
+          <p:cNvPr id="36" name="Rectangle 35"/>
+          <p:cNvSpPr/>
+          <p:nvPr/>
+        </p:nvSpPr>
+        <p:spPr>
+          <a:xfrm>
+            <a:off x="1574412" y="1603151"/>
             <a:ext cx="6610350" cy="4476750"/>
           </a:xfrm>
           <a:prstGeom prst="rect">
@@ -8077,13 +8318,13 @@
       </p:sp>
       <p:sp>
         <p:nvSpPr>
-          <p:cNvPr id="48" name="Rectangle 47"/>
+          <p:cNvPr id="37" name="Rectangle 36"/>
           <p:cNvSpPr/>
           <p:nvPr/>
         </p:nvSpPr>
         <p:spPr>
           <a:xfrm>
-            <a:off x="4210050" y="1257300"/>
+            <a:off x="2698362" y="1927001"/>
             <a:ext cx="4572000" cy="609600"/>
           </a:xfrm>
           <a:prstGeom prst="rect">
@@ -8137,13 +8378,13 @@
       </p:sp>
       <p:sp>
         <p:nvSpPr>
-          <p:cNvPr id="49" name="Rectangle 48"/>
+          <p:cNvPr id="38" name="Rectangle 37"/>
           <p:cNvSpPr/>
           <p:nvPr/>
         </p:nvSpPr>
         <p:spPr>
           <a:xfrm>
-            <a:off x="3467100" y="2419350"/>
+            <a:off x="1955412" y="3089051"/>
             <a:ext cx="742950" cy="381000"/>
           </a:xfrm>
           <a:prstGeom prst="rect">
@@ -8207,13 +8448,13 @@
       </p:sp>
       <p:sp>
         <p:nvSpPr>
-          <p:cNvPr id="50" name="Rectangle 49"/>
+          <p:cNvPr id="39" name="Rectangle 38"/>
           <p:cNvSpPr/>
           <p:nvPr/>
         </p:nvSpPr>
         <p:spPr>
           <a:xfrm>
-            <a:off x="4819650" y="2419350"/>
+            <a:off x="3307962" y="3089051"/>
             <a:ext cx="1409700" cy="381000"/>
           </a:xfrm>
           <a:prstGeom prst="rect">
@@ -8277,13 +8518,13 @@
       </p:sp>
       <p:sp>
         <p:nvSpPr>
-          <p:cNvPr id="51" name="Rectangle 50"/>
+          <p:cNvPr id="40" name="Rectangle 39"/>
           <p:cNvSpPr/>
           <p:nvPr/>
         </p:nvSpPr>
         <p:spPr>
           <a:xfrm>
-            <a:off x="6838950" y="2419350"/>
+            <a:off x="5327262" y="3089051"/>
             <a:ext cx="1409700" cy="361950"/>
           </a:xfrm>
           <a:prstGeom prst="rect">
@@ -8347,13 +8588,13 @@
       </p:sp>
       <p:sp>
         <p:nvSpPr>
-          <p:cNvPr id="52" name="Rectangle 51"/>
+          <p:cNvPr id="41" name="Rectangle 40"/>
           <p:cNvSpPr/>
           <p:nvPr/>
         </p:nvSpPr>
         <p:spPr>
           <a:xfrm>
-            <a:off x="3467100" y="3314699"/>
+            <a:off x="1955412" y="3984400"/>
             <a:ext cx="742950" cy="381000"/>
           </a:xfrm>
           <a:prstGeom prst="rect">
@@ -8417,13 +8658,13 @@
       </p:sp>
       <p:sp>
         <p:nvSpPr>
-          <p:cNvPr id="53" name="Rectangle 52"/>
+          <p:cNvPr id="42" name="Rectangle 41"/>
           <p:cNvSpPr/>
           <p:nvPr/>
         </p:nvSpPr>
         <p:spPr>
           <a:xfrm>
-            <a:off x="4591050" y="3290887"/>
+            <a:off x="3079362" y="3960588"/>
             <a:ext cx="1933575" cy="390525"/>
           </a:xfrm>
           <a:prstGeom prst="rect">
@@ -8487,13 +8728,13 @@
       </p:sp>
       <p:sp>
         <p:nvSpPr>
-          <p:cNvPr id="54" name="Rectangle 53"/>
+          <p:cNvPr id="43" name="Rectangle 42"/>
           <p:cNvSpPr/>
           <p:nvPr/>
         </p:nvSpPr>
         <p:spPr>
           <a:xfrm>
-            <a:off x="6738937" y="3290887"/>
+            <a:off x="5227249" y="3960588"/>
             <a:ext cx="1304926" cy="361950"/>
           </a:xfrm>
           <a:prstGeom prst="rect">
@@ -8557,13 +8798,13 @@
       </p:sp>
       <p:sp>
         <p:nvSpPr>
-          <p:cNvPr id="55" name="Rectangle 54"/>
+          <p:cNvPr id="44" name="Rectangle 43"/>
           <p:cNvSpPr/>
           <p:nvPr/>
         </p:nvSpPr>
         <p:spPr>
           <a:xfrm>
-            <a:off x="8334375" y="3240880"/>
+            <a:off x="6822687" y="3910581"/>
             <a:ext cx="1071562" cy="490537"/>
           </a:xfrm>
           <a:prstGeom prst="rect">
@@ -8627,13 +8868,13 @@
       </p:sp>
       <p:sp>
         <p:nvSpPr>
-          <p:cNvPr id="56" name="Rectangle 55"/>
+          <p:cNvPr id="45" name="Rectangle 44"/>
           <p:cNvSpPr/>
           <p:nvPr/>
         </p:nvSpPr>
         <p:spPr>
           <a:xfrm>
-            <a:off x="4210051" y="3945059"/>
+            <a:off x="2698363" y="4614760"/>
             <a:ext cx="2019300" cy="381000"/>
           </a:xfrm>
           <a:prstGeom prst="rect">
@@ -8697,13 +8938,13 @@
       </p:sp>
       <p:sp>
         <p:nvSpPr>
-          <p:cNvPr id="57" name="Rectangle 56"/>
+          <p:cNvPr id="46" name="Rectangle 45"/>
           <p:cNvSpPr/>
           <p:nvPr/>
         </p:nvSpPr>
         <p:spPr>
           <a:xfrm>
-            <a:off x="6738937" y="3905250"/>
+            <a:off x="5227249" y="4574951"/>
             <a:ext cx="1737977" cy="381000"/>
           </a:xfrm>
           <a:prstGeom prst="rect">
@@ -8767,13 +9008,13 @@
       </p:sp>
       <p:sp>
         <p:nvSpPr>
-          <p:cNvPr id="58" name="Rectangle 57"/>
+          <p:cNvPr id="51" name="Rectangle 50"/>
           <p:cNvSpPr/>
           <p:nvPr/>
         </p:nvSpPr>
         <p:spPr>
           <a:xfrm>
-            <a:off x="5486400" y="4607045"/>
+            <a:off x="3974712" y="5219598"/>
             <a:ext cx="2019300" cy="498353"/>
           </a:xfrm>
           <a:prstGeom prst="rect">
@@ -8820,7 +9061,7 @@
                   <a:schemeClr val="tx1"/>
                 </a:solidFill>
               </a:rPr>
-              <a:t>Change Information </a:t>
+              <a:t>Add User user</a:t>
             </a:r>
             <a:endParaRPr lang="en-GB" dirty="0">
               <a:ln>
@@ -8837,14 +9078,52 @@
       </p:sp>
       <p:sp>
         <p:nvSpPr>
-          <p:cNvPr id="77" name="Rectangle 76"/>
+          <p:cNvPr id="2" name="TextBox 1"/>
+          <p:cNvSpPr txBox="1"/>
+          <p:nvPr/>
+        </p:nvSpPr>
+        <p:spPr>
+          <a:xfrm>
+            <a:off x="3079362" y="362163"/>
+            <a:ext cx="9413283" cy="369332"/>
+          </a:xfrm>
+          <a:prstGeom prst="rect">
+            <a:avLst/>
+          </a:prstGeom>
+          <a:noFill/>
+        </p:spPr>
+        <p:txBody>
+          <a:bodyPr wrap="none" rtlCol="0">
+            <a:spAutoFit/>
+          </a:bodyPr>
+          <a:lstStyle/>
+          <a:p>
+            <a:r>
+              <a:rPr lang="en-GB" dirty="0" smtClean="0"/>
+              <a:t>All fields will be blank, and once all </a:t>
+            </a:r>
+            <a:r>
+              <a:rPr lang="en-GB" dirty="0" err="1" smtClean="0"/>
+              <a:t>fileds</a:t>
+            </a:r>
+            <a:r>
+              <a:rPr lang="en-GB" dirty="0" smtClean="0"/>
+              <a:t> are filled in, the message box ‘ record added’ will appear </a:t>
+            </a:r>
+            <a:endParaRPr lang="en-GB" dirty="0"/>
+          </a:p>
+        </p:txBody>
+      </p:sp>
+      <p:sp>
+        <p:nvSpPr>
+          <p:cNvPr id="17" name="Rectangle 16"/>
           <p:cNvSpPr/>
           <p:nvPr/>
         </p:nvSpPr>
         <p:spPr>
           <a:xfrm>
-            <a:off x="3357026" y="4606957"/>
-            <a:ext cx="2019300" cy="498353"/>
+            <a:off x="4656248" y="1041311"/>
+            <a:ext cx="1409700" cy="381000"/>
           </a:xfrm>
           <a:prstGeom prst="rect">
             <a:avLst/>
@@ -8890,7 +9169,7 @@
                   <a:schemeClr val="tx1"/>
                 </a:solidFill>
               </a:rPr>
-              <a:t>Delete user</a:t>
+              <a:t>Employee ID</a:t>
             </a:r>
             <a:endParaRPr lang="en-GB" dirty="0">
               <a:ln>
@@ -8905,16 +9184,46 @@
           </a:p>
         </p:txBody>
       </p:sp>
-      <p:sp>
-        <p:nvSpPr>
-          <p:cNvPr id="78" name="Rectangle 77"/>
+    </p:spTree>
+    <p:extLst>
+      <p:ext uri="{BB962C8B-B14F-4D97-AF65-F5344CB8AC3E}">
+        <p14:creationId xmlns:p14="http://schemas.microsoft.com/office/powerpoint/2010/main" val="1763529546"/>
+      </p:ext>
+    </p:extLst>
+  </p:cSld>
+  <p:clrMapOvr>
+    <a:masterClrMapping/>
+  </p:clrMapOvr>
+</p:sld>
+</file>
+
+<file path=ppt/slides/slide7.xml><?xml version="1.0" encoding="utf-8"?>
+<p:sld xmlns:a="http://schemas.openxmlformats.org/drawingml/2006/main" xmlns:r="http://schemas.openxmlformats.org/officeDocument/2006/relationships" xmlns:p="http://schemas.openxmlformats.org/presentationml/2006/main">
+  <p:cSld>
+    <p:spTree>
+      <p:nvGrpSpPr>
+        <p:cNvPr id="1" name=""/>
+        <p:cNvGrpSpPr/>
+        <p:nvPr/>
+      </p:nvGrpSpPr>
+      <p:grpSpPr>
+        <a:xfrm>
+          <a:off x="0" y="0"/>
+          <a:ext cx="0" cy="0"/>
+          <a:chOff x="0" y="0"/>
+          <a:chExt cx="0" cy="0"/>
+        </a:xfrm>
+      </p:grpSpPr>
+      <p:sp>
+        <p:nvSpPr>
+          <p:cNvPr id="47" name="Rectangle 46"/>
           <p:cNvSpPr/>
           <p:nvPr/>
         </p:nvSpPr>
         <p:spPr>
           <a:xfrm>
-            <a:off x="7570363" y="4602954"/>
-            <a:ext cx="2019300" cy="498353"/>
+            <a:off x="3086100" y="933450"/>
+            <a:ext cx="6610350" cy="4476750"/>
           </a:xfrm>
           <a:prstGeom prst="rect">
             <a:avLst/>
@@ -8949,6 +9258,884 @@
           <a:lstStyle/>
           <a:p>
             <a:pPr algn="ctr"/>
+            <a:endParaRPr lang="en-GB" dirty="0"/>
+          </a:p>
+        </p:txBody>
+      </p:sp>
+      <p:sp>
+        <p:nvSpPr>
+          <p:cNvPr id="48" name="Rectangle 47"/>
+          <p:cNvSpPr/>
+          <p:nvPr/>
+        </p:nvSpPr>
+        <p:spPr>
+          <a:xfrm>
+            <a:off x="4210050" y="1257300"/>
+            <a:ext cx="4572000" cy="609600"/>
+          </a:xfrm>
+          <a:prstGeom prst="rect">
+            <a:avLst/>
+          </a:prstGeom>
+          <a:solidFill>
+            <a:schemeClr val="bg1"/>
+          </a:solidFill>
+          <a:ln>
+            <a:solidFill>
+              <a:schemeClr val="tx1"/>
+            </a:solidFill>
+          </a:ln>
+        </p:spPr>
+        <p:style>
+          <a:lnRef idx="2">
+            <a:schemeClr val="accent1">
+              <a:shade val="50000"/>
+            </a:schemeClr>
+          </a:lnRef>
+          <a:fillRef idx="1">
+            <a:schemeClr val="accent1"/>
+          </a:fillRef>
+          <a:effectRef idx="0">
+            <a:schemeClr val="accent1"/>
+          </a:effectRef>
+          <a:fontRef idx="minor">
+            <a:schemeClr val="lt1"/>
+          </a:fontRef>
+        </p:style>
+        <p:txBody>
+          <a:bodyPr rtlCol="0" anchor="ctr"/>
+          <a:lstStyle/>
+          <a:p>
+            <a:pPr algn="ctr"/>
+            <a:r>
+              <a:rPr lang="en-GB" dirty="0" smtClean="0">
+                <a:solidFill>
+                  <a:schemeClr val="tx1"/>
+                </a:solidFill>
+              </a:rPr>
+              <a:t>Username &amp; ID</a:t>
+            </a:r>
+            <a:endParaRPr lang="en-GB" dirty="0">
+              <a:solidFill>
+                <a:schemeClr val="tx1"/>
+              </a:solidFill>
+            </a:endParaRPr>
+          </a:p>
+        </p:txBody>
+      </p:sp>
+      <p:sp>
+        <p:nvSpPr>
+          <p:cNvPr id="49" name="Rectangle 48"/>
+          <p:cNvSpPr/>
+          <p:nvPr/>
+        </p:nvSpPr>
+        <p:spPr>
+          <a:xfrm>
+            <a:off x="3467100" y="2419350"/>
+            <a:ext cx="742950" cy="381000"/>
+          </a:xfrm>
+          <a:prstGeom prst="rect">
+            <a:avLst/>
+          </a:prstGeom>
+          <a:solidFill>
+            <a:schemeClr val="bg1"/>
+          </a:solidFill>
+          <a:ln>
+            <a:solidFill>
+              <a:schemeClr val="tx1"/>
+            </a:solidFill>
+          </a:ln>
+        </p:spPr>
+        <p:style>
+          <a:lnRef idx="2">
+            <a:schemeClr val="accent1">
+              <a:shade val="50000"/>
+            </a:schemeClr>
+          </a:lnRef>
+          <a:fillRef idx="1">
+            <a:schemeClr val="accent1"/>
+          </a:fillRef>
+          <a:effectRef idx="0">
+            <a:schemeClr val="accent1"/>
+          </a:effectRef>
+          <a:fontRef idx="minor">
+            <a:schemeClr val="lt1"/>
+          </a:fontRef>
+        </p:style>
+        <p:txBody>
+          <a:bodyPr rtlCol="0" anchor="ctr"/>
+          <a:lstStyle/>
+          <a:p>
+            <a:pPr algn="ctr"/>
+            <a:r>
+              <a:rPr lang="en-GB" dirty="0" smtClean="0">
+                <a:ln>
+                  <a:solidFill>
+                    <a:sysClr val="windowText" lastClr="000000"/>
+                  </a:solidFill>
+                </a:ln>
+                <a:solidFill>
+                  <a:schemeClr val="tx1"/>
+                </a:solidFill>
+              </a:rPr>
+              <a:t>Title</a:t>
+            </a:r>
+            <a:endParaRPr lang="en-GB" dirty="0">
+              <a:ln>
+                <a:solidFill>
+                  <a:sysClr val="windowText" lastClr="000000"/>
+                </a:solidFill>
+              </a:ln>
+              <a:solidFill>
+                <a:schemeClr val="tx1"/>
+              </a:solidFill>
+            </a:endParaRPr>
+          </a:p>
+        </p:txBody>
+      </p:sp>
+      <p:sp>
+        <p:nvSpPr>
+          <p:cNvPr id="50" name="Rectangle 49"/>
+          <p:cNvSpPr/>
+          <p:nvPr/>
+        </p:nvSpPr>
+        <p:spPr>
+          <a:xfrm>
+            <a:off x="4819650" y="2419350"/>
+            <a:ext cx="1409700" cy="381000"/>
+          </a:xfrm>
+          <a:prstGeom prst="rect">
+            <a:avLst/>
+          </a:prstGeom>
+          <a:solidFill>
+            <a:schemeClr val="bg1"/>
+          </a:solidFill>
+          <a:ln>
+            <a:solidFill>
+              <a:schemeClr val="tx1"/>
+            </a:solidFill>
+          </a:ln>
+        </p:spPr>
+        <p:style>
+          <a:lnRef idx="2">
+            <a:schemeClr val="accent1">
+              <a:shade val="50000"/>
+            </a:schemeClr>
+          </a:lnRef>
+          <a:fillRef idx="1">
+            <a:schemeClr val="accent1"/>
+          </a:fillRef>
+          <a:effectRef idx="0">
+            <a:schemeClr val="accent1"/>
+          </a:effectRef>
+          <a:fontRef idx="minor">
+            <a:schemeClr val="lt1"/>
+          </a:fontRef>
+        </p:style>
+        <p:txBody>
+          <a:bodyPr rtlCol="0" anchor="ctr"/>
+          <a:lstStyle/>
+          <a:p>
+            <a:pPr algn="ctr"/>
+            <a:r>
+              <a:rPr lang="en-GB" dirty="0" smtClean="0">
+                <a:ln>
+                  <a:solidFill>
+                    <a:sysClr val="windowText" lastClr="000000"/>
+                  </a:solidFill>
+                </a:ln>
+                <a:solidFill>
+                  <a:schemeClr val="tx1"/>
+                </a:solidFill>
+              </a:rPr>
+              <a:t>First Name</a:t>
+            </a:r>
+            <a:endParaRPr lang="en-GB" dirty="0">
+              <a:ln>
+                <a:solidFill>
+                  <a:sysClr val="windowText" lastClr="000000"/>
+                </a:solidFill>
+              </a:ln>
+              <a:solidFill>
+                <a:schemeClr val="tx1"/>
+              </a:solidFill>
+            </a:endParaRPr>
+          </a:p>
+        </p:txBody>
+      </p:sp>
+      <p:sp>
+        <p:nvSpPr>
+          <p:cNvPr id="51" name="Rectangle 50"/>
+          <p:cNvSpPr/>
+          <p:nvPr/>
+        </p:nvSpPr>
+        <p:spPr>
+          <a:xfrm>
+            <a:off x="6838950" y="2419350"/>
+            <a:ext cx="1409700" cy="361950"/>
+          </a:xfrm>
+          <a:prstGeom prst="rect">
+            <a:avLst/>
+          </a:prstGeom>
+          <a:solidFill>
+            <a:schemeClr val="bg1"/>
+          </a:solidFill>
+          <a:ln>
+            <a:solidFill>
+              <a:schemeClr val="tx1"/>
+            </a:solidFill>
+          </a:ln>
+        </p:spPr>
+        <p:style>
+          <a:lnRef idx="2">
+            <a:schemeClr val="accent1">
+              <a:shade val="50000"/>
+            </a:schemeClr>
+          </a:lnRef>
+          <a:fillRef idx="1">
+            <a:schemeClr val="accent1"/>
+          </a:fillRef>
+          <a:effectRef idx="0">
+            <a:schemeClr val="accent1"/>
+          </a:effectRef>
+          <a:fontRef idx="minor">
+            <a:schemeClr val="lt1"/>
+          </a:fontRef>
+        </p:style>
+        <p:txBody>
+          <a:bodyPr rtlCol="0" anchor="ctr"/>
+          <a:lstStyle/>
+          <a:p>
+            <a:pPr algn="ctr"/>
+            <a:r>
+              <a:rPr lang="en-GB" dirty="0" smtClean="0">
+                <a:ln>
+                  <a:solidFill>
+                    <a:sysClr val="windowText" lastClr="000000"/>
+                  </a:solidFill>
+                </a:ln>
+                <a:solidFill>
+                  <a:schemeClr val="tx1"/>
+                </a:solidFill>
+              </a:rPr>
+              <a:t>Surname </a:t>
+            </a:r>
+            <a:endParaRPr lang="en-GB" dirty="0">
+              <a:ln>
+                <a:solidFill>
+                  <a:sysClr val="windowText" lastClr="000000"/>
+                </a:solidFill>
+              </a:ln>
+              <a:solidFill>
+                <a:schemeClr val="tx1"/>
+              </a:solidFill>
+            </a:endParaRPr>
+          </a:p>
+        </p:txBody>
+      </p:sp>
+      <p:sp>
+        <p:nvSpPr>
+          <p:cNvPr id="52" name="Rectangle 51"/>
+          <p:cNvSpPr/>
+          <p:nvPr/>
+        </p:nvSpPr>
+        <p:spPr>
+          <a:xfrm>
+            <a:off x="3467100" y="3314699"/>
+            <a:ext cx="742950" cy="381000"/>
+          </a:xfrm>
+          <a:prstGeom prst="rect">
+            <a:avLst/>
+          </a:prstGeom>
+          <a:solidFill>
+            <a:schemeClr val="bg1"/>
+          </a:solidFill>
+          <a:ln>
+            <a:solidFill>
+              <a:schemeClr val="tx1"/>
+            </a:solidFill>
+          </a:ln>
+        </p:spPr>
+        <p:style>
+          <a:lnRef idx="2">
+            <a:schemeClr val="accent1">
+              <a:shade val="50000"/>
+            </a:schemeClr>
+          </a:lnRef>
+          <a:fillRef idx="1">
+            <a:schemeClr val="accent1"/>
+          </a:fillRef>
+          <a:effectRef idx="0">
+            <a:schemeClr val="accent1"/>
+          </a:effectRef>
+          <a:fontRef idx="minor">
+            <a:schemeClr val="lt1"/>
+          </a:fontRef>
+        </p:style>
+        <p:txBody>
+          <a:bodyPr rtlCol="0" anchor="ctr"/>
+          <a:lstStyle/>
+          <a:p>
+            <a:pPr algn="ctr"/>
+            <a:r>
+              <a:rPr lang="en-GB" dirty="0" smtClean="0">
+                <a:ln>
+                  <a:solidFill>
+                    <a:sysClr val="windowText" lastClr="000000"/>
+                  </a:solidFill>
+                </a:ln>
+                <a:solidFill>
+                  <a:schemeClr val="tx1"/>
+                </a:solidFill>
+              </a:rPr>
+              <a:t>D.O.B</a:t>
+            </a:r>
+            <a:endParaRPr lang="en-GB" dirty="0">
+              <a:ln>
+                <a:solidFill>
+                  <a:sysClr val="windowText" lastClr="000000"/>
+                </a:solidFill>
+              </a:ln>
+              <a:solidFill>
+                <a:schemeClr val="tx1"/>
+              </a:solidFill>
+            </a:endParaRPr>
+          </a:p>
+        </p:txBody>
+      </p:sp>
+      <p:sp>
+        <p:nvSpPr>
+          <p:cNvPr id="53" name="Rectangle 52"/>
+          <p:cNvSpPr/>
+          <p:nvPr/>
+        </p:nvSpPr>
+        <p:spPr>
+          <a:xfrm>
+            <a:off x="4591050" y="3290887"/>
+            <a:ext cx="1933575" cy="390525"/>
+          </a:xfrm>
+          <a:prstGeom prst="rect">
+            <a:avLst/>
+          </a:prstGeom>
+          <a:solidFill>
+            <a:schemeClr val="bg1"/>
+          </a:solidFill>
+          <a:ln>
+            <a:solidFill>
+              <a:schemeClr val="tx1"/>
+            </a:solidFill>
+          </a:ln>
+        </p:spPr>
+        <p:style>
+          <a:lnRef idx="2">
+            <a:schemeClr val="accent1">
+              <a:shade val="50000"/>
+            </a:schemeClr>
+          </a:lnRef>
+          <a:fillRef idx="1">
+            <a:schemeClr val="accent1"/>
+          </a:fillRef>
+          <a:effectRef idx="0">
+            <a:schemeClr val="accent1"/>
+          </a:effectRef>
+          <a:fontRef idx="minor">
+            <a:schemeClr val="lt1"/>
+          </a:fontRef>
+        </p:style>
+        <p:txBody>
+          <a:bodyPr rtlCol="0" anchor="ctr"/>
+          <a:lstStyle/>
+          <a:p>
+            <a:pPr algn="ctr"/>
+            <a:r>
+              <a:rPr lang="en-GB" dirty="0" smtClean="0">
+                <a:ln>
+                  <a:solidFill>
+                    <a:sysClr val="windowText" lastClr="000000"/>
+                  </a:solidFill>
+                </a:ln>
+                <a:solidFill>
+                  <a:schemeClr val="tx1"/>
+                </a:solidFill>
+              </a:rPr>
+              <a:t>Address Line 1</a:t>
+            </a:r>
+            <a:endParaRPr lang="en-GB" dirty="0">
+              <a:ln>
+                <a:solidFill>
+                  <a:sysClr val="windowText" lastClr="000000"/>
+                </a:solidFill>
+              </a:ln>
+              <a:solidFill>
+                <a:schemeClr val="tx1"/>
+              </a:solidFill>
+            </a:endParaRPr>
+          </a:p>
+        </p:txBody>
+      </p:sp>
+      <p:sp>
+        <p:nvSpPr>
+          <p:cNvPr id="54" name="Rectangle 53"/>
+          <p:cNvSpPr/>
+          <p:nvPr/>
+        </p:nvSpPr>
+        <p:spPr>
+          <a:xfrm>
+            <a:off x="6738937" y="3290887"/>
+            <a:ext cx="1304926" cy="361950"/>
+          </a:xfrm>
+          <a:prstGeom prst="rect">
+            <a:avLst/>
+          </a:prstGeom>
+          <a:solidFill>
+            <a:schemeClr val="bg1"/>
+          </a:solidFill>
+          <a:ln>
+            <a:solidFill>
+              <a:schemeClr val="tx1"/>
+            </a:solidFill>
+          </a:ln>
+        </p:spPr>
+        <p:style>
+          <a:lnRef idx="2">
+            <a:schemeClr val="accent1">
+              <a:shade val="50000"/>
+            </a:schemeClr>
+          </a:lnRef>
+          <a:fillRef idx="1">
+            <a:schemeClr val="accent1"/>
+          </a:fillRef>
+          <a:effectRef idx="0">
+            <a:schemeClr val="accent1"/>
+          </a:effectRef>
+          <a:fontRef idx="minor">
+            <a:schemeClr val="lt1"/>
+          </a:fontRef>
+        </p:style>
+        <p:txBody>
+          <a:bodyPr rtlCol="0" anchor="ctr"/>
+          <a:lstStyle/>
+          <a:p>
+            <a:pPr algn="ctr"/>
+            <a:r>
+              <a:rPr lang="en-GB" dirty="0" smtClean="0">
+                <a:ln>
+                  <a:solidFill>
+                    <a:sysClr val="windowText" lastClr="000000"/>
+                  </a:solidFill>
+                </a:ln>
+                <a:solidFill>
+                  <a:schemeClr val="tx1"/>
+                </a:solidFill>
+              </a:rPr>
+              <a:t>Postcode </a:t>
+            </a:r>
+            <a:endParaRPr lang="en-GB" dirty="0">
+              <a:ln>
+                <a:solidFill>
+                  <a:sysClr val="windowText" lastClr="000000"/>
+                </a:solidFill>
+              </a:ln>
+              <a:solidFill>
+                <a:schemeClr val="tx1"/>
+              </a:solidFill>
+            </a:endParaRPr>
+          </a:p>
+        </p:txBody>
+      </p:sp>
+      <p:sp>
+        <p:nvSpPr>
+          <p:cNvPr id="55" name="Rectangle 54"/>
+          <p:cNvSpPr/>
+          <p:nvPr/>
+        </p:nvSpPr>
+        <p:spPr>
+          <a:xfrm>
+            <a:off x="8334375" y="3240880"/>
+            <a:ext cx="1071562" cy="490537"/>
+          </a:xfrm>
+          <a:prstGeom prst="rect">
+            <a:avLst/>
+          </a:prstGeom>
+          <a:solidFill>
+            <a:schemeClr val="bg1"/>
+          </a:solidFill>
+          <a:ln>
+            <a:solidFill>
+              <a:schemeClr val="tx1"/>
+            </a:solidFill>
+          </a:ln>
+        </p:spPr>
+        <p:style>
+          <a:lnRef idx="2">
+            <a:schemeClr val="accent1">
+              <a:shade val="50000"/>
+            </a:schemeClr>
+          </a:lnRef>
+          <a:fillRef idx="1">
+            <a:schemeClr val="accent1"/>
+          </a:fillRef>
+          <a:effectRef idx="0">
+            <a:schemeClr val="accent1"/>
+          </a:effectRef>
+          <a:fontRef idx="minor">
+            <a:schemeClr val="lt1"/>
+          </a:fontRef>
+        </p:style>
+        <p:txBody>
+          <a:bodyPr rtlCol="0" anchor="ctr"/>
+          <a:lstStyle/>
+          <a:p>
+            <a:pPr algn="ctr"/>
+            <a:r>
+              <a:rPr lang="en-GB" sz="1200" dirty="0" smtClean="0">
+                <a:ln>
+                  <a:solidFill>
+                    <a:sysClr val="windowText" lastClr="000000"/>
+                  </a:solidFill>
+                </a:ln>
+                <a:solidFill>
+                  <a:schemeClr val="tx1"/>
+                </a:solidFill>
+              </a:rPr>
+              <a:t>County &amp; Country</a:t>
+            </a:r>
+            <a:endParaRPr lang="en-GB" sz="1200" dirty="0">
+              <a:ln>
+                <a:solidFill>
+                  <a:sysClr val="windowText" lastClr="000000"/>
+                </a:solidFill>
+              </a:ln>
+              <a:solidFill>
+                <a:schemeClr val="tx1"/>
+              </a:solidFill>
+            </a:endParaRPr>
+          </a:p>
+        </p:txBody>
+      </p:sp>
+      <p:sp>
+        <p:nvSpPr>
+          <p:cNvPr id="56" name="Rectangle 55"/>
+          <p:cNvSpPr/>
+          <p:nvPr/>
+        </p:nvSpPr>
+        <p:spPr>
+          <a:xfrm>
+            <a:off x="4210051" y="3945059"/>
+            <a:ext cx="2019300" cy="381000"/>
+          </a:xfrm>
+          <a:prstGeom prst="rect">
+            <a:avLst/>
+          </a:prstGeom>
+          <a:solidFill>
+            <a:schemeClr val="bg1"/>
+          </a:solidFill>
+          <a:ln>
+            <a:solidFill>
+              <a:schemeClr val="tx1"/>
+            </a:solidFill>
+          </a:ln>
+        </p:spPr>
+        <p:style>
+          <a:lnRef idx="2">
+            <a:schemeClr val="accent1">
+              <a:shade val="50000"/>
+            </a:schemeClr>
+          </a:lnRef>
+          <a:fillRef idx="1">
+            <a:schemeClr val="accent1"/>
+          </a:fillRef>
+          <a:effectRef idx="0">
+            <a:schemeClr val="accent1"/>
+          </a:effectRef>
+          <a:fontRef idx="minor">
+            <a:schemeClr val="lt1"/>
+          </a:fontRef>
+        </p:style>
+        <p:txBody>
+          <a:bodyPr rtlCol="0" anchor="ctr"/>
+          <a:lstStyle/>
+          <a:p>
+            <a:pPr algn="ctr"/>
+            <a:r>
+              <a:rPr lang="en-GB" dirty="0" smtClean="0">
+                <a:ln>
+                  <a:solidFill>
+                    <a:sysClr val="windowText" lastClr="000000"/>
+                  </a:solidFill>
+                </a:ln>
+                <a:solidFill>
+                  <a:schemeClr val="tx1"/>
+                </a:solidFill>
+              </a:rPr>
+              <a:t>Company start date </a:t>
+            </a:r>
+            <a:endParaRPr lang="en-GB" dirty="0">
+              <a:ln>
+                <a:solidFill>
+                  <a:sysClr val="windowText" lastClr="000000"/>
+                </a:solidFill>
+              </a:ln>
+              <a:solidFill>
+                <a:schemeClr val="tx1"/>
+              </a:solidFill>
+            </a:endParaRPr>
+          </a:p>
+        </p:txBody>
+      </p:sp>
+      <p:sp>
+        <p:nvSpPr>
+          <p:cNvPr id="57" name="Rectangle 56"/>
+          <p:cNvSpPr/>
+          <p:nvPr/>
+        </p:nvSpPr>
+        <p:spPr>
+          <a:xfrm>
+            <a:off x="6738937" y="3905250"/>
+            <a:ext cx="1737977" cy="381000"/>
+          </a:xfrm>
+          <a:prstGeom prst="rect">
+            <a:avLst/>
+          </a:prstGeom>
+          <a:solidFill>
+            <a:schemeClr val="bg1"/>
+          </a:solidFill>
+          <a:ln>
+            <a:solidFill>
+              <a:schemeClr val="tx1"/>
+            </a:solidFill>
+          </a:ln>
+        </p:spPr>
+        <p:style>
+          <a:lnRef idx="2">
+            <a:schemeClr val="accent1">
+              <a:shade val="50000"/>
+            </a:schemeClr>
+          </a:lnRef>
+          <a:fillRef idx="1">
+            <a:schemeClr val="accent1"/>
+          </a:fillRef>
+          <a:effectRef idx="0">
+            <a:schemeClr val="accent1"/>
+          </a:effectRef>
+          <a:fontRef idx="minor">
+            <a:schemeClr val="lt1"/>
+          </a:fontRef>
+        </p:style>
+        <p:txBody>
+          <a:bodyPr rtlCol="0" anchor="ctr"/>
+          <a:lstStyle/>
+          <a:p>
+            <a:pPr algn="ctr"/>
+            <a:r>
+              <a:rPr lang="en-GB" dirty="0" smtClean="0">
+                <a:ln>
+                  <a:solidFill>
+                    <a:sysClr val="windowText" lastClr="000000"/>
+                  </a:solidFill>
+                </a:ln>
+                <a:solidFill>
+                  <a:schemeClr val="tx1"/>
+                </a:solidFill>
+              </a:rPr>
+              <a:t>Company role </a:t>
+            </a:r>
+            <a:endParaRPr lang="en-GB" dirty="0">
+              <a:ln>
+                <a:solidFill>
+                  <a:sysClr val="windowText" lastClr="000000"/>
+                </a:solidFill>
+              </a:ln>
+              <a:solidFill>
+                <a:schemeClr val="tx1"/>
+              </a:solidFill>
+            </a:endParaRPr>
+          </a:p>
+        </p:txBody>
+      </p:sp>
+      <p:sp>
+        <p:nvSpPr>
+          <p:cNvPr id="58" name="Rectangle 57"/>
+          <p:cNvSpPr/>
+          <p:nvPr/>
+        </p:nvSpPr>
+        <p:spPr>
+          <a:xfrm>
+            <a:off x="5486400" y="4607045"/>
+            <a:ext cx="2019300" cy="498353"/>
+          </a:xfrm>
+          <a:prstGeom prst="rect">
+            <a:avLst/>
+          </a:prstGeom>
+          <a:solidFill>
+            <a:schemeClr val="bg1"/>
+          </a:solidFill>
+          <a:ln>
+            <a:solidFill>
+              <a:schemeClr val="tx1"/>
+            </a:solidFill>
+          </a:ln>
+        </p:spPr>
+        <p:style>
+          <a:lnRef idx="2">
+            <a:schemeClr val="accent1">
+              <a:shade val="50000"/>
+            </a:schemeClr>
+          </a:lnRef>
+          <a:fillRef idx="1">
+            <a:schemeClr val="accent1"/>
+          </a:fillRef>
+          <a:effectRef idx="0">
+            <a:schemeClr val="accent1"/>
+          </a:effectRef>
+          <a:fontRef idx="minor">
+            <a:schemeClr val="lt1"/>
+          </a:fontRef>
+        </p:style>
+        <p:txBody>
+          <a:bodyPr rtlCol="0" anchor="ctr"/>
+          <a:lstStyle/>
+          <a:p>
+            <a:pPr algn="ctr"/>
+            <a:r>
+              <a:rPr lang="en-GB" dirty="0" smtClean="0">
+                <a:ln>
+                  <a:solidFill>
+                    <a:sysClr val="windowText" lastClr="000000"/>
+                  </a:solidFill>
+                </a:ln>
+                <a:solidFill>
+                  <a:schemeClr val="tx1"/>
+                </a:solidFill>
+              </a:rPr>
+              <a:t>Change Information </a:t>
+            </a:r>
+            <a:endParaRPr lang="en-GB" dirty="0">
+              <a:ln>
+                <a:solidFill>
+                  <a:sysClr val="windowText" lastClr="000000"/>
+                </a:solidFill>
+              </a:ln>
+              <a:solidFill>
+                <a:schemeClr val="tx1"/>
+              </a:solidFill>
+            </a:endParaRPr>
+          </a:p>
+        </p:txBody>
+      </p:sp>
+      <p:sp>
+        <p:nvSpPr>
+          <p:cNvPr id="77" name="Rectangle 76"/>
+          <p:cNvSpPr/>
+          <p:nvPr/>
+        </p:nvSpPr>
+        <p:spPr>
+          <a:xfrm>
+            <a:off x="3357026" y="4606957"/>
+            <a:ext cx="2019300" cy="498353"/>
+          </a:xfrm>
+          <a:prstGeom prst="rect">
+            <a:avLst/>
+          </a:prstGeom>
+          <a:solidFill>
+            <a:schemeClr val="bg1"/>
+          </a:solidFill>
+          <a:ln>
+            <a:solidFill>
+              <a:schemeClr val="tx1"/>
+            </a:solidFill>
+          </a:ln>
+        </p:spPr>
+        <p:style>
+          <a:lnRef idx="2">
+            <a:schemeClr val="accent1">
+              <a:shade val="50000"/>
+            </a:schemeClr>
+          </a:lnRef>
+          <a:fillRef idx="1">
+            <a:schemeClr val="accent1"/>
+          </a:fillRef>
+          <a:effectRef idx="0">
+            <a:schemeClr val="accent1"/>
+          </a:effectRef>
+          <a:fontRef idx="minor">
+            <a:schemeClr val="lt1"/>
+          </a:fontRef>
+        </p:style>
+        <p:txBody>
+          <a:bodyPr rtlCol="0" anchor="ctr"/>
+          <a:lstStyle/>
+          <a:p>
+            <a:pPr algn="ctr"/>
+            <a:r>
+              <a:rPr lang="en-GB" dirty="0" smtClean="0">
+                <a:ln>
+                  <a:solidFill>
+                    <a:sysClr val="windowText" lastClr="000000"/>
+                  </a:solidFill>
+                </a:ln>
+                <a:solidFill>
+                  <a:schemeClr val="tx1"/>
+                </a:solidFill>
+              </a:rPr>
+              <a:t>Delete user</a:t>
+            </a:r>
+            <a:endParaRPr lang="en-GB" dirty="0">
+              <a:ln>
+                <a:solidFill>
+                  <a:sysClr val="windowText" lastClr="000000"/>
+                </a:solidFill>
+              </a:ln>
+              <a:solidFill>
+                <a:schemeClr val="tx1"/>
+              </a:solidFill>
+            </a:endParaRPr>
+          </a:p>
+        </p:txBody>
+      </p:sp>
+      <p:sp>
+        <p:nvSpPr>
+          <p:cNvPr id="78" name="Rectangle 77"/>
+          <p:cNvSpPr/>
+          <p:nvPr/>
+        </p:nvSpPr>
+        <p:spPr>
+          <a:xfrm>
+            <a:off x="7570363" y="4602954"/>
+            <a:ext cx="2019300" cy="498353"/>
+          </a:xfrm>
+          <a:prstGeom prst="rect">
+            <a:avLst/>
+          </a:prstGeom>
+          <a:solidFill>
+            <a:schemeClr val="bg1"/>
+          </a:solidFill>
+          <a:ln>
+            <a:solidFill>
+              <a:schemeClr val="tx1"/>
+            </a:solidFill>
+          </a:ln>
+        </p:spPr>
+        <p:style>
+          <a:lnRef idx="2">
+            <a:schemeClr val="accent1">
+              <a:shade val="50000"/>
+            </a:schemeClr>
+          </a:lnRef>
+          <a:fillRef idx="1">
+            <a:schemeClr val="accent1"/>
+          </a:fillRef>
+          <a:effectRef idx="0">
+            <a:schemeClr val="accent1"/>
+          </a:effectRef>
+          <a:fontRef idx="minor">
+            <a:schemeClr val="lt1"/>
+          </a:fontRef>
+        </p:style>
+        <p:txBody>
+          <a:bodyPr rtlCol="0" anchor="ctr"/>
+          <a:lstStyle/>
+          <a:p>
+            <a:pPr algn="ctr"/>
             <a:r>
               <a:rPr lang="en-GB" dirty="0" smtClean="0">
                 <a:ln>
@@ -9267,7 +10454,7 @@
 </p:sld>
 </file>
 
-<file path=ppt/slides/slide7.xml><?xml version="1.0" encoding="utf-8"?>
+<file path=ppt/slides/slide8.xml><?xml version="1.0" encoding="utf-8"?>
 <p:sld xmlns:a="http://schemas.openxmlformats.org/drawingml/2006/main" xmlns:r="http://schemas.openxmlformats.org/officeDocument/2006/relationships" xmlns:p="http://schemas.openxmlformats.org/presentationml/2006/main">
   <p:cSld>
     <p:spTree>
